--- a/Presentation/要件定義.pptx
+++ b/Presentation/要件定義.pptx
@@ -8,16 +8,18 @@
     <p:sldId id="256" r:id="rId2"/>
     <p:sldId id="258" r:id="rId3"/>
     <p:sldId id="259" r:id="rId4"/>
-    <p:sldId id="260" r:id="rId5"/>
+    <p:sldId id="270" r:id="rId5"/>
     <p:sldId id="261" r:id="rId6"/>
     <p:sldId id="263" r:id="rId7"/>
     <p:sldId id="262" r:id="rId8"/>
     <p:sldId id="264" r:id="rId9"/>
-    <p:sldId id="257" r:id="rId10"/>
-    <p:sldId id="266" r:id="rId11"/>
-    <p:sldId id="265" r:id="rId12"/>
-    <p:sldId id="267" r:id="rId13"/>
-    <p:sldId id="268" r:id="rId14"/>
+    <p:sldId id="271" r:id="rId10"/>
+    <p:sldId id="257" r:id="rId11"/>
+    <p:sldId id="269" r:id="rId12"/>
+    <p:sldId id="266" r:id="rId13"/>
+    <p:sldId id="265" r:id="rId14"/>
+    <p:sldId id="267" r:id="rId15"/>
+    <p:sldId id="268" r:id="rId16"/>
   </p:sldIdLst>
   <p:sldSz cx="12192000" cy="6858000"/>
   <p:notesSz cx="6858000" cy="9144000"/>
@@ -124,6 +126,1095 @@
 </p:presentation>
 </file>
 
+<file path=ppt/charts/chart1.xml><?xml version="1.0" encoding="utf-8"?>
+<c:chartSpace xmlns:c="http://schemas.openxmlformats.org/drawingml/2006/chart" xmlns:a="http://schemas.openxmlformats.org/drawingml/2006/main" xmlns:r="http://schemas.openxmlformats.org/officeDocument/2006/relationships" xmlns:c16r2="http://schemas.microsoft.com/office/drawing/2015/06/chart">
+  <c:date1904 val="0"/>
+  <c:lang val="ja-JP"/>
+  <c:roundedCorners val="0"/>
+  <mc:AlternateContent xmlns:mc="http://schemas.openxmlformats.org/markup-compatibility/2006">
+    <mc:Choice xmlns:c14="http://schemas.microsoft.com/office/drawing/2007/8/2/chart" Requires="c14">
+      <c14:style val="102"/>
+    </mc:Choice>
+    <mc:Fallback>
+      <c:style val="2"/>
+    </mc:Fallback>
+  </mc:AlternateContent>
+  <c:chart>
+    <c:title>
+      <c:tx>
+        <c:rich>
+          <a:bodyPr rot="0" spcFirstLastPara="1" vertOverflow="ellipsis" vert="horz" wrap="square" anchor="ctr" anchorCtr="1"/>
+          <a:lstStyle/>
+          <a:p>
+            <a:pPr>
+              <a:defRPr sz="1862" b="0" i="0" u="none" strike="noStrike" kern="1200" spc="0" baseline="0">
+                <a:solidFill>
+                  <a:schemeClr val="tx1">
+                    <a:lumMod val="65000"/>
+                    <a:lumOff val="35000"/>
+                  </a:schemeClr>
+                </a:solidFill>
+                <a:latin typeface="+mn-lt"/>
+                <a:ea typeface="+mn-ea"/>
+                <a:cs typeface="+mn-cs"/>
+              </a:defRPr>
+            </a:pPr>
+            <a:r>
+              <a:rPr lang="ja-JP"/>
+              <a:t>販売状況</a:t>
+            </a:r>
+          </a:p>
+        </c:rich>
+      </c:tx>
+      <c:layout/>
+      <c:overlay val="0"/>
+      <c:spPr>
+        <a:noFill/>
+        <a:ln>
+          <a:noFill/>
+        </a:ln>
+        <a:effectLst/>
+      </c:spPr>
+      <c:txPr>
+        <a:bodyPr rot="0" spcFirstLastPara="1" vertOverflow="ellipsis" vert="horz" wrap="square" anchor="ctr" anchorCtr="1"/>
+        <a:lstStyle/>
+        <a:p>
+          <a:pPr>
+            <a:defRPr sz="1862" b="0" i="0" u="none" strike="noStrike" kern="1200" spc="0" baseline="0">
+              <a:solidFill>
+                <a:schemeClr val="tx1">
+                  <a:lumMod val="65000"/>
+                  <a:lumOff val="35000"/>
+                </a:schemeClr>
+              </a:solidFill>
+              <a:latin typeface="+mn-lt"/>
+              <a:ea typeface="+mn-ea"/>
+              <a:cs typeface="+mn-cs"/>
+            </a:defRPr>
+          </a:pPr>
+          <a:endParaRPr lang="ja-JP"/>
+        </a:p>
+      </c:txPr>
+    </c:title>
+    <c:autoTitleDeleted val="0"/>
+    <c:plotArea>
+      <c:layout/>
+      <c:lineChart>
+        <c:grouping val="standard"/>
+        <c:varyColors val="0"/>
+        <c:ser>
+          <c:idx val="0"/>
+          <c:order val="0"/>
+          <c:tx>
+            <c:strRef>
+              <c:f>Sheet1!$B$1</c:f>
+              <c:strCache>
+                <c:ptCount val="1"/>
+                <c:pt idx="0">
+                  <c:v>販売状況</c:v>
+                </c:pt>
+              </c:strCache>
+            </c:strRef>
+          </c:tx>
+          <c:spPr>
+            <a:ln w="28575" cap="rnd">
+              <a:solidFill>
+                <a:schemeClr val="accent1"/>
+              </a:solidFill>
+              <a:round/>
+            </a:ln>
+            <a:effectLst/>
+          </c:spPr>
+          <c:marker>
+            <c:symbol val="circle"/>
+            <c:size val="5"/>
+            <c:spPr>
+              <a:solidFill>
+                <a:schemeClr val="accent1"/>
+              </a:solidFill>
+              <a:ln w="9525">
+                <a:solidFill>
+                  <a:schemeClr val="accent1"/>
+                </a:solidFill>
+              </a:ln>
+              <a:effectLst/>
+            </c:spPr>
+          </c:marker>
+          <c:cat>
+            <c:strRef>
+              <c:f>Sheet1!$A$2:$A$8</c:f>
+              <c:strCache>
+                <c:ptCount val="7"/>
+                <c:pt idx="0">
+                  <c:v>1日</c:v>
+                </c:pt>
+                <c:pt idx="1">
+                  <c:v>5日</c:v>
+                </c:pt>
+                <c:pt idx="2">
+                  <c:v>10日</c:v>
+                </c:pt>
+                <c:pt idx="3">
+                  <c:v>15日</c:v>
+                </c:pt>
+                <c:pt idx="4">
+                  <c:v>20日</c:v>
+                </c:pt>
+                <c:pt idx="5">
+                  <c:v>25日</c:v>
+                </c:pt>
+                <c:pt idx="6">
+                  <c:v>30日</c:v>
+                </c:pt>
+              </c:strCache>
+            </c:strRef>
+          </c:cat>
+          <c:val>
+            <c:numRef>
+              <c:f>Sheet1!$B$2:$B$8</c:f>
+              <c:numCache>
+                <c:formatCode>General</c:formatCode>
+                <c:ptCount val="7"/>
+                <c:pt idx="0">
+                  <c:v>0</c:v>
+                </c:pt>
+                <c:pt idx="1">
+                  <c:v>300</c:v>
+                </c:pt>
+                <c:pt idx="2">
+                  <c:v>400</c:v>
+                </c:pt>
+                <c:pt idx="3">
+                  <c:v>600</c:v>
+                </c:pt>
+                <c:pt idx="4">
+                  <c:v>800</c:v>
+                </c:pt>
+                <c:pt idx="5">
+                  <c:v>850</c:v>
+                </c:pt>
+                <c:pt idx="6">
+                  <c:v>880</c:v>
+                </c:pt>
+              </c:numCache>
+            </c:numRef>
+          </c:val>
+          <c:smooth val="0"/>
+          <c:extLst>
+            <c:ext xmlns:c16="http://schemas.microsoft.com/office/drawing/2014/chart" uri="{C3380CC4-5D6E-409C-BE32-E72D297353CC}">
+              <c16:uniqueId val="{00000000-D086-46AE-BFD1-D0D4B2FC0DD0}"/>
+            </c:ext>
+          </c:extLst>
+        </c:ser>
+        <c:dLbls>
+          <c:dLblPos val="t"/>
+          <c:showLegendKey val="0"/>
+          <c:showVal val="0"/>
+          <c:showCatName val="0"/>
+          <c:showSerName val="0"/>
+          <c:showPercent val="0"/>
+          <c:showBubbleSize val="0"/>
+        </c:dLbls>
+        <c:marker val="1"/>
+        <c:smooth val="0"/>
+        <c:axId val="1348278944"/>
+        <c:axId val="1348279776"/>
+        <c:extLst>
+          <c:ext xmlns:c15="http://schemas.microsoft.com/office/drawing/2012/chart" uri="{02D57815-91ED-43cb-92C2-25804820EDAC}">
+            <c15:filteredLineSeries>
+              <c15:ser>
+                <c:idx val="1"/>
+                <c:order val="1"/>
+                <c:tx>
+                  <c:strRef>
+                    <c:extLst>
+                      <c:ext uri="{02D57815-91ED-43cb-92C2-25804820EDAC}">
+                        <c15:formulaRef>
+                          <c15:sqref>Sheet1!$C$1</c15:sqref>
+                        </c15:formulaRef>
+                      </c:ext>
+                    </c:extLst>
+                    <c:strCache>
+                      <c:ptCount val="1"/>
+                      <c:pt idx="0">
+                        <c:v>列1</c:v>
+                      </c:pt>
+                    </c:strCache>
+                  </c:strRef>
+                </c:tx>
+                <c:spPr>
+                  <a:ln w="28575" cap="rnd">
+                    <a:solidFill>
+                      <a:schemeClr val="accent2"/>
+                    </a:solidFill>
+                    <a:round/>
+                  </a:ln>
+                  <a:effectLst/>
+                </c:spPr>
+                <c:marker>
+                  <c:symbol val="circle"/>
+                  <c:size val="5"/>
+                  <c:spPr>
+                    <a:solidFill>
+                      <a:schemeClr val="accent2"/>
+                    </a:solidFill>
+                    <a:ln w="9525">
+                      <a:solidFill>
+                        <a:schemeClr val="accent2"/>
+                      </a:solidFill>
+                    </a:ln>
+                    <a:effectLst/>
+                  </c:spPr>
+                </c:marker>
+                <c:cat>
+                  <c:strRef>
+                    <c:extLst>
+                      <c:ext uri="{02D57815-91ED-43cb-92C2-25804820EDAC}">
+                        <c15:formulaRef>
+                          <c15:sqref>Sheet1!$A$2:$A$8</c15:sqref>
+                        </c15:formulaRef>
+                      </c:ext>
+                    </c:extLst>
+                    <c:strCache>
+                      <c:ptCount val="7"/>
+                      <c:pt idx="0">
+                        <c:v>1日</c:v>
+                      </c:pt>
+                      <c:pt idx="1">
+                        <c:v>5日</c:v>
+                      </c:pt>
+                      <c:pt idx="2">
+                        <c:v>10日</c:v>
+                      </c:pt>
+                      <c:pt idx="3">
+                        <c:v>15日</c:v>
+                      </c:pt>
+                      <c:pt idx="4">
+                        <c:v>20日</c:v>
+                      </c:pt>
+                      <c:pt idx="5">
+                        <c:v>25日</c:v>
+                      </c:pt>
+                      <c:pt idx="6">
+                        <c:v>30日</c:v>
+                      </c:pt>
+                    </c:strCache>
+                  </c:strRef>
+                </c:cat>
+                <c:val>
+                  <c:numRef>
+                    <c:extLst>
+                      <c:ext uri="{02D57815-91ED-43cb-92C2-25804820EDAC}">
+                        <c15:formulaRef>
+                          <c15:sqref>Sheet1!$C$2:$C$8</c15:sqref>
+                        </c15:formulaRef>
+                      </c:ext>
+                    </c:extLst>
+                    <c:numCache>
+                      <c:formatCode>General</c:formatCode>
+                      <c:ptCount val="7"/>
+                    </c:numCache>
+                  </c:numRef>
+                </c:val>
+                <c:smooth val="0"/>
+                <c:extLst>
+                  <c:ext xmlns:c16="http://schemas.microsoft.com/office/drawing/2014/chart" uri="{C3380CC4-5D6E-409C-BE32-E72D297353CC}">
+                    <c16:uniqueId val="{00000001-D086-46AE-BFD1-D0D4B2FC0DD0}"/>
+                  </c:ext>
+                </c:extLst>
+              </c15:ser>
+            </c15:filteredLineSeries>
+            <c15:filteredLineSeries>
+              <c15:ser>
+                <c:idx val="2"/>
+                <c:order val="2"/>
+                <c:tx>
+                  <c:strRef>
+                    <c:extLst>
+                      <c:ext xmlns:c15="http://schemas.microsoft.com/office/drawing/2012/chart" uri="{02D57815-91ED-43cb-92C2-25804820EDAC}">
+                        <c15:formulaRef>
+                          <c15:sqref>Sheet1!$D$1</c15:sqref>
+                        </c15:formulaRef>
+                      </c:ext>
+                    </c:extLst>
+                    <c:strCache>
+                      <c:ptCount val="1"/>
+                      <c:pt idx="0">
+                        <c:v>列2</c:v>
+                      </c:pt>
+                    </c:strCache>
+                  </c:strRef>
+                </c:tx>
+                <c:spPr>
+                  <a:ln w="28575" cap="rnd">
+                    <a:solidFill>
+                      <a:schemeClr val="accent3"/>
+                    </a:solidFill>
+                    <a:round/>
+                  </a:ln>
+                  <a:effectLst/>
+                </c:spPr>
+                <c:marker>
+                  <c:symbol val="circle"/>
+                  <c:size val="5"/>
+                  <c:spPr>
+                    <a:solidFill>
+                      <a:schemeClr val="accent3"/>
+                    </a:solidFill>
+                    <a:ln w="9525">
+                      <a:solidFill>
+                        <a:schemeClr val="accent3"/>
+                      </a:solidFill>
+                    </a:ln>
+                    <a:effectLst/>
+                  </c:spPr>
+                </c:marker>
+                <c:cat>
+                  <c:strRef>
+                    <c:extLst>
+                      <c:ext xmlns:c15="http://schemas.microsoft.com/office/drawing/2012/chart" uri="{02D57815-91ED-43cb-92C2-25804820EDAC}">
+                        <c15:formulaRef>
+                          <c15:sqref>Sheet1!$A$2:$A$8</c15:sqref>
+                        </c15:formulaRef>
+                      </c:ext>
+                    </c:extLst>
+                    <c:strCache>
+                      <c:ptCount val="7"/>
+                      <c:pt idx="0">
+                        <c:v>1日</c:v>
+                      </c:pt>
+                      <c:pt idx="1">
+                        <c:v>5日</c:v>
+                      </c:pt>
+                      <c:pt idx="2">
+                        <c:v>10日</c:v>
+                      </c:pt>
+                      <c:pt idx="3">
+                        <c:v>15日</c:v>
+                      </c:pt>
+                      <c:pt idx="4">
+                        <c:v>20日</c:v>
+                      </c:pt>
+                      <c:pt idx="5">
+                        <c:v>25日</c:v>
+                      </c:pt>
+                      <c:pt idx="6">
+                        <c:v>30日</c:v>
+                      </c:pt>
+                    </c:strCache>
+                  </c:strRef>
+                </c:cat>
+                <c:val>
+                  <c:numRef>
+                    <c:extLst>
+                      <c:ext xmlns:c15="http://schemas.microsoft.com/office/drawing/2012/chart" uri="{02D57815-91ED-43cb-92C2-25804820EDAC}">
+                        <c15:formulaRef>
+                          <c15:sqref>Sheet1!$D$2:$D$8</c15:sqref>
+                        </c15:formulaRef>
+                      </c:ext>
+                    </c:extLst>
+                    <c:numCache>
+                      <c:formatCode>General</c:formatCode>
+                      <c:ptCount val="7"/>
+                    </c:numCache>
+                  </c:numRef>
+                </c:val>
+                <c:smooth val="0"/>
+                <c:extLst>
+                  <c:ext xmlns:c16="http://schemas.microsoft.com/office/drawing/2014/chart" uri="{C3380CC4-5D6E-409C-BE32-E72D297353CC}">
+                    <c16:uniqueId val="{00000002-D086-46AE-BFD1-D0D4B2FC0DD0}"/>
+                  </c:ext>
+                </c:extLst>
+              </c15:ser>
+            </c15:filteredLineSeries>
+          </c:ext>
+        </c:extLst>
+      </c:lineChart>
+      <c:catAx>
+        <c:axId val="1348278944"/>
+        <c:scaling>
+          <c:orientation val="minMax"/>
+        </c:scaling>
+        <c:delete val="0"/>
+        <c:axPos val="b"/>
+        <c:numFmt formatCode="General" sourceLinked="1"/>
+        <c:majorTickMark val="none"/>
+        <c:minorTickMark val="none"/>
+        <c:tickLblPos val="nextTo"/>
+        <c:spPr>
+          <a:noFill/>
+          <a:ln w="9525" cap="flat" cmpd="sng" algn="ctr">
+            <a:solidFill>
+              <a:schemeClr val="tx1">
+                <a:lumMod val="15000"/>
+                <a:lumOff val="85000"/>
+              </a:schemeClr>
+            </a:solidFill>
+            <a:round/>
+          </a:ln>
+          <a:effectLst/>
+        </c:spPr>
+        <c:txPr>
+          <a:bodyPr rot="-60000000" spcFirstLastPara="1" vertOverflow="ellipsis" vert="horz" wrap="square" anchor="ctr" anchorCtr="1"/>
+          <a:lstStyle/>
+          <a:p>
+            <a:pPr>
+              <a:defRPr sz="1197" b="0" i="0" u="none" strike="noStrike" kern="1200" baseline="0">
+                <a:solidFill>
+                  <a:schemeClr val="tx1">
+                    <a:lumMod val="65000"/>
+                    <a:lumOff val="35000"/>
+                  </a:schemeClr>
+                </a:solidFill>
+                <a:latin typeface="+mn-lt"/>
+                <a:ea typeface="+mn-ea"/>
+                <a:cs typeface="+mn-cs"/>
+              </a:defRPr>
+            </a:pPr>
+            <a:endParaRPr lang="ja-JP"/>
+          </a:p>
+        </c:txPr>
+        <c:crossAx val="1348279776"/>
+        <c:crosses val="autoZero"/>
+        <c:auto val="1"/>
+        <c:lblAlgn val="ctr"/>
+        <c:lblOffset val="100"/>
+        <c:noMultiLvlLbl val="0"/>
+      </c:catAx>
+      <c:valAx>
+        <c:axId val="1348279776"/>
+        <c:scaling>
+          <c:orientation val="minMax"/>
+        </c:scaling>
+        <c:delete val="0"/>
+        <c:axPos val="l"/>
+        <c:majorGridlines>
+          <c:spPr>
+            <a:ln w="9525" cap="flat" cmpd="sng" algn="ctr">
+              <a:solidFill>
+                <a:schemeClr val="tx1">
+                  <a:lumMod val="15000"/>
+                  <a:lumOff val="85000"/>
+                </a:schemeClr>
+              </a:solidFill>
+              <a:round/>
+            </a:ln>
+            <a:effectLst/>
+          </c:spPr>
+        </c:majorGridlines>
+        <c:numFmt formatCode="General" sourceLinked="1"/>
+        <c:majorTickMark val="none"/>
+        <c:minorTickMark val="none"/>
+        <c:tickLblPos val="nextTo"/>
+        <c:spPr>
+          <a:noFill/>
+          <a:ln>
+            <a:noFill/>
+          </a:ln>
+          <a:effectLst/>
+        </c:spPr>
+        <c:txPr>
+          <a:bodyPr rot="-60000000" spcFirstLastPara="1" vertOverflow="ellipsis" vert="horz" wrap="square" anchor="ctr" anchorCtr="1"/>
+          <a:lstStyle/>
+          <a:p>
+            <a:pPr>
+              <a:defRPr sz="1197" b="0" i="0" u="none" strike="noStrike" kern="1200" baseline="0">
+                <a:solidFill>
+                  <a:schemeClr val="tx1">
+                    <a:lumMod val="65000"/>
+                    <a:lumOff val="35000"/>
+                  </a:schemeClr>
+                </a:solidFill>
+                <a:latin typeface="+mn-lt"/>
+                <a:ea typeface="+mn-ea"/>
+                <a:cs typeface="+mn-cs"/>
+              </a:defRPr>
+            </a:pPr>
+            <a:endParaRPr lang="ja-JP"/>
+          </a:p>
+        </c:txPr>
+        <c:crossAx val="1348278944"/>
+        <c:crosses val="autoZero"/>
+        <c:crossBetween val="between"/>
+      </c:valAx>
+      <c:spPr>
+        <a:noFill/>
+        <a:ln>
+          <a:noFill/>
+        </a:ln>
+        <a:effectLst/>
+      </c:spPr>
+    </c:plotArea>
+    <c:plotVisOnly val="1"/>
+    <c:dispBlanksAs val="gap"/>
+    <c:showDLblsOverMax val="0"/>
+  </c:chart>
+  <c:spPr>
+    <a:noFill/>
+    <a:ln>
+      <a:noFill/>
+    </a:ln>
+    <a:effectLst/>
+  </c:spPr>
+  <c:txPr>
+    <a:bodyPr/>
+    <a:lstStyle/>
+    <a:p>
+      <a:pPr>
+        <a:defRPr/>
+      </a:pPr>
+      <a:endParaRPr lang="ja-JP"/>
+    </a:p>
+  </c:txPr>
+  <c:externalData r:id="rId3">
+    <c:autoUpdate val="0"/>
+  </c:externalData>
+</c:chartSpace>
+</file>
+
+<file path=ppt/charts/colors1.xml><?xml version="1.0" encoding="utf-8"?>
+<cs:colorStyle xmlns:cs="http://schemas.microsoft.com/office/drawing/2012/chartStyle" xmlns:a="http://schemas.openxmlformats.org/drawingml/2006/main" meth="cycle" id="10">
+  <a:schemeClr val="accent1"/>
+  <a:schemeClr val="accent2"/>
+  <a:schemeClr val="accent3"/>
+  <a:schemeClr val="accent4"/>
+  <a:schemeClr val="accent5"/>
+  <a:schemeClr val="accent6"/>
+  <cs:variation/>
+  <cs:variation>
+    <a:lumMod val="60000"/>
+  </cs:variation>
+  <cs:variation>
+    <a:lumMod val="80000"/>
+    <a:lumOff val="20000"/>
+  </cs:variation>
+  <cs:variation>
+    <a:lumMod val="80000"/>
+  </cs:variation>
+  <cs:variation>
+    <a:lumMod val="60000"/>
+    <a:lumOff val="40000"/>
+  </cs:variation>
+  <cs:variation>
+    <a:lumMod val="50000"/>
+  </cs:variation>
+  <cs:variation>
+    <a:lumMod val="70000"/>
+    <a:lumOff val="30000"/>
+  </cs:variation>
+  <cs:variation>
+    <a:lumMod val="70000"/>
+  </cs:variation>
+  <cs:variation>
+    <a:lumMod val="50000"/>
+    <a:lumOff val="50000"/>
+  </cs:variation>
+</cs:colorStyle>
+</file>
+
+<file path=ppt/charts/style1.xml><?xml version="1.0" encoding="utf-8"?>
+<cs:chartStyle xmlns:cs="http://schemas.microsoft.com/office/drawing/2012/chartStyle" xmlns:a="http://schemas.openxmlformats.org/drawingml/2006/main" id="332">
+  <cs:axisTitle>
+    <cs:lnRef idx="0"/>
+    <cs:fillRef idx="0"/>
+    <cs:effectRef idx="0"/>
+    <cs:fontRef idx="minor">
+      <a:schemeClr val="tx1">
+        <a:lumMod val="65000"/>
+        <a:lumOff val="35000"/>
+      </a:schemeClr>
+    </cs:fontRef>
+    <cs:defRPr sz="1330" kern="1200"/>
+  </cs:axisTitle>
+  <cs:categoryAxis>
+    <cs:lnRef idx="0"/>
+    <cs:fillRef idx="0"/>
+    <cs:effectRef idx="0"/>
+    <cs:fontRef idx="minor">
+      <a:schemeClr val="tx1">
+        <a:lumMod val="65000"/>
+        <a:lumOff val="35000"/>
+      </a:schemeClr>
+    </cs:fontRef>
+    <cs:spPr>
+      <a:ln w="9525" cap="flat" cmpd="sng" algn="ctr">
+        <a:solidFill>
+          <a:schemeClr val="tx1">
+            <a:lumMod val="15000"/>
+            <a:lumOff val="85000"/>
+          </a:schemeClr>
+        </a:solidFill>
+        <a:round/>
+      </a:ln>
+    </cs:spPr>
+    <cs:defRPr sz="1197" kern="1200"/>
+  </cs:categoryAxis>
+  <cs:chartArea mods="allowNoFillOverride allowNoLineOverride">
+    <cs:lnRef idx="0"/>
+    <cs:fillRef idx="0"/>
+    <cs:effectRef idx="0"/>
+    <cs:fontRef idx="minor">
+      <a:schemeClr val="tx1"/>
+    </cs:fontRef>
+    <cs:spPr>
+      <a:solidFill>
+        <a:schemeClr val="bg1"/>
+      </a:solidFill>
+      <a:ln w="9525" cap="flat" cmpd="sng" algn="ctr">
+        <a:solidFill>
+          <a:schemeClr val="tx1">
+            <a:lumMod val="15000"/>
+            <a:lumOff val="85000"/>
+          </a:schemeClr>
+        </a:solidFill>
+        <a:round/>
+      </a:ln>
+    </cs:spPr>
+    <cs:defRPr sz="1330" kern="1200"/>
+  </cs:chartArea>
+  <cs:dataLabel>
+    <cs:lnRef idx="0"/>
+    <cs:fillRef idx="0"/>
+    <cs:effectRef idx="0"/>
+    <cs:fontRef idx="minor">
+      <a:schemeClr val="tx1">
+        <a:lumMod val="75000"/>
+        <a:lumOff val="25000"/>
+      </a:schemeClr>
+    </cs:fontRef>
+    <cs:defRPr sz="1197" kern="1200"/>
+  </cs:dataLabel>
+  <cs:dataLabelCallout>
+    <cs:lnRef idx="0"/>
+    <cs:fillRef idx="0"/>
+    <cs:effectRef idx="0"/>
+    <cs:fontRef idx="minor">
+      <a:schemeClr val="dk1">
+        <a:lumMod val="65000"/>
+        <a:lumOff val="35000"/>
+      </a:schemeClr>
+    </cs:fontRef>
+    <cs:spPr>
+      <a:solidFill>
+        <a:schemeClr val="lt1"/>
+      </a:solidFill>
+      <a:ln>
+        <a:solidFill>
+          <a:schemeClr val="dk1">
+            <a:lumMod val="25000"/>
+            <a:lumOff val="75000"/>
+          </a:schemeClr>
+        </a:solidFill>
+      </a:ln>
+    </cs:spPr>
+    <cs:defRPr sz="1197" kern="1200"/>
+    <cs:bodyPr rot="0" spcFirstLastPara="1" vertOverflow="clip" horzOverflow="clip" vert="horz" wrap="square" lIns="36576" tIns="18288" rIns="36576" bIns="18288" anchor="ctr" anchorCtr="1">
+      <a:spAutoFit/>
+    </cs:bodyPr>
+  </cs:dataLabelCallout>
+  <cs:dataPoint>
+    <cs:lnRef idx="0"/>
+    <cs:fillRef idx="1">
+      <cs:styleClr val="auto"/>
+    </cs:fillRef>
+    <cs:effectRef idx="0"/>
+    <cs:fontRef idx="minor">
+      <a:schemeClr val="tx1"/>
+    </cs:fontRef>
+  </cs:dataPoint>
+  <cs:dataPoint3D>
+    <cs:lnRef idx="0"/>
+    <cs:fillRef idx="1">
+      <cs:styleClr val="auto"/>
+    </cs:fillRef>
+    <cs:effectRef idx="0"/>
+    <cs:fontRef idx="minor">
+      <a:schemeClr val="tx1"/>
+    </cs:fontRef>
+  </cs:dataPoint3D>
+  <cs:dataPointLine>
+    <cs:lnRef idx="0">
+      <cs:styleClr val="auto"/>
+    </cs:lnRef>
+    <cs:fillRef idx="1"/>
+    <cs:effectRef idx="0"/>
+    <cs:fontRef idx="minor">
+      <a:schemeClr val="tx1"/>
+    </cs:fontRef>
+    <cs:spPr>
+      <a:ln w="28575" cap="rnd">
+        <a:solidFill>
+          <a:schemeClr val="phClr"/>
+        </a:solidFill>
+        <a:round/>
+      </a:ln>
+    </cs:spPr>
+  </cs:dataPointLine>
+  <cs:dataPointMarker>
+    <cs:lnRef idx="0">
+      <cs:styleClr val="auto"/>
+    </cs:lnRef>
+    <cs:fillRef idx="1">
+      <cs:styleClr val="auto"/>
+    </cs:fillRef>
+    <cs:effectRef idx="0"/>
+    <cs:fontRef idx="minor">
+      <a:schemeClr val="tx1"/>
+    </cs:fontRef>
+    <cs:spPr>
+      <a:ln w="9525">
+        <a:solidFill>
+          <a:schemeClr val="phClr"/>
+        </a:solidFill>
+      </a:ln>
+    </cs:spPr>
+  </cs:dataPointMarker>
+  <cs:dataPointMarkerLayout symbol="circle" size="5"/>
+  <cs:dataPointWireframe>
+    <cs:lnRef idx="0">
+      <cs:styleClr val="auto"/>
+    </cs:lnRef>
+    <cs:fillRef idx="1"/>
+    <cs:effectRef idx="0"/>
+    <cs:fontRef idx="minor">
+      <a:schemeClr val="tx1"/>
+    </cs:fontRef>
+    <cs:spPr>
+      <a:ln w="9525" cap="rnd">
+        <a:solidFill>
+          <a:schemeClr val="phClr"/>
+        </a:solidFill>
+        <a:round/>
+      </a:ln>
+    </cs:spPr>
+  </cs:dataPointWireframe>
+  <cs:dataTable>
+    <cs:lnRef idx="0"/>
+    <cs:fillRef idx="0"/>
+    <cs:effectRef idx="0"/>
+    <cs:fontRef idx="minor">
+      <a:schemeClr val="tx1">
+        <a:lumMod val="65000"/>
+        <a:lumOff val="35000"/>
+      </a:schemeClr>
+    </cs:fontRef>
+    <cs:spPr>
+      <a:noFill/>
+      <a:ln w="9525" cap="flat" cmpd="sng" algn="ctr">
+        <a:solidFill>
+          <a:schemeClr val="tx1">
+            <a:lumMod val="15000"/>
+            <a:lumOff val="85000"/>
+          </a:schemeClr>
+        </a:solidFill>
+        <a:round/>
+      </a:ln>
+    </cs:spPr>
+    <cs:defRPr sz="1197" kern="1200"/>
+  </cs:dataTable>
+  <cs:downBar>
+    <cs:lnRef idx="0"/>
+    <cs:fillRef idx="0"/>
+    <cs:effectRef idx="0"/>
+    <cs:fontRef idx="minor">
+      <a:schemeClr val="dk1"/>
+    </cs:fontRef>
+    <cs:spPr>
+      <a:solidFill>
+        <a:schemeClr val="dk1">
+          <a:lumMod val="65000"/>
+          <a:lumOff val="35000"/>
+        </a:schemeClr>
+      </a:solidFill>
+      <a:ln w="9525">
+        <a:solidFill>
+          <a:schemeClr val="tx1">
+            <a:lumMod val="65000"/>
+            <a:lumOff val="35000"/>
+          </a:schemeClr>
+        </a:solidFill>
+      </a:ln>
+    </cs:spPr>
+  </cs:downBar>
+  <cs:dropLine>
+    <cs:lnRef idx="0"/>
+    <cs:fillRef idx="0"/>
+    <cs:effectRef idx="0"/>
+    <cs:fontRef idx="minor">
+      <a:schemeClr val="tx1"/>
+    </cs:fontRef>
+    <cs:spPr>
+      <a:ln w="9525" cap="flat" cmpd="sng" algn="ctr">
+        <a:solidFill>
+          <a:schemeClr val="tx1">
+            <a:lumMod val="35000"/>
+            <a:lumOff val="65000"/>
+          </a:schemeClr>
+        </a:solidFill>
+        <a:round/>
+      </a:ln>
+    </cs:spPr>
+  </cs:dropLine>
+  <cs:errorBar>
+    <cs:lnRef idx="0"/>
+    <cs:fillRef idx="0"/>
+    <cs:effectRef idx="0"/>
+    <cs:fontRef idx="minor">
+      <a:schemeClr val="tx1"/>
+    </cs:fontRef>
+    <cs:spPr>
+      <a:ln w="9525" cap="flat" cmpd="sng" algn="ctr">
+        <a:solidFill>
+          <a:schemeClr val="tx1">
+            <a:lumMod val="65000"/>
+            <a:lumOff val="35000"/>
+          </a:schemeClr>
+        </a:solidFill>
+        <a:round/>
+      </a:ln>
+    </cs:spPr>
+  </cs:errorBar>
+  <cs:floor>
+    <cs:lnRef idx="0"/>
+    <cs:fillRef idx="0"/>
+    <cs:effectRef idx="0"/>
+    <cs:fontRef idx="minor">
+      <a:schemeClr val="tx1"/>
+    </cs:fontRef>
+    <cs:spPr>
+      <a:noFill/>
+      <a:ln>
+        <a:noFill/>
+      </a:ln>
+    </cs:spPr>
+  </cs:floor>
+  <cs:gridlineMajor>
+    <cs:lnRef idx="0"/>
+    <cs:fillRef idx="0"/>
+    <cs:effectRef idx="0"/>
+    <cs:fontRef idx="minor">
+      <a:schemeClr val="tx1"/>
+    </cs:fontRef>
+    <cs:spPr>
+      <a:ln w="9525" cap="flat" cmpd="sng" algn="ctr">
+        <a:solidFill>
+          <a:schemeClr val="tx1">
+            <a:lumMod val="15000"/>
+            <a:lumOff val="85000"/>
+          </a:schemeClr>
+        </a:solidFill>
+        <a:round/>
+      </a:ln>
+    </cs:spPr>
+  </cs:gridlineMajor>
+  <cs:gridlineMinor>
+    <cs:lnRef idx="0"/>
+    <cs:fillRef idx="0"/>
+    <cs:effectRef idx="0"/>
+    <cs:fontRef idx="minor">
+      <a:schemeClr val="tx1"/>
+    </cs:fontRef>
+    <cs:spPr>
+      <a:ln w="9525" cap="flat" cmpd="sng" algn="ctr">
+        <a:solidFill>
+          <a:schemeClr val="tx1">
+            <a:lumMod val="5000"/>
+            <a:lumOff val="95000"/>
+          </a:schemeClr>
+        </a:solidFill>
+        <a:round/>
+      </a:ln>
+    </cs:spPr>
+  </cs:gridlineMinor>
+  <cs:hiLoLine>
+    <cs:lnRef idx="0"/>
+    <cs:fillRef idx="0"/>
+    <cs:effectRef idx="0"/>
+    <cs:fontRef idx="minor">
+      <a:schemeClr val="tx1"/>
+    </cs:fontRef>
+    <cs:spPr>
+      <a:ln w="9525" cap="flat" cmpd="sng" algn="ctr">
+        <a:solidFill>
+          <a:schemeClr val="tx1">
+            <a:lumMod val="75000"/>
+            <a:lumOff val="25000"/>
+          </a:schemeClr>
+        </a:solidFill>
+        <a:round/>
+      </a:ln>
+    </cs:spPr>
+  </cs:hiLoLine>
+  <cs:leaderLine>
+    <cs:lnRef idx="0"/>
+    <cs:fillRef idx="0"/>
+    <cs:effectRef idx="0"/>
+    <cs:fontRef idx="minor">
+      <a:schemeClr val="tx1"/>
+    </cs:fontRef>
+    <cs:spPr>
+      <a:ln w="9525" cap="flat" cmpd="sng" algn="ctr">
+        <a:solidFill>
+          <a:schemeClr val="tx1">
+            <a:lumMod val="35000"/>
+            <a:lumOff val="65000"/>
+          </a:schemeClr>
+        </a:solidFill>
+        <a:round/>
+      </a:ln>
+    </cs:spPr>
+  </cs:leaderLine>
+  <cs:legend>
+    <cs:lnRef idx="0"/>
+    <cs:fillRef idx="0"/>
+    <cs:effectRef idx="0"/>
+    <cs:fontRef idx="minor">
+      <a:schemeClr val="tx1">
+        <a:lumMod val="65000"/>
+        <a:lumOff val="35000"/>
+      </a:schemeClr>
+    </cs:fontRef>
+    <cs:defRPr sz="1197" kern="1200"/>
+  </cs:legend>
+  <cs:plotArea mods="allowNoFillOverride allowNoLineOverride">
+    <cs:lnRef idx="0"/>
+    <cs:fillRef idx="0"/>
+    <cs:effectRef idx="0"/>
+    <cs:fontRef idx="minor">
+      <a:schemeClr val="tx1"/>
+    </cs:fontRef>
+  </cs:plotArea>
+  <cs:plotArea3D mods="allowNoFillOverride allowNoLineOverride">
+    <cs:lnRef idx="0"/>
+    <cs:fillRef idx="0"/>
+    <cs:effectRef idx="0"/>
+    <cs:fontRef idx="minor">
+      <a:schemeClr val="tx1"/>
+    </cs:fontRef>
+  </cs:plotArea3D>
+  <cs:seriesAxis>
+    <cs:lnRef idx="0"/>
+    <cs:fillRef idx="0"/>
+    <cs:effectRef idx="0"/>
+    <cs:fontRef idx="minor">
+      <a:schemeClr val="tx1">
+        <a:lumMod val="65000"/>
+        <a:lumOff val="35000"/>
+      </a:schemeClr>
+    </cs:fontRef>
+    <cs:defRPr sz="1197" kern="1200"/>
+  </cs:seriesAxis>
+  <cs:seriesLine>
+    <cs:lnRef idx="0"/>
+    <cs:fillRef idx="0"/>
+    <cs:effectRef idx="0"/>
+    <cs:fontRef idx="minor">
+      <a:schemeClr val="tx1"/>
+    </cs:fontRef>
+    <cs:spPr>
+      <a:ln w="9525" cap="flat" cmpd="sng" algn="ctr">
+        <a:solidFill>
+          <a:schemeClr val="tx1">
+            <a:lumMod val="35000"/>
+            <a:lumOff val="65000"/>
+          </a:schemeClr>
+        </a:solidFill>
+        <a:round/>
+      </a:ln>
+    </cs:spPr>
+  </cs:seriesLine>
+  <cs:title>
+    <cs:lnRef idx="0"/>
+    <cs:fillRef idx="0"/>
+    <cs:effectRef idx="0"/>
+    <cs:fontRef idx="minor">
+      <a:schemeClr val="tx1">
+        <a:lumMod val="65000"/>
+        <a:lumOff val="35000"/>
+      </a:schemeClr>
+    </cs:fontRef>
+    <cs:defRPr sz="1862" b="0" kern="1200" spc="0" baseline="0"/>
+  </cs:title>
+  <cs:trendline>
+    <cs:lnRef idx="0">
+      <cs:styleClr val="auto"/>
+    </cs:lnRef>
+    <cs:fillRef idx="0"/>
+    <cs:effectRef idx="0"/>
+    <cs:fontRef idx="minor">
+      <a:schemeClr val="tx1"/>
+    </cs:fontRef>
+    <cs:spPr>
+      <a:ln w="19050" cap="rnd">
+        <a:solidFill>
+          <a:schemeClr val="phClr"/>
+        </a:solidFill>
+        <a:prstDash val="sysDot"/>
+      </a:ln>
+    </cs:spPr>
+  </cs:trendline>
+  <cs:trendlineLabel>
+    <cs:lnRef idx="0"/>
+    <cs:fillRef idx="0"/>
+    <cs:effectRef idx="0"/>
+    <cs:fontRef idx="minor">
+      <a:schemeClr val="tx1">
+        <a:lumMod val="65000"/>
+        <a:lumOff val="35000"/>
+      </a:schemeClr>
+    </cs:fontRef>
+    <cs:defRPr sz="1197" kern="1200"/>
+  </cs:trendlineLabel>
+  <cs:upBar>
+    <cs:lnRef idx="0"/>
+    <cs:fillRef idx="0"/>
+    <cs:effectRef idx="0"/>
+    <cs:fontRef idx="minor">
+      <a:schemeClr val="dk1"/>
+    </cs:fontRef>
+    <cs:spPr>
+      <a:solidFill>
+        <a:schemeClr val="lt1"/>
+      </a:solidFill>
+      <a:ln w="9525">
+        <a:solidFill>
+          <a:schemeClr val="tx1">
+            <a:lumMod val="15000"/>
+            <a:lumOff val="85000"/>
+          </a:schemeClr>
+        </a:solidFill>
+      </a:ln>
+    </cs:spPr>
+  </cs:upBar>
+  <cs:valueAxis>
+    <cs:lnRef idx="0"/>
+    <cs:fillRef idx="0"/>
+    <cs:effectRef idx="0"/>
+    <cs:fontRef idx="minor">
+      <a:schemeClr val="tx1">
+        <a:lumMod val="65000"/>
+        <a:lumOff val="35000"/>
+      </a:schemeClr>
+    </cs:fontRef>
+    <cs:defRPr sz="1197" kern="1200"/>
+  </cs:valueAxis>
+  <cs:wall>
+    <cs:lnRef idx="0"/>
+    <cs:fillRef idx="0"/>
+    <cs:effectRef idx="0"/>
+    <cs:fontRef idx="minor">
+      <a:schemeClr val="tx1"/>
+    </cs:fontRef>
+    <cs:spPr>
+      <a:noFill/>
+      <a:ln>
+        <a:noFill/>
+      </a:ln>
+    </cs:spPr>
+  </cs:wall>
+</cs:chartStyle>
+</file>
+
 <file path=ppt/slideLayouts/slideLayout1.xml><?xml version="1.0" encoding="utf-8"?>
 <p:sldLayout xmlns:a="http://schemas.openxmlformats.org/drawingml/2006/main" xmlns:r="http://schemas.openxmlformats.org/officeDocument/2006/relationships" xmlns:p="http://schemas.openxmlformats.org/presentationml/2006/main" type="title" preserve="1">
   <p:cSld name="タイトル スライド">
@@ -255,7 +1346,7 @@
           <a:p>
             <a:fld id="{B8C1A96F-0E9D-4A68-A0C2-33B942F0F514}" type="datetimeFigureOut">
               <a:rPr kumimoji="1" lang="ja-JP" altLang="en-US" smtClean="0"/>
-              <a:t>2018/6/27</a:t>
+              <a:t>2018/6/29</a:t>
             </a:fld>
             <a:endParaRPr kumimoji="1" lang="ja-JP" altLang="en-US"/>
           </a:p>
@@ -457,7 +1548,7 @@
           <a:p>
             <a:fld id="{B8C1A96F-0E9D-4A68-A0C2-33B942F0F514}" type="datetimeFigureOut">
               <a:rPr kumimoji="1" lang="ja-JP" altLang="en-US" smtClean="0"/>
-              <a:t>2018/6/27</a:t>
+              <a:t>2018/6/29</a:t>
             </a:fld>
             <a:endParaRPr kumimoji="1" lang="ja-JP" altLang="en-US"/>
           </a:p>
@@ -669,7 +1760,7 @@
           <a:p>
             <a:fld id="{B8C1A96F-0E9D-4A68-A0C2-33B942F0F514}" type="datetimeFigureOut">
               <a:rPr kumimoji="1" lang="ja-JP" altLang="en-US" smtClean="0"/>
-              <a:t>2018/6/27</a:t>
+              <a:t>2018/6/29</a:t>
             </a:fld>
             <a:endParaRPr kumimoji="1" lang="ja-JP" altLang="en-US"/>
           </a:p>
@@ -871,7 +1962,7 @@
           <a:p>
             <a:fld id="{B8C1A96F-0E9D-4A68-A0C2-33B942F0F514}" type="datetimeFigureOut">
               <a:rPr kumimoji="1" lang="ja-JP" altLang="en-US" smtClean="0"/>
-              <a:t>2018/6/27</a:t>
+              <a:t>2018/6/29</a:t>
             </a:fld>
             <a:endParaRPr kumimoji="1" lang="ja-JP" altLang="en-US"/>
           </a:p>
@@ -1117,7 +2208,7 @@
           <a:p>
             <a:fld id="{B8C1A96F-0E9D-4A68-A0C2-33B942F0F514}" type="datetimeFigureOut">
               <a:rPr kumimoji="1" lang="ja-JP" altLang="en-US" smtClean="0"/>
-              <a:t>2018/6/27</a:t>
+              <a:t>2018/6/29</a:t>
             </a:fld>
             <a:endParaRPr kumimoji="1" lang="ja-JP" altLang="en-US"/>
           </a:p>
@@ -1413,7 +2504,7 @@
           <a:p>
             <a:fld id="{B8C1A96F-0E9D-4A68-A0C2-33B942F0F514}" type="datetimeFigureOut">
               <a:rPr kumimoji="1" lang="ja-JP" altLang="en-US" smtClean="0"/>
-              <a:t>2018/6/27</a:t>
+              <a:t>2018/6/29</a:t>
             </a:fld>
             <a:endParaRPr kumimoji="1" lang="ja-JP" altLang="en-US"/>
           </a:p>
@@ -1844,7 +2935,7 @@
           <a:p>
             <a:fld id="{B8C1A96F-0E9D-4A68-A0C2-33B942F0F514}" type="datetimeFigureOut">
               <a:rPr kumimoji="1" lang="ja-JP" altLang="en-US" smtClean="0"/>
-              <a:t>2018/6/27</a:t>
+              <a:t>2018/6/29</a:t>
             </a:fld>
             <a:endParaRPr kumimoji="1" lang="ja-JP" altLang="en-US"/>
           </a:p>
@@ -1962,7 +3053,7 @@
           <a:p>
             <a:fld id="{B8C1A96F-0E9D-4A68-A0C2-33B942F0F514}" type="datetimeFigureOut">
               <a:rPr kumimoji="1" lang="ja-JP" altLang="en-US" smtClean="0"/>
-              <a:t>2018/6/27</a:t>
+              <a:t>2018/6/29</a:t>
             </a:fld>
             <a:endParaRPr kumimoji="1" lang="ja-JP" altLang="en-US"/>
           </a:p>
@@ -2057,7 +3148,7 @@
           <a:p>
             <a:fld id="{B8C1A96F-0E9D-4A68-A0C2-33B942F0F514}" type="datetimeFigureOut">
               <a:rPr kumimoji="1" lang="ja-JP" altLang="en-US" smtClean="0"/>
-              <a:t>2018/6/27</a:t>
+              <a:t>2018/6/29</a:t>
             </a:fld>
             <a:endParaRPr kumimoji="1" lang="ja-JP" altLang="en-US"/>
           </a:p>
@@ -2366,7 +3457,7 @@
           <a:p>
             <a:fld id="{B8C1A96F-0E9D-4A68-A0C2-33B942F0F514}" type="datetimeFigureOut">
               <a:rPr kumimoji="1" lang="ja-JP" altLang="en-US" smtClean="0"/>
-              <a:t>2018/6/27</a:t>
+              <a:t>2018/6/29</a:t>
             </a:fld>
             <a:endParaRPr kumimoji="1" lang="ja-JP" altLang="en-US"/>
           </a:p>
@@ -2619,7 +3710,7 @@
           <a:p>
             <a:fld id="{B8C1A96F-0E9D-4A68-A0C2-33B942F0F514}" type="datetimeFigureOut">
               <a:rPr kumimoji="1" lang="ja-JP" altLang="en-US" smtClean="0"/>
-              <a:t>2018/6/27</a:t>
+              <a:t>2018/6/29</a:t>
             </a:fld>
             <a:endParaRPr kumimoji="1" lang="ja-JP" altLang="en-US"/>
           </a:p>
@@ -2864,7 +3955,7 @@
           <a:p>
             <a:fld id="{B8C1A96F-0E9D-4A68-A0C2-33B942F0F514}" type="datetimeFigureOut">
               <a:rPr kumimoji="1" lang="ja-JP" altLang="en-US" smtClean="0"/>
-              <a:t>2018/6/27</a:t>
+              <a:t>2018/6/29</a:t>
             </a:fld>
             <a:endParaRPr kumimoji="1" lang="ja-JP" altLang="en-US"/>
           </a:p>
@@ -3317,6 +4408,13 @@
   <p:clrMapOvr>
     <a:masterClrMapping/>
   </p:clrMapOvr>
+  <p:timing>
+    <p:tnLst>
+      <p:par>
+        <p:cTn id="1" dur="indefinite" restart="never" nodeType="tmRoot"/>
+      </p:par>
+    </p:tnLst>
+  </p:timing>
 </p:sld>
 </file>
 
@@ -3337,9 +4435,750 @@
           <a:chExt cx="0" cy="0"/>
         </a:xfrm>
       </p:grpSpPr>
+      <p:grpSp>
+        <p:nvGrpSpPr>
+          <p:cNvPr id="13" name="グループ化 12"/>
+          <p:cNvGrpSpPr/>
+          <p:nvPr/>
+        </p:nvGrpSpPr>
+        <p:grpSpPr>
+          <a:xfrm>
+            <a:off x="69899" y="1786245"/>
+            <a:ext cx="3355510" cy="4676171"/>
+            <a:chOff x="838200" y="1292469"/>
+            <a:chExt cx="3355510" cy="4676171"/>
+          </a:xfrm>
+        </p:grpSpPr>
+        <p:sp>
+          <p:nvSpPr>
+            <p:cNvPr id="5" name="正方形/長方形 4"/>
+            <p:cNvSpPr/>
+            <p:nvPr/>
+          </p:nvSpPr>
+          <p:spPr>
+            <a:xfrm>
+              <a:off x="838200" y="1292469"/>
+              <a:ext cx="3355510" cy="4676171"/>
+            </a:xfrm>
+            <a:prstGeom prst="rect">
+              <a:avLst/>
+            </a:prstGeom>
+          </p:spPr>
+          <p:style>
+            <a:lnRef idx="2">
+              <a:schemeClr val="dk1"/>
+            </a:lnRef>
+            <a:fillRef idx="1">
+              <a:schemeClr val="lt1"/>
+            </a:fillRef>
+            <a:effectRef idx="0">
+              <a:schemeClr val="dk1"/>
+            </a:effectRef>
+            <a:fontRef idx="minor">
+              <a:schemeClr val="dk1"/>
+            </a:fontRef>
+          </p:style>
+          <p:txBody>
+            <a:bodyPr rtlCol="0" anchor="ctr"/>
+            <a:lstStyle/>
+            <a:p>
+              <a:pPr algn="ctr"/>
+              <a:endParaRPr kumimoji="1" lang="ja-JP" altLang="en-US" dirty="0"/>
+            </a:p>
+          </p:txBody>
+        </p:sp>
+        <p:sp>
+          <p:nvSpPr>
+            <p:cNvPr id="6" name="正方形/長方形 5"/>
+            <p:cNvSpPr/>
+            <p:nvPr/>
+          </p:nvSpPr>
+          <p:spPr>
+            <a:xfrm>
+              <a:off x="995216" y="1829313"/>
+              <a:ext cx="3029529" cy="661482"/>
+            </a:xfrm>
+            <a:prstGeom prst="rect">
+              <a:avLst/>
+            </a:prstGeom>
+          </p:spPr>
+          <p:style>
+            <a:lnRef idx="1">
+              <a:schemeClr val="accent3"/>
+            </a:lnRef>
+            <a:fillRef idx="2">
+              <a:schemeClr val="accent3"/>
+            </a:fillRef>
+            <a:effectRef idx="1">
+              <a:schemeClr val="accent3"/>
+            </a:effectRef>
+            <a:fontRef idx="minor">
+              <a:schemeClr val="dk1"/>
+            </a:fontRef>
+          </p:style>
+          <p:txBody>
+            <a:bodyPr rtlCol="0" anchor="ctr"/>
+            <a:lstStyle/>
+            <a:p>
+              <a:pPr algn="ctr"/>
+              <a:r>
+                <a:rPr kumimoji="1" lang="ja-JP" altLang="en-US" dirty="0" smtClean="0"/>
+                <a:t>顧客</a:t>
+              </a:r>
+              <a:r>
+                <a:rPr kumimoji="1" lang="en-US" altLang="ja-JP" dirty="0" smtClean="0"/>
+                <a:t>1</a:t>
+              </a:r>
+              <a:endParaRPr kumimoji="1" lang="ja-JP" altLang="en-US" dirty="0"/>
+            </a:p>
+          </p:txBody>
+        </p:sp>
+        <p:sp>
+          <p:nvSpPr>
+            <p:cNvPr id="7" name="正方形/長方形 6"/>
+            <p:cNvSpPr/>
+            <p:nvPr/>
+          </p:nvSpPr>
+          <p:spPr>
+            <a:xfrm>
+              <a:off x="995220" y="2657642"/>
+              <a:ext cx="3029529" cy="661482"/>
+            </a:xfrm>
+            <a:prstGeom prst="rect">
+              <a:avLst/>
+            </a:prstGeom>
+          </p:spPr>
+          <p:style>
+            <a:lnRef idx="1">
+              <a:schemeClr val="accent3"/>
+            </a:lnRef>
+            <a:fillRef idx="2">
+              <a:schemeClr val="accent3"/>
+            </a:fillRef>
+            <a:effectRef idx="1">
+              <a:schemeClr val="accent3"/>
+            </a:effectRef>
+            <a:fontRef idx="minor">
+              <a:schemeClr val="dk1"/>
+            </a:fontRef>
+          </p:style>
+          <p:txBody>
+            <a:bodyPr rtlCol="0" anchor="ctr"/>
+            <a:lstStyle/>
+            <a:p>
+              <a:pPr algn="ctr"/>
+              <a:r>
+                <a:rPr kumimoji="1" lang="ja-JP" altLang="en-US" dirty="0" smtClean="0"/>
+                <a:t>顧客</a:t>
+              </a:r>
+              <a:r>
+                <a:rPr kumimoji="1" lang="en-US" altLang="ja-JP" dirty="0" smtClean="0"/>
+                <a:t>2</a:t>
+              </a:r>
+              <a:endParaRPr kumimoji="1" lang="ja-JP" altLang="en-US" dirty="0"/>
+            </a:p>
+          </p:txBody>
+        </p:sp>
+        <p:sp>
+          <p:nvSpPr>
+            <p:cNvPr id="10" name="正方形/長方形 9"/>
+            <p:cNvSpPr/>
+            <p:nvPr/>
+          </p:nvSpPr>
+          <p:spPr>
+            <a:xfrm>
+              <a:off x="981370" y="3484309"/>
+              <a:ext cx="3029529" cy="661482"/>
+            </a:xfrm>
+            <a:prstGeom prst="rect">
+              <a:avLst/>
+            </a:prstGeom>
+          </p:spPr>
+          <p:style>
+            <a:lnRef idx="1">
+              <a:schemeClr val="accent1"/>
+            </a:lnRef>
+            <a:fillRef idx="2">
+              <a:schemeClr val="accent1"/>
+            </a:fillRef>
+            <a:effectRef idx="1">
+              <a:schemeClr val="accent1"/>
+            </a:effectRef>
+            <a:fontRef idx="minor">
+              <a:schemeClr val="dk1"/>
+            </a:fontRef>
+          </p:style>
+          <p:txBody>
+            <a:bodyPr rtlCol="0" anchor="ctr"/>
+            <a:lstStyle/>
+            <a:p>
+              <a:pPr algn="ctr"/>
+              <a:r>
+                <a:rPr kumimoji="1" lang="ja-JP" altLang="en-US" dirty="0" smtClean="0"/>
+                <a:t>顧客</a:t>
+              </a:r>
+              <a:r>
+                <a:rPr kumimoji="1" lang="en-US" altLang="ja-JP" dirty="0" smtClean="0"/>
+                <a:t>3</a:t>
+              </a:r>
+              <a:endParaRPr kumimoji="1" lang="ja-JP" altLang="en-US" dirty="0"/>
+            </a:p>
+          </p:txBody>
+        </p:sp>
+        <p:sp>
+          <p:nvSpPr>
+            <p:cNvPr id="12" name="正方形/長方形 11"/>
+            <p:cNvSpPr/>
+            <p:nvPr/>
+          </p:nvSpPr>
+          <p:spPr>
+            <a:xfrm>
+              <a:off x="985980" y="4330264"/>
+              <a:ext cx="3029529" cy="661482"/>
+            </a:xfrm>
+            <a:prstGeom prst="rect">
+              <a:avLst/>
+            </a:prstGeom>
+          </p:spPr>
+          <p:style>
+            <a:lnRef idx="1">
+              <a:schemeClr val="accent3"/>
+            </a:lnRef>
+            <a:fillRef idx="2">
+              <a:schemeClr val="accent3"/>
+            </a:fillRef>
+            <a:effectRef idx="1">
+              <a:schemeClr val="accent3"/>
+            </a:effectRef>
+            <a:fontRef idx="minor">
+              <a:schemeClr val="dk1"/>
+            </a:fontRef>
+          </p:style>
+          <p:txBody>
+            <a:bodyPr rtlCol="0" anchor="ctr"/>
+            <a:lstStyle/>
+            <a:p>
+              <a:pPr algn="ctr"/>
+              <a:r>
+                <a:rPr kumimoji="1" lang="ja-JP" altLang="en-US" dirty="0" smtClean="0"/>
+                <a:t>顧客</a:t>
+              </a:r>
+              <a:r>
+                <a:rPr kumimoji="1" lang="en-US" altLang="ja-JP" dirty="0" smtClean="0"/>
+                <a:t>4</a:t>
+              </a:r>
+              <a:endParaRPr kumimoji="1" lang="ja-JP" altLang="en-US" dirty="0"/>
+            </a:p>
+          </p:txBody>
+        </p:sp>
+        <p:sp>
+          <p:nvSpPr>
+            <p:cNvPr id="4" name="テキスト ボックス 3"/>
+            <p:cNvSpPr txBox="1"/>
+            <p:nvPr/>
+          </p:nvSpPr>
+          <p:spPr>
+            <a:xfrm>
+              <a:off x="981370" y="1394468"/>
+              <a:ext cx="2031325" cy="369332"/>
+            </a:xfrm>
+            <a:prstGeom prst="rect">
+              <a:avLst/>
+            </a:prstGeom>
+            <a:noFill/>
+          </p:spPr>
+          <p:txBody>
+            <a:bodyPr wrap="none" rtlCol="0">
+              <a:spAutoFit/>
+            </a:bodyPr>
+            <a:lstStyle/>
+            <a:p>
+              <a:r>
+                <a:rPr lang="ja-JP" altLang="en-US" dirty="0"/>
+                <a:t>顧客</a:t>
+              </a:r>
+              <a:r>
+                <a:rPr lang="ja-JP" altLang="en-US" dirty="0" smtClean="0"/>
+                <a:t>別</a:t>
+              </a:r>
+              <a:r>
+                <a:rPr lang="ja-JP" altLang="en-US" dirty="0"/>
+                <a:t>の情報</a:t>
+              </a:r>
+              <a:r>
+                <a:rPr lang="ja-JP" altLang="en-US" dirty="0" smtClean="0"/>
+                <a:t>一覧</a:t>
+              </a:r>
+              <a:endParaRPr lang="ja-JP" altLang="en-US" dirty="0"/>
+            </a:p>
+          </p:txBody>
+        </p:sp>
+        <p:sp>
+          <p:nvSpPr>
+            <p:cNvPr id="9" name="テキスト ボックス 8"/>
+            <p:cNvSpPr txBox="1"/>
+            <p:nvPr/>
+          </p:nvSpPr>
+          <p:spPr>
+            <a:xfrm>
+              <a:off x="2265301" y="5318610"/>
+              <a:ext cx="461665" cy="323165"/>
+            </a:xfrm>
+            <a:prstGeom prst="rect">
+              <a:avLst/>
+            </a:prstGeom>
+            <a:noFill/>
+          </p:spPr>
+          <p:txBody>
+            <a:bodyPr vert="eaVert" wrap="none" rtlCol="0">
+              <a:spAutoFit/>
+            </a:bodyPr>
+            <a:lstStyle/>
+            <a:p>
+              <a:r>
+                <a:rPr kumimoji="1" lang="en-US" altLang="ja-JP" dirty="0" smtClean="0"/>
+                <a:t>…</a:t>
+              </a:r>
+              <a:endParaRPr kumimoji="1" lang="ja-JP" altLang="en-US" dirty="0"/>
+            </a:p>
+          </p:txBody>
+        </p:sp>
+      </p:grpSp>
       <p:sp>
         <p:nvSpPr>
-          <p:cNvPr id="2" name="タイトル 1"/>
+          <p:cNvPr id="14" name="右矢印 13"/>
+          <p:cNvSpPr/>
+          <p:nvPr/>
+        </p:nvSpPr>
+        <p:spPr>
+          <a:xfrm>
+            <a:off x="3582430" y="3694621"/>
+            <a:ext cx="669326" cy="566928"/>
+          </a:xfrm>
+          <a:prstGeom prst="rightArrow">
+            <a:avLst/>
+          </a:prstGeom>
+        </p:spPr>
+        <p:style>
+          <a:lnRef idx="2">
+            <a:schemeClr val="dk1"/>
+          </a:lnRef>
+          <a:fillRef idx="1">
+            <a:schemeClr val="lt1"/>
+          </a:fillRef>
+          <a:effectRef idx="0">
+            <a:schemeClr val="dk1"/>
+          </a:effectRef>
+          <a:fontRef idx="minor">
+            <a:schemeClr val="dk1"/>
+          </a:fontRef>
+        </p:style>
+        <p:txBody>
+          <a:bodyPr rtlCol="0" anchor="ctr"/>
+          <a:lstStyle/>
+          <a:p>
+            <a:pPr algn="ctr"/>
+            <a:endParaRPr kumimoji="1" lang="ja-JP" altLang="en-US"/>
+          </a:p>
+        </p:txBody>
+      </p:sp>
+      <p:grpSp>
+        <p:nvGrpSpPr>
+          <p:cNvPr id="25" name="グループ化 24"/>
+          <p:cNvGrpSpPr/>
+          <p:nvPr/>
+        </p:nvGrpSpPr>
+        <p:grpSpPr>
+          <a:xfrm>
+            <a:off x="4408708" y="1786245"/>
+            <a:ext cx="3355510" cy="4676171"/>
+            <a:chOff x="4408708" y="1292469"/>
+            <a:chExt cx="3355510" cy="4676171"/>
+          </a:xfrm>
+        </p:grpSpPr>
+        <p:sp>
+          <p:nvSpPr>
+            <p:cNvPr id="15" name="正方形/長方形 14"/>
+            <p:cNvSpPr/>
+            <p:nvPr/>
+          </p:nvSpPr>
+          <p:spPr>
+            <a:xfrm>
+              <a:off x="4408708" y="1292469"/>
+              <a:ext cx="3355510" cy="4676171"/>
+            </a:xfrm>
+            <a:prstGeom prst="rect">
+              <a:avLst/>
+            </a:prstGeom>
+          </p:spPr>
+          <p:style>
+            <a:lnRef idx="2">
+              <a:schemeClr val="dk1"/>
+            </a:lnRef>
+            <a:fillRef idx="1">
+              <a:schemeClr val="lt1"/>
+            </a:fillRef>
+            <a:effectRef idx="0">
+              <a:schemeClr val="dk1"/>
+            </a:effectRef>
+            <a:fontRef idx="minor">
+              <a:schemeClr val="dk1"/>
+            </a:fontRef>
+          </p:style>
+          <p:txBody>
+            <a:bodyPr rtlCol="0" anchor="ctr"/>
+            <a:lstStyle/>
+            <a:p>
+              <a:pPr algn="ctr"/>
+              <a:endParaRPr kumimoji="1" lang="ja-JP" altLang="en-US" dirty="0"/>
+            </a:p>
+          </p:txBody>
+        </p:sp>
+        <p:sp>
+          <p:nvSpPr>
+            <p:cNvPr id="16" name="テキスト ボックス 15"/>
+            <p:cNvSpPr txBox="1"/>
+            <p:nvPr/>
+          </p:nvSpPr>
+          <p:spPr>
+            <a:xfrm>
+              <a:off x="4551878" y="1394468"/>
+              <a:ext cx="1467068" cy="369332"/>
+            </a:xfrm>
+            <a:prstGeom prst="rect">
+              <a:avLst/>
+            </a:prstGeom>
+            <a:noFill/>
+          </p:spPr>
+          <p:txBody>
+            <a:bodyPr wrap="none" rtlCol="0">
+              <a:spAutoFit/>
+            </a:bodyPr>
+            <a:lstStyle/>
+            <a:p>
+              <a:r>
+                <a:rPr lang="ja-JP" altLang="en-US" dirty="0" smtClean="0"/>
+                <a:t>顧客</a:t>
+              </a:r>
+              <a:r>
+                <a:rPr lang="en-US" altLang="ja-JP" dirty="0" smtClean="0"/>
+                <a:t>3</a:t>
+              </a:r>
+              <a:r>
+                <a:rPr lang="ja-JP" altLang="en-US" dirty="0" smtClean="0"/>
+                <a:t>の情報</a:t>
+              </a:r>
+              <a:endParaRPr lang="ja-JP" altLang="en-US" dirty="0"/>
+            </a:p>
+          </p:txBody>
+        </p:sp>
+        <p:sp>
+          <p:nvSpPr>
+            <p:cNvPr id="17" name="正方形/長方形 16"/>
+            <p:cNvSpPr/>
+            <p:nvPr/>
+          </p:nvSpPr>
+          <p:spPr>
+            <a:xfrm>
+              <a:off x="4581550" y="1825625"/>
+              <a:ext cx="3029529" cy="661482"/>
+            </a:xfrm>
+            <a:prstGeom prst="rect">
+              <a:avLst/>
+            </a:prstGeom>
+          </p:spPr>
+          <p:style>
+            <a:lnRef idx="1">
+              <a:schemeClr val="accent3"/>
+            </a:lnRef>
+            <a:fillRef idx="2">
+              <a:schemeClr val="accent3"/>
+            </a:fillRef>
+            <a:effectRef idx="1">
+              <a:schemeClr val="accent3"/>
+            </a:effectRef>
+            <a:fontRef idx="minor">
+              <a:schemeClr val="dk1"/>
+            </a:fontRef>
+          </p:style>
+          <p:txBody>
+            <a:bodyPr rtlCol="0" anchor="ctr"/>
+            <a:lstStyle/>
+            <a:p>
+              <a:pPr algn="ctr"/>
+              <a:r>
+                <a:rPr kumimoji="1" lang="ja-JP" altLang="en-US" dirty="0" smtClean="0"/>
+                <a:t>プロジェクト情報</a:t>
+              </a:r>
+              <a:endParaRPr kumimoji="1" lang="ja-JP" altLang="en-US" dirty="0"/>
+            </a:p>
+          </p:txBody>
+        </p:sp>
+        <p:sp>
+          <p:nvSpPr>
+            <p:cNvPr id="18" name="正方形/長方形 17"/>
+            <p:cNvSpPr/>
+            <p:nvPr/>
+          </p:nvSpPr>
+          <p:spPr>
+            <a:xfrm>
+              <a:off x="4567704" y="2657642"/>
+              <a:ext cx="3029529" cy="661482"/>
+            </a:xfrm>
+            <a:prstGeom prst="rect">
+              <a:avLst/>
+            </a:prstGeom>
+          </p:spPr>
+          <p:style>
+            <a:lnRef idx="1">
+              <a:schemeClr val="accent1"/>
+            </a:lnRef>
+            <a:fillRef idx="2">
+              <a:schemeClr val="accent1"/>
+            </a:fillRef>
+            <a:effectRef idx="1">
+              <a:schemeClr val="accent1"/>
+            </a:effectRef>
+            <a:fontRef idx="minor">
+              <a:schemeClr val="dk1"/>
+            </a:fontRef>
+          </p:style>
+          <p:txBody>
+            <a:bodyPr rtlCol="0" anchor="ctr"/>
+            <a:lstStyle/>
+            <a:p>
+              <a:pPr algn="ctr"/>
+              <a:r>
+                <a:rPr kumimoji="1" lang="ja-JP" altLang="en-US" dirty="0" smtClean="0"/>
+                <a:t>売上</a:t>
+              </a:r>
+              <a:r>
+                <a:rPr lang="ja-JP" altLang="en-US" dirty="0"/>
+                <a:t>情報</a:t>
+              </a:r>
+              <a:endParaRPr kumimoji="1" lang="ja-JP" altLang="en-US" dirty="0"/>
+            </a:p>
+          </p:txBody>
+        </p:sp>
+      </p:grpSp>
+      <p:sp>
+        <p:nvSpPr>
+          <p:cNvPr id="21" name="右矢印 20"/>
+          <p:cNvSpPr/>
+          <p:nvPr/>
+        </p:nvSpPr>
+        <p:spPr>
+          <a:xfrm>
+            <a:off x="7937060" y="3694621"/>
+            <a:ext cx="669326" cy="566928"/>
+          </a:xfrm>
+          <a:prstGeom prst="rightArrow">
+            <a:avLst/>
+          </a:prstGeom>
+        </p:spPr>
+        <p:style>
+          <a:lnRef idx="2">
+            <a:schemeClr val="dk1"/>
+          </a:lnRef>
+          <a:fillRef idx="1">
+            <a:schemeClr val="lt1"/>
+          </a:fillRef>
+          <a:effectRef idx="0">
+            <a:schemeClr val="dk1"/>
+          </a:effectRef>
+          <a:fontRef idx="minor">
+            <a:schemeClr val="dk1"/>
+          </a:fontRef>
+        </p:style>
+        <p:txBody>
+          <a:bodyPr rtlCol="0" anchor="ctr"/>
+          <a:lstStyle/>
+          <a:p>
+            <a:pPr algn="ctr"/>
+            <a:endParaRPr kumimoji="1" lang="ja-JP" altLang="en-US"/>
+          </a:p>
+        </p:txBody>
+      </p:sp>
+      <p:grpSp>
+        <p:nvGrpSpPr>
+          <p:cNvPr id="26" name="グループ化 25"/>
+          <p:cNvGrpSpPr/>
+          <p:nvPr/>
+        </p:nvGrpSpPr>
+        <p:grpSpPr>
+          <a:xfrm>
+            <a:off x="8763338" y="1786245"/>
+            <a:ext cx="3355510" cy="4676171"/>
+            <a:chOff x="8763338" y="1292469"/>
+            <a:chExt cx="3355510" cy="4676171"/>
+          </a:xfrm>
+        </p:grpSpPr>
+        <p:sp>
+          <p:nvSpPr>
+            <p:cNvPr id="22" name="正方形/長方形 21"/>
+            <p:cNvSpPr/>
+            <p:nvPr/>
+          </p:nvSpPr>
+          <p:spPr>
+            <a:xfrm>
+              <a:off x="8763338" y="1292469"/>
+              <a:ext cx="3355510" cy="4676171"/>
+            </a:xfrm>
+            <a:prstGeom prst="rect">
+              <a:avLst/>
+            </a:prstGeom>
+          </p:spPr>
+          <p:style>
+            <a:lnRef idx="2">
+              <a:schemeClr val="dk1"/>
+            </a:lnRef>
+            <a:fillRef idx="1">
+              <a:schemeClr val="lt1"/>
+            </a:fillRef>
+            <a:effectRef idx="0">
+              <a:schemeClr val="dk1"/>
+            </a:effectRef>
+            <a:fontRef idx="minor">
+              <a:schemeClr val="dk1"/>
+            </a:fontRef>
+          </p:style>
+          <p:txBody>
+            <a:bodyPr rtlCol="0" anchor="ctr"/>
+            <a:lstStyle/>
+            <a:p>
+              <a:pPr algn="ctr"/>
+              <a:r>
+                <a:rPr kumimoji="1" lang="ja-JP" altLang="en-US" dirty="0" smtClean="0"/>
+                <a:t>ここに売上情報</a:t>
+              </a:r>
+              <a:endParaRPr kumimoji="1" lang="ja-JP" altLang="en-US" dirty="0"/>
+            </a:p>
+          </p:txBody>
+        </p:sp>
+        <p:sp>
+          <p:nvSpPr>
+            <p:cNvPr id="23" name="テキスト ボックス 22"/>
+            <p:cNvSpPr txBox="1"/>
+            <p:nvPr/>
+          </p:nvSpPr>
+          <p:spPr>
+            <a:xfrm>
+              <a:off x="8906508" y="1394468"/>
+              <a:ext cx="1928733" cy="369332"/>
+            </a:xfrm>
+            <a:prstGeom prst="rect">
+              <a:avLst/>
+            </a:prstGeom>
+            <a:noFill/>
+          </p:spPr>
+          <p:txBody>
+            <a:bodyPr wrap="none" rtlCol="0">
+              <a:spAutoFit/>
+            </a:bodyPr>
+            <a:lstStyle/>
+            <a:p>
+              <a:r>
+                <a:rPr lang="ja-JP" altLang="en-US" dirty="0" smtClean="0"/>
+                <a:t>顧客</a:t>
+              </a:r>
+              <a:r>
+                <a:rPr lang="en-US" altLang="ja-JP" dirty="0" smtClean="0"/>
+                <a:t>3</a:t>
+              </a:r>
+              <a:r>
+                <a:rPr lang="ja-JP" altLang="en-US" dirty="0" smtClean="0"/>
+                <a:t>の売上情報</a:t>
+              </a:r>
+              <a:endParaRPr lang="ja-JP" altLang="en-US" dirty="0"/>
+            </a:p>
+          </p:txBody>
+        </p:sp>
+      </p:grpSp>
+      <p:pic>
+        <p:nvPicPr>
+          <p:cNvPr id="8" name="図 7"/>
+          <p:cNvPicPr>
+            <a:picLocks noChangeAspect="1"/>
+          </p:cNvPicPr>
+          <p:nvPr/>
+        </p:nvPicPr>
+        <p:blipFill>
+          <a:blip r:embed="rId2"/>
+          <a:stretch>
+            <a:fillRect/>
+          </a:stretch>
+        </p:blipFill>
+        <p:spPr>
+          <a:xfrm>
+            <a:off x="2519942" y="4344150"/>
+            <a:ext cx="430903" cy="696803"/>
+          </a:xfrm>
+          <a:prstGeom prst="rect">
+            <a:avLst/>
+          </a:prstGeom>
+        </p:spPr>
+      </p:pic>
+      <p:pic>
+        <p:nvPicPr>
+          <p:cNvPr id="24" name="図 23"/>
+          <p:cNvPicPr>
+            <a:picLocks noChangeAspect="1"/>
+          </p:cNvPicPr>
+          <p:nvPr/>
+        </p:nvPicPr>
+        <p:blipFill>
+          <a:blip r:embed="rId2"/>
+          <a:stretch>
+            <a:fillRect/>
+          </a:stretch>
+        </p:blipFill>
+        <p:spPr>
+          <a:xfrm>
+            <a:off x="6902874" y="3464498"/>
+            <a:ext cx="430903" cy="696803"/>
+          </a:xfrm>
+          <a:prstGeom prst="rect">
+            <a:avLst/>
+          </a:prstGeom>
+        </p:spPr>
+      </p:pic>
+      <p:sp>
+        <p:nvSpPr>
+          <p:cNvPr id="27" name="テキスト ボックス 26"/>
+          <p:cNvSpPr txBox="1"/>
+          <p:nvPr/>
+        </p:nvSpPr>
+        <p:spPr>
+          <a:xfrm>
+            <a:off x="10917965" y="6591330"/>
+            <a:ext cx="889987" cy="261610"/>
+          </a:xfrm>
+          <a:prstGeom prst="rect">
+            <a:avLst/>
+          </a:prstGeom>
+          <a:noFill/>
+        </p:spPr>
+        <p:txBody>
+          <a:bodyPr wrap="none" rtlCol="0">
+            <a:spAutoFit/>
+          </a:bodyPr>
+          <a:lstStyle/>
+          <a:p>
+            <a:r>
+              <a:rPr kumimoji="1" lang="en-US" altLang="ja-JP" sz="1100" dirty="0" smtClean="0"/>
+              <a:t>※</a:t>
+            </a:r>
+            <a:r>
+              <a:rPr kumimoji="1" lang="ja-JP" altLang="en-US" sz="1100" dirty="0" smtClean="0"/>
+              <a:t>イメージ</a:t>
+            </a:r>
+            <a:endParaRPr kumimoji="1" lang="ja-JP" altLang="en-US" sz="1100" dirty="0"/>
+          </a:p>
+        </p:txBody>
+      </p:sp>
+      <p:sp>
+        <p:nvSpPr>
+          <p:cNvPr id="28" name="タイトル 1"/>
           <p:cNvSpPr>
             <a:spLocks noGrp="1"/>
           </p:cNvSpPr>
@@ -3347,48 +5186,1044 @@
             <p:ph type="title"/>
           </p:nvPr>
         </p:nvSpPr>
-        <p:spPr/>
+        <p:spPr>
+          <a:xfrm>
+            <a:off x="838200" y="365125"/>
+            <a:ext cx="10515600" cy="1325563"/>
+          </a:xfrm>
+        </p:spPr>
         <p:txBody>
           <a:bodyPr/>
           <a:lstStyle/>
           <a:p>
             <a:r>
               <a:rPr lang="ja-JP" altLang="en-US" dirty="0" smtClean="0"/>
-              <a:t>システムの特徴（他社との差別化）</a:t>
+              <a:t>機能「業者</a:t>
+            </a:r>
+            <a:r>
+              <a:rPr lang="ja-JP" altLang="en-US" dirty="0"/>
+              <a:t>毎に</a:t>
+            </a:r>
+            <a:r>
+              <a:rPr lang="ja-JP" altLang="en-US" dirty="0" smtClean="0"/>
+              <a:t>リストアップ」</a:t>
             </a:r>
             <a:endParaRPr kumimoji="1" lang="ja-JP" altLang="en-US" dirty="0"/>
-          </a:p>
-        </p:txBody>
-      </p:sp>
-      <p:sp>
-        <p:nvSpPr>
-          <p:cNvPr id="3" name="コンテンツ プレースホルダー 2"/>
-          <p:cNvSpPr>
-            <a:spLocks noGrp="1"/>
-          </p:cNvSpPr>
-          <p:nvPr>
-            <p:ph idx="1"/>
-          </p:nvPr>
-        </p:nvSpPr>
-        <p:spPr/>
-        <p:txBody>
-          <a:bodyPr/>
-          <a:lstStyle/>
-          <a:p>
-            <a:endParaRPr kumimoji="1" lang="ja-JP" altLang="en-US"/>
           </a:p>
         </p:txBody>
       </p:sp>
     </p:spTree>
     <p:extLst>
       <p:ext uri="{BB962C8B-B14F-4D97-AF65-F5344CB8AC3E}">
-        <p14:creationId xmlns:p14="http://schemas.microsoft.com/office/powerpoint/2010/main" val="2212378249"/>
+        <p14:creationId xmlns:p14="http://schemas.microsoft.com/office/powerpoint/2010/main" val="429074834"/>
       </p:ext>
     </p:extLst>
   </p:cSld>
   <p:clrMapOvr>
     <a:masterClrMapping/>
   </p:clrMapOvr>
+  <mc:AlternateContent xmlns:mc="http://schemas.openxmlformats.org/markup-compatibility/2006">
+    <mc:Choice xmlns:p14="http://schemas.microsoft.com/office/powerpoint/2010/main" Requires="p14">
+      <p:transition spd="med" p14:dur="700">
+        <p:fade/>
+      </p:transition>
+    </mc:Choice>
+    <mc:Fallback>
+      <p:transition spd="med">
+        <p:fade/>
+      </p:transition>
+    </mc:Fallback>
+  </mc:AlternateContent>
+  <p:timing>
+    <p:tnLst>
+      <p:par>
+        <p:cTn id="1" dur="indefinite" restart="never" nodeType="tmRoot">
+          <p:childTnLst>
+            <p:seq concurrent="1" nextAc="seek">
+              <p:cTn id="2" dur="indefinite" nodeType="mainSeq">
+                <p:childTnLst>
+                  <p:par>
+                    <p:cTn id="3" fill="hold">
+                      <p:stCondLst>
+                        <p:cond delay="indefinite"/>
+                        <p:cond evt="onBegin" delay="0">
+                          <p:tn val="2"/>
+                        </p:cond>
+                      </p:stCondLst>
+                      <p:childTnLst>
+                        <p:par>
+                          <p:cTn id="4" fill="hold">
+                            <p:stCondLst>
+                              <p:cond delay="0"/>
+                            </p:stCondLst>
+                            <p:childTnLst>
+                              <p:par>
+                                <p:cTn id="5" presetID="43" presetClass="entr" presetSubtype="0" fill="hold" nodeType="withEffect">
+                                  <p:stCondLst>
+                                    <p:cond delay="0"/>
+                                  </p:stCondLst>
+                                  <p:childTnLst>
+                                    <p:set>
+                                      <p:cBhvr>
+                                        <p:cTn id="6" dur="1" fill="hold">
+                                          <p:stCondLst>
+                                            <p:cond delay="0"/>
+                                          </p:stCondLst>
+                                        </p:cTn>
+                                        <p:tgtEl>
+                                          <p:spTgt spid="8"/>
+                                        </p:tgtEl>
+                                        <p:attrNameLst>
+                                          <p:attrName>style.visibility</p:attrName>
+                                        </p:attrNameLst>
+                                      </p:cBhvr>
+                                      <p:to>
+                                        <p:strVal val="visible"/>
+                                      </p:to>
+                                    </p:set>
+                                    <p:animEffect transition="in" filter="fade">
+                                      <p:cBhvr>
+                                        <p:cTn id="7" dur="50"/>
+                                        <p:tgtEl>
+                                          <p:spTgt spid="8"/>
+                                        </p:tgtEl>
+                                      </p:cBhvr>
+                                    </p:animEffect>
+                                    <p:anim calcmode="lin" valueType="num">
+                                      <p:cBhvr>
+                                        <p:cTn id="8" dur="200" fill="hold"/>
+                                        <p:tgtEl>
+                                          <p:spTgt spid="8"/>
+                                        </p:tgtEl>
+                                        <p:attrNameLst>
+                                          <p:attrName>ppt_x</p:attrName>
+                                        </p:attrNameLst>
+                                      </p:cBhvr>
+                                      <p:tavLst>
+                                        <p:tav tm="0">
+                                          <p:val>
+                                            <p:strVal val="#ppt_x"/>
+                                          </p:val>
+                                        </p:tav>
+                                        <p:tav tm="100000">
+                                          <p:val>
+                                            <p:strVal val="#ppt_x"/>
+                                          </p:val>
+                                        </p:tav>
+                                      </p:tavLst>
+                                    </p:anim>
+                                    <p:anim calcmode="lin" valueType="num">
+                                      <p:cBhvr>
+                                        <p:cTn id="9" dur="200" fill="hold"/>
+                                        <p:tgtEl>
+                                          <p:spTgt spid="8"/>
+                                        </p:tgtEl>
+                                        <p:attrNameLst>
+                                          <p:attrName>ppt_y</p:attrName>
+                                        </p:attrNameLst>
+                                      </p:cBhvr>
+                                      <p:tavLst>
+                                        <p:tav tm="0">
+                                          <p:val>
+                                            <p:strVal val="#ppt_y+0.31"/>
+                                          </p:val>
+                                        </p:tav>
+                                        <p:tav tm="100000">
+                                          <p:val>
+                                            <p:strVal val="#ppt_y+0.31"/>
+                                          </p:val>
+                                        </p:tav>
+                                      </p:tavLst>
+                                    </p:anim>
+                                    <p:anim calcmode="lin" valueType="num">
+                                      <p:cBhvr>
+                                        <p:cTn id="10" dur="300" decel="50000" fill="hold">
+                                          <p:stCondLst>
+                                            <p:cond delay="200"/>
+                                          </p:stCondLst>
+                                        </p:cTn>
+                                        <p:tgtEl>
+                                          <p:spTgt spid="8"/>
+                                        </p:tgtEl>
+                                        <p:attrNameLst>
+                                          <p:attrName>ppt_x</p:attrName>
+                                        </p:attrNameLst>
+                                      </p:cBhvr>
+                                      <p:tavLst>
+                                        <p:tav tm="0">
+                                          <p:val>
+                                            <p:strVal val="#ppt_x"/>
+                                          </p:val>
+                                        </p:tav>
+                                        <p:tav tm="5000">
+                                          <p:val>
+                                            <p:strVal val="#ppt_x+0.0242"/>
+                                          </p:val>
+                                        </p:tav>
+                                        <p:tav tm="10000">
+                                          <p:val>
+                                            <p:strVal val="#ppt_x+0.0479"/>
+                                          </p:val>
+                                        </p:tav>
+                                        <p:tav tm="15000">
+                                          <p:val>
+                                            <p:strVal val="#ppt_x+0.0704"/>
+                                          </p:val>
+                                        </p:tav>
+                                        <p:tav tm="20000">
+                                          <p:val>
+                                            <p:strVal val="#ppt_x+0.0911"/>
+                                          </p:val>
+                                        </p:tav>
+                                        <p:tav tm="25000">
+                                          <p:val>
+                                            <p:strVal val="#ppt_x+0.1096"/>
+                                          </p:val>
+                                        </p:tav>
+                                        <p:tav tm="30000">
+                                          <p:val>
+                                            <p:strVal val="#ppt_x+0.1254"/>
+                                          </p:val>
+                                        </p:tav>
+                                        <p:tav tm="35000">
+                                          <p:val>
+                                            <p:strVal val="#ppt_x+0.1381"/>
+                                          </p:val>
+                                        </p:tav>
+                                        <p:tav tm="40000">
+                                          <p:val>
+                                            <p:strVal val="#ppt_x+0.1474"/>
+                                          </p:val>
+                                        </p:tav>
+                                        <p:tav tm="45000">
+                                          <p:val>
+                                            <p:strVal val="#ppt_x+0.1531"/>
+                                          </p:val>
+                                        </p:tav>
+                                        <p:tav tm="50000">
+                                          <p:val>
+                                            <p:strVal val="#ppt_x+0.1550"/>
+                                          </p:val>
+                                        </p:tav>
+                                        <p:tav tm="55000">
+                                          <p:val>
+                                            <p:strVal val="#ppt_x+0.1531"/>
+                                          </p:val>
+                                        </p:tav>
+                                        <p:tav tm="60000">
+                                          <p:val>
+                                            <p:strVal val="#ppt_x+0.1474"/>
+                                          </p:val>
+                                        </p:tav>
+                                        <p:tav tm="65000">
+                                          <p:val>
+                                            <p:strVal val="#ppt_x+0.1381"/>
+                                          </p:val>
+                                        </p:tav>
+                                        <p:tav tm="70000">
+                                          <p:val>
+                                            <p:strVal val="#ppt_x+0.1254"/>
+                                          </p:val>
+                                        </p:tav>
+                                        <p:tav tm="75000">
+                                          <p:val>
+                                            <p:strVal val="#ppt_x+0.1096"/>
+                                          </p:val>
+                                        </p:tav>
+                                        <p:tav tm="80000">
+                                          <p:val>
+                                            <p:strVal val="#ppt_x+0.0911"/>
+                                          </p:val>
+                                        </p:tav>
+                                        <p:tav tm="85000">
+                                          <p:val>
+                                            <p:strVal val="#ppt_x+0.0704"/>
+                                          </p:val>
+                                        </p:tav>
+                                        <p:tav tm="90000">
+                                          <p:val>
+                                            <p:strVal val="#ppt_x+0.0479"/>
+                                          </p:val>
+                                        </p:tav>
+                                        <p:tav tm="95000">
+                                          <p:val>
+                                            <p:strVal val="#ppt_x+0.0242"/>
+                                          </p:val>
+                                        </p:tav>
+                                        <p:tav tm="100000">
+                                          <p:val>
+                                            <p:strVal val="#ppt_x"/>
+                                          </p:val>
+                                        </p:tav>
+                                      </p:tavLst>
+                                    </p:anim>
+                                    <p:anim calcmode="lin" valueType="num">
+                                      <p:cBhvr>
+                                        <p:cTn id="11" dur="300" decel="50000" fill="hold">
+                                          <p:stCondLst>
+                                            <p:cond delay="200"/>
+                                          </p:stCondLst>
+                                        </p:cTn>
+                                        <p:tgtEl>
+                                          <p:spTgt spid="8"/>
+                                        </p:tgtEl>
+                                        <p:attrNameLst>
+                                          <p:attrName>ppt_y</p:attrName>
+                                        </p:attrNameLst>
+                                      </p:cBhvr>
+                                      <p:tavLst>
+                                        <p:tav tm="0">
+                                          <p:val>
+                                            <p:strVal val="#ppt_y+0.31"/>
+                                          </p:val>
+                                        </p:tav>
+                                        <p:tav tm="5000">
+                                          <p:val>
+                                            <p:strVal val="#ppt_y+0.308"/>
+                                          </p:val>
+                                        </p:tav>
+                                        <p:tav tm="10000">
+                                          <p:val>
+                                            <p:strVal val="#ppt_y+0.3024"/>
+                                          </p:val>
+                                        </p:tav>
+                                        <p:tav tm="15000">
+                                          <p:val>
+                                            <p:strVal val="#ppt_y+0.2931"/>
+                                          </p:val>
+                                        </p:tav>
+                                        <p:tav tm="20000">
+                                          <p:val>
+                                            <p:strVal val="#ppt_y+0.2804"/>
+                                          </p:val>
+                                        </p:tav>
+                                        <p:tav tm="25000">
+                                          <p:val>
+                                            <p:strVal val="#ppt_y+0.2646"/>
+                                          </p:val>
+                                        </p:tav>
+                                        <p:tav tm="30000">
+                                          <p:val>
+                                            <p:strVal val="#ppt_y+0.2461"/>
+                                          </p:val>
+                                        </p:tav>
+                                        <p:tav tm="35000">
+                                          <p:val>
+                                            <p:strVal val="#ppt_y+0.2253"/>
+                                          </p:val>
+                                        </p:tav>
+                                        <p:tav tm="40000">
+                                          <p:val>
+                                            <p:strVal val="#ppt_y+0.2029"/>
+                                          </p:val>
+                                        </p:tav>
+                                        <p:tav tm="45000">
+                                          <p:val>
+                                            <p:strVal val="#ppt_y+0.1792"/>
+                                          </p:val>
+                                        </p:tav>
+                                        <p:tav tm="50000">
+                                          <p:val>
+                                            <p:strVal val="#ppt_y+0.155"/>
+                                          </p:val>
+                                        </p:tav>
+                                        <p:tav tm="55000">
+                                          <p:val>
+                                            <p:strVal val="#ppt_y+0.1307"/>
+                                          </p:val>
+                                        </p:tav>
+                                        <p:tav tm="60000">
+                                          <p:val>
+                                            <p:strVal val="#ppt_y+0.1071"/>
+                                          </p:val>
+                                        </p:tav>
+                                        <p:tav tm="65000">
+                                          <p:val>
+                                            <p:strVal val="#ppt_y+0.0846"/>
+                                          </p:val>
+                                        </p:tav>
+                                        <p:tav tm="70000">
+                                          <p:val>
+                                            <p:strVal val="#ppt_y+0.0639"/>
+                                          </p:val>
+                                        </p:tav>
+                                        <p:tav tm="75000">
+                                          <p:val>
+                                            <p:strVal val="#ppt_y+0.0454"/>
+                                          </p:val>
+                                        </p:tav>
+                                        <p:tav tm="80000">
+                                          <p:val>
+                                            <p:strVal val="#ppt_y+0.0296"/>
+                                          </p:val>
+                                        </p:tav>
+                                        <p:tav tm="85000">
+                                          <p:val>
+                                            <p:strVal val="#ppt_y+0.0169"/>
+                                          </p:val>
+                                        </p:tav>
+                                        <p:tav tm="90000">
+                                          <p:val>
+                                            <p:strVal val="#ppt_y+0.0076"/>
+                                          </p:val>
+                                        </p:tav>
+                                        <p:tav tm="95000">
+                                          <p:val>
+                                            <p:strVal val="#ppt_y+0.0019"/>
+                                          </p:val>
+                                        </p:tav>
+                                        <p:tav tm="100000">
+                                          <p:val>
+                                            <p:strVal val="#ppt_y"/>
+                                          </p:val>
+                                        </p:tav>
+                                      </p:tavLst>
+                                    </p:anim>
+                                  </p:childTnLst>
+                                </p:cTn>
+                              </p:par>
+                            </p:childTnLst>
+                          </p:cTn>
+                        </p:par>
+                        <p:par>
+                          <p:cTn id="12" fill="hold">
+                            <p:stCondLst>
+                              <p:cond delay="500"/>
+                            </p:stCondLst>
+                            <p:childTnLst>
+                              <p:par>
+                                <p:cTn id="13" presetID="6" presetClass="emph" presetSubtype="0" fill="hold" nodeType="afterEffect">
+                                  <p:stCondLst>
+                                    <p:cond delay="0"/>
+                                  </p:stCondLst>
+                                  <p:childTnLst>
+                                    <p:animScale>
+                                      <p:cBhvr>
+                                        <p:cTn id="14" dur="500" fill="hold"/>
+                                        <p:tgtEl>
+                                          <p:spTgt spid="8"/>
+                                        </p:tgtEl>
+                                      </p:cBhvr>
+                                      <p:by x="85000" y="85000"/>
+                                    </p:animScale>
+                                  </p:childTnLst>
+                                </p:cTn>
+                              </p:par>
+                            </p:childTnLst>
+                          </p:cTn>
+                        </p:par>
+                        <p:par>
+                          <p:cTn id="15" fill="hold">
+                            <p:stCondLst>
+                              <p:cond delay="1000"/>
+                            </p:stCondLst>
+                            <p:childTnLst>
+                              <p:par>
+                                <p:cTn id="16" presetID="12" presetClass="entr" presetSubtype="8" fill="hold" grpId="0" nodeType="afterEffect">
+                                  <p:stCondLst>
+                                    <p:cond delay="0"/>
+                                  </p:stCondLst>
+                                  <p:childTnLst>
+                                    <p:set>
+                                      <p:cBhvr>
+                                        <p:cTn id="17" dur="1" fill="hold">
+                                          <p:stCondLst>
+                                            <p:cond delay="0"/>
+                                          </p:stCondLst>
+                                        </p:cTn>
+                                        <p:tgtEl>
+                                          <p:spTgt spid="14"/>
+                                        </p:tgtEl>
+                                        <p:attrNameLst>
+                                          <p:attrName>style.visibility</p:attrName>
+                                        </p:attrNameLst>
+                                      </p:cBhvr>
+                                      <p:to>
+                                        <p:strVal val="visible"/>
+                                      </p:to>
+                                    </p:set>
+                                    <p:anim calcmode="lin" valueType="num">
+                                      <p:cBhvr additive="base">
+                                        <p:cTn id="18" dur="500"/>
+                                        <p:tgtEl>
+                                          <p:spTgt spid="14"/>
+                                        </p:tgtEl>
+                                        <p:attrNameLst>
+                                          <p:attrName>ppt_x</p:attrName>
+                                        </p:attrNameLst>
+                                      </p:cBhvr>
+                                      <p:tavLst>
+                                        <p:tav tm="0">
+                                          <p:val>
+                                            <p:strVal val="#ppt_x-#ppt_w*1.125000"/>
+                                          </p:val>
+                                        </p:tav>
+                                        <p:tav tm="100000">
+                                          <p:val>
+                                            <p:strVal val="#ppt_x"/>
+                                          </p:val>
+                                        </p:tav>
+                                      </p:tavLst>
+                                    </p:anim>
+                                    <p:animEffect transition="in" filter="wipe(right)">
+                                      <p:cBhvr>
+                                        <p:cTn id="19" dur="500"/>
+                                        <p:tgtEl>
+                                          <p:spTgt spid="14"/>
+                                        </p:tgtEl>
+                                      </p:cBhvr>
+                                    </p:animEffect>
+                                  </p:childTnLst>
+                                </p:cTn>
+                              </p:par>
+                            </p:childTnLst>
+                          </p:cTn>
+                        </p:par>
+                        <p:par>
+                          <p:cTn id="20" fill="hold">
+                            <p:stCondLst>
+                              <p:cond delay="1500"/>
+                            </p:stCondLst>
+                            <p:childTnLst>
+                              <p:par>
+                                <p:cTn id="21" presetID="10" presetClass="entr" presetSubtype="0" fill="hold" nodeType="afterEffect">
+                                  <p:stCondLst>
+                                    <p:cond delay="0"/>
+                                  </p:stCondLst>
+                                  <p:childTnLst>
+                                    <p:set>
+                                      <p:cBhvr>
+                                        <p:cTn id="22" dur="1" fill="hold">
+                                          <p:stCondLst>
+                                            <p:cond delay="0"/>
+                                          </p:stCondLst>
+                                        </p:cTn>
+                                        <p:tgtEl>
+                                          <p:spTgt spid="25"/>
+                                        </p:tgtEl>
+                                        <p:attrNameLst>
+                                          <p:attrName>style.visibility</p:attrName>
+                                        </p:attrNameLst>
+                                      </p:cBhvr>
+                                      <p:to>
+                                        <p:strVal val="visible"/>
+                                      </p:to>
+                                    </p:set>
+                                    <p:animEffect transition="in" filter="fade">
+                                      <p:cBhvr>
+                                        <p:cTn id="23" dur="500"/>
+                                        <p:tgtEl>
+                                          <p:spTgt spid="25"/>
+                                        </p:tgtEl>
+                                      </p:cBhvr>
+                                    </p:animEffect>
+                                  </p:childTnLst>
+                                </p:cTn>
+                              </p:par>
+                            </p:childTnLst>
+                          </p:cTn>
+                        </p:par>
+                        <p:par>
+                          <p:cTn id="24" fill="hold">
+                            <p:stCondLst>
+                              <p:cond delay="2000"/>
+                            </p:stCondLst>
+                            <p:childTnLst>
+                              <p:par>
+                                <p:cTn id="25" presetID="43" presetClass="entr" presetSubtype="0" fill="hold" nodeType="afterEffect">
+                                  <p:stCondLst>
+                                    <p:cond delay="0"/>
+                                  </p:stCondLst>
+                                  <p:childTnLst>
+                                    <p:set>
+                                      <p:cBhvr>
+                                        <p:cTn id="26" dur="1" fill="hold">
+                                          <p:stCondLst>
+                                            <p:cond delay="0"/>
+                                          </p:stCondLst>
+                                        </p:cTn>
+                                        <p:tgtEl>
+                                          <p:spTgt spid="24"/>
+                                        </p:tgtEl>
+                                        <p:attrNameLst>
+                                          <p:attrName>style.visibility</p:attrName>
+                                        </p:attrNameLst>
+                                      </p:cBhvr>
+                                      <p:to>
+                                        <p:strVal val="visible"/>
+                                      </p:to>
+                                    </p:set>
+                                    <p:animEffect transition="in" filter="fade">
+                                      <p:cBhvr>
+                                        <p:cTn id="27" dur="50"/>
+                                        <p:tgtEl>
+                                          <p:spTgt spid="24"/>
+                                        </p:tgtEl>
+                                      </p:cBhvr>
+                                    </p:animEffect>
+                                    <p:anim calcmode="lin" valueType="num">
+                                      <p:cBhvr>
+                                        <p:cTn id="28" dur="200" fill="hold"/>
+                                        <p:tgtEl>
+                                          <p:spTgt spid="24"/>
+                                        </p:tgtEl>
+                                        <p:attrNameLst>
+                                          <p:attrName>ppt_x</p:attrName>
+                                        </p:attrNameLst>
+                                      </p:cBhvr>
+                                      <p:tavLst>
+                                        <p:tav tm="0">
+                                          <p:val>
+                                            <p:strVal val="#ppt_x"/>
+                                          </p:val>
+                                        </p:tav>
+                                        <p:tav tm="100000">
+                                          <p:val>
+                                            <p:strVal val="#ppt_x"/>
+                                          </p:val>
+                                        </p:tav>
+                                      </p:tavLst>
+                                    </p:anim>
+                                    <p:anim calcmode="lin" valueType="num">
+                                      <p:cBhvr>
+                                        <p:cTn id="29" dur="200" fill="hold"/>
+                                        <p:tgtEl>
+                                          <p:spTgt spid="24"/>
+                                        </p:tgtEl>
+                                        <p:attrNameLst>
+                                          <p:attrName>ppt_y</p:attrName>
+                                        </p:attrNameLst>
+                                      </p:cBhvr>
+                                      <p:tavLst>
+                                        <p:tav tm="0">
+                                          <p:val>
+                                            <p:strVal val="#ppt_y+0.31"/>
+                                          </p:val>
+                                        </p:tav>
+                                        <p:tav tm="100000">
+                                          <p:val>
+                                            <p:strVal val="#ppt_y+0.31"/>
+                                          </p:val>
+                                        </p:tav>
+                                      </p:tavLst>
+                                    </p:anim>
+                                    <p:anim calcmode="lin" valueType="num">
+                                      <p:cBhvr>
+                                        <p:cTn id="30" dur="300" decel="50000" fill="hold">
+                                          <p:stCondLst>
+                                            <p:cond delay="200"/>
+                                          </p:stCondLst>
+                                        </p:cTn>
+                                        <p:tgtEl>
+                                          <p:spTgt spid="24"/>
+                                        </p:tgtEl>
+                                        <p:attrNameLst>
+                                          <p:attrName>ppt_x</p:attrName>
+                                        </p:attrNameLst>
+                                      </p:cBhvr>
+                                      <p:tavLst>
+                                        <p:tav tm="0">
+                                          <p:val>
+                                            <p:strVal val="#ppt_x"/>
+                                          </p:val>
+                                        </p:tav>
+                                        <p:tav tm="5000">
+                                          <p:val>
+                                            <p:strVal val="#ppt_x+0.0242"/>
+                                          </p:val>
+                                        </p:tav>
+                                        <p:tav tm="10000">
+                                          <p:val>
+                                            <p:strVal val="#ppt_x+0.0479"/>
+                                          </p:val>
+                                        </p:tav>
+                                        <p:tav tm="15000">
+                                          <p:val>
+                                            <p:strVal val="#ppt_x+0.0704"/>
+                                          </p:val>
+                                        </p:tav>
+                                        <p:tav tm="20000">
+                                          <p:val>
+                                            <p:strVal val="#ppt_x+0.0911"/>
+                                          </p:val>
+                                        </p:tav>
+                                        <p:tav tm="25000">
+                                          <p:val>
+                                            <p:strVal val="#ppt_x+0.1096"/>
+                                          </p:val>
+                                        </p:tav>
+                                        <p:tav tm="30000">
+                                          <p:val>
+                                            <p:strVal val="#ppt_x+0.1254"/>
+                                          </p:val>
+                                        </p:tav>
+                                        <p:tav tm="35000">
+                                          <p:val>
+                                            <p:strVal val="#ppt_x+0.1381"/>
+                                          </p:val>
+                                        </p:tav>
+                                        <p:tav tm="40000">
+                                          <p:val>
+                                            <p:strVal val="#ppt_x+0.1474"/>
+                                          </p:val>
+                                        </p:tav>
+                                        <p:tav tm="45000">
+                                          <p:val>
+                                            <p:strVal val="#ppt_x+0.1531"/>
+                                          </p:val>
+                                        </p:tav>
+                                        <p:tav tm="50000">
+                                          <p:val>
+                                            <p:strVal val="#ppt_x+0.1550"/>
+                                          </p:val>
+                                        </p:tav>
+                                        <p:tav tm="55000">
+                                          <p:val>
+                                            <p:strVal val="#ppt_x+0.1531"/>
+                                          </p:val>
+                                        </p:tav>
+                                        <p:tav tm="60000">
+                                          <p:val>
+                                            <p:strVal val="#ppt_x+0.1474"/>
+                                          </p:val>
+                                        </p:tav>
+                                        <p:tav tm="65000">
+                                          <p:val>
+                                            <p:strVal val="#ppt_x+0.1381"/>
+                                          </p:val>
+                                        </p:tav>
+                                        <p:tav tm="70000">
+                                          <p:val>
+                                            <p:strVal val="#ppt_x+0.1254"/>
+                                          </p:val>
+                                        </p:tav>
+                                        <p:tav tm="75000">
+                                          <p:val>
+                                            <p:strVal val="#ppt_x+0.1096"/>
+                                          </p:val>
+                                        </p:tav>
+                                        <p:tav tm="80000">
+                                          <p:val>
+                                            <p:strVal val="#ppt_x+0.0911"/>
+                                          </p:val>
+                                        </p:tav>
+                                        <p:tav tm="85000">
+                                          <p:val>
+                                            <p:strVal val="#ppt_x+0.0704"/>
+                                          </p:val>
+                                        </p:tav>
+                                        <p:tav tm="90000">
+                                          <p:val>
+                                            <p:strVal val="#ppt_x+0.0479"/>
+                                          </p:val>
+                                        </p:tav>
+                                        <p:tav tm="95000">
+                                          <p:val>
+                                            <p:strVal val="#ppt_x+0.0242"/>
+                                          </p:val>
+                                        </p:tav>
+                                        <p:tav tm="100000">
+                                          <p:val>
+                                            <p:strVal val="#ppt_x"/>
+                                          </p:val>
+                                        </p:tav>
+                                      </p:tavLst>
+                                    </p:anim>
+                                    <p:anim calcmode="lin" valueType="num">
+                                      <p:cBhvr>
+                                        <p:cTn id="31" dur="300" decel="50000" fill="hold">
+                                          <p:stCondLst>
+                                            <p:cond delay="200"/>
+                                          </p:stCondLst>
+                                        </p:cTn>
+                                        <p:tgtEl>
+                                          <p:spTgt spid="24"/>
+                                        </p:tgtEl>
+                                        <p:attrNameLst>
+                                          <p:attrName>ppt_y</p:attrName>
+                                        </p:attrNameLst>
+                                      </p:cBhvr>
+                                      <p:tavLst>
+                                        <p:tav tm="0">
+                                          <p:val>
+                                            <p:strVal val="#ppt_y+0.31"/>
+                                          </p:val>
+                                        </p:tav>
+                                        <p:tav tm="5000">
+                                          <p:val>
+                                            <p:strVal val="#ppt_y+0.308"/>
+                                          </p:val>
+                                        </p:tav>
+                                        <p:tav tm="10000">
+                                          <p:val>
+                                            <p:strVal val="#ppt_y+0.3024"/>
+                                          </p:val>
+                                        </p:tav>
+                                        <p:tav tm="15000">
+                                          <p:val>
+                                            <p:strVal val="#ppt_y+0.2931"/>
+                                          </p:val>
+                                        </p:tav>
+                                        <p:tav tm="20000">
+                                          <p:val>
+                                            <p:strVal val="#ppt_y+0.2804"/>
+                                          </p:val>
+                                        </p:tav>
+                                        <p:tav tm="25000">
+                                          <p:val>
+                                            <p:strVal val="#ppt_y+0.2646"/>
+                                          </p:val>
+                                        </p:tav>
+                                        <p:tav tm="30000">
+                                          <p:val>
+                                            <p:strVal val="#ppt_y+0.2461"/>
+                                          </p:val>
+                                        </p:tav>
+                                        <p:tav tm="35000">
+                                          <p:val>
+                                            <p:strVal val="#ppt_y+0.2253"/>
+                                          </p:val>
+                                        </p:tav>
+                                        <p:tav tm="40000">
+                                          <p:val>
+                                            <p:strVal val="#ppt_y+0.2029"/>
+                                          </p:val>
+                                        </p:tav>
+                                        <p:tav tm="45000">
+                                          <p:val>
+                                            <p:strVal val="#ppt_y+0.1792"/>
+                                          </p:val>
+                                        </p:tav>
+                                        <p:tav tm="50000">
+                                          <p:val>
+                                            <p:strVal val="#ppt_y+0.155"/>
+                                          </p:val>
+                                        </p:tav>
+                                        <p:tav tm="55000">
+                                          <p:val>
+                                            <p:strVal val="#ppt_y+0.1307"/>
+                                          </p:val>
+                                        </p:tav>
+                                        <p:tav tm="60000">
+                                          <p:val>
+                                            <p:strVal val="#ppt_y+0.1071"/>
+                                          </p:val>
+                                        </p:tav>
+                                        <p:tav tm="65000">
+                                          <p:val>
+                                            <p:strVal val="#ppt_y+0.0846"/>
+                                          </p:val>
+                                        </p:tav>
+                                        <p:tav tm="70000">
+                                          <p:val>
+                                            <p:strVal val="#ppt_y+0.0639"/>
+                                          </p:val>
+                                        </p:tav>
+                                        <p:tav tm="75000">
+                                          <p:val>
+                                            <p:strVal val="#ppt_y+0.0454"/>
+                                          </p:val>
+                                        </p:tav>
+                                        <p:tav tm="80000">
+                                          <p:val>
+                                            <p:strVal val="#ppt_y+0.0296"/>
+                                          </p:val>
+                                        </p:tav>
+                                        <p:tav tm="85000">
+                                          <p:val>
+                                            <p:strVal val="#ppt_y+0.0169"/>
+                                          </p:val>
+                                        </p:tav>
+                                        <p:tav tm="90000">
+                                          <p:val>
+                                            <p:strVal val="#ppt_y+0.0076"/>
+                                          </p:val>
+                                        </p:tav>
+                                        <p:tav tm="95000">
+                                          <p:val>
+                                            <p:strVal val="#ppt_y+0.0019"/>
+                                          </p:val>
+                                        </p:tav>
+                                        <p:tav tm="100000">
+                                          <p:val>
+                                            <p:strVal val="#ppt_y"/>
+                                          </p:val>
+                                        </p:tav>
+                                      </p:tavLst>
+                                    </p:anim>
+                                  </p:childTnLst>
+                                </p:cTn>
+                              </p:par>
+                            </p:childTnLst>
+                          </p:cTn>
+                        </p:par>
+                        <p:par>
+                          <p:cTn id="32" fill="hold">
+                            <p:stCondLst>
+                              <p:cond delay="2500"/>
+                            </p:stCondLst>
+                            <p:childTnLst>
+                              <p:par>
+                                <p:cTn id="33" presetID="6" presetClass="emph" presetSubtype="0" fill="hold" nodeType="afterEffect">
+                                  <p:stCondLst>
+                                    <p:cond delay="0"/>
+                                  </p:stCondLst>
+                                  <p:childTnLst>
+                                    <p:animScale>
+                                      <p:cBhvr>
+                                        <p:cTn id="34" dur="500" fill="hold"/>
+                                        <p:tgtEl>
+                                          <p:spTgt spid="24"/>
+                                        </p:tgtEl>
+                                      </p:cBhvr>
+                                      <p:by x="85000" y="85000"/>
+                                    </p:animScale>
+                                  </p:childTnLst>
+                                </p:cTn>
+                              </p:par>
+                            </p:childTnLst>
+                          </p:cTn>
+                        </p:par>
+                        <p:par>
+                          <p:cTn id="35" fill="hold">
+                            <p:stCondLst>
+                              <p:cond delay="3000"/>
+                            </p:stCondLst>
+                            <p:childTnLst>
+                              <p:par>
+                                <p:cTn id="36" presetID="12" presetClass="entr" presetSubtype="8" fill="hold" grpId="0" nodeType="afterEffect">
+                                  <p:stCondLst>
+                                    <p:cond delay="0"/>
+                                  </p:stCondLst>
+                                  <p:childTnLst>
+                                    <p:set>
+                                      <p:cBhvr>
+                                        <p:cTn id="37" dur="1" fill="hold">
+                                          <p:stCondLst>
+                                            <p:cond delay="0"/>
+                                          </p:stCondLst>
+                                        </p:cTn>
+                                        <p:tgtEl>
+                                          <p:spTgt spid="21"/>
+                                        </p:tgtEl>
+                                        <p:attrNameLst>
+                                          <p:attrName>style.visibility</p:attrName>
+                                        </p:attrNameLst>
+                                      </p:cBhvr>
+                                      <p:to>
+                                        <p:strVal val="visible"/>
+                                      </p:to>
+                                    </p:set>
+                                    <p:anim calcmode="lin" valueType="num">
+                                      <p:cBhvr additive="base">
+                                        <p:cTn id="38" dur="500"/>
+                                        <p:tgtEl>
+                                          <p:spTgt spid="21"/>
+                                        </p:tgtEl>
+                                        <p:attrNameLst>
+                                          <p:attrName>ppt_x</p:attrName>
+                                        </p:attrNameLst>
+                                      </p:cBhvr>
+                                      <p:tavLst>
+                                        <p:tav tm="0">
+                                          <p:val>
+                                            <p:strVal val="#ppt_x-#ppt_w*1.125000"/>
+                                          </p:val>
+                                        </p:tav>
+                                        <p:tav tm="100000">
+                                          <p:val>
+                                            <p:strVal val="#ppt_x"/>
+                                          </p:val>
+                                        </p:tav>
+                                      </p:tavLst>
+                                    </p:anim>
+                                    <p:animEffect transition="in" filter="wipe(right)">
+                                      <p:cBhvr>
+                                        <p:cTn id="39" dur="500"/>
+                                        <p:tgtEl>
+                                          <p:spTgt spid="21"/>
+                                        </p:tgtEl>
+                                      </p:cBhvr>
+                                    </p:animEffect>
+                                  </p:childTnLst>
+                                </p:cTn>
+                              </p:par>
+                            </p:childTnLst>
+                          </p:cTn>
+                        </p:par>
+                        <p:par>
+                          <p:cTn id="40" fill="hold">
+                            <p:stCondLst>
+                              <p:cond delay="3500"/>
+                            </p:stCondLst>
+                            <p:childTnLst>
+                              <p:par>
+                                <p:cTn id="41" presetID="10" presetClass="entr" presetSubtype="0" fill="hold" nodeType="afterEffect">
+                                  <p:stCondLst>
+                                    <p:cond delay="0"/>
+                                  </p:stCondLst>
+                                  <p:childTnLst>
+                                    <p:set>
+                                      <p:cBhvr>
+                                        <p:cTn id="42" dur="1" fill="hold">
+                                          <p:stCondLst>
+                                            <p:cond delay="0"/>
+                                          </p:stCondLst>
+                                        </p:cTn>
+                                        <p:tgtEl>
+                                          <p:spTgt spid="26"/>
+                                        </p:tgtEl>
+                                        <p:attrNameLst>
+                                          <p:attrName>style.visibility</p:attrName>
+                                        </p:attrNameLst>
+                                      </p:cBhvr>
+                                      <p:to>
+                                        <p:strVal val="visible"/>
+                                      </p:to>
+                                    </p:set>
+                                    <p:animEffect transition="in" filter="fade">
+                                      <p:cBhvr>
+                                        <p:cTn id="43" dur="500"/>
+                                        <p:tgtEl>
+                                          <p:spTgt spid="26"/>
+                                        </p:tgtEl>
+                                      </p:cBhvr>
+                                    </p:animEffect>
+                                  </p:childTnLst>
+                                </p:cTn>
+                              </p:par>
+                            </p:childTnLst>
+                          </p:cTn>
+                        </p:par>
+                      </p:childTnLst>
+                    </p:cTn>
+                  </p:par>
+                </p:childTnLst>
+              </p:cTn>
+              <p:prevCondLst>
+                <p:cond evt="onPrev" delay="0">
+                  <p:tgtEl>
+                    <p:sldTgt/>
+                  </p:tgtEl>
+                </p:cond>
+              </p:prevCondLst>
+              <p:nextCondLst>
+                <p:cond evt="onNext" delay="0">
+                  <p:tgtEl>
+                    <p:sldTgt/>
+                  </p:tgtEl>
+                </p:cond>
+              </p:nextCondLst>
+            </p:seq>
+          </p:childTnLst>
+        </p:cTn>
+      </p:par>
+    </p:tnLst>
+    <p:bldLst>
+      <p:bldP spid="14" grpId="0" animBg="1"/>
+      <p:bldP spid="21" grpId="0" animBg="1"/>
+    </p:bldLst>
+  </p:timing>
 </p:sld>
 </file>
 
@@ -3425,42 +6260,219 @@
           <a:lstStyle/>
           <a:p>
             <a:r>
-              <a:rPr kumimoji="1" lang="ja-JP" altLang="en-US" dirty="0" smtClean="0"/>
-              <a:t>導入の効果</a:t>
+              <a:rPr lang="ja-JP" altLang="en-US" dirty="0" smtClean="0"/>
+              <a:t>機能「</a:t>
+            </a:r>
+            <a:r>
+              <a:rPr lang="ja-JP" altLang="en-US" dirty="0"/>
+              <a:t>営業担当者毎にマイページ</a:t>
+            </a:r>
+            <a:r>
+              <a:rPr lang="ja-JP" altLang="en-US" dirty="0" smtClean="0"/>
+              <a:t>」</a:t>
             </a:r>
             <a:endParaRPr kumimoji="1" lang="ja-JP" altLang="en-US" dirty="0"/>
           </a:p>
         </p:txBody>
       </p:sp>
+      <p:grpSp>
+        <p:nvGrpSpPr>
+          <p:cNvPr id="4" name="グループ化 3"/>
+          <p:cNvGrpSpPr/>
+          <p:nvPr/>
+        </p:nvGrpSpPr>
+        <p:grpSpPr>
+          <a:xfrm>
+            <a:off x="3429000" y="1786245"/>
+            <a:ext cx="5323163" cy="4676171"/>
+            <a:chOff x="838200" y="1292469"/>
+            <a:chExt cx="3355510" cy="4676171"/>
+          </a:xfrm>
+        </p:grpSpPr>
+        <p:sp>
+          <p:nvSpPr>
+            <p:cNvPr id="5" name="正方形/長方形 4"/>
+            <p:cNvSpPr/>
+            <p:nvPr/>
+          </p:nvSpPr>
+          <p:spPr>
+            <a:xfrm>
+              <a:off x="838200" y="1292469"/>
+              <a:ext cx="3355510" cy="4676171"/>
+            </a:xfrm>
+            <a:prstGeom prst="rect">
+              <a:avLst/>
+            </a:prstGeom>
+          </p:spPr>
+          <p:style>
+            <a:lnRef idx="2">
+              <a:schemeClr val="dk1"/>
+            </a:lnRef>
+            <a:fillRef idx="1">
+              <a:schemeClr val="lt1"/>
+            </a:fillRef>
+            <a:effectRef idx="0">
+              <a:schemeClr val="dk1"/>
+            </a:effectRef>
+            <a:fontRef idx="minor">
+              <a:schemeClr val="dk1"/>
+            </a:fontRef>
+          </p:style>
+          <p:txBody>
+            <a:bodyPr rtlCol="0" anchor="ctr"/>
+            <a:lstStyle/>
+            <a:p>
+              <a:pPr algn="ctr"/>
+              <a:endParaRPr kumimoji="1" lang="ja-JP" altLang="en-US" dirty="0"/>
+            </a:p>
+          </p:txBody>
+        </p:sp>
+        <p:sp>
+          <p:nvSpPr>
+            <p:cNvPr id="10" name="テキスト ボックス 9"/>
+            <p:cNvSpPr txBox="1"/>
+            <p:nvPr/>
+          </p:nvSpPr>
+          <p:spPr>
+            <a:xfrm>
+              <a:off x="981370" y="1394468"/>
+              <a:ext cx="1782011" cy="369332"/>
+            </a:xfrm>
+            <a:prstGeom prst="rect">
+              <a:avLst/>
+            </a:prstGeom>
+            <a:noFill/>
+          </p:spPr>
+          <p:txBody>
+            <a:bodyPr wrap="square" rtlCol="0">
+              <a:spAutoFit/>
+            </a:bodyPr>
+            <a:lstStyle/>
+            <a:p>
+              <a:r>
+                <a:rPr lang="ja-JP" altLang="en-US" dirty="0" smtClean="0"/>
+                <a:t>営業担当者のマイページ</a:t>
+              </a:r>
+              <a:endParaRPr lang="ja-JP" altLang="en-US" dirty="0"/>
+            </a:p>
+          </p:txBody>
+        </p:sp>
+        <p:sp>
+          <p:nvSpPr>
+            <p:cNvPr id="11" name="テキスト ボックス 10"/>
+            <p:cNvSpPr txBox="1"/>
+            <p:nvPr/>
+          </p:nvSpPr>
+          <p:spPr>
+            <a:xfrm>
+              <a:off x="2203722" y="5448513"/>
+              <a:ext cx="461665" cy="323165"/>
+            </a:xfrm>
+            <a:prstGeom prst="rect">
+              <a:avLst/>
+            </a:prstGeom>
+            <a:noFill/>
+          </p:spPr>
+          <p:txBody>
+            <a:bodyPr vert="eaVert" wrap="none" rtlCol="0">
+              <a:spAutoFit/>
+            </a:bodyPr>
+            <a:lstStyle/>
+            <a:p>
+              <a:r>
+                <a:rPr kumimoji="1" lang="en-US" altLang="ja-JP" dirty="0" smtClean="0"/>
+                <a:t>…</a:t>
+              </a:r>
+              <a:endParaRPr kumimoji="1" lang="ja-JP" altLang="en-US" dirty="0"/>
+            </a:p>
+          </p:txBody>
+        </p:sp>
+      </p:grpSp>
+      <p:graphicFrame>
+        <p:nvGraphicFramePr>
+          <p:cNvPr id="14" name="グラフ 13"/>
+          <p:cNvGraphicFramePr/>
+          <p:nvPr>
+            <p:extLst>
+              <p:ext uri="{D42A27DB-BD31-4B8C-83A1-F6EECF244321}">
+                <p14:modId xmlns:p14="http://schemas.microsoft.com/office/powerpoint/2010/main" val="1641862988"/>
+              </p:ext>
+            </p:extLst>
+          </p:nvPr>
+        </p:nvGraphicFramePr>
+        <p:xfrm>
+          <a:off x="3429000" y="2310496"/>
+          <a:ext cx="5323163" cy="3548775"/>
+        </p:xfrm>
+        <a:graphic>
+          <a:graphicData uri="http://schemas.openxmlformats.org/drawingml/2006/chart">
+            <c:chart xmlns:c="http://schemas.openxmlformats.org/drawingml/2006/chart" xmlns:r="http://schemas.openxmlformats.org/officeDocument/2006/relationships" r:id="rId2"/>
+          </a:graphicData>
+        </a:graphic>
+      </p:graphicFrame>
       <p:sp>
         <p:nvSpPr>
-          <p:cNvPr id="3" name="コンテンツ プレースホルダー 2"/>
-          <p:cNvSpPr>
-            <a:spLocks noGrp="1"/>
-          </p:cNvSpPr>
-          <p:nvPr>
-            <p:ph idx="1"/>
-          </p:nvPr>
+          <p:cNvPr id="15" name="テキスト ボックス 14"/>
+          <p:cNvSpPr txBox="1"/>
+          <p:nvPr/>
         </p:nvSpPr>
-        <p:spPr/>
+        <p:spPr>
+          <a:xfrm>
+            <a:off x="7862176" y="6591330"/>
+            <a:ext cx="889987" cy="261610"/>
+          </a:xfrm>
+          <a:prstGeom prst="rect">
+            <a:avLst/>
+          </a:prstGeom>
+          <a:noFill/>
+        </p:spPr>
         <p:txBody>
-          <a:bodyPr/>
+          <a:bodyPr wrap="none" rtlCol="0">
+            <a:spAutoFit/>
+          </a:bodyPr>
           <a:lstStyle/>
           <a:p>
-            <a:endParaRPr kumimoji="1" lang="ja-JP" altLang="en-US"/>
+            <a:r>
+              <a:rPr kumimoji="1" lang="en-US" altLang="ja-JP" sz="1100" dirty="0" smtClean="0"/>
+              <a:t>※</a:t>
+            </a:r>
+            <a:r>
+              <a:rPr kumimoji="1" lang="ja-JP" altLang="en-US" sz="1100" dirty="0" smtClean="0"/>
+              <a:t>イメージ</a:t>
+            </a:r>
+            <a:endParaRPr kumimoji="1" lang="ja-JP" altLang="en-US" sz="1100" dirty="0"/>
           </a:p>
         </p:txBody>
       </p:sp>
     </p:spTree>
     <p:extLst>
       <p:ext uri="{BB962C8B-B14F-4D97-AF65-F5344CB8AC3E}">
-        <p14:creationId xmlns:p14="http://schemas.microsoft.com/office/powerpoint/2010/main" val="382111459"/>
+        <p14:creationId xmlns:p14="http://schemas.microsoft.com/office/powerpoint/2010/main" val="1983160352"/>
       </p:ext>
     </p:extLst>
   </p:cSld>
   <p:clrMapOvr>
     <a:masterClrMapping/>
   </p:clrMapOvr>
+  <mc:AlternateContent xmlns:mc="http://schemas.openxmlformats.org/markup-compatibility/2006">
+    <mc:Choice xmlns:p14="http://schemas.microsoft.com/office/powerpoint/2010/main" Requires="p14">
+      <p:transition spd="med" p14:dur="700">
+        <p:fade/>
+      </p:transition>
+    </mc:Choice>
+    <mc:Fallback>
+      <p:transition spd="med">
+        <p:fade/>
+      </p:transition>
+    </mc:Fallback>
+  </mc:AlternateContent>
+  <p:timing>
+    <p:tnLst>
+      <p:par>
+        <p:cTn id="1" dur="indefinite" restart="never" nodeType="tmRoot"/>
+      </p:par>
+    </p:tnLst>
+  </p:timing>
 </p:sld>
 </file>
 
@@ -3497,8 +6509,8 @@
           <a:lstStyle/>
           <a:p>
             <a:r>
-              <a:rPr kumimoji="1" lang="ja-JP" altLang="en-US" dirty="0" smtClean="0"/>
-              <a:t>導入費用お見積り</a:t>
+              <a:rPr lang="ja-JP" altLang="en-US" dirty="0" smtClean="0"/>
+              <a:t>システムの特徴（他社との差別化）</a:t>
             </a:r>
             <a:endParaRPr kumimoji="1" lang="ja-JP" altLang="en-US" dirty="0"/>
           </a:p>
@@ -3526,13 +6538,32 @@
     </p:spTree>
     <p:extLst>
       <p:ext uri="{BB962C8B-B14F-4D97-AF65-F5344CB8AC3E}">
-        <p14:creationId xmlns:p14="http://schemas.microsoft.com/office/powerpoint/2010/main" val="4277580216"/>
+        <p14:creationId xmlns:p14="http://schemas.microsoft.com/office/powerpoint/2010/main" val="2212378249"/>
       </p:ext>
     </p:extLst>
   </p:cSld>
   <p:clrMapOvr>
     <a:masterClrMapping/>
   </p:clrMapOvr>
+  <mc:AlternateContent xmlns:mc="http://schemas.openxmlformats.org/markup-compatibility/2006">
+    <mc:Choice xmlns:p14="http://schemas.microsoft.com/office/powerpoint/2010/main" Requires="p14">
+      <p:transition spd="med" p14:dur="700">
+        <p:fade/>
+      </p:transition>
+    </mc:Choice>
+    <mc:Fallback>
+      <p:transition spd="med">
+        <p:fade/>
+      </p:transition>
+    </mc:Fallback>
+  </mc:AlternateContent>
+  <p:timing>
+    <p:tnLst>
+      <p:par>
+        <p:cTn id="1" dur="indefinite" restart="never" nodeType="tmRoot"/>
+      </p:par>
+    </p:tnLst>
+  </p:timing>
 </p:sld>
 </file>
 
@@ -3570,7 +6601,7 @@
           <a:p>
             <a:r>
               <a:rPr kumimoji="1" lang="ja-JP" altLang="en-US" dirty="0" smtClean="0"/>
-              <a:t>システムの全概要／メリット（まとめ）</a:t>
+              <a:t>導入の効果</a:t>
             </a:r>
             <a:endParaRPr kumimoji="1" lang="ja-JP" altLang="en-US" dirty="0"/>
           </a:p>
@@ -3598,6 +6629,181 @@
     </p:spTree>
     <p:extLst>
       <p:ext uri="{BB962C8B-B14F-4D97-AF65-F5344CB8AC3E}">
+        <p14:creationId xmlns:p14="http://schemas.microsoft.com/office/powerpoint/2010/main" val="382111459"/>
+      </p:ext>
+    </p:extLst>
+  </p:cSld>
+  <p:clrMapOvr>
+    <a:masterClrMapping/>
+  </p:clrMapOvr>
+  <mc:AlternateContent xmlns:mc="http://schemas.openxmlformats.org/markup-compatibility/2006">
+    <mc:Choice xmlns:p14="http://schemas.microsoft.com/office/powerpoint/2010/main" Requires="p14">
+      <p:transition spd="med" p14:dur="700">
+        <p:fade/>
+      </p:transition>
+    </mc:Choice>
+    <mc:Fallback>
+      <p:transition spd="med">
+        <p:fade/>
+      </p:transition>
+    </mc:Fallback>
+  </mc:AlternateContent>
+  <p:timing>
+    <p:tnLst>
+      <p:par>
+        <p:cTn id="1" dur="indefinite" restart="never" nodeType="tmRoot"/>
+      </p:par>
+    </p:tnLst>
+  </p:timing>
+</p:sld>
+</file>
+
+<file path=ppt/slides/slide14.xml><?xml version="1.0" encoding="utf-8"?>
+<p:sld xmlns:a="http://schemas.openxmlformats.org/drawingml/2006/main" xmlns:r="http://schemas.openxmlformats.org/officeDocument/2006/relationships" xmlns:p="http://schemas.openxmlformats.org/presentationml/2006/main">
+  <p:cSld>
+    <p:spTree>
+      <p:nvGrpSpPr>
+        <p:cNvPr id="1" name=""/>
+        <p:cNvGrpSpPr/>
+        <p:nvPr/>
+      </p:nvGrpSpPr>
+      <p:grpSpPr>
+        <a:xfrm>
+          <a:off x="0" y="0"/>
+          <a:ext cx="0" cy="0"/>
+          <a:chOff x="0" y="0"/>
+          <a:chExt cx="0" cy="0"/>
+        </a:xfrm>
+      </p:grpSpPr>
+      <p:sp>
+        <p:nvSpPr>
+          <p:cNvPr id="2" name="タイトル 1"/>
+          <p:cNvSpPr>
+            <a:spLocks noGrp="1"/>
+          </p:cNvSpPr>
+          <p:nvPr>
+            <p:ph type="title"/>
+          </p:nvPr>
+        </p:nvSpPr>
+        <p:spPr/>
+        <p:txBody>
+          <a:bodyPr/>
+          <a:lstStyle/>
+          <a:p>
+            <a:r>
+              <a:rPr kumimoji="1" lang="ja-JP" altLang="en-US" dirty="0" smtClean="0"/>
+              <a:t>導入費用お見積り</a:t>
+            </a:r>
+            <a:endParaRPr kumimoji="1" lang="ja-JP" altLang="en-US" dirty="0"/>
+          </a:p>
+        </p:txBody>
+      </p:sp>
+      <p:sp>
+        <p:nvSpPr>
+          <p:cNvPr id="3" name="コンテンツ プレースホルダー 2"/>
+          <p:cNvSpPr>
+            <a:spLocks noGrp="1"/>
+          </p:cNvSpPr>
+          <p:nvPr>
+            <p:ph idx="1"/>
+          </p:nvPr>
+        </p:nvSpPr>
+        <p:spPr/>
+        <p:txBody>
+          <a:bodyPr/>
+          <a:lstStyle/>
+          <a:p>
+            <a:endParaRPr kumimoji="1" lang="ja-JP" altLang="en-US"/>
+          </a:p>
+        </p:txBody>
+      </p:sp>
+    </p:spTree>
+    <p:extLst>
+      <p:ext uri="{BB962C8B-B14F-4D97-AF65-F5344CB8AC3E}">
+        <p14:creationId xmlns:p14="http://schemas.microsoft.com/office/powerpoint/2010/main" val="4277580216"/>
+      </p:ext>
+    </p:extLst>
+  </p:cSld>
+  <p:clrMapOvr>
+    <a:masterClrMapping/>
+  </p:clrMapOvr>
+  <mc:AlternateContent xmlns:mc="http://schemas.openxmlformats.org/markup-compatibility/2006">
+    <mc:Choice xmlns:p14="http://schemas.microsoft.com/office/powerpoint/2010/main" Requires="p14">
+      <p:transition spd="med" p14:dur="700">
+        <p:fade/>
+      </p:transition>
+    </mc:Choice>
+    <mc:Fallback>
+      <p:transition spd="med">
+        <p:fade/>
+      </p:transition>
+    </mc:Fallback>
+  </mc:AlternateContent>
+</p:sld>
+</file>
+
+<file path=ppt/slides/slide15.xml><?xml version="1.0" encoding="utf-8"?>
+<p:sld xmlns:a="http://schemas.openxmlformats.org/drawingml/2006/main" xmlns:r="http://schemas.openxmlformats.org/officeDocument/2006/relationships" xmlns:p="http://schemas.openxmlformats.org/presentationml/2006/main">
+  <p:cSld>
+    <p:spTree>
+      <p:nvGrpSpPr>
+        <p:cNvPr id="1" name=""/>
+        <p:cNvGrpSpPr/>
+        <p:nvPr/>
+      </p:nvGrpSpPr>
+      <p:grpSpPr>
+        <a:xfrm>
+          <a:off x="0" y="0"/>
+          <a:ext cx="0" cy="0"/>
+          <a:chOff x="0" y="0"/>
+          <a:chExt cx="0" cy="0"/>
+        </a:xfrm>
+      </p:grpSpPr>
+      <p:sp>
+        <p:nvSpPr>
+          <p:cNvPr id="2" name="タイトル 1"/>
+          <p:cNvSpPr>
+            <a:spLocks noGrp="1"/>
+          </p:cNvSpPr>
+          <p:nvPr>
+            <p:ph type="title"/>
+          </p:nvPr>
+        </p:nvSpPr>
+        <p:spPr/>
+        <p:txBody>
+          <a:bodyPr/>
+          <a:lstStyle/>
+          <a:p>
+            <a:r>
+              <a:rPr kumimoji="1" lang="ja-JP" altLang="en-US" dirty="0" smtClean="0"/>
+              <a:t>システムの全概要／メリット（まとめ）</a:t>
+            </a:r>
+            <a:endParaRPr kumimoji="1" lang="ja-JP" altLang="en-US" dirty="0"/>
+          </a:p>
+        </p:txBody>
+      </p:sp>
+      <p:sp>
+        <p:nvSpPr>
+          <p:cNvPr id="3" name="コンテンツ プレースホルダー 2"/>
+          <p:cNvSpPr>
+            <a:spLocks noGrp="1"/>
+          </p:cNvSpPr>
+          <p:nvPr>
+            <p:ph idx="1"/>
+          </p:nvPr>
+        </p:nvSpPr>
+        <p:spPr/>
+        <p:txBody>
+          <a:bodyPr/>
+          <a:lstStyle/>
+          <a:p>
+            <a:endParaRPr kumimoji="1" lang="ja-JP" altLang="en-US"/>
+          </a:p>
+        </p:txBody>
+      </p:sp>
+    </p:spTree>
+    <p:extLst>
+      <p:ext uri="{BB962C8B-B14F-4D97-AF65-F5344CB8AC3E}">
         <p14:creationId xmlns:p14="http://schemas.microsoft.com/office/powerpoint/2010/main" val="2961324881"/>
       </p:ext>
     </p:extLst>
@@ -3605,6 +6811,18 @@
   <p:clrMapOvr>
     <a:masterClrMapping/>
   </p:clrMapOvr>
+  <mc:AlternateContent xmlns:mc="http://schemas.openxmlformats.org/markup-compatibility/2006">
+    <mc:Choice xmlns:p14="http://schemas.microsoft.com/office/powerpoint/2010/main" Requires="p14">
+      <p:transition spd="med" p14:dur="700">
+        <p:fade/>
+      </p:transition>
+    </mc:Choice>
+    <mc:Fallback>
+      <p:transition spd="med">
+        <p:fade/>
+      </p:transition>
+    </mc:Fallback>
+  </mc:AlternateContent>
 </p:sld>
 </file>
 
@@ -3642,7 +6860,7 @@
           <a:p>
             <a:r>
               <a:rPr kumimoji="1" lang="ja-JP" altLang="en-US" dirty="0" smtClean="0"/>
-              <a:t>スグクルの方針</a:t>
+              <a:t>スグクル車販株式会社の要求</a:t>
             </a:r>
             <a:endParaRPr kumimoji="1" lang="ja-JP" altLang="en-US" dirty="0"/>
           </a:p>
@@ -3660,8 +6878,158 @@
         </p:nvSpPr>
         <p:spPr/>
         <p:txBody>
-          <a:bodyPr/>
+          <a:bodyPr>
+            <a:normAutofit fontScale="40000" lnSpcReduction="20000"/>
+          </a:bodyPr>
           <a:lstStyle/>
+          <a:p>
+            <a:r>
+              <a:rPr lang="ja-JP" altLang="ja-JP" dirty="0"/>
+              <a:t>受注</a:t>
+            </a:r>
+            <a:r>
+              <a:rPr lang="en-US" altLang="ja-JP" dirty="0">
+                <a:sym typeface="Segoe UI Emoji" panose="020B0502040204020203" pitchFamily="34" charset="0"/>
+              </a:rPr>
+              <a:t>→</a:t>
+            </a:r>
+            <a:r>
+              <a:rPr lang="ja-JP" altLang="ja-JP" dirty="0"/>
+              <a:t>仕入／売却</a:t>
+            </a:r>
+            <a:r>
+              <a:rPr lang="en-US" altLang="ja-JP" dirty="0">
+                <a:sym typeface="Segoe UI Emoji" panose="020B0502040204020203" pitchFamily="34" charset="0"/>
+              </a:rPr>
+              <a:t>→</a:t>
+            </a:r>
+            <a:r>
+              <a:rPr lang="ja-JP" altLang="ja-JP" dirty="0"/>
+              <a:t>請求</a:t>
+            </a:r>
+            <a:r>
+              <a:rPr lang="en-US" altLang="ja-JP" dirty="0">
+                <a:sym typeface="Segoe UI Emoji" panose="020B0502040204020203" pitchFamily="34" charset="0"/>
+              </a:rPr>
+              <a:t>→</a:t>
+            </a:r>
+            <a:r>
+              <a:rPr lang="ja-JP" altLang="ja-JP" dirty="0"/>
+              <a:t>消込までの一連業務をシステム化したい。</a:t>
+            </a:r>
+          </a:p>
+          <a:p>
+            <a:r>
+              <a:rPr lang="ja-JP" altLang="ja-JP" dirty="0"/>
+              <a:t>各種台帳管理を全てコンピューク化し、必要な情報を即座に参照出来る様にしたい。</a:t>
+            </a:r>
+          </a:p>
+          <a:p>
+            <a:r>
+              <a:rPr lang="ja-JP" altLang="ja-JP" dirty="0"/>
+              <a:t>業者・顧客情報を一元管理し、顧客別の過去売上げ情報等を参照したい。</a:t>
+            </a:r>
+          </a:p>
+          <a:p>
+            <a:r>
+              <a:rPr lang="ja-JP" altLang="ja-JP" dirty="0"/>
+              <a:t>営業担当者の販売状況をリアルタイムに参照でき、給与の把握を行わせることで意識向上を狙いたい。</a:t>
+            </a:r>
+          </a:p>
+          <a:p>
+            <a:r>
+              <a:rPr lang="ja-JP" altLang="ja-JP" dirty="0"/>
+              <a:t>各種戦略情報にて営業活動の効率化と売上げ向上を目指したい。</a:t>
+            </a:r>
+          </a:p>
+          <a:p>
+            <a:r>
+              <a:rPr lang="ja-JP" altLang="ja-JP" dirty="0"/>
+              <a:t>業名・顧客への請求締め</a:t>
+            </a:r>
+            <a:r>
+              <a:rPr lang="en-US" altLang="ja-JP" dirty="0"/>
+              <a:t>25</a:t>
+            </a:r>
+            <a:r>
+              <a:rPr lang="ja-JP" altLang="ja-JP" dirty="0"/>
+              <a:t>日とし、一括請求を行いたい。しかし現行どおり随時請求／入金も可能とする。</a:t>
+            </a:r>
+          </a:p>
+          <a:p>
+            <a:r>
+              <a:rPr lang="ja-JP" altLang="ja-JP" dirty="0"/>
+              <a:t>入金期日を締日の翌月</a:t>
+            </a:r>
+            <a:r>
+              <a:rPr lang="en-US" altLang="ja-JP" dirty="0"/>
+              <a:t>10</a:t>
+            </a:r>
+            <a:r>
+              <a:rPr lang="ja-JP" altLang="ja-JP" dirty="0"/>
+              <a:t>日払いとする。基本的には銀行振込とし、入金の一括消込を行いたい。</a:t>
+            </a:r>
+          </a:p>
+          <a:p>
+            <a:r>
+              <a:rPr lang="ja-JP" altLang="ja-JP" dirty="0"/>
+              <a:t>全社員が同時に利用出来る様にしたい。</a:t>
+            </a:r>
+          </a:p>
+          <a:p>
+            <a:r>
+              <a:rPr lang="ja-JP" altLang="ja-JP" dirty="0"/>
+              <a:t>各種情報には役職や担当業務に応じてアクセス権を設け、セキュリティーを向上させたい。</a:t>
+            </a:r>
+          </a:p>
+          <a:p>
+            <a:r>
+              <a:rPr lang="ja-JP" altLang="ja-JP" dirty="0"/>
+              <a:t>担当者の受注情報とその進捗、今月の売上高の管理を行いたい。</a:t>
+            </a:r>
+          </a:p>
+          <a:p>
+            <a:r>
+              <a:rPr lang="ja-JP" altLang="ja-JP" dirty="0"/>
+              <a:t>顧客から依頼されている案件（受注）をプロジェクトとし、受注～消込までを一元管理したい。</a:t>
+            </a:r>
+          </a:p>
+          <a:p>
+            <a:r>
+              <a:rPr lang="ja-JP" altLang="ja-JP" dirty="0"/>
+              <a:t>オークション主催会社や顧客と授受する複雑な書類を、一元管理できる仕組みを構築してほしい。</a:t>
+            </a:r>
+          </a:p>
+          <a:p>
+            <a:r>
+              <a:rPr lang="ja-JP" altLang="ja-JP" dirty="0"/>
+              <a:t>顧客間の売り・買い情報を管理し、オークションを通さずに仲介として販売を行いたい。</a:t>
+            </a:r>
+          </a:p>
+          <a:p>
+            <a:r>
+              <a:rPr lang="ja-JP" altLang="ja-JP" dirty="0"/>
+              <a:t>客の好みを把握して販売促進を行いたい。（売注文の横流し）</a:t>
+            </a:r>
+          </a:p>
+          <a:p>
+            <a:r>
+              <a:rPr lang="ja-JP" altLang="ja-JP" dirty="0"/>
+              <a:t>各種納期管理を厳重に行いたい。</a:t>
+            </a:r>
+          </a:p>
+          <a:p>
+            <a:r>
+              <a:rPr lang="ja-JP" altLang="ja-JP" dirty="0"/>
+              <a:t>インターネットを用いて外出先からでも受注状況及び進捗状況を確認できる様にしたい。</a:t>
+            </a:r>
+          </a:p>
+          <a:p>
+            <a:r>
+              <a:rPr lang="ja-JP" altLang="ja-JP" dirty="0"/>
+              <a:t>下見車両の状況を顧客と情報共有し、予算調整ができる仕組みを構築してほしい。</a:t>
+            </a:r>
+          </a:p>
           <a:p>
             <a:endParaRPr kumimoji="1" lang="ja-JP" altLang="en-US" dirty="0"/>
           </a:p>
@@ -3677,6 +7045,25 @@
   <p:clrMapOvr>
     <a:masterClrMapping/>
   </p:clrMapOvr>
+  <mc:AlternateContent xmlns:mc="http://schemas.openxmlformats.org/markup-compatibility/2006">
+    <mc:Choice xmlns:p14="http://schemas.microsoft.com/office/powerpoint/2010/main" Requires="p14">
+      <p:transition spd="med" p14:dur="700">
+        <p:fade/>
+      </p:transition>
+    </mc:Choice>
+    <mc:Fallback>
+      <p:transition spd="med">
+        <p:fade/>
+      </p:transition>
+    </mc:Fallback>
+  </mc:AlternateContent>
+  <p:timing>
+    <p:tnLst>
+      <p:par>
+        <p:cTn id="1" dur="indefinite" restart="never" nodeType="tmRoot"/>
+      </p:par>
+    </p:tnLst>
+  </p:timing>
 </p:sld>
 </file>
 
@@ -3722,20 +7109,319 @@
       </p:sp>
       <p:sp>
         <p:nvSpPr>
-          <p:cNvPr id="3" name="コンテンツ プレースホルダー 2"/>
-          <p:cNvSpPr>
-            <a:spLocks noGrp="1"/>
+          <p:cNvPr id="4" name="コンテンツ プレースホルダー 2"/>
+          <p:cNvSpPr txBox="1">
+            <a:spLocks/>
           </p:cNvSpPr>
-          <p:nvPr>
-            <p:ph idx="1"/>
-          </p:nvPr>
+          <p:nvPr/>
         </p:nvSpPr>
-        <p:spPr/>
+        <p:spPr>
+          <a:xfrm>
+            <a:off x="838201" y="1825625"/>
+            <a:ext cx="5571836" cy="4351338"/>
+          </a:xfrm>
+          <a:prstGeom prst="rect">
+            <a:avLst/>
+          </a:prstGeom>
+        </p:spPr>
         <p:txBody>
-          <a:bodyPr/>
-          <a:lstStyle/>
-          <a:p>
-            <a:endParaRPr kumimoji="1" lang="ja-JP" altLang="en-US"/>
+          <a:bodyPr vert="horz" lIns="91440" tIns="45720" rIns="91440" bIns="45720" rtlCol="0">
+            <a:normAutofit/>
+          </a:bodyPr>
+          <a:lstStyle>
+            <a:lvl1pPr marL="228600" indent="-228600" algn="l" defTabSz="914400" rtl="0" eaLnBrk="1" latinLnBrk="0" hangingPunct="1">
+              <a:lnSpc>
+                <a:spcPct val="90000"/>
+              </a:lnSpc>
+              <a:spcBef>
+                <a:spcPts val="1000"/>
+              </a:spcBef>
+              <a:buFont typeface="Arial" panose="020B0604020202020204" pitchFamily="34" charset="0"/>
+              <a:buChar char="•"/>
+              <a:defRPr kumimoji="1" sz="2800" kern="1200">
+                <a:solidFill>
+                  <a:schemeClr val="tx1"/>
+                </a:solidFill>
+                <a:latin typeface="+mn-lt"/>
+                <a:ea typeface="+mn-ea"/>
+                <a:cs typeface="+mn-cs"/>
+              </a:defRPr>
+            </a:lvl1pPr>
+            <a:lvl2pPr marL="685800" indent="-228600" algn="l" defTabSz="914400" rtl="0" eaLnBrk="1" latinLnBrk="0" hangingPunct="1">
+              <a:lnSpc>
+                <a:spcPct val="90000"/>
+              </a:lnSpc>
+              <a:spcBef>
+                <a:spcPts val="500"/>
+              </a:spcBef>
+              <a:buFont typeface="Arial" panose="020B0604020202020204" pitchFamily="34" charset="0"/>
+              <a:buChar char="•"/>
+              <a:defRPr kumimoji="1" sz="2400" kern="1200">
+                <a:solidFill>
+                  <a:schemeClr val="tx1"/>
+                </a:solidFill>
+                <a:latin typeface="+mn-lt"/>
+                <a:ea typeface="+mn-ea"/>
+                <a:cs typeface="+mn-cs"/>
+              </a:defRPr>
+            </a:lvl2pPr>
+            <a:lvl3pPr marL="1143000" indent="-228600" algn="l" defTabSz="914400" rtl="0" eaLnBrk="1" latinLnBrk="0" hangingPunct="1">
+              <a:lnSpc>
+                <a:spcPct val="90000"/>
+              </a:lnSpc>
+              <a:spcBef>
+                <a:spcPts val="500"/>
+              </a:spcBef>
+              <a:buFont typeface="Arial" panose="020B0604020202020204" pitchFamily="34" charset="0"/>
+              <a:buChar char="•"/>
+              <a:defRPr kumimoji="1" sz="2000" kern="1200">
+                <a:solidFill>
+                  <a:schemeClr val="tx1"/>
+                </a:solidFill>
+                <a:latin typeface="+mn-lt"/>
+                <a:ea typeface="+mn-ea"/>
+                <a:cs typeface="+mn-cs"/>
+              </a:defRPr>
+            </a:lvl3pPr>
+            <a:lvl4pPr marL="1600200" indent="-228600" algn="l" defTabSz="914400" rtl="0" eaLnBrk="1" latinLnBrk="0" hangingPunct="1">
+              <a:lnSpc>
+                <a:spcPct val="90000"/>
+              </a:lnSpc>
+              <a:spcBef>
+                <a:spcPts val="500"/>
+              </a:spcBef>
+              <a:buFont typeface="Arial" panose="020B0604020202020204" pitchFamily="34" charset="0"/>
+              <a:buChar char="•"/>
+              <a:defRPr kumimoji="1" sz="1800" kern="1200">
+                <a:solidFill>
+                  <a:schemeClr val="tx1"/>
+                </a:solidFill>
+                <a:latin typeface="+mn-lt"/>
+                <a:ea typeface="+mn-ea"/>
+                <a:cs typeface="+mn-cs"/>
+              </a:defRPr>
+            </a:lvl4pPr>
+            <a:lvl5pPr marL="2057400" indent="-228600" algn="l" defTabSz="914400" rtl="0" eaLnBrk="1" latinLnBrk="0" hangingPunct="1">
+              <a:lnSpc>
+                <a:spcPct val="90000"/>
+              </a:lnSpc>
+              <a:spcBef>
+                <a:spcPts val="500"/>
+              </a:spcBef>
+              <a:buFont typeface="Arial" panose="020B0604020202020204" pitchFamily="34" charset="0"/>
+              <a:buChar char="•"/>
+              <a:defRPr kumimoji="1" sz="1800" kern="1200">
+                <a:solidFill>
+                  <a:schemeClr val="tx1"/>
+                </a:solidFill>
+                <a:latin typeface="+mn-lt"/>
+                <a:ea typeface="+mn-ea"/>
+                <a:cs typeface="+mn-cs"/>
+              </a:defRPr>
+            </a:lvl5pPr>
+            <a:lvl6pPr marL="2514600" indent="-228600" algn="l" defTabSz="914400" rtl="0" eaLnBrk="1" latinLnBrk="0" hangingPunct="1">
+              <a:lnSpc>
+                <a:spcPct val="90000"/>
+              </a:lnSpc>
+              <a:spcBef>
+                <a:spcPts val="500"/>
+              </a:spcBef>
+              <a:buFont typeface="Arial" panose="020B0604020202020204" pitchFamily="34" charset="0"/>
+              <a:buChar char="•"/>
+              <a:defRPr kumimoji="1" sz="1800" kern="1200">
+                <a:solidFill>
+                  <a:schemeClr val="tx1"/>
+                </a:solidFill>
+                <a:latin typeface="+mn-lt"/>
+                <a:ea typeface="+mn-ea"/>
+                <a:cs typeface="+mn-cs"/>
+              </a:defRPr>
+            </a:lvl6pPr>
+            <a:lvl7pPr marL="2971800" indent="-228600" algn="l" defTabSz="914400" rtl="0" eaLnBrk="1" latinLnBrk="0" hangingPunct="1">
+              <a:lnSpc>
+                <a:spcPct val="90000"/>
+              </a:lnSpc>
+              <a:spcBef>
+                <a:spcPts val="500"/>
+              </a:spcBef>
+              <a:buFont typeface="Arial" panose="020B0604020202020204" pitchFamily="34" charset="0"/>
+              <a:buChar char="•"/>
+              <a:defRPr kumimoji="1" sz="1800" kern="1200">
+                <a:solidFill>
+                  <a:schemeClr val="tx1"/>
+                </a:solidFill>
+                <a:latin typeface="+mn-lt"/>
+                <a:ea typeface="+mn-ea"/>
+                <a:cs typeface="+mn-cs"/>
+              </a:defRPr>
+            </a:lvl7pPr>
+            <a:lvl8pPr marL="3429000" indent="-228600" algn="l" defTabSz="914400" rtl="0" eaLnBrk="1" latinLnBrk="0" hangingPunct="1">
+              <a:lnSpc>
+                <a:spcPct val="90000"/>
+              </a:lnSpc>
+              <a:spcBef>
+                <a:spcPts val="500"/>
+              </a:spcBef>
+              <a:buFont typeface="Arial" panose="020B0604020202020204" pitchFamily="34" charset="0"/>
+              <a:buChar char="•"/>
+              <a:defRPr kumimoji="1" sz="1800" kern="1200">
+                <a:solidFill>
+                  <a:schemeClr val="tx1"/>
+                </a:solidFill>
+                <a:latin typeface="+mn-lt"/>
+                <a:ea typeface="+mn-ea"/>
+                <a:cs typeface="+mn-cs"/>
+              </a:defRPr>
+            </a:lvl8pPr>
+            <a:lvl9pPr marL="3886200" indent="-228600" algn="l" defTabSz="914400" rtl="0" eaLnBrk="1" latinLnBrk="0" hangingPunct="1">
+              <a:lnSpc>
+                <a:spcPct val="90000"/>
+              </a:lnSpc>
+              <a:spcBef>
+                <a:spcPts val="500"/>
+              </a:spcBef>
+              <a:buFont typeface="Arial" panose="020B0604020202020204" pitchFamily="34" charset="0"/>
+              <a:buChar char="•"/>
+              <a:defRPr kumimoji="1" sz="1800" kern="1200">
+                <a:solidFill>
+                  <a:schemeClr val="tx1"/>
+                </a:solidFill>
+                <a:latin typeface="+mn-lt"/>
+                <a:ea typeface="+mn-ea"/>
+                <a:cs typeface="+mn-cs"/>
+              </a:defRPr>
+            </a:lvl9pPr>
+          </a:lstStyle>
+          <a:p>
+            <a:r>
+              <a:rPr lang="ja-JP" altLang="en-US" sz="1400" smtClean="0"/>
+              <a:t>全ての業務は、手作業と社員の記憶・経験。</a:t>
+            </a:r>
+            <a:endParaRPr lang="en-US" altLang="ja-JP" sz="1400" smtClean="0"/>
+          </a:p>
+          <a:p>
+            <a:endParaRPr lang="en-US" altLang="ja-JP" sz="1400" smtClean="0"/>
+          </a:p>
+          <a:p>
+            <a:r>
+              <a:rPr lang="ja-JP" altLang="ja-JP" sz="1400" smtClean="0"/>
+              <a:t>台帳を基に</a:t>
+            </a:r>
+            <a:r>
+              <a:rPr lang="ja-JP" altLang="en-US" sz="1400" smtClean="0"/>
+              <a:t>した</a:t>
+            </a:r>
+            <a:r>
+              <a:rPr lang="ja-JP" altLang="ja-JP" sz="1400" smtClean="0"/>
+              <a:t>手計算</a:t>
+            </a:r>
+            <a:r>
+              <a:rPr lang="ja-JP" altLang="en-US" sz="1400" smtClean="0"/>
+              <a:t>で給与を計算</a:t>
+            </a:r>
+            <a:r>
+              <a:rPr lang="ja-JP" altLang="ja-JP" sz="1400" smtClean="0"/>
+              <a:t>。</a:t>
+            </a:r>
+            <a:endParaRPr lang="en-US" altLang="ja-JP" sz="1400" smtClean="0"/>
+          </a:p>
+          <a:p>
+            <a:endParaRPr lang="en-US" altLang="ja-JP" sz="1400" smtClean="0"/>
+          </a:p>
+          <a:p>
+            <a:r>
+              <a:rPr lang="ja-JP" altLang="ja-JP" sz="1400" smtClean="0"/>
+              <a:t>車両関係書類が多く、また納期管理が煩雑</a:t>
+            </a:r>
+            <a:r>
+              <a:rPr lang="ja-JP" altLang="en-US" sz="1400" smtClean="0"/>
+              <a:t>。</a:t>
+            </a:r>
+            <a:endParaRPr lang="en-US" altLang="ja-JP" sz="1400" smtClean="0"/>
+          </a:p>
+          <a:p>
+            <a:endParaRPr lang="en-US" altLang="ja-JP" sz="1400" smtClean="0"/>
+          </a:p>
+          <a:p>
+            <a:r>
+              <a:rPr lang="ja-JP" altLang="ja-JP" sz="1400" smtClean="0"/>
+              <a:t>業者</a:t>
+            </a:r>
+            <a:r>
+              <a:rPr lang="ja-JP" altLang="en-US" sz="1400" smtClean="0"/>
+              <a:t>の</a:t>
+            </a:r>
+            <a:r>
+              <a:rPr lang="ja-JP" altLang="ja-JP" sz="1400" smtClean="0"/>
+              <a:t>情報</a:t>
+            </a:r>
+            <a:r>
+              <a:rPr lang="ja-JP" altLang="en-US" sz="1400" smtClean="0"/>
+              <a:t>も</a:t>
+            </a:r>
+            <a:r>
+              <a:rPr lang="ja-JP" altLang="ja-JP" sz="1400" smtClean="0"/>
+              <a:t>一元管理</a:t>
+            </a:r>
+            <a:r>
+              <a:rPr lang="ja-JP" altLang="en-US" sz="1400" smtClean="0"/>
+              <a:t>されていない。</a:t>
+            </a:r>
+            <a:endParaRPr lang="en-US" altLang="ja-JP" sz="1400" smtClean="0"/>
+          </a:p>
+          <a:p>
+            <a:endParaRPr lang="en-US" altLang="ja-JP" sz="1400" smtClean="0"/>
+          </a:p>
+          <a:p>
+            <a:r>
+              <a:rPr lang="ja-JP" altLang="ja-JP" sz="1400" smtClean="0"/>
+              <a:t>業者からの問い合わせ</a:t>
+            </a:r>
+            <a:r>
+              <a:rPr lang="ja-JP" altLang="en-US" sz="1400" smtClean="0"/>
+              <a:t>には、</a:t>
+            </a:r>
+            <a:r>
+              <a:rPr lang="ja-JP" altLang="ja-JP" sz="1400" smtClean="0"/>
+              <a:t>即答</a:t>
+            </a:r>
+            <a:r>
+              <a:rPr lang="ja-JP" altLang="en-US" sz="1400" smtClean="0"/>
+              <a:t>が不可能。</a:t>
+            </a:r>
+            <a:endParaRPr lang="en-US" altLang="ja-JP" sz="1400" smtClean="0"/>
+          </a:p>
+          <a:p>
+            <a:endParaRPr lang="en-US" altLang="ja-JP" sz="1400" smtClean="0"/>
+          </a:p>
+          <a:p>
+            <a:r>
+              <a:rPr lang="ja-JP" altLang="ja-JP" sz="1400" smtClean="0"/>
+              <a:t>業者に対して一括請求（売掛管理）ができていない。</a:t>
+            </a:r>
+            <a:endParaRPr lang="en-US" altLang="ja-JP" sz="1400" smtClean="0"/>
+          </a:p>
+          <a:p>
+            <a:endParaRPr lang="en-US" altLang="ja-JP" sz="1400" smtClean="0"/>
+          </a:p>
+          <a:p>
+            <a:r>
+              <a:rPr lang="ja-JP" altLang="ja-JP" sz="1400" smtClean="0"/>
+              <a:t>業者</a:t>
+            </a:r>
+            <a:r>
+              <a:rPr lang="ja-JP" altLang="en-US" sz="1400" smtClean="0"/>
+              <a:t>への請求額が高額となった際、</a:t>
+            </a:r>
+            <a:r>
+              <a:rPr lang="ja-JP" altLang="ja-JP" sz="1400" smtClean="0"/>
+              <a:t>翌月に繰り越す</a:t>
+            </a:r>
+            <a:r>
+              <a:rPr lang="ja-JP" altLang="en-US" sz="1400" smtClean="0"/>
+              <a:t>場合がある。</a:t>
+            </a:r>
+            <a:endParaRPr lang="ja-JP" altLang="en-US" sz="1400" dirty="0"/>
           </a:p>
         </p:txBody>
       </p:sp>
@@ -3749,6 +7435,25 @@
   <p:clrMapOvr>
     <a:masterClrMapping/>
   </p:clrMapOvr>
+  <mc:AlternateContent xmlns:mc="http://schemas.openxmlformats.org/markup-compatibility/2006">
+    <mc:Choice xmlns:p14="http://schemas.microsoft.com/office/powerpoint/2010/main" Requires="p14">
+      <p:transition spd="med" p14:dur="700">
+        <p:fade/>
+      </p:transition>
+    </mc:Choice>
+    <mc:Fallback>
+      <p:transition spd="med">
+        <p:fade/>
+      </p:transition>
+    </mc:Fallback>
+  </mc:AlternateContent>
+  <p:timing>
+    <p:tnLst>
+      <p:par>
+        <p:cTn id="1" dur="indefinite" restart="never" nodeType="tmRoot"/>
+      </p:par>
+    </p:tnLst>
+  </p:timing>
 </p:sld>
 </file>
 
@@ -3785,8 +7490,12 @@
           <a:lstStyle/>
           <a:p>
             <a:r>
-              <a:rPr kumimoji="1" lang="ja-JP" altLang="en-US" dirty="0" smtClean="0"/>
-              <a:t>具体的施策</a:t>
+              <a:rPr lang="ja-JP" altLang="en-US" dirty="0" smtClean="0"/>
+              <a:t>具体的</a:t>
+            </a:r>
+            <a:r>
+              <a:rPr lang="ja-JP" altLang="en-US" dirty="0"/>
+              <a:t>施策</a:t>
             </a:r>
             <a:endParaRPr kumimoji="1" lang="ja-JP" altLang="en-US" dirty="0"/>
           </a:p>
@@ -3802,25 +7511,2671 @@
             <p:ph idx="1"/>
           </p:nvPr>
         </p:nvSpPr>
-        <p:spPr/>
+        <p:spPr>
+          <a:xfrm>
+            <a:off x="838201" y="1825625"/>
+            <a:ext cx="5571836" cy="4351338"/>
+          </a:xfrm>
+        </p:spPr>
         <p:txBody>
-          <a:bodyPr/>
+          <a:bodyPr>
+            <a:normAutofit/>
+          </a:bodyPr>
           <a:lstStyle/>
           <a:p>
+            <a:r>
+              <a:rPr lang="ja-JP" altLang="en-US" sz="1400" dirty="0" smtClean="0"/>
+              <a:t>全ての業務は、手作業</a:t>
+            </a:r>
+            <a:r>
+              <a:rPr lang="ja-JP" altLang="en-US" sz="1400" dirty="0"/>
+              <a:t>と社員の記憶・</a:t>
+            </a:r>
+            <a:r>
+              <a:rPr lang="ja-JP" altLang="en-US" sz="1400" dirty="0" smtClean="0"/>
+              <a:t>経験。</a:t>
+            </a:r>
+            <a:endParaRPr lang="en-US" altLang="ja-JP" sz="1400" dirty="0" smtClean="0"/>
+          </a:p>
+          <a:p>
+            <a:endParaRPr lang="en-US" altLang="ja-JP" sz="1400" dirty="0" smtClean="0"/>
+          </a:p>
+          <a:p>
+            <a:r>
+              <a:rPr lang="ja-JP" altLang="ja-JP" sz="1400" dirty="0" smtClean="0"/>
+              <a:t>台帳</a:t>
+            </a:r>
+            <a:r>
+              <a:rPr lang="ja-JP" altLang="ja-JP" sz="1400" dirty="0"/>
+              <a:t>を基</a:t>
+            </a:r>
+            <a:r>
+              <a:rPr lang="ja-JP" altLang="ja-JP" sz="1400" dirty="0" smtClean="0"/>
+              <a:t>に</a:t>
+            </a:r>
+            <a:r>
+              <a:rPr lang="ja-JP" altLang="en-US" sz="1400" dirty="0" smtClean="0"/>
+              <a:t>した</a:t>
+            </a:r>
+            <a:r>
+              <a:rPr lang="ja-JP" altLang="ja-JP" sz="1400" dirty="0" smtClean="0"/>
+              <a:t>手計算</a:t>
+            </a:r>
+            <a:r>
+              <a:rPr lang="ja-JP" altLang="en-US" sz="1400" dirty="0" smtClean="0"/>
+              <a:t>で給与を計算</a:t>
+            </a:r>
+            <a:r>
+              <a:rPr lang="ja-JP" altLang="ja-JP" sz="1400" dirty="0" smtClean="0"/>
+              <a:t>。</a:t>
+            </a:r>
+            <a:endParaRPr lang="en-US" altLang="ja-JP" sz="1400" dirty="0" smtClean="0"/>
+          </a:p>
+          <a:p>
+            <a:endParaRPr lang="en-US" altLang="ja-JP" sz="1400" dirty="0" smtClean="0"/>
+          </a:p>
+          <a:p>
+            <a:r>
+              <a:rPr lang="ja-JP" altLang="ja-JP" sz="1400" dirty="0"/>
+              <a:t>車両関係書類が多く、また納期管理が</a:t>
+            </a:r>
+            <a:r>
+              <a:rPr lang="ja-JP" altLang="ja-JP" sz="1400" dirty="0" smtClean="0"/>
+              <a:t>煩雑</a:t>
+            </a:r>
+            <a:r>
+              <a:rPr lang="ja-JP" altLang="en-US" sz="1400" dirty="0" smtClean="0"/>
+              <a:t>。</a:t>
+            </a:r>
+            <a:endParaRPr lang="en-US" altLang="ja-JP" sz="1400" dirty="0" smtClean="0"/>
+          </a:p>
+          <a:p>
+            <a:endParaRPr lang="en-US" altLang="ja-JP" sz="1400" dirty="0" smtClean="0"/>
+          </a:p>
+          <a:p>
+            <a:r>
+              <a:rPr lang="ja-JP" altLang="ja-JP" sz="1400" dirty="0" smtClean="0"/>
+              <a:t>業者</a:t>
+            </a:r>
+            <a:r>
+              <a:rPr lang="ja-JP" altLang="en-US" sz="1400" dirty="0" smtClean="0"/>
+              <a:t>の</a:t>
+            </a:r>
+            <a:r>
+              <a:rPr lang="ja-JP" altLang="ja-JP" sz="1400" dirty="0" smtClean="0"/>
+              <a:t>情報</a:t>
+            </a:r>
+            <a:r>
+              <a:rPr lang="ja-JP" altLang="en-US" sz="1400" dirty="0" smtClean="0"/>
+              <a:t>も</a:t>
+            </a:r>
+            <a:r>
+              <a:rPr lang="ja-JP" altLang="ja-JP" sz="1400" dirty="0" smtClean="0"/>
+              <a:t>一元管理</a:t>
+            </a:r>
+            <a:r>
+              <a:rPr lang="ja-JP" altLang="en-US" sz="1400" dirty="0" smtClean="0"/>
+              <a:t>されていない。</a:t>
+            </a:r>
+            <a:endParaRPr lang="en-US" altLang="ja-JP" sz="1400" dirty="0" smtClean="0"/>
+          </a:p>
+          <a:p>
+            <a:endParaRPr lang="en-US" altLang="ja-JP" sz="1400" dirty="0" smtClean="0"/>
+          </a:p>
+          <a:p>
+            <a:r>
+              <a:rPr lang="ja-JP" altLang="ja-JP" sz="1400" dirty="0" smtClean="0"/>
+              <a:t>業者</a:t>
+            </a:r>
+            <a:r>
+              <a:rPr lang="ja-JP" altLang="ja-JP" sz="1400" dirty="0"/>
+              <a:t>からの</a:t>
+            </a:r>
+            <a:r>
+              <a:rPr lang="ja-JP" altLang="ja-JP" sz="1400" dirty="0" smtClean="0"/>
+              <a:t>問い合わせ</a:t>
+            </a:r>
+            <a:r>
+              <a:rPr lang="ja-JP" altLang="en-US" sz="1400" dirty="0" smtClean="0"/>
+              <a:t>には、</a:t>
+            </a:r>
+            <a:r>
+              <a:rPr lang="ja-JP" altLang="ja-JP" sz="1400" dirty="0" smtClean="0"/>
+              <a:t>即答</a:t>
+            </a:r>
+            <a:r>
+              <a:rPr lang="ja-JP" altLang="en-US" sz="1400" dirty="0" smtClean="0"/>
+              <a:t>が不可能。</a:t>
+            </a:r>
+            <a:endParaRPr lang="en-US" altLang="ja-JP" sz="1400" dirty="0" smtClean="0"/>
+          </a:p>
+          <a:p>
+            <a:endParaRPr lang="en-US" altLang="ja-JP" sz="1400" dirty="0" smtClean="0"/>
+          </a:p>
+          <a:p>
+            <a:r>
+              <a:rPr lang="ja-JP" altLang="ja-JP" sz="1400" dirty="0" smtClean="0"/>
+              <a:t>業者</a:t>
+            </a:r>
+            <a:r>
+              <a:rPr lang="ja-JP" altLang="ja-JP" sz="1400" dirty="0"/>
+              <a:t>に対して一括請求（売掛管理）ができていない</a:t>
+            </a:r>
+            <a:r>
+              <a:rPr lang="ja-JP" altLang="ja-JP" sz="1400" dirty="0" smtClean="0"/>
+              <a:t>。</a:t>
+            </a:r>
+            <a:endParaRPr lang="en-US" altLang="ja-JP" sz="1400" dirty="0" smtClean="0"/>
+          </a:p>
+          <a:p>
+            <a:endParaRPr lang="en-US" altLang="ja-JP" sz="1400" dirty="0" smtClean="0"/>
+          </a:p>
+          <a:p>
+            <a:r>
+              <a:rPr lang="ja-JP" altLang="ja-JP" sz="1400" dirty="0" smtClean="0"/>
+              <a:t>業者</a:t>
+            </a:r>
+            <a:r>
+              <a:rPr lang="ja-JP" altLang="en-US" sz="1400" dirty="0" smtClean="0"/>
+              <a:t>への請求額が高額となった際、</a:t>
+            </a:r>
+            <a:r>
+              <a:rPr lang="ja-JP" altLang="ja-JP" sz="1400" dirty="0"/>
+              <a:t>翌月に</a:t>
+            </a:r>
+            <a:r>
+              <a:rPr lang="ja-JP" altLang="ja-JP" sz="1400" dirty="0" smtClean="0"/>
+              <a:t>繰り越す</a:t>
+            </a:r>
+            <a:r>
+              <a:rPr lang="ja-JP" altLang="en-US" sz="1400" dirty="0" smtClean="0"/>
+              <a:t>場合がある。</a:t>
+            </a:r>
+            <a:endParaRPr kumimoji="1" lang="ja-JP" altLang="en-US" sz="1400" dirty="0"/>
+          </a:p>
+        </p:txBody>
+      </p:sp>
+      <p:sp>
+        <p:nvSpPr>
+          <p:cNvPr id="5" name="コンテンツ プレースホルダー 2"/>
+          <p:cNvSpPr txBox="1">
+            <a:spLocks/>
+          </p:cNvSpPr>
+          <p:nvPr/>
+        </p:nvSpPr>
+        <p:spPr>
+          <a:xfrm>
+            <a:off x="7028873" y="1825625"/>
+            <a:ext cx="4953000" cy="614219"/>
+          </a:xfrm>
+          <a:prstGeom prst="rect">
+            <a:avLst/>
+          </a:prstGeom>
+        </p:spPr>
+        <p:txBody>
+          <a:bodyPr vert="horz" lIns="91440" tIns="45720" rIns="91440" bIns="45720" rtlCol="0">
+            <a:normAutofit/>
+          </a:bodyPr>
+          <a:lstStyle>
+            <a:lvl1pPr marL="228600" indent="-228600" algn="l" defTabSz="914400" rtl="0" eaLnBrk="1" latinLnBrk="0" hangingPunct="1">
+              <a:lnSpc>
+                <a:spcPct val="90000"/>
+              </a:lnSpc>
+              <a:spcBef>
+                <a:spcPts val="1000"/>
+              </a:spcBef>
+              <a:buFont typeface="Arial" panose="020B0604020202020204" pitchFamily="34" charset="0"/>
+              <a:buChar char="•"/>
+              <a:defRPr kumimoji="1" sz="2800" kern="1200">
+                <a:solidFill>
+                  <a:schemeClr val="tx1"/>
+                </a:solidFill>
+                <a:latin typeface="+mn-lt"/>
+                <a:ea typeface="+mn-ea"/>
+                <a:cs typeface="+mn-cs"/>
+              </a:defRPr>
+            </a:lvl1pPr>
+            <a:lvl2pPr marL="685800" indent="-228600" algn="l" defTabSz="914400" rtl="0" eaLnBrk="1" latinLnBrk="0" hangingPunct="1">
+              <a:lnSpc>
+                <a:spcPct val="90000"/>
+              </a:lnSpc>
+              <a:spcBef>
+                <a:spcPts val="500"/>
+              </a:spcBef>
+              <a:buFont typeface="Arial" panose="020B0604020202020204" pitchFamily="34" charset="0"/>
+              <a:buChar char="•"/>
+              <a:defRPr kumimoji="1" sz="2400" kern="1200">
+                <a:solidFill>
+                  <a:schemeClr val="tx1"/>
+                </a:solidFill>
+                <a:latin typeface="+mn-lt"/>
+                <a:ea typeface="+mn-ea"/>
+                <a:cs typeface="+mn-cs"/>
+              </a:defRPr>
+            </a:lvl2pPr>
+            <a:lvl3pPr marL="1143000" indent="-228600" algn="l" defTabSz="914400" rtl="0" eaLnBrk="1" latinLnBrk="0" hangingPunct="1">
+              <a:lnSpc>
+                <a:spcPct val="90000"/>
+              </a:lnSpc>
+              <a:spcBef>
+                <a:spcPts val="500"/>
+              </a:spcBef>
+              <a:buFont typeface="Arial" panose="020B0604020202020204" pitchFamily="34" charset="0"/>
+              <a:buChar char="•"/>
+              <a:defRPr kumimoji="1" sz="2000" kern="1200">
+                <a:solidFill>
+                  <a:schemeClr val="tx1"/>
+                </a:solidFill>
+                <a:latin typeface="+mn-lt"/>
+                <a:ea typeface="+mn-ea"/>
+                <a:cs typeface="+mn-cs"/>
+              </a:defRPr>
+            </a:lvl3pPr>
+            <a:lvl4pPr marL="1600200" indent="-228600" algn="l" defTabSz="914400" rtl="0" eaLnBrk="1" latinLnBrk="0" hangingPunct="1">
+              <a:lnSpc>
+                <a:spcPct val="90000"/>
+              </a:lnSpc>
+              <a:spcBef>
+                <a:spcPts val="500"/>
+              </a:spcBef>
+              <a:buFont typeface="Arial" panose="020B0604020202020204" pitchFamily="34" charset="0"/>
+              <a:buChar char="•"/>
+              <a:defRPr kumimoji="1" sz="1800" kern="1200">
+                <a:solidFill>
+                  <a:schemeClr val="tx1"/>
+                </a:solidFill>
+                <a:latin typeface="+mn-lt"/>
+                <a:ea typeface="+mn-ea"/>
+                <a:cs typeface="+mn-cs"/>
+              </a:defRPr>
+            </a:lvl4pPr>
+            <a:lvl5pPr marL="2057400" indent="-228600" algn="l" defTabSz="914400" rtl="0" eaLnBrk="1" latinLnBrk="0" hangingPunct="1">
+              <a:lnSpc>
+                <a:spcPct val="90000"/>
+              </a:lnSpc>
+              <a:spcBef>
+                <a:spcPts val="500"/>
+              </a:spcBef>
+              <a:buFont typeface="Arial" panose="020B0604020202020204" pitchFamily="34" charset="0"/>
+              <a:buChar char="•"/>
+              <a:defRPr kumimoji="1" sz="1800" kern="1200">
+                <a:solidFill>
+                  <a:schemeClr val="tx1"/>
+                </a:solidFill>
+                <a:latin typeface="+mn-lt"/>
+                <a:ea typeface="+mn-ea"/>
+                <a:cs typeface="+mn-cs"/>
+              </a:defRPr>
+            </a:lvl5pPr>
+            <a:lvl6pPr marL="2514600" indent="-228600" algn="l" defTabSz="914400" rtl="0" eaLnBrk="1" latinLnBrk="0" hangingPunct="1">
+              <a:lnSpc>
+                <a:spcPct val="90000"/>
+              </a:lnSpc>
+              <a:spcBef>
+                <a:spcPts val="500"/>
+              </a:spcBef>
+              <a:buFont typeface="Arial" panose="020B0604020202020204" pitchFamily="34" charset="0"/>
+              <a:buChar char="•"/>
+              <a:defRPr kumimoji="1" sz="1800" kern="1200">
+                <a:solidFill>
+                  <a:schemeClr val="tx1"/>
+                </a:solidFill>
+                <a:latin typeface="+mn-lt"/>
+                <a:ea typeface="+mn-ea"/>
+                <a:cs typeface="+mn-cs"/>
+              </a:defRPr>
+            </a:lvl6pPr>
+            <a:lvl7pPr marL="2971800" indent="-228600" algn="l" defTabSz="914400" rtl="0" eaLnBrk="1" latinLnBrk="0" hangingPunct="1">
+              <a:lnSpc>
+                <a:spcPct val="90000"/>
+              </a:lnSpc>
+              <a:spcBef>
+                <a:spcPts val="500"/>
+              </a:spcBef>
+              <a:buFont typeface="Arial" panose="020B0604020202020204" pitchFamily="34" charset="0"/>
+              <a:buChar char="•"/>
+              <a:defRPr kumimoji="1" sz="1800" kern="1200">
+                <a:solidFill>
+                  <a:schemeClr val="tx1"/>
+                </a:solidFill>
+                <a:latin typeface="+mn-lt"/>
+                <a:ea typeface="+mn-ea"/>
+                <a:cs typeface="+mn-cs"/>
+              </a:defRPr>
+            </a:lvl7pPr>
+            <a:lvl8pPr marL="3429000" indent="-228600" algn="l" defTabSz="914400" rtl="0" eaLnBrk="1" latinLnBrk="0" hangingPunct="1">
+              <a:lnSpc>
+                <a:spcPct val="90000"/>
+              </a:lnSpc>
+              <a:spcBef>
+                <a:spcPts val="500"/>
+              </a:spcBef>
+              <a:buFont typeface="Arial" panose="020B0604020202020204" pitchFamily="34" charset="0"/>
+              <a:buChar char="•"/>
+              <a:defRPr kumimoji="1" sz="1800" kern="1200">
+                <a:solidFill>
+                  <a:schemeClr val="tx1"/>
+                </a:solidFill>
+                <a:latin typeface="+mn-lt"/>
+                <a:ea typeface="+mn-ea"/>
+                <a:cs typeface="+mn-cs"/>
+              </a:defRPr>
+            </a:lvl8pPr>
+            <a:lvl9pPr marL="3886200" indent="-228600" algn="l" defTabSz="914400" rtl="0" eaLnBrk="1" latinLnBrk="0" hangingPunct="1">
+              <a:lnSpc>
+                <a:spcPct val="90000"/>
+              </a:lnSpc>
+              <a:spcBef>
+                <a:spcPts val="500"/>
+              </a:spcBef>
+              <a:buFont typeface="Arial" panose="020B0604020202020204" pitchFamily="34" charset="0"/>
+              <a:buChar char="•"/>
+              <a:defRPr kumimoji="1" sz="1800" kern="1200">
+                <a:solidFill>
+                  <a:schemeClr val="tx1"/>
+                </a:solidFill>
+                <a:latin typeface="+mn-lt"/>
+                <a:ea typeface="+mn-ea"/>
+                <a:cs typeface="+mn-cs"/>
+              </a:defRPr>
+            </a:lvl9pPr>
+          </a:lstStyle>
+          <a:p>
+            <a:r>
+              <a:rPr lang="ja-JP" altLang="en-US" sz="1400" dirty="0" smtClean="0"/>
+              <a:t>施策。</a:t>
+            </a:r>
+            <a:endParaRPr lang="ja-JP" altLang="en-US" sz="1400" dirty="0"/>
+          </a:p>
+        </p:txBody>
+      </p:sp>
+      <p:sp>
+        <p:nvSpPr>
+          <p:cNvPr id="7" name="右矢印 6"/>
+          <p:cNvSpPr/>
+          <p:nvPr/>
+        </p:nvSpPr>
+        <p:spPr>
+          <a:xfrm>
+            <a:off x="6668656" y="1812061"/>
+            <a:ext cx="332508" cy="326448"/>
+          </a:xfrm>
+          <a:prstGeom prst="rightArrow">
+            <a:avLst/>
+          </a:prstGeom>
+        </p:spPr>
+        <p:style>
+          <a:lnRef idx="2">
+            <a:schemeClr val="dk1"/>
+          </a:lnRef>
+          <a:fillRef idx="1">
+            <a:schemeClr val="lt1"/>
+          </a:fillRef>
+          <a:effectRef idx="0">
+            <a:schemeClr val="dk1"/>
+          </a:effectRef>
+          <a:fontRef idx="minor">
+            <a:schemeClr val="dk1"/>
+          </a:fontRef>
+        </p:style>
+        <p:txBody>
+          <a:bodyPr rtlCol="0" anchor="ctr"/>
+          <a:lstStyle/>
+          <a:p>
+            <a:pPr algn="ctr"/>
             <a:endParaRPr kumimoji="1" lang="ja-JP" altLang="en-US"/>
+          </a:p>
+        </p:txBody>
+      </p:sp>
+      <p:sp>
+        <p:nvSpPr>
+          <p:cNvPr id="8" name="右矢印 7"/>
+          <p:cNvSpPr/>
+          <p:nvPr/>
+        </p:nvSpPr>
+        <p:spPr>
+          <a:xfrm>
+            <a:off x="6668656" y="2439844"/>
+            <a:ext cx="332508" cy="326448"/>
+          </a:xfrm>
+          <a:prstGeom prst="rightArrow">
+            <a:avLst/>
+          </a:prstGeom>
+        </p:spPr>
+        <p:style>
+          <a:lnRef idx="2">
+            <a:schemeClr val="dk1"/>
+          </a:lnRef>
+          <a:fillRef idx="1">
+            <a:schemeClr val="lt1"/>
+          </a:fillRef>
+          <a:effectRef idx="0">
+            <a:schemeClr val="dk1"/>
+          </a:effectRef>
+          <a:fontRef idx="minor">
+            <a:schemeClr val="dk1"/>
+          </a:fontRef>
+        </p:style>
+        <p:txBody>
+          <a:bodyPr rtlCol="0" anchor="ctr"/>
+          <a:lstStyle/>
+          <a:p>
+            <a:pPr algn="ctr"/>
+            <a:endParaRPr kumimoji="1" lang="ja-JP" altLang="en-US"/>
+          </a:p>
+        </p:txBody>
+      </p:sp>
+      <p:sp>
+        <p:nvSpPr>
+          <p:cNvPr id="9" name="右矢印 8"/>
+          <p:cNvSpPr/>
+          <p:nvPr/>
+        </p:nvSpPr>
+        <p:spPr>
+          <a:xfrm>
+            <a:off x="6668656" y="3081771"/>
+            <a:ext cx="332508" cy="326448"/>
+          </a:xfrm>
+          <a:prstGeom prst="rightArrow">
+            <a:avLst/>
+          </a:prstGeom>
+        </p:spPr>
+        <p:style>
+          <a:lnRef idx="2">
+            <a:schemeClr val="dk1"/>
+          </a:lnRef>
+          <a:fillRef idx="1">
+            <a:schemeClr val="lt1"/>
+          </a:fillRef>
+          <a:effectRef idx="0">
+            <a:schemeClr val="dk1"/>
+          </a:effectRef>
+          <a:fontRef idx="minor">
+            <a:schemeClr val="dk1"/>
+          </a:fontRef>
+        </p:style>
+        <p:txBody>
+          <a:bodyPr rtlCol="0" anchor="ctr"/>
+          <a:lstStyle/>
+          <a:p>
+            <a:pPr algn="ctr"/>
+            <a:endParaRPr kumimoji="1" lang="ja-JP" altLang="en-US"/>
+          </a:p>
+        </p:txBody>
+      </p:sp>
+      <p:sp>
+        <p:nvSpPr>
+          <p:cNvPr id="10" name="右矢印 9"/>
+          <p:cNvSpPr/>
+          <p:nvPr/>
+        </p:nvSpPr>
+        <p:spPr>
+          <a:xfrm>
+            <a:off x="6668656" y="3723698"/>
+            <a:ext cx="332508" cy="326448"/>
+          </a:xfrm>
+          <a:prstGeom prst="rightArrow">
+            <a:avLst/>
+          </a:prstGeom>
+        </p:spPr>
+        <p:style>
+          <a:lnRef idx="2">
+            <a:schemeClr val="dk1"/>
+          </a:lnRef>
+          <a:fillRef idx="1">
+            <a:schemeClr val="lt1"/>
+          </a:fillRef>
+          <a:effectRef idx="0">
+            <a:schemeClr val="dk1"/>
+          </a:effectRef>
+          <a:fontRef idx="minor">
+            <a:schemeClr val="dk1"/>
+          </a:fontRef>
+        </p:style>
+        <p:txBody>
+          <a:bodyPr rtlCol="0" anchor="ctr"/>
+          <a:lstStyle/>
+          <a:p>
+            <a:pPr algn="ctr"/>
+            <a:endParaRPr kumimoji="1" lang="ja-JP" altLang="en-US"/>
+          </a:p>
+        </p:txBody>
+      </p:sp>
+      <p:sp>
+        <p:nvSpPr>
+          <p:cNvPr id="11" name="右矢印 10"/>
+          <p:cNvSpPr/>
+          <p:nvPr/>
+        </p:nvSpPr>
+        <p:spPr>
+          <a:xfrm>
+            <a:off x="6668656" y="4365625"/>
+            <a:ext cx="332508" cy="326448"/>
+          </a:xfrm>
+          <a:prstGeom prst="rightArrow">
+            <a:avLst/>
+          </a:prstGeom>
+        </p:spPr>
+        <p:style>
+          <a:lnRef idx="2">
+            <a:schemeClr val="dk1"/>
+          </a:lnRef>
+          <a:fillRef idx="1">
+            <a:schemeClr val="lt1"/>
+          </a:fillRef>
+          <a:effectRef idx="0">
+            <a:schemeClr val="dk1"/>
+          </a:effectRef>
+          <a:fontRef idx="minor">
+            <a:schemeClr val="dk1"/>
+          </a:fontRef>
+        </p:style>
+        <p:txBody>
+          <a:bodyPr rtlCol="0" anchor="ctr"/>
+          <a:lstStyle/>
+          <a:p>
+            <a:pPr algn="ctr"/>
+            <a:endParaRPr kumimoji="1" lang="ja-JP" altLang="en-US"/>
+          </a:p>
+        </p:txBody>
+      </p:sp>
+      <p:sp>
+        <p:nvSpPr>
+          <p:cNvPr id="12" name="右矢印 11"/>
+          <p:cNvSpPr/>
+          <p:nvPr/>
+        </p:nvSpPr>
+        <p:spPr>
+          <a:xfrm>
+            <a:off x="6668656" y="5011306"/>
+            <a:ext cx="332508" cy="326448"/>
+          </a:xfrm>
+          <a:prstGeom prst="rightArrow">
+            <a:avLst/>
+          </a:prstGeom>
+        </p:spPr>
+        <p:style>
+          <a:lnRef idx="2">
+            <a:schemeClr val="dk1"/>
+          </a:lnRef>
+          <a:fillRef idx="1">
+            <a:schemeClr val="lt1"/>
+          </a:fillRef>
+          <a:effectRef idx="0">
+            <a:schemeClr val="dk1"/>
+          </a:effectRef>
+          <a:fontRef idx="minor">
+            <a:schemeClr val="dk1"/>
+          </a:fontRef>
+        </p:style>
+        <p:txBody>
+          <a:bodyPr rtlCol="0" anchor="ctr"/>
+          <a:lstStyle/>
+          <a:p>
+            <a:pPr algn="ctr"/>
+            <a:endParaRPr kumimoji="1" lang="ja-JP" altLang="en-US"/>
+          </a:p>
+        </p:txBody>
+      </p:sp>
+      <p:sp>
+        <p:nvSpPr>
+          <p:cNvPr id="13" name="右矢印 12"/>
+          <p:cNvSpPr/>
+          <p:nvPr/>
+        </p:nvSpPr>
+        <p:spPr>
+          <a:xfrm>
+            <a:off x="6668656" y="5665359"/>
+            <a:ext cx="332508" cy="326448"/>
+          </a:xfrm>
+          <a:prstGeom prst="rightArrow">
+            <a:avLst/>
+          </a:prstGeom>
+        </p:spPr>
+        <p:style>
+          <a:lnRef idx="2">
+            <a:schemeClr val="dk1"/>
+          </a:lnRef>
+          <a:fillRef idx="1">
+            <a:schemeClr val="lt1"/>
+          </a:fillRef>
+          <a:effectRef idx="0">
+            <a:schemeClr val="dk1"/>
+          </a:effectRef>
+          <a:fontRef idx="minor">
+            <a:schemeClr val="dk1"/>
+          </a:fontRef>
+        </p:style>
+        <p:txBody>
+          <a:bodyPr rtlCol="0" anchor="ctr"/>
+          <a:lstStyle/>
+          <a:p>
+            <a:pPr algn="ctr"/>
+            <a:endParaRPr kumimoji="1" lang="ja-JP" altLang="en-US"/>
+          </a:p>
+        </p:txBody>
+      </p:sp>
+      <p:sp>
+        <p:nvSpPr>
+          <p:cNvPr id="14" name="コンテンツ プレースホルダー 2"/>
+          <p:cNvSpPr txBox="1">
+            <a:spLocks/>
+          </p:cNvSpPr>
+          <p:nvPr/>
+        </p:nvSpPr>
+        <p:spPr>
+          <a:xfrm>
+            <a:off x="7028873" y="2467552"/>
+            <a:ext cx="4953000" cy="614219"/>
+          </a:xfrm>
+          <a:prstGeom prst="rect">
+            <a:avLst/>
+          </a:prstGeom>
+        </p:spPr>
+        <p:txBody>
+          <a:bodyPr vert="horz" lIns="91440" tIns="45720" rIns="91440" bIns="45720" rtlCol="0">
+            <a:normAutofit/>
+          </a:bodyPr>
+          <a:lstStyle>
+            <a:lvl1pPr marL="228600" indent="-228600" algn="l" defTabSz="914400" rtl="0" eaLnBrk="1" latinLnBrk="0" hangingPunct="1">
+              <a:lnSpc>
+                <a:spcPct val="90000"/>
+              </a:lnSpc>
+              <a:spcBef>
+                <a:spcPts val="1000"/>
+              </a:spcBef>
+              <a:buFont typeface="Arial" panose="020B0604020202020204" pitchFamily="34" charset="0"/>
+              <a:buChar char="•"/>
+              <a:defRPr kumimoji="1" sz="2800" kern="1200">
+                <a:solidFill>
+                  <a:schemeClr val="tx1"/>
+                </a:solidFill>
+                <a:latin typeface="+mn-lt"/>
+                <a:ea typeface="+mn-ea"/>
+                <a:cs typeface="+mn-cs"/>
+              </a:defRPr>
+            </a:lvl1pPr>
+            <a:lvl2pPr marL="685800" indent="-228600" algn="l" defTabSz="914400" rtl="0" eaLnBrk="1" latinLnBrk="0" hangingPunct="1">
+              <a:lnSpc>
+                <a:spcPct val="90000"/>
+              </a:lnSpc>
+              <a:spcBef>
+                <a:spcPts val="500"/>
+              </a:spcBef>
+              <a:buFont typeface="Arial" panose="020B0604020202020204" pitchFamily="34" charset="0"/>
+              <a:buChar char="•"/>
+              <a:defRPr kumimoji="1" sz="2400" kern="1200">
+                <a:solidFill>
+                  <a:schemeClr val="tx1"/>
+                </a:solidFill>
+                <a:latin typeface="+mn-lt"/>
+                <a:ea typeface="+mn-ea"/>
+                <a:cs typeface="+mn-cs"/>
+              </a:defRPr>
+            </a:lvl2pPr>
+            <a:lvl3pPr marL="1143000" indent="-228600" algn="l" defTabSz="914400" rtl="0" eaLnBrk="1" latinLnBrk="0" hangingPunct="1">
+              <a:lnSpc>
+                <a:spcPct val="90000"/>
+              </a:lnSpc>
+              <a:spcBef>
+                <a:spcPts val="500"/>
+              </a:spcBef>
+              <a:buFont typeface="Arial" panose="020B0604020202020204" pitchFamily="34" charset="0"/>
+              <a:buChar char="•"/>
+              <a:defRPr kumimoji="1" sz="2000" kern="1200">
+                <a:solidFill>
+                  <a:schemeClr val="tx1"/>
+                </a:solidFill>
+                <a:latin typeface="+mn-lt"/>
+                <a:ea typeface="+mn-ea"/>
+                <a:cs typeface="+mn-cs"/>
+              </a:defRPr>
+            </a:lvl3pPr>
+            <a:lvl4pPr marL="1600200" indent="-228600" algn="l" defTabSz="914400" rtl="0" eaLnBrk="1" latinLnBrk="0" hangingPunct="1">
+              <a:lnSpc>
+                <a:spcPct val="90000"/>
+              </a:lnSpc>
+              <a:spcBef>
+                <a:spcPts val="500"/>
+              </a:spcBef>
+              <a:buFont typeface="Arial" panose="020B0604020202020204" pitchFamily="34" charset="0"/>
+              <a:buChar char="•"/>
+              <a:defRPr kumimoji="1" sz="1800" kern="1200">
+                <a:solidFill>
+                  <a:schemeClr val="tx1"/>
+                </a:solidFill>
+                <a:latin typeface="+mn-lt"/>
+                <a:ea typeface="+mn-ea"/>
+                <a:cs typeface="+mn-cs"/>
+              </a:defRPr>
+            </a:lvl4pPr>
+            <a:lvl5pPr marL="2057400" indent="-228600" algn="l" defTabSz="914400" rtl="0" eaLnBrk="1" latinLnBrk="0" hangingPunct="1">
+              <a:lnSpc>
+                <a:spcPct val="90000"/>
+              </a:lnSpc>
+              <a:spcBef>
+                <a:spcPts val="500"/>
+              </a:spcBef>
+              <a:buFont typeface="Arial" panose="020B0604020202020204" pitchFamily="34" charset="0"/>
+              <a:buChar char="•"/>
+              <a:defRPr kumimoji="1" sz="1800" kern="1200">
+                <a:solidFill>
+                  <a:schemeClr val="tx1"/>
+                </a:solidFill>
+                <a:latin typeface="+mn-lt"/>
+                <a:ea typeface="+mn-ea"/>
+                <a:cs typeface="+mn-cs"/>
+              </a:defRPr>
+            </a:lvl5pPr>
+            <a:lvl6pPr marL="2514600" indent="-228600" algn="l" defTabSz="914400" rtl="0" eaLnBrk="1" latinLnBrk="0" hangingPunct="1">
+              <a:lnSpc>
+                <a:spcPct val="90000"/>
+              </a:lnSpc>
+              <a:spcBef>
+                <a:spcPts val="500"/>
+              </a:spcBef>
+              <a:buFont typeface="Arial" panose="020B0604020202020204" pitchFamily="34" charset="0"/>
+              <a:buChar char="•"/>
+              <a:defRPr kumimoji="1" sz="1800" kern="1200">
+                <a:solidFill>
+                  <a:schemeClr val="tx1"/>
+                </a:solidFill>
+                <a:latin typeface="+mn-lt"/>
+                <a:ea typeface="+mn-ea"/>
+                <a:cs typeface="+mn-cs"/>
+              </a:defRPr>
+            </a:lvl6pPr>
+            <a:lvl7pPr marL="2971800" indent="-228600" algn="l" defTabSz="914400" rtl="0" eaLnBrk="1" latinLnBrk="0" hangingPunct="1">
+              <a:lnSpc>
+                <a:spcPct val="90000"/>
+              </a:lnSpc>
+              <a:spcBef>
+                <a:spcPts val="500"/>
+              </a:spcBef>
+              <a:buFont typeface="Arial" panose="020B0604020202020204" pitchFamily="34" charset="0"/>
+              <a:buChar char="•"/>
+              <a:defRPr kumimoji="1" sz="1800" kern="1200">
+                <a:solidFill>
+                  <a:schemeClr val="tx1"/>
+                </a:solidFill>
+                <a:latin typeface="+mn-lt"/>
+                <a:ea typeface="+mn-ea"/>
+                <a:cs typeface="+mn-cs"/>
+              </a:defRPr>
+            </a:lvl7pPr>
+            <a:lvl8pPr marL="3429000" indent="-228600" algn="l" defTabSz="914400" rtl="0" eaLnBrk="1" latinLnBrk="0" hangingPunct="1">
+              <a:lnSpc>
+                <a:spcPct val="90000"/>
+              </a:lnSpc>
+              <a:spcBef>
+                <a:spcPts val="500"/>
+              </a:spcBef>
+              <a:buFont typeface="Arial" panose="020B0604020202020204" pitchFamily="34" charset="0"/>
+              <a:buChar char="•"/>
+              <a:defRPr kumimoji="1" sz="1800" kern="1200">
+                <a:solidFill>
+                  <a:schemeClr val="tx1"/>
+                </a:solidFill>
+                <a:latin typeface="+mn-lt"/>
+                <a:ea typeface="+mn-ea"/>
+                <a:cs typeface="+mn-cs"/>
+              </a:defRPr>
+            </a:lvl8pPr>
+            <a:lvl9pPr marL="3886200" indent="-228600" algn="l" defTabSz="914400" rtl="0" eaLnBrk="1" latinLnBrk="0" hangingPunct="1">
+              <a:lnSpc>
+                <a:spcPct val="90000"/>
+              </a:lnSpc>
+              <a:spcBef>
+                <a:spcPts val="500"/>
+              </a:spcBef>
+              <a:buFont typeface="Arial" panose="020B0604020202020204" pitchFamily="34" charset="0"/>
+              <a:buChar char="•"/>
+              <a:defRPr kumimoji="1" sz="1800" kern="1200">
+                <a:solidFill>
+                  <a:schemeClr val="tx1"/>
+                </a:solidFill>
+                <a:latin typeface="+mn-lt"/>
+                <a:ea typeface="+mn-ea"/>
+                <a:cs typeface="+mn-cs"/>
+              </a:defRPr>
+            </a:lvl9pPr>
+          </a:lstStyle>
+          <a:p>
+            <a:r>
+              <a:rPr lang="ja-JP" altLang="en-US" sz="1400" dirty="0" smtClean="0"/>
+              <a:t>施策。</a:t>
+            </a:r>
+            <a:endParaRPr lang="ja-JP" altLang="en-US" sz="1400" dirty="0"/>
+          </a:p>
+        </p:txBody>
+      </p:sp>
+      <p:sp>
+        <p:nvSpPr>
+          <p:cNvPr id="15" name="コンテンツ プレースホルダー 2"/>
+          <p:cNvSpPr txBox="1">
+            <a:spLocks/>
+          </p:cNvSpPr>
+          <p:nvPr/>
+        </p:nvSpPr>
+        <p:spPr>
+          <a:xfrm>
+            <a:off x="7028873" y="3109479"/>
+            <a:ext cx="4953000" cy="614219"/>
+          </a:xfrm>
+          <a:prstGeom prst="rect">
+            <a:avLst/>
+          </a:prstGeom>
+        </p:spPr>
+        <p:txBody>
+          <a:bodyPr vert="horz" lIns="91440" tIns="45720" rIns="91440" bIns="45720" rtlCol="0">
+            <a:normAutofit/>
+          </a:bodyPr>
+          <a:lstStyle>
+            <a:lvl1pPr marL="228600" indent="-228600" algn="l" defTabSz="914400" rtl="0" eaLnBrk="1" latinLnBrk="0" hangingPunct="1">
+              <a:lnSpc>
+                <a:spcPct val="90000"/>
+              </a:lnSpc>
+              <a:spcBef>
+                <a:spcPts val="1000"/>
+              </a:spcBef>
+              <a:buFont typeface="Arial" panose="020B0604020202020204" pitchFamily="34" charset="0"/>
+              <a:buChar char="•"/>
+              <a:defRPr kumimoji="1" sz="2800" kern="1200">
+                <a:solidFill>
+                  <a:schemeClr val="tx1"/>
+                </a:solidFill>
+                <a:latin typeface="+mn-lt"/>
+                <a:ea typeface="+mn-ea"/>
+                <a:cs typeface="+mn-cs"/>
+              </a:defRPr>
+            </a:lvl1pPr>
+            <a:lvl2pPr marL="685800" indent="-228600" algn="l" defTabSz="914400" rtl="0" eaLnBrk="1" latinLnBrk="0" hangingPunct="1">
+              <a:lnSpc>
+                <a:spcPct val="90000"/>
+              </a:lnSpc>
+              <a:spcBef>
+                <a:spcPts val="500"/>
+              </a:spcBef>
+              <a:buFont typeface="Arial" panose="020B0604020202020204" pitchFamily="34" charset="0"/>
+              <a:buChar char="•"/>
+              <a:defRPr kumimoji="1" sz="2400" kern="1200">
+                <a:solidFill>
+                  <a:schemeClr val="tx1"/>
+                </a:solidFill>
+                <a:latin typeface="+mn-lt"/>
+                <a:ea typeface="+mn-ea"/>
+                <a:cs typeface="+mn-cs"/>
+              </a:defRPr>
+            </a:lvl2pPr>
+            <a:lvl3pPr marL="1143000" indent="-228600" algn="l" defTabSz="914400" rtl="0" eaLnBrk="1" latinLnBrk="0" hangingPunct="1">
+              <a:lnSpc>
+                <a:spcPct val="90000"/>
+              </a:lnSpc>
+              <a:spcBef>
+                <a:spcPts val="500"/>
+              </a:spcBef>
+              <a:buFont typeface="Arial" panose="020B0604020202020204" pitchFamily="34" charset="0"/>
+              <a:buChar char="•"/>
+              <a:defRPr kumimoji="1" sz="2000" kern="1200">
+                <a:solidFill>
+                  <a:schemeClr val="tx1"/>
+                </a:solidFill>
+                <a:latin typeface="+mn-lt"/>
+                <a:ea typeface="+mn-ea"/>
+                <a:cs typeface="+mn-cs"/>
+              </a:defRPr>
+            </a:lvl3pPr>
+            <a:lvl4pPr marL="1600200" indent="-228600" algn="l" defTabSz="914400" rtl="0" eaLnBrk="1" latinLnBrk="0" hangingPunct="1">
+              <a:lnSpc>
+                <a:spcPct val="90000"/>
+              </a:lnSpc>
+              <a:spcBef>
+                <a:spcPts val="500"/>
+              </a:spcBef>
+              <a:buFont typeface="Arial" panose="020B0604020202020204" pitchFamily="34" charset="0"/>
+              <a:buChar char="•"/>
+              <a:defRPr kumimoji="1" sz="1800" kern="1200">
+                <a:solidFill>
+                  <a:schemeClr val="tx1"/>
+                </a:solidFill>
+                <a:latin typeface="+mn-lt"/>
+                <a:ea typeface="+mn-ea"/>
+                <a:cs typeface="+mn-cs"/>
+              </a:defRPr>
+            </a:lvl4pPr>
+            <a:lvl5pPr marL="2057400" indent="-228600" algn="l" defTabSz="914400" rtl="0" eaLnBrk="1" latinLnBrk="0" hangingPunct="1">
+              <a:lnSpc>
+                <a:spcPct val="90000"/>
+              </a:lnSpc>
+              <a:spcBef>
+                <a:spcPts val="500"/>
+              </a:spcBef>
+              <a:buFont typeface="Arial" panose="020B0604020202020204" pitchFamily="34" charset="0"/>
+              <a:buChar char="•"/>
+              <a:defRPr kumimoji="1" sz="1800" kern="1200">
+                <a:solidFill>
+                  <a:schemeClr val="tx1"/>
+                </a:solidFill>
+                <a:latin typeface="+mn-lt"/>
+                <a:ea typeface="+mn-ea"/>
+                <a:cs typeface="+mn-cs"/>
+              </a:defRPr>
+            </a:lvl5pPr>
+            <a:lvl6pPr marL="2514600" indent="-228600" algn="l" defTabSz="914400" rtl="0" eaLnBrk="1" latinLnBrk="0" hangingPunct="1">
+              <a:lnSpc>
+                <a:spcPct val="90000"/>
+              </a:lnSpc>
+              <a:spcBef>
+                <a:spcPts val="500"/>
+              </a:spcBef>
+              <a:buFont typeface="Arial" panose="020B0604020202020204" pitchFamily="34" charset="0"/>
+              <a:buChar char="•"/>
+              <a:defRPr kumimoji="1" sz="1800" kern="1200">
+                <a:solidFill>
+                  <a:schemeClr val="tx1"/>
+                </a:solidFill>
+                <a:latin typeface="+mn-lt"/>
+                <a:ea typeface="+mn-ea"/>
+                <a:cs typeface="+mn-cs"/>
+              </a:defRPr>
+            </a:lvl6pPr>
+            <a:lvl7pPr marL="2971800" indent="-228600" algn="l" defTabSz="914400" rtl="0" eaLnBrk="1" latinLnBrk="0" hangingPunct="1">
+              <a:lnSpc>
+                <a:spcPct val="90000"/>
+              </a:lnSpc>
+              <a:spcBef>
+                <a:spcPts val="500"/>
+              </a:spcBef>
+              <a:buFont typeface="Arial" panose="020B0604020202020204" pitchFamily="34" charset="0"/>
+              <a:buChar char="•"/>
+              <a:defRPr kumimoji="1" sz="1800" kern="1200">
+                <a:solidFill>
+                  <a:schemeClr val="tx1"/>
+                </a:solidFill>
+                <a:latin typeface="+mn-lt"/>
+                <a:ea typeface="+mn-ea"/>
+                <a:cs typeface="+mn-cs"/>
+              </a:defRPr>
+            </a:lvl7pPr>
+            <a:lvl8pPr marL="3429000" indent="-228600" algn="l" defTabSz="914400" rtl="0" eaLnBrk="1" latinLnBrk="0" hangingPunct="1">
+              <a:lnSpc>
+                <a:spcPct val="90000"/>
+              </a:lnSpc>
+              <a:spcBef>
+                <a:spcPts val="500"/>
+              </a:spcBef>
+              <a:buFont typeface="Arial" panose="020B0604020202020204" pitchFamily="34" charset="0"/>
+              <a:buChar char="•"/>
+              <a:defRPr kumimoji="1" sz="1800" kern="1200">
+                <a:solidFill>
+                  <a:schemeClr val="tx1"/>
+                </a:solidFill>
+                <a:latin typeface="+mn-lt"/>
+                <a:ea typeface="+mn-ea"/>
+                <a:cs typeface="+mn-cs"/>
+              </a:defRPr>
+            </a:lvl8pPr>
+            <a:lvl9pPr marL="3886200" indent="-228600" algn="l" defTabSz="914400" rtl="0" eaLnBrk="1" latinLnBrk="0" hangingPunct="1">
+              <a:lnSpc>
+                <a:spcPct val="90000"/>
+              </a:lnSpc>
+              <a:spcBef>
+                <a:spcPts val="500"/>
+              </a:spcBef>
+              <a:buFont typeface="Arial" panose="020B0604020202020204" pitchFamily="34" charset="0"/>
+              <a:buChar char="•"/>
+              <a:defRPr kumimoji="1" sz="1800" kern="1200">
+                <a:solidFill>
+                  <a:schemeClr val="tx1"/>
+                </a:solidFill>
+                <a:latin typeface="+mn-lt"/>
+                <a:ea typeface="+mn-ea"/>
+                <a:cs typeface="+mn-cs"/>
+              </a:defRPr>
+            </a:lvl9pPr>
+          </a:lstStyle>
+          <a:p>
+            <a:r>
+              <a:rPr lang="ja-JP" altLang="en-US" sz="1400" dirty="0" smtClean="0"/>
+              <a:t>施策。</a:t>
+            </a:r>
+            <a:endParaRPr lang="ja-JP" altLang="en-US" sz="1400" dirty="0"/>
+          </a:p>
+        </p:txBody>
+      </p:sp>
+      <p:sp>
+        <p:nvSpPr>
+          <p:cNvPr id="16" name="コンテンツ プレースホルダー 2"/>
+          <p:cNvSpPr txBox="1">
+            <a:spLocks/>
+          </p:cNvSpPr>
+          <p:nvPr/>
+        </p:nvSpPr>
+        <p:spPr>
+          <a:xfrm>
+            <a:off x="7028873" y="3752848"/>
+            <a:ext cx="4953000" cy="614219"/>
+          </a:xfrm>
+          <a:prstGeom prst="rect">
+            <a:avLst/>
+          </a:prstGeom>
+        </p:spPr>
+        <p:txBody>
+          <a:bodyPr vert="horz" lIns="91440" tIns="45720" rIns="91440" bIns="45720" rtlCol="0">
+            <a:normAutofit/>
+          </a:bodyPr>
+          <a:lstStyle>
+            <a:lvl1pPr marL="228600" indent="-228600" algn="l" defTabSz="914400" rtl="0" eaLnBrk="1" latinLnBrk="0" hangingPunct="1">
+              <a:lnSpc>
+                <a:spcPct val="90000"/>
+              </a:lnSpc>
+              <a:spcBef>
+                <a:spcPts val="1000"/>
+              </a:spcBef>
+              <a:buFont typeface="Arial" panose="020B0604020202020204" pitchFamily="34" charset="0"/>
+              <a:buChar char="•"/>
+              <a:defRPr kumimoji="1" sz="2800" kern="1200">
+                <a:solidFill>
+                  <a:schemeClr val="tx1"/>
+                </a:solidFill>
+                <a:latin typeface="+mn-lt"/>
+                <a:ea typeface="+mn-ea"/>
+                <a:cs typeface="+mn-cs"/>
+              </a:defRPr>
+            </a:lvl1pPr>
+            <a:lvl2pPr marL="685800" indent="-228600" algn="l" defTabSz="914400" rtl="0" eaLnBrk="1" latinLnBrk="0" hangingPunct="1">
+              <a:lnSpc>
+                <a:spcPct val="90000"/>
+              </a:lnSpc>
+              <a:spcBef>
+                <a:spcPts val="500"/>
+              </a:spcBef>
+              <a:buFont typeface="Arial" panose="020B0604020202020204" pitchFamily="34" charset="0"/>
+              <a:buChar char="•"/>
+              <a:defRPr kumimoji="1" sz="2400" kern="1200">
+                <a:solidFill>
+                  <a:schemeClr val="tx1"/>
+                </a:solidFill>
+                <a:latin typeface="+mn-lt"/>
+                <a:ea typeface="+mn-ea"/>
+                <a:cs typeface="+mn-cs"/>
+              </a:defRPr>
+            </a:lvl2pPr>
+            <a:lvl3pPr marL="1143000" indent="-228600" algn="l" defTabSz="914400" rtl="0" eaLnBrk="1" latinLnBrk="0" hangingPunct="1">
+              <a:lnSpc>
+                <a:spcPct val="90000"/>
+              </a:lnSpc>
+              <a:spcBef>
+                <a:spcPts val="500"/>
+              </a:spcBef>
+              <a:buFont typeface="Arial" panose="020B0604020202020204" pitchFamily="34" charset="0"/>
+              <a:buChar char="•"/>
+              <a:defRPr kumimoji="1" sz="2000" kern="1200">
+                <a:solidFill>
+                  <a:schemeClr val="tx1"/>
+                </a:solidFill>
+                <a:latin typeface="+mn-lt"/>
+                <a:ea typeface="+mn-ea"/>
+                <a:cs typeface="+mn-cs"/>
+              </a:defRPr>
+            </a:lvl3pPr>
+            <a:lvl4pPr marL="1600200" indent="-228600" algn="l" defTabSz="914400" rtl="0" eaLnBrk="1" latinLnBrk="0" hangingPunct="1">
+              <a:lnSpc>
+                <a:spcPct val="90000"/>
+              </a:lnSpc>
+              <a:spcBef>
+                <a:spcPts val="500"/>
+              </a:spcBef>
+              <a:buFont typeface="Arial" panose="020B0604020202020204" pitchFamily="34" charset="0"/>
+              <a:buChar char="•"/>
+              <a:defRPr kumimoji="1" sz="1800" kern="1200">
+                <a:solidFill>
+                  <a:schemeClr val="tx1"/>
+                </a:solidFill>
+                <a:latin typeface="+mn-lt"/>
+                <a:ea typeface="+mn-ea"/>
+                <a:cs typeface="+mn-cs"/>
+              </a:defRPr>
+            </a:lvl4pPr>
+            <a:lvl5pPr marL="2057400" indent="-228600" algn="l" defTabSz="914400" rtl="0" eaLnBrk="1" latinLnBrk="0" hangingPunct="1">
+              <a:lnSpc>
+                <a:spcPct val="90000"/>
+              </a:lnSpc>
+              <a:spcBef>
+                <a:spcPts val="500"/>
+              </a:spcBef>
+              <a:buFont typeface="Arial" panose="020B0604020202020204" pitchFamily="34" charset="0"/>
+              <a:buChar char="•"/>
+              <a:defRPr kumimoji="1" sz="1800" kern="1200">
+                <a:solidFill>
+                  <a:schemeClr val="tx1"/>
+                </a:solidFill>
+                <a:latin typeface="+mn-lt"/>
+                <a:ea typeface="+mn-ea"/>
+                <a:cs typeface="+mn-cs"/>
+              </a:defRPr>
+            </a:lvl5pPr>
+            <a:lvl6pPr marL="2514600" indent="-228600" algn="l" defTabSz="914400" rtl="0" eaLnBrk="1" latinLnBrk="0" hangingPunct="1">
+              <a:lnSpc>
+                <a:spcPct val="90000"/>
+              </a:lnSpc>
+              <a:spcBef>
+                <a:spcPts val="500"/>
+              </a:spcBef>
+              <a:buFont typeface="Arial" panose="020B0604020202020204" pitchFamily="34" charset="0"/>
+              <a:buChar char="•"/>
+              <a:defRPr kumimoji="1" sz="1800" kern="1200">
+                <a:solidFill>
+                  <a:schemeClr val="tx1"/>
+                </a:solidFill>
+                <a:latin typeface="+mn-lt"/>
+                <a:ea typeface="+mn-ea"/>
+                <a:cs typeface="+mn-cs"/>
+              </a:defRPr>
+            </a:lvl6pPr>
+            <a:lvl7pPr marL="2971800" indent="-228600" algn="l" defTabSz="914400" rtl="0" eaLnBrk="1" latinLnBrk="0" hangingPunct="1">
+              <a:lnSpc>
+                <a:spcPct val="90000"/>
+              </a:lnSpc>
+              <a:spcBef>
+                <a:spcPts val="500"/>
+              </a:spcBef>
+              <a:buFont typeface="Arial" panose="020B0604020202020204" pitchFamily="34" charset="0"/>
+              <a:buChar char="•"/>
+              <a:defRPr kumimoji="1" sz="1800" kern="1200">
+                <a:solidFill>
+                  <a:schemeClr val="tx1"/>
+                </a:solidFill>
+                <a:latin typeface="+mn-lt"/>
+                <a:ea typeface="+mn-ea"/>
+                <a:cs typeface="+mn-cs"/>
+              </a:defRPr>
+            </a:lvl7pPr>
+            <a:lvl8pPr marL="3429000" indent="-228600" algn="l" defTabSz="914400" rtl="0" eaLnBrk="1" latinLnBrk="0" hangingPunct="1">
+              <a:lnSpc>
+                <a:spcPct val="90000"/>
+              </a:lnSpc>
+              <a:spcBef>
+                <a:spcPts val="500"/>
+              </a:spcBef>
+              <a:buFont typeface="Arial" panose="020B0604020202020204" pitchFamily="34" charset="0"/>
+              <a:buChar char="•"/>
+              <a:defRPr kumimoji="1" sz="1800" kern="1200">
+                <a:solidFill>
+                  <a:schemeClr val="tx1"/>
+                </a:solidFill>
+                <a:latin typeface="+mn-lt"/>
+                <a:ea typeface="+mn-ea"/>
+                <a:cs typeface="+mn-cs"/>
+              </a:defRPr>
+            </a:lvl8pPr>
+            <a:lvl9pPr marL="3886200" indent="-228600" algn="l" defTabSz="914400" rtl="0" eaLnBrk="1" latinLnBrk="0" hangingPunct="1">
+              <a:lnSpc>
+                <a:spcPct val="90000"/>
+              </a:lnSpc>
+              <a:spcBef>
+                <a:spcPts val="500"/>
+              </a:spcBef>
+              <a:buFont typeface="Arial" panose="020B0604020202020204" pitchFamily="34" charset="0"/>
+              <a:buChar char="•"/>
+              <a:defRPr kumimoji="1" sz="1800" kern="1200">
+                <a:solidFill>
+                  <a:schemeClr val="tx1"/>
+                </a:solidFill>
+                <a:latin typeface="+mn-lt"/>
+                <a:ea typeface="+mn-ea"/>
+                <a:cs typeface="+mn-cs"/>
+              </a:defRPr>
+            </a:lvl9pPr>
+          </a:lstStyle>
+          <a:p>
+            <a:r>
+              <a:rPr lang="ja-JP" altLang="en-US" sz="1400" dirty="0" smtClean="0"/>
+              <a:t>施策。</a:t>
+            </a:r>
+            <a:endParaRPr lang="ja-JP" altLang="en-US" sz="1400" dirty="0"/>
+          </a:p>
+        </p:txBody>
+      </p:sp>
+      <p:sp>
+        <p:nvSpPr>
+          <p:cNvPr id="17" name="コンテンツ プレースホルダー 2"/>
+          <p:cNvSpPr txBox="1">
+            <a:spLocks/>
+          </p:cNvSpPr>
+          <p:nvPr/>
+        </p:nvSpPr>
+        <p:spPr>
+          <a:xfrm>
+            <a:off x="7028873" y="4397087"/>
+            <a:ext cx="4953000" cy="614219"/>
+          </a:xfrm>
+          <a:prstGeom prst="rect">
+            <a:avLst/>
+          </a:prstGeom>
+        </p:spPr>
+        <p:txBody>
+          <a:bodyPr vert="horz" lIns="91440" tIns="45720" rIns="91440" bIns="45720" rtlCol="0">
+            <a:normAutofit/>
+          </a:bodyPr>
+          <a:lstStyle>
+            <a:lvl1pPr marL="228600" indent="-228600" algn="l" defTabSz="914400" rtl="0" eaLnBrk="1" latinLnBrk="0" hangingPunct="1">
+              <a:lnSpc>
+                <a:spcPct val="90000"/>
+              </a:lnSpc>
+              <a:spcBef>
+                <a:spcPts val="1000"/>
+              </a:spcBef>
+              <a:buFont typeface="Arial" panose="020B0604020202020204" pitchFamily="34" charset="0"/>
+              <a:buChar char="•"/>
+              <a:defRPr kumimoji="1" sz="2800" kern="1200">
+                <a:solidFill>
+                  <a:schemeClr val="tx1"/>
+                </a:solidFill>
+                <a:latin typeface="+mn-lt"/>
+                <a:ea typeface="+mn-ea"/>
+                <a:cs typeface="+mn-cs"/>
+              </a:defRPr>
+            </a:lvl1pPr>
+            <a:lvl2pPr marL="685800" indent="-228600" algn="l" defTabSz="914400" rtl="0" eaLnBrk="1" latinLnBrk="0" hangingPunct="1">
+              <a:lnSpc>
+                <a:spcPct val="90000"/>
+              </a:lnSpc>
+              <a:spcBef>
+                <a:spcPts val="500"/>
+              </a:spcBef>
+              <a:buFont typeface="Arial" panose="020B0604020202020204" pitchFamily="34" charset="0"/>
+              <a:buChar char="•"/>
+              <a:defRPr kumimoji="1" sz="2400" kern="1200">
+                <a:solidFill>
+                  <a:schemeClr val="tx1"/>
+                </a:solidFill>
+                <a:latin typeface="+mn-lt"/>
+                <a:ea typeface="+mn-ea"/>
+                <a:cs typeface="+mn-cs"/>
+              </a:defRPr>
+            </a:lvl2pPr>
+            <a:lvl3pPr marL="1143000" indent="-228600" algn="l" defTabSz="914400" rtl="0" eaLnBrk="1" latinLnBrk="0" hangingPunct="1">
+              <a:lnSpc>
+                <a:spcPct val="90000"/>
+              </a:lnSpc>
+              <a:spcBef>
+                <a:spcPts val="500"/>
+              </a:spcBef>
+              <a:buFont typeface="Arial" panose="020B0604020202020204" pitchFamily="34" charset="0"/>
+              <a:buChar char="•"/>
+              <a:defRPr kumimoji="1" sz="2000" kern="1200">
+                <a:solidFill>
+                  <a:schemeClr val="tx1"/>
+                </a:solidFill>
+                <a:latin typeface="+mn-lt"/>
+                <a:ea typeface="+mn-ea"/>
+                <a:cs typeface="+mn-cs"/>
+              </a:defRPr>
+            </a:lvl3pPr>
+            <a:lvl4pPr marL="1600200" indent="-228600" algn="l" defTabSz="914400" rtl="0" eaLnBrk="1" latinLnBrk="0" hangingPunct="1">
+              <a:lnSpc>
+                <a:spcPct val="90000"/>
+              </a:lnSpc>
+              <a:spcBef>
+                <a:spcPts val="500"/>
+              </a:spcBef>
+              <a:buFont typeface="Arial" panose="020B0604020202020204" pitchFamily="34" charset="0"/>
+              <a:buChar char="•"/>
+              <a:defRPr kumimoji="1" sz="1800" kern="1200">
+                <a:solidFill>
+                  <a:schemeClr val="tx1"/>
+                </a:solidFill>
+                <a:latin typeface="+mn-lt"/>
+                <a:ea typeface="+mn-ea"/>
+                <a:cs typeface="+mn-cs"/>
+              </a:defRPr>
+            </a:lvl4pPr>
+            <a:lvl5pPr marL="2057400" indent="-228600" algn="l" defTabSz="914400" rtl="0" eaLnBrk="1" latinLnBrk="0" hangingPunct="1">
+              <a:lnSpc>
+                <a:spcPct val="90000"/>
+              </a:lnSpc>
+              <a:spcBef>
+                <a:spcPts val="500"/>
+              </a:spcBef>
+              <a:buFont typeface="Arial" panose="020B0604020202020204" pitchFamily="34" charset="0"/>
+              <a:buChar char="•"/>
+              <a:defRPr kumimoji="1" sz="1800" kern="1200">
+                <a:solidFill>
+                  <a:schemeClr val="tx1"/>
+                </a:solidFill>
+                <a:latin typeface="+mn-lt"/>
+                <a:ea typeface="+mn-ea"/>
+                <a:cs typeface="+mn-cs"/>
+              </a:defRPr>
+            </a:lvl5pPr>
+            <a:lvl6pPr marL="2514600" indent="-228600" algn="l" defTabSz="914400" rtl="0" eaLnBrk="1" latinLnBrk="0" hangingPunct="1">
+              <a:lnSpc>
+                <a:spcPct val="90000"/>
+              </a:lnSpc>
+              <a:spcBef>
+                <a:spcPts val="500"/>
+              </a:spcBef>
+              <a:buFont typeface="Arial" panose="020B0604020202020204" pitchFamily="34" charset="0"/>
+              <a:buChar char="•"/>
+              <a:defRPr kumimoji="1" sz="1800" kern="1200">
+                <a:solidFill>
+                  <a:schemeClr val="tx1"/>
+                </a:solidFill>
+                <a:latin typeface="+mn-lt"/>
+                <a:ea typeface="+mn-ea"/>
+                <a:cs typeface="+mn-cs"/>
+              </a:defRPr>
+            </a:lvl6pPr>
+            <a:lvl7pPr marL="2971800" indent="-228600" algn="l" defTabSz="914400" rtl="0" eaLnBrk="1" latinLnBrk="0" hangingPunct="1">
+              <a:lnSpc>
+                <a:spcPct val="90000"/>
+              </a:lnSpc>
+              <a:spcBef>
+                <a:spcPts val="500"/>
+              </a:spcBef>
+              <a:buFont typeface="Arial" panose="020B0604020202020204" pitchFamily="34" charset="0"/>
+              <a:buChar char="•"/>
+              <a:defRPr kumimoji="1" sz="1800" kern="1200">
+                <a:solidFill>
+                  <a:schemeClr val="tx1"/>
+                </a:solidFill>
+                <a:latin typeface="+mn-lt"/>
+                <a:ea typeface="+mn-ea"/>
+                <a:cs typeface="+mn-cs"/>
+              </a:defRPr>
+            </a:lvl7pPr>
+            <a:lvl8pPr marL="3429000" indent="-228600" algn="l" defTabSz="914400" rtl="0" eaLnBrk="1" latinLnBrk="0" hangingPunct="1">
+              <a:lnSpc>
+                <a:spcPct val="90000"/>
+              </a:lnSpc>
+              <a:spcBef>
+                <a:spcPts val="500"/>
+              </a:spcBef>
+              <a:buFont typeface="Arial" panose="020B0604020202020204" pitchFamily="34" charset="0"/>
+              <a:buChar char="•"/>
+              <a:defRPr kumimoji="1" sz="1800" kern="1200">
+                <a:solidFill>
+                  <a:schemeClr val="tx1"/>
+                </a:solidFill>
+                <a:latin typeface="+mn-lt"/>
+                <a:ea typeface="+mn-ea"/>
+                <a:cs typeface="+mn-cs"/>
+              </a:defRPr>
+            </a:lvl8pPr>
+            <a:lvl9pPr marL="3886200" indent="-228600" algn="l" defTabSz="914400" rtl="0" eaLnBrk="1" latinLnBrk="0" hangingPunct="1">
+              <a:lnSpc>
+                <a:spcPct val="90000"/>
+              </a:lnSpc>
+              <a:spcBef>
+                <a:spcPts val="500"/>
+              </a:spcBef>
+              <a:buFont typeface="Arial" panose="020B0604020202020204" pitchFamily="34" charset="0"/>
+              <a:buChar char="•"/>
+              <a:defRPr kumimoji="1" sz="1800" kern="1200">
+                <a:solidFill>
+                  <a:schemeClr val="tx1"/>
+                </a:solidFill>
+                <a:latin typeface="+mn-lt"/>
+                <a:ea typeface="+mn-ea"/>
+                <a:cs typeface="+mn-cs"/>
+              </a:defRPr>
+            </a:lvl9pPr>
+          </a:lstStyle>
+          <a:p>
+            <a:r>
+              <a:rPr lang="ja-JP" altLang="en-US" sz="1400" dirty="0" smtClean="0"/>
+              <a:t>施策。</a:t>
+            </a:r>
+            <a:endParaRPr lang="ja-JP" altLang="en-US" sz="1400" dirty="0"/>
+          </a:p>
+        </p:txBody>
+      </p:sp>
+      <p:sp>
+        <p:nvSpPr>
+          <p:cNvPr id="18" name="コンテンツ プレースホルダー 2"/>
+          <p:cNvSpPr txBox="1">
+            <a:spLocks/>
+          </p:cNvSpPr>
+          <p:nvPr/>
+        </p:nvSpPr>
+        <p:spPr>
+          <a:xfrm>
+            <a:off x="7028873" y="5051140"/>
+            <a:ext cx="4953000" cy="614219"/>
+          </a:xfrm>
+          <a:prstGeom prst="rect">
+            <a:avLst/>
+          </a:prstGeom>
+        </p:spPr>
+        <p:txBody>
+          <a:bodyPr vert="horz" lIns="91440" tIns="45720" rIns="91440" bIns="45720" rtlCol="0">
+            <a:normAutofit/>
+          </a:bodyPr>
+          <a:lstStyle>
+            <a:lvl1pPr marL="228600" indent="-228600" algn="l" defTabSz="914400" rtl="0" eaLnBrk="1" latinLnBrk="0" hangingPunct="1">
+              <a:lnSpc>
+                <a:spcPct val="90000"/>
+              </a:lnSpc>
+              <a:spcBef>
+                <a:spcPts val="1000"/>
+              </a:spcBef>
+              <a:buFont typeface="Arial" panose="020B0604020202020204" pitchFamily="34" charset="0"/>
+              <a:buChar char="•"/>
+              <a:defRPr kumimoji="1" sz="2800" kern="1200">
+                <a:solidFill>
+                  <a:schemeClr val="tx1"/>
+                </a:solidFill>
+                <a:latin typeface="+mn-lt"/>
+                <a:ea typeface="+mn-ea"/>
+                <a:cs typeface="+mn-cs"/>
+              </a:defRPr>
+            </a:lvl1pPr>
+            <a:lvl2pPr marL="685800" indent="-228600" algn="l" defTabSz="914400" rtl="0" eaLnBrk="1" latinLnBrk="0" hangingPunct="1">
+              <a:lnSpc>
+                <a:spcPct val="90000"/>
+              </a:lnSpc>
+              <a:spcBef>
+                <a:spcPts val="500"/>
+              </a:spcBef>
+              <a:buFont typeface="Arial" panose="020B0604020202020204" pitchFamily="34" charset="0"/>
+              <a:buChar char="•"/>
+              <a:defRPr kumimoji="1" sz="2400" kern="1200">
+                <a:solidFill>
+                  <a:schemeClr val="tx1"/>
+                </a:solidFill>
+                <a:latin typeface="+mn-lt"/>
+                <a:ea typeface="+mn-ea"/>
+                <a:cs typeface="+mn-cs"/>
+              </a:defRPr>
+            </a:lvl2pPr>
+            <a:lvl3pPr marL="1143000" indent="-228600" algn="l" defTabSz="914400" rtl="0" eaLnBrk="1" latinLnBrk="0" hangingPunct="1">
+              <a:lnSpc>
+                <a:spcPct val="90000"/>
+              </a:lnSpc>
+              <a:spcBef>
+                <a:spcPts val="500"/>
+              </a:spcBef>
+              <a:buFont typeface="Arial" panose="020B0604020202020204" pitchFamily="34" charset="0"/>
+              <a:buChar char="•"/>
+              <a:defRPr kumimoji="1" sz="2000" kern="1200">
+                <a:solidFill>
+                  <a:schemeClr val="tx1"/>
+                </a:solidFill>
+                <a:latin typeface="+mn-lt"/>
+                <a:ea typeface="+mn-ea"/>
+                <a:cs typeface="+mn-cs"/>
+              </a:defRPr>
+            </a:lvl3pPr>
+            <a:lvl4pPr marL="1600200" indent="-228600" algn="l" defTabSz="914400" rtl="0" eaLnBrk="1" latinLnBrk="0" hangingPunct="1">
+              <a:lnSpc>
+                <a:spcPct val="90000"/>
+              </a:lnSpc>
+              <a:spcBef>
+                <a:spcPts val="500"/>
+              </a:spcBef>
+              <a:buFont typeface="Arial" panose="020B0604020202020204" pitchFamily="34" charset="0"/>
+              <a:buChar char="•"/>
+              <a:defRPr kumimoji="1" sz="1800" kern="1200">
+                <a:solidFill>
+                  <a:schemeClr val="tx1"/>
+                </a:solidFill>
+                <a:latin typeface="+mn-lt"/>
+                <a:ea typeface="+mn-ea"/>
+                <a:cs typeface="+mn-cs"/>
+              </a:defRPr>
+            </a:lvl4pPr>
+            <a:lvl5pPr marL="2057400" indent="-228600" algn="l" defTabSz="914400" rtl="0" eaLnBrk="1" latinLnBrk="0" hangingPunct="1">
+              <a:lnSpc>
+                <a:spcPct val="90000"/>
+              </a:lnSpc>
+              <a:spcBef>
+                <a:spcPts val="500"/>
+              </a:spcBef>
+              <a:buFont typeface="Arial" panose="020B0604020202020204" pitchFamily="34" charset="0"/>
+              <a:buChar char="•"/>
+              <a:defRPr kumimoji="1" sz="1800" kern="1200">
+                <a:solidFill>
+                  <a:schemeClr val="tx1"/>
+                </a:solidFill>
+                <a:latin typeface="+mn-lt"/>
+                <a:ea typeface="+mn-ea"/>
+                <a:cs typeface="+mn-cs"/>
+              </a:defRPr>
+            </a:lvl5pPr>
+            <a:lvl6pPr marL="2514600" indent="-228600" algn="l" defTabSz="914400" rtl="0" eaLnBrk="1" latinLnBrk="0" hangingPunct="1">
+              <a:lnSpc>
+                <a:spcPct val="90000"/>
+              </a:lnSpc>
+              <a:spcBef>
+                <a:spcPts val="500"/>
+              </a:spcBef>
+              <a:buFont typeface="Arial" panose="020B0604020202020204" pitchFamily="34" charset="0"/>
+              <a:buChar char="•"/>
+              <a:defRPr kumimoji="1" sz="1800" kern="1200">
+                <a:solidFill>
+                  <a:schemeClr val="tx1"/>
+                </a:solidFill>
+                <a:latin typeface="+mn-lt"/>
+                <a:ea typeface="+mn-ea"/>
+                <a:cs typeface="+mn-cs"/>
+              </a:defRPr>
+            </a:lvl6pPr>
+            <a:lvl7pPr marL="2971800" indent="-228600" algn="l" defTabSz="914400" rtl="0" eaLnBrk="1" latinLnBrk="0" hangingPunct="1">
+              <a:lnSpc>
+                <a:spcPct val="90000"/>
+              </a:lnSpc>
+              <a:spcBef>
+                <a:spcPts val="500"/>
+              </a:spcBef>
+              <a:buFont typeface="Arial" panose="020B0604020202020204" pitchFamily="34" charset="0"/>
+              <a:buChar char="•"/>
+              <a:defRPr kumimoji="1" sz="1800" kern="1200">
+                <a:solidFill>
+                  <a:schemeClr val="tx1"/>
+                </a:solidFill>
+                <a:latin typeface="+mn-lt"/>
+                <a:ea typeface="+mn-ea"/>
+                <a:cs typeface="+mn-cs"/>
+              </a:defRPr>
+            </a:lvl7pPr>
+            <a:lvl8pPr marL="3429000" indent="-228600" algn="l" defTabSz="914400" rtl="0" eaLnBrk="1" latinLnBrk="0" hangingPunct="1">
+              <a:lnSpc>
+                <a:spcPct val="90000"/>
+              </a:lnSpc>
+              <a:spcBef>
+                <a:spcPts val="500"/>
+              </a:spcBef>
+              <a:buFont typeface="Arial" panose="020B0604020202020204" pitchFamily="34" charset="0"/>
+              <a:buChar char="•"/>
+              <a:defRPr kumimoji="1" sz="1800" kern="1200">
+                <a:solidFill>
+                  <a:schemeClr val="tx1"/>
+                </a:solidFill>
+                <a:latin typeface="+mn-lt"/>
+                <a:ea typeface="+mn-ea"/>
+                <a:cs typeface="+mn-cs"/>
+              </a:defRPr>
+            </a:lvl8pPr>
+            <a:lvl9pPr marL="3886200" indent="-228600" algn="l" defTabSz="914400" rtl="0" eaLnBrk="1" latinLnBrk="0" hangingPunct="1">
+              <a:lnSpc>
+                <a:spcPct val="90000"/>
+              </a:lnSpc>
+              <a:spcBef>
+                <a:spcPts val="500"/>
+              </a:spcBef>
+              <a:buFont typeface="Arial" panose="020B0604020202020204" pitchFamily="34" charset="0"/>
+              <a:buChar char="•"/>
+              <a:defRPr kumimoji="1" sz="1800" kern="1200">
+                <a:solidFill>
+                  <a:schemeClr val="tx1"/>
+                </a:solidFill>
+                <a:latin typeface="+mn-lt"/>
+                <a:ea typeface="+mn-ea"/>
+                <a:cs typeface="+mn-cs"/>
+              </a:defRPr>
+            </a:lvl9pPr>
+          </a:lstStyle>
+          <a:p>
+            <a:r>
+              <a:rPr lang="ja-JP" altLang="en-US" sz="1400" dirty="0" smtClean="0"/>
+              <a:t>施策。</a:t>
+            </a:r>
+            <a:endParaRPr lang="ja-JP" altLang="en-US" sz="1400" dirty="0"/>
+          </a:p>
+        </p:txBody>
+      </p:sp>
+      <p:sp>
+        <p:nvSpPr>
+          <p:cNvPr id="19" name="コンテンツ プレースホルダー 2"/>
+          <p:cNvSpPr txBox="1">
+            <a:spLocks/>
+          </p:cNvSpPr>
+          <p:nvPr/>
+        </p:nvSpPr>
+        <p:spPr>
+          <a:xfrm>
+            <a:off x="7028873" y="5705193"/>
+            <a:ext cx="4953000" cy="614219"/>
+          </a:xfrm>
+          <a:prstGeom prst="rect">
+            <a:avLst/>
+          </a:prstGeom>
+        </p:spPr>
+        <p:txBody>
+          <a:bodyPr vert="horz" lIns="91440" tIns="45720" rIns="91440" bIns="45720" rtlCol="0">
+            <a:normAutofit/>
+          </a:bodyPr>
+          <a:lstStyle>
+            <a:lvl1pPr marL="228600" indent="-228600" algn="l" defTabSz="914400" rtl="0" eaLnBrk="1" latinLnBrk="0" hangingPunct="1">
+              <a:lnSpc>
+                <a:spcPct val="90000"/>
+              </a:lnSpc>
+              <a:spcBef>
+                <a:spcPts val="1000"/>
+              </a:spcBef>
+              <a:buFont typeface="Arial" panose="020B0604020202020204" pitchFamily="34" charset="0"/>
+              <a:buChar char="•"/>
+              <a:defRPr kumimoji="1" sz="2800" kern="1200">
+                <a:solidFill>
+                  <a:schemeClr val="tx1"/>
+                </a:solidFill>
+                <a:latin typeface="+mn-lt"/>
+                <a:ea typeface="+mn-ea"/>
+                <a:cs typeface="+mn-cs"/>
+              </a:defRPr>
+            </a:lvl1pPr>
+            <a:lvl2pPr marL="685800" indent="-228600" algn="l" defTabSz="914400" rtl="0" eaLnBrk="1" latinLnBrk="0" hangingPunct="1">
+              <a:lnSpc>
+                <a:spcPct val="90000"/>
+              </a:lnSpc>
+              <a:spcBef>
+                <a:spcPts val="500"/>
+              </a:spcBef>
+              <a:buFont typeface="Arial" panose="020B0604020202020204" pitchFamily="34" charset="0"/>
+              <a:buChar char="•"/>
+              <a:defRPr kumimoji="1" sz="2400" kern="1200">
+                <a:solidFill>
+                  <a:schemeClr val="tx1"/>
+                </a:solidFill>
+                <a:latin typeface="+mn-lt"/>
+                <a:ea typeface="+mn-ea"/>
+                <a:cs typeface="+mn-cs"/>
+              </a:defRPr>
+            </a:lvl2pPr>
+            <a:lvl3pPr marL="1143000" indent="-228600" algn="l" defTabSz="914400" rtl="0" eaLnBrk="1" latinLnBrk="0" hangingPunct="1">
+              <a:lnSpc>
+                <a:spcPct val="90000"/>
+              </a:lnSpc>
+              <a:spcBef>
+                <a:spcPts val="500"/>
+              </a:spcBef>
+              <a:buFont typeface="Arial" panose="020B0604020202020204" pitchFamily="34" charset="0"/>
+              <a:buChar char="•"/>
+              <a:defRPr kumimoji="1" sz="2000" kern="1200">
+                <a:solidFill>
+                  <a:schemeClr val="tx1"/>
+                </a:solidFill>
+                <a:latin typeface="+mn-lt"/>
+                <a:ea typeface="+mn-ea"/>
+                <a:cs typeface="+mn-cs"/>
+              </a:defRPr>
+            </a:lvl3pPr>
+            <a:lvl4pPr marL="1600200" indent="-228600" algn="l" defTabSz="914400" rtl="0" eaLnBrk="1" latinLnBrk="0" hangingPunct="1">
+              <a:lnSpc>
+                <a:spcPct val="90000"/>
+              </a:lnSpc>
+              <a:spcBef>
+                <a:spcPts val="500"/>
+              </a:spcBef>
+              <a:buFont typeface="Arial" panose="020B0604020202020204" pitchFamily="34" charset="0"/>
+              <a:buChar char="•"/>
+              <a:defRPr kumimoji="1" sz="1800" kern="1200">
+                <a:solidFill>
+                  <a:schemeClr val="tx1"/>
+                </a:solidFill>
+                <a:latin typeface="+mn-lt"/>
+                <a:ea typeface="+mn-ea"/>
+                <a:cs typeface="+mn-cs"/>
+              </a:defRPr>
+            </a:lvl4pPr>
+            <a:lvl5pPr marL="2057400" indent="-228600" algn="l" defTabSz="914400" rtl="0" eaLnBrk="1" latinLnBrk="0" hangingPunct="1">
+              <a:lnSpc>
+                <a:spcPct val="90000"/>
+              </a:lnSpc>
+              <a:spcBef>
+                <a:spcPts val="500"/>
+              </a:spcBef>
+              <a:buFont typeface="Arial" panose="020B0604020202020204" pitchFamily="34" charset="0"/>
+              <a:buChar char="•"/>
+              <a:defRPr kumimoji="1" sz="1800" kern="1200">
+                <a:solidFill>
+                  <a:schemeClr val="tx1"/>
+                </a:solidFill>
+                <a:latin typeface="+mn-lt"/>
+                <a:ea typeface="+mn-ea"/>
+                <a:cs typeface="+mn-cs"/>
+              </a:defRPr>
+            </a:lvl5pPr>
+            <a:lvl6pPr marL="2514600" indent="-228600" algn="l" defTabSz="914400" rtl="0" eaLnBrk="1" latinLnBrk="0" hangingPunct="1">
+              <a:lnSpc>
+                <a:spcPct val="90000"/>
+              </a:lnSpc>
+              <a:spcBef>
+                <a:spcPts val="500"/>
+              </a:spcBef>
+              <a:buFont typeface="Arial" panose="020B0604020202020204" pitchFamily="34" charset="0"/>
+              <a:buChar char="•"/>
+              <a:defRPr kumimoji="1" sz="1800" kern="1200">
+                <a:solidFill>
+                  <a:schemeClr val="tx1"/>
+                </a:solidFill>
+                <a:latin typeface="+mn-lt"/>
+                <a:ea typeface="+mn-ea"/>
+                <a:cs typeface="+mn-cs"/>
+              </a:defRPr>
+            </a:lvl6pPr>
+            <a:lvl7pPr marL="2971800" indent="-228600" algn="l" defTabSz="914400" rtl="0" eaLnBrk="1" latinLnBrk="0" hangingPunct="1">
+              <a:lnSpc>
+                <a:spcPct val="90000"/>
+              </a:lnSpc>
+              <a:spcBef>
+                <a:spcPts val="500"/>
+              </a:spcBef>
+              <a:buFont typeface="Arial" panose="020B0604020202020204" pitchFamily="34" charset="0"/>
+              <a:buChar char="•"/>
+              <a:defRPr kumimoji="1" sz="1800" kern="1200">
+                <a:solidFill>
+                  <a:schemeClr val="tx1"/>
+                </a:solidFill>
+                <a:latin typeface="+mn-lt"/>
+                <a:ea typeface="+mn-ea"/>
+                <a:cs typeface="+mn-cs"/>
+              </a:defRPr>
+            </a:lvl7pPr>
+            <a:lvl8pPr marL="3429000" indent="-228600" algn="l" defTabSz="914400" rtl="0" eaLnBrk="1" latinLnBrk="0" hangingPunct="1">
+              <a:lnSpc>
+                <a:spcPct val="90000"/>
+              </a:lnSpc>
+              <a:spcBef>
+                <a:spcPts val="500"/>
+              </a:spcBef>
+              <a:buFont typeface="Arial" panose="020B0604020202020204" pitchFamily="34" charset="0"/>
+              <a:buChar char="•"/>
+              <a:defRPr kumimoji="1" sz="1800" kern="1200">
+                <a:solidFill>
+                  <a:schemeClr val="tx1"/>
+                </a:solidFill>
+                <a:latin typeface="+mn-lt"/>
+                <a:ea typeface="+mn-ea"/>
+                <a:cs typeface="+mn-cs"/>
+              </a:defRPr>
+            </a:lvl8pPr>
+            <a:lvl9pPr marL="3886200" indent="-228600" algn="l" defTabSz="914400" rtl="0" eaLnBrk="1" latinLnBrk="0" hangingPunct="1">
+              <a:lnSpc>
+                <a:spcPct val="90000"/>
+              </a:lnSpc>
+              <a:spcBef>
+                <a:spcPts val="500"/>
+              </a:spcBef>
+              <a:buFont typeface="Arial" panose="020B0604020202020204" pitchFamily="34" charset="0"/>
+              <a:buChar char="•"/>
+              <a:defRPr kumimoji="1" sz="1800" kern="1200">
+                <a:solidFill>
+                  <a:schemeClr val="tx1"/>
+                </a:solidFill>
+                <a:latin typeface="+mn-lt"/>
+                <a:ea typeface="+mn-ea"/>
+                <a:cs typeface="+mn-cs"/>
+              </a:defRPr>
+            </a:lvl9pPr>
+          </a:lstStyle>
+          <a:p>
+            <a:r>
+              <a:rPr lang="ja-JP" altLang="en-US" sz="1400" dirty="0" smtClean="0"/>
+              <a:t>施策。</a:t>
+            </a:r>
+            <a:endParaRPr lang="ja-JP" altLang="en-US" sz="1400" dirty="0"/>
           </a:p>
         </p:txBody>
       </p:sp>
     </p:spTree>
     <p:extLst>
       <p:ext uri="{BB962C8B-B14F-4D97-AF65-F5344CB8AC3E}">
-        <p14:creationId xmlns:p14="http://schemas.microsoft.com/office/powerpoint/2010/main" val="3557073117"/>
+        <p14:creationId xmlns:p14="http://schemas.microsoft.com/office/powerpoint/2010/main" val="1853837249"/>
       </p:ext>
     </p:extLst>
   </p:cSld>
   <p:clrMapOvr>
     <a:masterClrMapping/>
   </p:clrMapOvr>
+  <mc:AlternateContent xmlns:mc="http://schemas.openxmlformats.org/markup-compatibility/2006">
+    <mc:Choice xmlns:p14="http://schemas.microsoft.com/office/powerpoint/2010/main" Requires="p14">
+      <p:transition spd="med" p14:dur="700">
+        <p:fade/>
+      </p:transition>
+    </mc:Choice>
+    <mc:Fallback>
+      <p:transition spd="med">
+        <p:fade/>
+      </p:transition>
+    </mc:Fallback>
+  </mc:AlternateContent>
+  <p:timing>
+    <p:tnLst>
+      <p:par>
+        <p:cTn id="1" dur="indefinite" restart="never" nodeType="tmRoot">
+          <p:childTnLst>
+            <p:seq concurrent="1" nextAc="seek">
+              <p:cTn id="2" dur="indefinite" nodeType="mainSeq">
+                <p:childTnLst>
+                  <p:par>
+                    <p:cTn id="3" fill="hold">
+                      <p:stCondLst>
+                        <p:cond delay="indefinite"/>
+                        <p:cond evt="onBegin" delay="0">
+                          <p:tn val="2"/>
+                        </p:cond>
+                      </p:stCondLst>
+                      <p:childTnLst>
+                        <p:par>
+                          <p:cTn id="4" fill="hold">
+                            <p:stCondLst>
+                              <p:cond delay="0"/>
+                            </p:stCondLst>
+                            <p:childTnLst>
+                              <p:par>
+                                <p:cTn id="5" presetID="12" presetClass="entr" presetSubtype="8" fill="hold" grpId="0" nodeType="withEffect">
+                                  <p:stCondLst>
+                                    <p:cond delay="0"/>
+                                  </p:stCondLst>
+                                  <p:childTnLst>
+                                    <p:set>
+                                      <p:cBhvr>
+                                        <p:cTn id="6" dur="1" fill="hold">
+                                          <p:stCondLst>
+                                            <p:cond delay="0"/>
+                                          </p:stCondLst>
+                                        </p:cTn>
+                                        <p:tgtEl>
+                                          <p:spTgt spid="7"/>
+                                        </p:tgtEl>
+                                        <p:attrNameLst>
+                                          <p:attrName>style.visibility</p:attrName>
+                                        </p:attrNameLst>
+                                      </p:cBhvr>
+                                      <p:to>
+                                        <p:strVal val="visible"/>
+                                      </p:to>
+                                    </p:set>
+                                    <p:anim calcmode="lin" valueType="num">
+                                      <p:cBhvr additive="base">
+                                        <p:cTn id="7" dur="500"/>
+                                        <p:tgtEl>
+                                          <p:spTgt spid="7"/>
+                                        </p:tgtEl>
+                                        <p:attrNameLst>
+                                          <p:attrName>ppt_x</p:attrName>
+                                        </p:attrNameLst>
+                                      </p:cBhvr>
+                                      <p:tavLst>
+                                        <p:tav tm="0">
+                                          <p:val>
+                                            <p:strVal val="#ppt_x-#ppt_w*1.125000"/>
+                                          </p:val>
+                                        </p:tav>
+                                        <p:tav tm="100000">
+                                          <p:val>
+                                            <p:strVal val="#ppt_x"/>
+                                          </p:val>
+                                        </p:tav>
+                                      </p:tavLst>
+                                    </p:anim>
+                                    <p:animEffect transition="in" filter="wipe(right)">
+                                      <p:cBhvr>
+                                        <p:cTn id="8" dur="500"/>
+                                        <p:tgtEl>
+                                          <p:spTgt spid="7"/>
+                                        </p:tgtEl>
+                                      </p:cBhvr>
+                                    </p:animEffect>
+                                  </p:childTnLst>
+                                </p:cTn>
+                              </p:par>
+                            </p:childTnLst>
+                          </p:cTn>
+                        </p:par>
+                        <p:par>
+                          <p:cTn id="9" fill="hold">
+                            <p:stCondLst>
+                              <p:cond delay="500"/>
+                            </p:stCondLst>
+                            <p:childTnLst>
+                              <p:par>
+                                <p:cTn id="10" presetID="10" presetClass="entr" presetSubtype="0" fill="hold" grpId="0" nodeType="afterEffect">
+                                  <p:stCondLst>
+                                    <p:cond delay="0"/>
+                                  </p:stCondLst>
+                                  <p:childTnLst>
+                                    <p:set>
+                                      <p:cBhvr>
+                                        <p:cTn id="11" dur="1" fill="hold">
+                                          <p:stCondLst>
+                                            <p:cond delay="0"/>
+                                          </p:stCondLst>
+                                        </p:cTn>
+                                        <p:tgtEl>
+                                          <p:spTgt spid="5"/>
+                                        </p:tgtEl>
+                                        <p:attrNameLst>
+                                          <p:attrName>style.visibility</p:attrName>
+                                        </p:attrNameLst>
+                                      </p:cBhvr>
+                                      <p:to>
+                                        <p:strVal val="visible"/>
+                                      </p:to>
+                                    </p:set>
+                                    <p:animEffect transition="in" filter="fade">
+                                      <p:cBhvr>
+                                        <p:cTn id="12" dur="500"/>
+                                        <p:tgtEl>
+                                          <p:spTgt spid="5"/>
+                                        </p:tgtEl>
+                                      </p:cBhvr>
+                                    </p:animEffect>
+                                  </p:childTnLst>
+                                </p:cTn>
+                              </p:par>
+                            </p:childTnLst>
+                          </p:cTn>
+                        </p:par>
+                        <p:par>
+                          <p:cTn id="13" fill="hold">
+                            <p:stCondLst>
+                              <p:cond delay="1000"/>
+                            </p:stCondLst>
+                            <p:childTnLst>
+                              <p:par>
+                                <p:cTn id="14" presetID="12" presetClass="entr" presetSubtype="8" fill="hold" grpId="0" nodeType="afterEffect">
+                                  <p:stCondLst>
+                                    <p:cond delay="0"/>
+                                  </p:stCondLst>
+                                  <p:childTnLst>
+                                    <p:set>
+                                      <p:cBhvr>
+                                        <p:cTn id="15" dur="1" fill="hold">
+                                          <p:stCondLst>
+                                            <p:cond delay="0"/>
+                                          </p:stCondLst>
+                                        </p:cTn>
+                                        <p:tgtEl>
+                                          <p:spTgt spid="8"/>
+                                        </p:tgtEl>
+                                        <p:attrNameLst>
+                                          <p:attrName>style.visibility</p:attrName>
+                                        </p:attrNameLst>
+                                      </p:cBhvr>
+                                      <p:to>
+                                        <p:strVal val="visible"/>
+                                      </p:to>
+                                    </p:set>
+                                    <p:anim calcmode="lin" valueType="num">
+                                      <p:cBhvr additive="base">
+                                        <p:cTn id="16" dur="500"/>
+                                        <p:tgtEl>
+                                          <p:spTgt spid="8"/>
+                                        </p:tgtEl>
+                                        <p:attrNameLst>
+                                          <p:attrName>ppt_x</p:attrName>
+                                        </p:attrNameLst>
+                                      </p:cBhvr>
+                                      <p:tavLst>
+                                        <p:tav tm="0">
+                                          <p:val>
+                                            <p:strVal val="#ppt_x-#ppt_w*1.125000"/>
+                                          </p:val>
+                                        </p:tav>
+                                        <p:tav tm="100000">
+                                          <p:val>
+                                            <p:strVal val="#ppt_x"/>
+                                          </p:val>
+                                        </p:tav>
+                                      </p:tavLst>
+                                    </p:anim>
+                                    <p:animEffect transition="in" filter="wipe(right)">
+                                      <p:cBhvr>
+                                        <p:cTn id="17" dur="500"/>
+                                        <p:tgtEl>
+                                          <p:spTgt spid="8"/>
+                                        </p:tgtEl>
+                                      </p:cBhvr>
+                                    </p:animEffect>
+                                  </p:childTnLst>
+                                </p:cTn>
+                              </p:par>
+                            </p:childTnLst>
+                          </p:cTn>
+                        </p:par>
+                        <p:par>
+                          <p:cTn id="18" fill="hold">
+                            <p:stCondLst>
+                              <p:cond delay="1500"/>
+                            </p:stCondLst>
+                            <p:childTnLst>
+                              <p:par>
+                                <p:cTn id="19" presetID="10" presetClass="entr" presetSubtype="0" fill="hold" grpId="0" nodeType="afterEffect">
+                                  <p:stCondLst>
+                                    <p:cond delay="0"/>
+                                  </p:stCondLst>
+                                  <p:childTnLst>
+                                    <p:set>
+                                      <p:cBhvr>
+                                        <p:cTn id="20" dur="1" fill="hold">
+                                          <p:stCondLst>
+                                            <p:cond delay="0"/>
+                                          </p:stCondLst>
+                                        </p:cTn>
+                                        <p:tgtEl>
+                                          <p:spTgt spid="14"/>
+                                        </p:tgtEl>
+                                        <p:attrNameLst>
+                                          <p:attrName>style.visibility</p:attrName>
+                                        </p:attrNameLst>
+                                      </p:cBhvr>
+                                      <p:to>
+                                        <p:strVal val="visible"/>
+                                      </p:to>
+                                    </p:set>
+                                    <p:animEffect transition="in" filter="fade">
+                                      <p:cBhvr>
+                                        <p:cTn id="21" dur="500"/>
+                                        <p:tgtEl>
+                                          <p:spTgt spid="14"/>
+                                        </p:tgtEl>
+                                      </p:cBhvr>
+                                    </p:animEffect>
+                                  </p:childTnLst>
+                                </p:cTn>
+                              </p:par>
+                            </p:childTnLst>
+                          </p:cTn>
+                        </p:par>
+                        <p:par>
+                          <p:cTn id="22" fill="hold">
+                            <p:stCondLst>
+                              <p:cond delay="2000"/>
+                            </p:stCondLst>
+                            <p:childTnLst>
+                              <p:par>
+                                <p:cTn id="23" presetID="12" presetClass="entr" presetSubtype="8" fill="hold" grpId="0" nodeType="afterEffect">
+                                  <p:stCondLst>
+                                    <p:cond delay="0"/>
+                                  </p:stCondLst>
+                                  <p:childTnLst>
+                                    <p:set>
+                                      <p:cBhvr>
+                                        <p:cTn id="24" dur="1" fill="hold">
+                                          <p:stCondLst>
+                                            <p:cond delay="0"/>
+                                          </p:stCondLst>
+                                        </p:cTn>
+                                        <p:tgtEl>
+                                          <p:spTgt spid="9"/>
+                                        </p:tgtEl>
+                                        <p:attrNameLst>
+                                          <p:attrName>style.visibility</p:attrName>
+                                        </p:attrNameLst>
+                                      </p:cBhvr>
+                                      <p:to>
+                                        <p:strVal val="visible"/>
+                                      </p:to>
+                                    </p:set>
+                                    <p:anim calcmode="lin" valueType="num">
+                                      <p:cBhvr additive="base">
+                                        <p:cTn id="25" dur="500"/>
+                                        <p:tgtEl>
+                                          <p:spTgt spid="9"/>
+                                        </p:tgtEl>
+                                        <p:attrNameLst>
+                                          <p:attrName>ppt_x</p:attrName>
+                                        </p:attrNameLst>
+                                      </p:cBhvr>
+                                      <p:tavLst>
+                                        <p:tav tm="0">
+                                          <p:val>
+                                            <p:strVal val="#ppt_x-#ppt_w*1.125000"/>
+                                          </p:val>
+                                        </p:tav>
+                                        <p:tav tm="100000">
+                                          <p:val>
+                                            <p:strVal val="#ppt_x"/>
+                                          </p:val>
+                                        </p:tav>
+                                      </p:tavLst>
+                                    </p:anim>
+                                    <p:animEffect transition="in" filter="wipe(right)">
+                                      <p:cBhvr>
+                                        <p:cTn id="26" dur="500"/>
+                                        <p:tgtEl>
+                                          <p:spTgt spid="9"/>
+                                        </p:tgtEl>
+                                      </p:cBhvr>
+                                    </p:animEffect>
+                                  </p:childTnLst>
+                                </p:cTn>
+                              </p:par>
+                            </p:childTnLst>
+                          </p:cTn>
+                        </p:par>
+                        <p:par>
+                          <p:cTn id="27" fill="hold">
+                            <p:stCondLst>
+                              <p:cond delay="2500"/>
+                            </p:stCondLst>
+                            <p:childTnLst>
+                              <p:par>
+                                <p:cTn id="28" presetID="10" presetClass="entr" presetSubtype="0" fill="hold" grpId="0" nodeType="afterEffect">
+                                  <p:stCondLst>
+                                    <p:cond delay="0"/>
+                                  </p:stCondLst>
+                                  <p:childTnLst>
+                                    <p:set>
+                                      <p:cBhvr>
+                                        <p:cTn id="29" dur="1" fill="hold">
+                                          <p:stCondLst>
+                                            <p:cond delay="0"/>
+                                          </p:stCondLst>
+                                        </p:cTn>
+                                        <p:tgtEl>
+                                          <p:spTgt spid="15"/>
+                                        </p:tgtEl>
+                                        <p:attrNameLst>
+                                          <p:attrName>style.visibility</p:attrName>
+                                        </p:attrNameLst>
+                                      </p:cBhvr>
+                                      <p:to>
+                                        <p:strVal val="visible"/>
+                                      </p:to>
+                                    </p:set>
+                                    <p:animEffect transition="in" filter="fade">
+                                      <p:cBhvr>
+                                        <p:cTn id="30" dur="500"/>
+                                        <p:tgtEl>
+                                          <p:spTgt spid="15"/>
+                                        </p:tgtEl>
+                                      </p:cBhvr>
+                                    </p:animEffect>
+                                  </p:childTnLst>
+                                </p:cTn>
+                              </p:par>
+                            </p:childTnLst>
+                          </p:cTn>
+                        </p:par>
+                        <p:par>
+                          <p:cTn id="31" fill="hold">
+                            <p:stCondLst>
+                              <p:cond delay="3000"/>
+                            </p:stCondLst>
+                            <p:childTnLst>
+                              <p:par>
+                                <p:cTn id="32" presetID="12" presetClass="entr" presetSubtype="8" fill="hold" grpId="0" nodeType="afterEffect">
+                                  <p:stCondLst>
+                                    <p:cond delay="0"/>
+                                  </p:stCondLst>
+                                  <p:childTnLst>
+                                    <p:set>
+                                      <p:cBhvr>
+                                        <p:cTn id="33" dur="1" fill="hold">
+                                          <p:stCondLst>
+                                            <p:cond delay="0"/>
+                                          </p:stCondLst>
+                                        </p:cTn>
+                                        <p:tgtEl>
+                                          <p:spTgt spid="10"/>
+                                        </p:tgtEl>
+                                        <p:attrNameLst>
+                                          <p:attrName>style.visibility</p:attrName>
+                                        </p:attrNameLst>
+                                      </p:cBhvr>
+                                      <p:to>
+                                        <p:strVal val="visible"/>
+                                      </p:to>
+                                    </p:set>
+                                    <p:anim calcmode="lin" valueType="num">
+                                      <p:cBhvr additive="base">
+                                        <p:cTn id="34" dur="500"/>
+                                        <p:tgtEl>
+                                          <p:spTgt spid="10"/>
+                                        </p:tgtEl>
+                                        <p:attrNameLst>
+                                          <p:attrName>ppt_x</p:attrName>
+                                        </p:attrNameLst>
+                                      </p:cBhvr>
+                                      <p:tavLst>
+                                        <p:tav tm="0">
+                                          <p:val>
+                                            <p:strVal val="#ppt_x-#ppt_w*1.125000"/>
+                                          </p:val>
+                                        </p:tav>
+                                        <p:tav tm="100000">
+                                          <p:val>
+                                            <p:strVal val="#ppt_x"/>
+                                          </p:val>
+                                        </p:tav>
+                                      </p:tavLst>
+                                    </p:anim>
+                                    <p:animEffect transition="in" filter="wipe(right)">
+                                      <p:cBhvr>
+                                        <p:cTn id="35" dur="500"/>
+                                        <p:tgtEl>
+                                          <p:spTgt spid="10"/>
+                                        </p:tgtEl>
+                                      </p:cBhvr>
+                                    </p:animEffect>
+                                  </p:childTnLst>
+                                </p:cTn>
+                              </p:par>
+                            </p:childTnLst>
+                          </p:cTn>
+                        </p:par>
+                        <p:par>
+                          <p:cTn id="36" fill="hold">
+                            <p:stCondLst>
+                              <p:cond delay="3500"/>
+                            </p:stCondLst>
+                            <p:childTnLst>
+                              <p:par>
+                                <p:cTn id="37" presetID="10" presetClass="entr" presetSubtype="0" fill="hold" grpId="0" nodeType="afterEffect">
+                                  <p:stCondLst>
+                                    <p:cond delay="0"/>
+                                  </p:stCondLst>
+                                  <p:childTnLst>
+                                    <p:set>
+                                      <p:cBhvr>
+                                        <p:cTn id="38" dur="1" fill="hold">
+                                          <p:stCondLst>
+                                            <p:cond delay="0"/>
+                                          </p:stCondLst>
+                                        </p:cTn>
+                                        <p:tgtEl>
+                                          <p:spTgt spid="16"/>
+                                        </p:tgtEl>
+                                        <p:attrNameLst>
+                                          <p:attrName>style.visibility</p:attrName>
+                                        </p:attrNameLst>
+                                      </p:cBhvr>
+                                      <p:to>
+                                        <p:strVal val="visible"/>
+                                      </p:to>
+                                    </p:set>
+                                    <p:animEffect transition="in" filter="fade">
+                                      <p:cBhvr>
+                                        <p:cTn id="39" dur="500"/>
+                                        <p:tgtEl>
+                                          <p:spTgt spid="16"/>
+                                        </p:tgtEl>
+                                      </p:cBhvr>
+                                    </p:animEffect>
+                                  </p:childTnLst>
+                                </p:cTn>
+                              </p:par>
+                            </p:childTnLst>
+                          </p:cTn>
+                        </p:par>
+                        <p:par>
+                          <p:cTn id="40" fill="hold">
+                            <p:stCondLst>
+                              <p:cond delay="4000"/>
+                            </p:stCondLst>
+                            <p:childTnLst>
+                              <p:par>
+                                <p:cTn id="41" presetID="12" presetClass="entr" presetSubtype="8" fill="hold" grpId="0" nodeType="afterEffect">
+                                  <p:stCondLst>
+                                    <p:cond delay="0"/>
+                                  </p:stCondLst>
+                                  <p:childTnLst>
+                                    <p:set>
+                                      <p:cBhvr>
+                                        <p:cTn id="42" dur="1" fill="hold">
+                                          <p:stCondLst>
+                                            <p:cond delay="0"/>
+                                          </p:stCondLst>
+                                        </p:cTn>
+                                        <p:tgtEl>
+                                          <p:spTgt spid="11"/>
+                                        </p:tgtEl>
+                                        <p:attrNameLst>
+                                          <p:attrName>style.visibility</p:attrName>
+                                        </p:attrNameLst>
+                                      </p:cBhvr>
+                                      <p:to>
+                                        <p:strVal val="visible"/>
+                                      </p:to>
+                                    </p:set>
+                                    <p:anim calcmode="lin" valueType="num">
+                                      <p:cBhvr additive="base">
+                                        <p:cTn id="43" dur="500"/>
+                                        <p:tgtEl>
+                                          <p:spTgt spid="11"/>
+                                        </p:tgtEl>
+                                        <p:attrNameLst>
+                                          <p:attrName>ppt_x</p:attrName>
+                                        </p:attrNameLst>
+                                      </p:cBhvr>
+                                      <p:tavLst>
+                                        <p:tav tm="0">
+                                          <p:val>
+                                            <p:strVal val="#ppt_x-#ppt_w*1.125000"/>
+                                          </p:val>
+                                        </p:tav>
+                                        <p:tav tm="100000">
+                                          <p:val>
+                                            <p:strVal val="#ppt_x"/>
+                                          </p:val>
+                                        </p:tav>
+                                      </p:tavLst>
+                                    </p:anim>
+                                    <p:animEffect transition="in" filter="wipe(right)">
+                                      <p:cBhvr>
+                                        <p:cTn id="44" dur="500"/>
+                                        <p:tgtEl>
+                                          <p:spTgt spid="11"/>
+                                        </p:tgtEl>
+                                      </p:cBhvr>
+                                    </p:animEffect>
+                                  </p:childTnLst>
+                                </p:cTn>
+                              </p:par>
+                            </p:childTnLst>
+                          </p:cTn>
+                        </p:par>
+                        <p:par>
+                          <p:cTn id="45" fill="hold">
+                            <p:stCondLst>
+                              <p:cond delay="4500"/>
+                            </p:stCondLst>
+                            <p:childTnLst>
+                              <p:par>
+                                <p:cTn id="46" presetID="10" presetClass="entr" presetSubtype="0" fill="hold" grpId="0" nodeType="afterEffect">
+                                  <p:stCondLst>
+                                    <p:cond delay="0"/>
+                                  </p:stCondLst>
+                                  <p:childTnLst>
+                                    <p:set>
+                                      <p:cBhvr>
+                                        <p:cTn id="47" dur="1" fill="hold">
+                                          <p:stCondLst>
+                                            <p:cond delay="0"/>
+                                          </p:stCondLst>
+                                        </p:cTn>
+                                        <p:tgtEl>
+                                          <p:spTgt spid="17"/>
+                                        </p:tgtEl>
+                                        <p:attrNameLst>
+                                          <p:attrName>style.visibility</p:attrName>
+                                        </p:attrNameLst>
+                                      </p:cBhvr>
+                                      <p:to>
+                                        <p:strVal val="visible"/>
+                                      </p:to>
+                                    </p:set>
+                                    <p:animEffect transition="in" filter="fade">
+                                      <p:cBhvr>
+                                        <p:cTn id="48" dur="500"/>
+                                        <p:tgtEl>
+                                          <p:spTgt spid="17"/>
+                                        </p:tgtEl>
+                                      </p:cBhvr>
+                                    </p:animEffect>
+                                  </p:childTnLst>
+                                </p:cTn>
+                              </p:par>
+                            </p:childTnLst>
+                          </p:cTn>
+                        </p:par>
+                        <p:par>
+                          <p:cTn id="49" fill="hold">
+                            <p:stCondLst>
+                              <p:cond delay="5000"/>
+                            </p:stCondLst>
+                            <p:childTnLst>
+                              <p:par>
+                                <p:cTn id="50" presetID="12" presetClass="entr" presetSubtype="8" fill="hold" grpId="0" nodeType="afterEffect">
+                                  <p:stCondLst>
+                                    <p:cond delay="0"/>
+                                  </p:stCondLst>
+                                  <p:childTnLst>
+                                    <p:set>
+                                      <p:cBhvr>
+                                        <p:cTn id="51" dur="1" fill="hold">
+                                          <p:stCondLst>
+                                            <p:cond delay="0"/>
+                                          </p:stCondLst>
+                                        </p:cTn>
+                                        <p:tgtEl>
+                                          <p:spTgt spid="12"/>
+                                        </p:tgtEl>
+                                        <p:attrNameLst>
+                                          <p:attrName>style.visibility</p:attrName>
+                                        </p:attrNameLst>
+                                      </p:cBhvr>
+                                      <p:to>
+                                        <p:strVal val="visible"/>
+                                      </p:to>
+                                    </p:set>
+                                    <p:anim calcmode="lin" valueType="num">
+                                      <p:cBhvr additive="base">
+                                        <p:cTn id="52" dur="500"/>
+                                        <p:tgtEl>
+                                          <p:spTgt spid="12"/>
+                                        </p:tgtEl>
+                                        <p:attrNameLst>
+                                          <p:attrName>ppt_x</p:attrName>
+                                        </p:attrNameLst>
+                                      </p:cBhvr>
+                                      <p:tavLst>
+                                        <p:tav tm="0">
+                                          <p:val>
+                                            <p:strVal val="#ppt_x-#ppt_w*1.125000"/>
+                                          </p:val>
+                                        </p:tav>
+                                        <p:tav tm="100000">
+                                          <p:val>
+                                            <p:strVal val="#ppt_x"/>
+                                          </p:val>
+                                        </p:tav>
+                                      </p:tavLst>
+                                    </p:anim>
+                                    <p:animEffect transition="in" filter="wipe(right)">
+                                      <p:cBhvr>
+                                        <p:cTn id="53" dur="500"/>
+                                        <p:tgtEl>
+                                          <p:spTgt spid="12"/>
+                                        </p:tgtEl>
+                                      </p:cBhvr>
+                                    </p:animEffect>
+                                  </p:childTnLst>
+                                </p:cTn>
+                              </p:par>
+                            </p:childTnLst>
+                          </p:cTn>
+                        </p:par>
+                        <p:par>
+                          <p:cTn id="54" fill="hold">
+                            <p:stCondLst>
+                              <p:cond delay="5500"/>
+                            </p:stCondLst>
+                            <p:childTnLst>
+                              <p:par>
+                                <p:cTn id="55" presetID="10" presetClass="entr" presetSubtype="0" fill="hold" grpId="0" nodeType="afterEffect">
+                                  <p:stCondLst>
+                                    <p:cond delay="0"/>
+                                  </p:stCondLst>
+                                  <p:childTnLst>
+                                    <p:set>
+                                      <p:cBhvr>
+                                        <p:cTn id="56" dur="1" fill="hold">
+                                          <p:stCondLst>
+                                            <p:cond delay="0"/>
+                                          </p:stCondLst>
+                                        </p:cTn>
+                                        <p:tgtEl>
+                                          <p:spTgt spid="18"/>
+                                        </p:tgtEl>
+                                        <p:attrNameLst>
+                                          <p:attrName>style.visibility</p:attrName>
+                                        </p:attrNameLst>
+                                      </p:cBhvr>
+                                      <p:to>
+                                        <p:strVal val="visible"/>
+                                      </p:to>
+                                    </p:set>
+                                    <p:animEffect transition="in" filter="fade">
+                                      <p:cBhvr>
+                                        <p:cTn id="57" dur="500"/>
+                                        <p:tgtEl>
+                                          <p:spTgt spid="18"/>
+                                        </p:tgtEl>
+                                      </p:cBhvr>
+                                    </p:animEffect>
+                                  </p:childTnLst>
+                                </p:cTn>
+                              </p:par>
+                            </p:childTnLst>
+                          </p:cTn>
+                        </p:par>
+                        <p:par>
+                          <p:cTn id="58" fill="hold">
+                            <p:stCondLst>
+                              <p:cond delay="6000"/>
+                            </p:stCondLst>
+                            <p:childTnLst>
+                              <p:par>
+                                <p:cTn id="59" presetID="12" presetClass="entr" presetSubtype="8" fill="hold" grpId="0" nodeType="afterEffect">
+                                  <p:stCondLst>
+                                    <p:cond delay="0"/>
+                                  </p:stCondLst>
+                                  <p:childTnLst>
+                                    <p:set>
+                                      <p:cBhvr>
+                                        <p:cTn id="60" dur="1" fill="hold">
+                                          <p:stCondLst>
+                                            <p:cond delay="0"/>
+                                          </p:stCondLst>
+                                        </p:cTn>
+                                        <p:tgtEl>
+                                          <p:spTgt spid="13"/>
+                                        </p:tgtEl>
+                                        <p:attrNameLst>
+                                          <p:attrName>style.visibility</p:attrName>
+                                        </p:attrNameLst>
+                                      </p:cBhvr>
+                                      <p:to>
+                                        <p:strVal val="visible"/>
+                                      </p:to>
+                                    </p:set>
+                                    <p:anim calcmode="lin" valueType="num">
+                                      <p:cBhvr additive="base">
+                                        <p:cTn id="61" dur="500"/>
+                                        <p:tgtEl>
+                                          <p:spTgt spid="13"/>
+                                        </p:tgtEl>
+                                        <p:attrNameLst>
+                                          <p:attrName>ppt_x</p:attrName>
+                                        </p:attrNameLst>
+                                      </p:cBhvr>
+                                      <p:tavLst>
+                                        <p:tav tm="0">
+                                          <p:val>
+                                            <p:strVal val="#ppt_x-#ppt_w*1.125000"/>
+                                          </p:val>
+                                        </p:tav>
+                                        <p:tav tm="100000">
+                                          <p:val>
+                                            <p:strVal val="#ppt_x"/>
+                                          </p:val>
+                                        </p:tav>
+                                      </p:tavLst>
+                                    </p:anim>
+                                    <p:animEffect transition="in" filter="wipe(right)">
+                                      <p:cBhvr>
+                                        <p:cTn id="62" dur="500"/>
+                                        <p:tgtEl>
+                                          <p:spTgt spid="13"/>
+                                        </p:tgtEl>
+                                      </p:cBhvr>
+                                    </p:animEffect>
+                                  </p:childTnLst>
+                                </p:cTn>
+                              </p:par>
+                            </p:childTnLst>
+                          </p:cTn>
+                        </p:par>
+                        <p:par>
+                          <p:cTn id="63" fill="hold">
+                            <p:stCondLst>
+                              <p:cond delay="6500"/>
+                            </p:stCondLst>
+                            <p:childTnLst>
+                              <p:par>
+                                <p:cTn id="64" presetID="10" presetClass="entr" presetSubtype="0" fill="hold" grpId="0" nodeType="afterEffect">
+                                  <p:stCondLst>
+                                    <p:cond delay="0"/>
+                                  </p:stCondLst>
+                                  <p:childTnLst>
+                                    <p:set>
+                                      <p:cBhvr>
+                                        <p:cTn id="65" dur="1" fill="hold">
+                                          <p:stCondLst>
+                                            <p:cond delay="0"/>
+                                          </p:stCondLst>
+                                        </p:cTn>
+                                        <p:tgtEl>
+                                          <p:spTgt spid="19"/>
+                                        </p:tgtEl>
+                                        <p:attrNameLst>
+                                          <p:attrName>style.visibility</p:attrName>
+                                        </p:attrNameLst>
+                                      </p:cBhvr>
+                                      <p:to>
+                                        <p:strVal val="visible"/>
+                                      </p:to>
+                                    </p:set>
+                                    <p:animEffect transition="in" filter="fade">
+                                      <p:cBhvr>
+                                        <p:cTn id="66" dur="500"/>
+                                        <p:tgtEl>
+                                          <p:spTgt spid="19"/>
+                                        </p:tgtEl>
+                                      </p:cBhvr>
+                                    </p:animEffect>
+                                  </p:childTnLst>
+                                </p:cTn>
+                              </p:par>
+                            </p:childTnLst>
+                          </p:cTn>
+                        </p:par>
+                      </p:childTnLst>
+                    </p:cTn>
+                  </p:par>
+                </p:childTnLst>
+              </p:cTn>
+              <p:prevCondLst>
+                <p:cond evt="onPrev" delay="0">
+                  <p:tgtEl>
+                    <p:sldTgt/>
+                  </p:tgtEl>
+                </p:cond>
+              </p:prevCondLst>
+              <p:nextCondLst>
+                <p:cond evt="onNext" delay="0">
+                  <p:tgtEl>
+                    <p:sldTgt/>
+                  </p:tgtEl>
+                </p:cond>
+              </p:nextCondLst>
+            </p:seq>
+          </p:childTnLst>
+        </p:cTn>
+      </p:par>
+    </p:tnLst>
+    <p:bldLst>
+      <p:bldP spid="5" grpId="0"/>
+      <p:bldP spid="7" grpId="0" animBg="1"/>
+      <p:bldP spid="8" grpId="0" animBg="1"/>
+      <p:bldP spid="9" grpId="0" animBg="1"/>
+      <p:bldP spid="10" grpId="0" animBg="1"/>
+      <p:bldP spid="11" grpId="0" animBg="1"/>
+      <p:bldP spid="12" grpId="0" animBg="1"/>
+      <p:bldP spid="13" grpId="0" animBg="1"/>
+      <p:bldP spid="14" grpId="0"/>
+      <p:bldP spid="15" grpId="0"/>
+      <p:bldP spid="16" grpId="0"/>
+      <p:bldP spid="17" grpId="0"/>
+      <p:bldP spid="18" grpId="0"/>
+      <p:bldP spid="19" grpId="0"/>
+    </p:bldLst>
+  </p:timing>
 </p:sld>
 </file>
 
@@ -3893,6 +10248,25 @@
   <p:clrMapOvr>
     <a:masterClrMapping/>
   </p:clrMapOvr>
+  <mc:AlternateContent xmlns:mc="http://schemas.openxmlformats.org/markup-compatibility/2006">
+    <mc:Choice xmlns:p14="http://schemas.microsoft.com/office/powerpoint/2010/main" Requires="p14">
+      <p:transition spd="med" p14:dur="700">
+        <p:fade/>
+      </p:transition>
+    </mc:Choice>
+    <mc:Fallback>
+      <p:transition spd="med">
+        <p:fade/>
+      </p:transition>
+    </mc:Fallback>
+  </mc:AlternateContent>
+  <p:timing>
+    <p:tnLst>
+      <p:par>
+        <p:cTn id="1" dur="indefinite" restart="never" nodeType="tmRoot"/>
+      </p:par>
+    </p:tnLst>
+  </p:timing>
 </p:sld>
 </file>
 
@@ -3965,6 +10339,25 @@
   <p:clrMapOvr>
     <a:masterClrMapping/>
   </p:clrMapOvr>
+  <mc:AlternateContent xmlns:mc="http://schemas.openxmlformats.org/markup-compatibility/2006">
+    <mc:Choice xmlns:p14="http://schemas.microsoft.com/office/powerpoint/2010/main" Requires="p14">
+      <p:transition spd="med" p14:dur="700">
+        <p:fade/>
+      </p:transition>
+    </mc:Choice>
+    <mc:Fallback>
+      <p:transition spd="med">
+        <p:fade/>
+      </p:transition>
+    </mc:Fallback>
+  </mc:AlternateContent>
+  <p:timing>
+    <p:tnLst>
+      <p:par>
+        <p:cTn id="1" dur="indefinite" restart="never" nodeType="tmRoot"/>
+      </p:par>
+    </p:tnLst>
+  </p:timing>
 </p:sld>
 </file>
 
@@ -4117,37 +10510,14 @@
             </a:r>
             <a:r>
               <a:rPr lang="ja-JP" altLang="en-US" dirty="0" smtClean="0"/>
-              <a:t>リストアップ→選択</a:t>
-            </a:r>
-            <a:r>
-              <a:rPr lang="ja-JP" altLang="en-US" dirty="0"/>
-              <a:t>（プロジェクト情報／売上情報）</a:t>
-            </a:r>
-            <a:r>
-              <a:rPr lang="en-US" altLang="ja-JP" dirty="0"/>
-              <a:t>:</a:t>
-            </a:r>
-            <a:r>
-              <a:rPr lang="ja-JP" altLang="en-US" dirty="0"/>
-              <a:t>メモに図。</a:t>
-            </a:r>
+              <a:t>リストアップ</a:t>
+            </a:r>
+            <a:endParaRPr lang="en-US" altLang="ja-JP" dirty="0" smtClean="0"/>
           </a:p>
           <a:p>
             <a:r>
               <a:rPr lang="ja-JP" altLang="en-US" dirty="0" smtClean="0"/>
-              <a:t>営業</a:t>
-            </a:r>
-            <a:r>
-              <a:rPr lang="ja-JP" altLang="en-US" dirty="0"/>
-              <a:t>担当者毎に</a:t>
-            </a:r>
-            <a:r>
-              <a:rPr lang="ja-JP" altLang="en-US" dirty="0" smtClean="0"/>
-              <a:t>マイページ →</a:t>
-            </a:r>
-            <a:r>
-              <a:rPr lang="ja-JP" altLang="en-US" dirty="0"/>
-              <a:t>給与をグラフ化して表示する。</a:t>
+              <a:t>営業担当者毎にマイページ</a:t>
             </a:r>
           </a:p>
           <a:p>
@@ -4275,11 +10645,30 @@
   <p:clrMapOvr>
     <a:masterClrMapping/>
   </p:clrMapOvr>
+  <mc:AlternateContent xmlns:mc="http://schemas.openxmlformats.org/markup-compatibility/2006">
+    <mc:Choice xmlns:p14="http://schemas.microsoft.com/office/powerpoint/2010/main" Requires="p14">
+      <p:transition spd="med" p14:dur="700">
+        <p:fade/>
+      </p:transition>
+    </mc:Choice>
+    <mc:Fallback>
+      <p:transition spd="med">
+        <p:fade/>
+      </p:transition>
+    </mc:Fallback>
+  </mc:AlternateContent>
+  <p:timing>
+    <p:tnLst>
+      <p:par>
+        <p:cTn id="1" dur="indefinite" restart="never" nodeType="tmRoot"/>
+      </p:par>
+    </p:tnLst>
+  </p:timing>
 </p:sld>
 </file>
 
 <file path=ppt/slides/slide8.xml><?xml version="1.0" encoding="utf-8"?>
-<p:sld xmlns:a="http://schemas.openxmlformats.org/drawingml/2006/main" xmlns:r="http://schemas.openxmlformats.org/officeDocument/2006/relationships" xmlns:p="http://schemas.openxmlformats.org/presentationml/2006/main">
+<p:sld xmlns:a="http://schemas.openxmlformats.org/drawingml/2006/main" xmlns:r="http://schemas.openxmlformats.org/officeDocument/2006/relationships" xmlns:p="http://schemas.openxmlformats.org/presentationml/2006/main" show="0">
   <p:cSld>
     <p:spTree>
       <p:nvGrpSpPr>
@@ -4347,6 +10736,25 @@
   <p:clrMapOvr>
     <a:masterClrMapping/>
   </p:clrMapOvr>
+  <mc:AlternateContent xmlns:mc="http://schemas.openxmlformats.org/markup-compatibility/2006">
+    <mc:Choice xmlns:p14="http://schemas.microsoft.com/office/powerpoint/2010/main" Requires="p14">
+      <p:transition spd="med" p14:dur="700">
+        <p:fade/>
+      </p:transition>
+    </mc:Choice>
+    <mc:Fallback>
+      <p:transition spd="med">
+        <p:fade/>
+      </p:transition>
+    </mc:Fallback>
+  </mc:AlternateContent>
+  <p:timing>
+    <p:tnLst>
+      <p:par>
+        <p:cTn id="1" dur="indefinite" restart="never" nodeType="tmRoot"/>
+      </p:par>
+    </p:tnLst>
+  </p:timing>
 </p:sld>
 </file>
 
@@ -4369,62 +10777,16 @@
       </p:grpSpPr>
       <p:sp>
         <p:nvSpPr>
-          <p:cNvPr id="2" name="タイトル 1"/>
-          <p:cNvSpPr>
-            <a:spLocks noGrp="1"/>
-          </p:cNvSpPr>
-          <p:nvPr>
-            <p:ph type="title"/>
-          </p:nvPr>
-        </p:nvSpPr>
-        <p:spPr/>
-        <p:txBody>
-          <a:bodyPr/>
-          <a:lstStyle/>
-          <a:p>
-            <a:endParaRPr kumimoji="1" lang="ja-JP" altLang="en-US" dirty="0"/>
-          </a:p>
-        </p:txBody>
-      </p:sp>
-      <p:sp>
-        <p:nvSpPr>
-          <p:cNvPr id="3" name="コンテンツ プレースホルダー 2"/>
-          <p:cNvSpPr>
-            <a:spLocks noGrp="1"/>
-          </p:cNvSpPr>
-          <p:nvPr>
-            <p:ph idx="1"/>
-          </p:nvPr>
-        </p:nvSpPr>
-        <p:spPr/>
-        <p:txBody>
-          <a:bodyPr/>
-          <a:lstStyle/>
-          <a:p>
-            <a:r>
-              <a:rPr lang="ja-JP" altLang="en-US" dirty="0"/>
-              <a:t>業者</a:t>
-            </a:r>
-            <a:r>
-              <a:rPr kumimoji="1" lang="ja-JP" altLang="en-US" dirty="0" smtClean="0"/>
-              <a:t>別の情報一覧</a:t>
-            </a:r>
-            <a:endParaRPr kumimoji="1" lang="ja-JP" altLang="en-US" dirty="0"/>
-          </a:p>
-        </p:txBody>
-      </p:sp>
-      <p:sp>
-        <p:nvSpPr>
-          <p:cNvPr id="5" name="正方形/長方形 4"/>
+          <p:cNvPr id="14" name="右矢印 13"/>
           <p:cNvSpPr/>
           <p:nvPr/>
         </p:nvSpPr>
         <p:spPr>
           <a:xfrm>
-            <a:off x="7352146" y="519185"/>
-            <a:ext cx="3355510" cy="5449455"/>
+            <a:off x="3582430" y="3694621"/>
+            <a:ext cx="669326" cy="566928"/>
           </a:xfrm>
-          <a:prstGeom prst="rect">
+          <a:prstGeom prst="rightArrow">
             <a:avLst/>
           </a:prstGeom>
         </p:spPr>
@@ -4453,108 +10815,31 @@
       </p:sp>
       <p:sp>
         <p:nvSpPr>
-          <p:cNvPr id="6" name="正方形/長方形 5"/>
+          <p:cNvPr id="21" name="右矢印 20"/>
           <p:cNvSpPr/>
           <p:nvPr/>
         </p:nvSpPr>
         <p:spPr>
           <a:xfrm>
-            <a:off x="7509162" y="1038006"/>
-            <a:ext cx="3029529" cy="661482"/>
+            <a:off x="6975377" y="3694621"/>
+            <a:ext cx="1324994" cy="566928"/>
           </a:xfrm>
-          <a:prstGeom prst="rect">
-            <a:avLst/>
+          <a:prstGeom prst="rightArrow">
+            <a:avLst>
+              <a:gd name="adj1" fmla="val 50000"/>
+              <a:gd name="adj2" fmla="val 54888"/>
+            </a:avLst>
           </a:prstGeom>
         </p:spPr>
         <p:style>
           <a:lnRef idx="2">
-            <a:schemeClr val="accent3">
-              <a:shade val="50000"/>
-            </a:schemeClr>
+            <a:schemeClr val="dk1"/>
           </a:lnRef>
           <a:fillRef idx="1">
-            <a:schemeClr val="accent3"/>
+            <a:schemeClr val="lt1"/>
           </a:fillRef>
           <a:effectRef idx="0">
-            <a:schemeClr val="accent3"/>
-          </a:effectRef>
-          <a:fontRef idx="minor">
-            <a:schemeClr val="lt1"/>
-          </a:fontRef>
-        </p:style>
-        <p:txBody>
-          <a:bodyPr rtlCol="0" anchor="ctr"/>
-          <a:lstStyle/>
-          <a:p>
-            <a:pPr algn="ctr"/>
-            <a:endParaRPr kumimoji="1" lang="ja-JP" altLang="en-US"/>
-          </a:p>
-        </p:txBody>
-      </p:sp>
-      <p:sp>
-        <p:nvSpPr>
-          <p:cNvPr id="7" name="正方形/長方形 6"/>
-          <p:cNvSpPr/>
-          <p:nvPr/>
-        </p:nvSpPr>
-        <p:spPr>
-          <a:xfrm>
-            <a:off x="7509166" y="1866335"/>
-            <a:ext cx="3029529" cy="661482"/>
-          </a:xfrm>
-          <a:prstGeom prst="rect">
-            <a:avLst/>
-          </a:prstGeom>
-        </p:spPr>
-        <p:style>
-          <a:lnRef idx="2">
-            <a:schemeClr val="accent3">
-              <a:shade val="50000"/>
-            </a:schemeClr>
-          </a:lnRef>
-          <a:fillRef idx="1">
-            <a:schemeClr val="accent3"/>
-          </a:fillRef>
-          <a:effectRef idx="0">
-            <a:schemeClr val="accent3"/>
-          </a:effectRef>
-          <a:fontRef idx="minor">
-            <a:schemeClr val="lt1"/>
-          </a:fontRef>
-        </p:style>
-        <p:txBody>
-          <a:bodyPr rtlCol="0" anchor="ctr"/>
-          <a:lstStyle/>
-          <a:p>
-            <a:pPr algn="ctr"/>
-            <a:endParaRPr kumimoji="1" lang="ja-JP" altLang="en-US"/>
-          </a:p>
-        </p:txBody>
-      </p:sp>
-      <p:sp>
-        <p:nvSpPr>
-          <p:cNvPr id="10" name="正方形/長方形 9"/>
-          <p:cNvSpPr/>
-          <p:nvPr/>
-        </p:nvSpPr>
-        <p:spPr>
-          <a:xfrm>
-            <a:off x="7495316" y="2693002"/>
-            <a:ext cx="3029529" cy="661482"/>
-          </a:xfrm>
-          <a:prstGeom prst="rect">
-            <a:avLst/>
-          </a:prstGeom>
-        </p:spPr>
-        <p:style>
-          <a:lnRef idx="1">
-            <a:schemeClr val="accent3"/>
-          </a:lnRef>
-          <a:fillRef idx="2">
-            <a:schemeClr val="accent3"/>
-          </a:fillRef>
-          <a:effectRef idx="1">
-            <a:schemeClr val="accent3"/>
+            <a:schemeClr val="dk1"/>
           </a:effectRef>
           <a:fontRef idx="minor">
             <a:schemeClr val="dk1"/>
@@ -4569,35 +10854,341 @@
           </a:p>
         </p:txBody>
       </p:sp>
+      <p:grpSp>
+        <p:nvGrpSpPr>
+          <p:cNvPr id="26" name="グループ化 25"/>
+          <p:cNvGrpSpPr/>
+          <p:nvPr/>
+        </p:nvGrpSpPr>
+        <p:grpSpPr>
+          <a:xfrm>
+            <a:off x="8561147" y="1786245"/>
+            <a:ext cx="3355510" cy="4676171"/>
+            <a:chOff x="8763338" y="1292469"/>
+            <a:chExt cx="3355510" cy="4676171"/>
+          </a:xfrm>
+        </p:grpSpPr>
+        <p:sp>
+          <p:nvSpPr>
+            <p:cNvPr id="22" name="正方形/長方形 21"/>
+            <p:cNvSpPr/>
+            <p:nvPr/>
+          </p:nvSpPr>
+          <p:spPr>
+            <a:xfrm>
+              <a:off x="8763338" y="1292469"/>
+              <a:ext cx="3355510" cy="4676171"/>
+            </a:xfrm>
+            <a:prstGeom prst="rect">
+              <a:avLst/>
+            </a:prstGeom>
+          </p:spPr>
+          <p:style>
+            <a:lnRef idx="2">
+              <a:schemeClr val="dk1"/>
+            </a:lnRef>
+            <a:fillRef idx="1">
+              <a:schemeClr val="lt1"/>
+            </a:fillRef>
+            <a:effectRef idx="0">
+              <a:schemeClr val="dk1"/>
+            </a:effectRef>
+            <a:fontRef idx="minor">
+              <a:schemeClr val="dk1"/>
+            </a:fontRef>
+          </p:style>
+          <p:txBody>
+            <a:bodyPr rtlCol="0" anchor="ctr"/>
+            <a:lstStyle/>
+            <a:p>
+              <a:pPr algn="ctr"/>
+              <a:r>
+                <a:rPr kumimoji="1" lang="ja-JP" altLang="en-US" dirty="0" smtClean="0"/>
+                <a:t>ここにスキャンされた情報</a:t>
+              </a:r>
+              <a:endParaRPr kumimoji="1" lang="ja-JP" altLang="en-US" dirty="0"/>
+            </a:p>
+          </p:txBody>
+        </p:sp>
+        <p:sp>
+          <p:nvSpPr>
+            <p:cNvPr id="23" name="テキスト ボックス 22"/>
+            <p:cNvSpPr txBox="1"/>
+            <p:nvPr/>
+          </p:nvSpPr>
+          <p:spPr>
+            <a:xfrm>
+              <a:off x="8906508" y="1394468"/>
+              <a:ext cx="1107996" cy="369332"/>
+            </a:xfrm>
+            <a:prstGeom prst="rect">
+              <a:avLst/>
+            </a:prstGeom>
+            <a:noFill/>
+          </p:spPr>
+          <p:txBody>
+            <a:bodyPr wrap="none" rtlCol="0">
+              <a:spAutoFit/>
+            </a:bodyPr>
+            <a:lstStyle/>
+            <a:p>
+              <a:r>
+                <a:rPr lang="ja-JP" altLang="en-US" dirty="0" smtClean="0"/>
+                <a:t>納期管理</a:t>
+              </a:r>
+              <a:endParaRPr lang="ja-JP" altLang="en-US" dirty="0"/>
+            </a:p>
+          </p:txBody>
+        </p:sp>
+      </p:grpSp>
       <p:sp>
         <p:nvSpPr>
-          <p:cNvPr id="12" name="正方形/長方形 11"/>
+          <p:cNvPr id="27" name="テキスト ボックス 26"/>
+          <p:cNvSpPr txBox="1"/>
+          <p:nvPr/>
+        </p:nvSpPr>
+        <p:spPr>
+          <a:xfrm>
+            <a:off x="10917965" y="6591330"/>
+            <a:ext cx="889987" cy="261610"/>
+          </a:xfrm>
+          <a:prstGeom prst="rect">
+            <a:avLst/>
+          </a:prstGeom>
+          <a:noFill/>
+        </p:spPr>
+        <p:txBody>
+          <a:bodyPr wrap="none" rtlCol="0">
+            <a:spAutoFit/>
+          </a:bodyPr>
+          <a:lstStyle/>
+          <a:p>
+            <a:r>
+              <a:rPr kumimoji="1" lang="en-US" altLang="ja-JP" sz="1100" dirty="0" smtClean="0"/>
+              <a:t>※</a:t>
+            </a:r>
+            <a:r>
+              <a:rPr kumimoji="1" lang="ja-JP" altLang="en-US" sz="1100" dirty="0" smtClean="0"/>
+              <a:t>イメージ</a:t>
+            </a:r>
+            <a:endParaRPr kumimoji="1" lang="ja-JP" altLang="en-US" sz="1100" dirty="0"/>
+          </a:p>
+        </p:txBody>
+      </p:sp>
+      <p:sp>
+        <p:nvSpPr>
+          <p:cNvPr id="28" name="タイトル 1"/>
+          <p:cNvSpPr>
+            <a:spLocks noGrp="1"/>
+          </p:cNvSpPr>
+          <p:nvPr>
+            <p:ph type="title"/>
+          </p:nvPr>
+        </p:nvSpPr>
+        <p:spPr>
+          <a:xfrm>
+            <a:off x="838200" y="365125"/>
+            <a:ext cx="10515600" cy="1325563"/>
+          </a:xfrm>
+        </p:spPr>
+        <p:txBody>
+          <a:bodyPr/>
+          <a:lstStyle/>
+          <a:p>
+            <a:r>
+              <a:rPr lang="ja-JP" altLang="en-US" dirty="0" smtClean="0"/>
+              <a:t>機能「</a:t>
+            </a:r>
+            <a:r>
+              <a:rPr lang="ja-JP" altLang="en-US" dirty="0"/>
+              <a:t>納期管理</a:t>
+            </a:r>
+            <a:r>
+              <a:rPr lang="ja-JP" altLang="en-US" dirty="0" smtClean="0"/>
+              <a:t>ページ」</a:t>
+            </a:r>
+            <a:endParaRPr kumimoji="1" lang="ja-JP" altLang="en-US" dirty="0"/>
+          </a:p>
+        </p:txBody>
+      </p:sp>
+      <p:pic>
+        <p:nvPicPr>
+          <p:cNvPr id="2" name="図 1"/>
+          <p:cNvPicPr>
+            <a:picLocks noChangeAspect="1"/>
+          </p:cNvPicPr>
+          <p:nvPr/>
+        </p:nvPicPr>
+        <p:blipFill>
+          <a:blip r:embed="rId2">
+            <a:extLst>
+              <a:ext uri="{BEBA8EAE-BF5A-486C-A8C5-ECC9F3942E4B}">
+                <a14:imgProps xmlns:a14="http://schemas.microsoft.com/office/drawing/2010/main">
+                  <a14:imgLayer r:embed="rId3">
+                    <a14:imgEffect>
+                      <a14:saturation sat="0"/>
+                    </a14:imgEffect>
+                  </a14:imgLayer>
+                </a14:imgProps>
+              </a:ext>
+              <a:ext uri="{28A0092B-C50C-407E-A947-70E740481C1C}">
+                <a14:useLocalDpi xmlns:a14="http://schemas.microsoft.com/office/drawing/2010/main" val="0"/>
+              </a:ext>
+            </a:extLst>
+          </a:blip>
+          <a:stretch>
+            <a:fillRect/>
+          </a:stretch>
+        </p:blipFill>
+        <p:spPr>
+          <a:xfrm>
+            <a:off x="1052945" y="3694621"/>
+            <a:ext cx="2266029" cy="1649745"/>
+          </a:xfrm>
+          <a:prstGeom prst="rect">
+            <a:avLst/>
+          </a:prstGeom>
+        </p:spPr>
+      </p:pic>
+      <p:sp>
+        <p:nvSpPr>
+          <p:cNvPr id="32" name="右矢印 31"/>
+          <p:cNvSpPr/>
+          <p:nvPr/>
+        </p:nvSpPr>
+        <p:spPr>
+          <a:xfrm rot="3223262">
+            <a:off x="1015384" y="3622909"/>
+            <a:ext cx="1036419" cy="381267"/>
+          </a:xfrm>
+          <a:prstGeom prst="rightArrow">
+            <a:avLst>
+              <a:gd name="adj1" fmla="val 27756"/>
+              <a:gd name="adj2" fmla="val 75421"/>
+            </a:avLst>
+          </a:prstGeom>
+        </p:spPr>
+        <p:style>
+          <a:lnRef idx="2">
+            <a:schemeClr val="dk1"/>
+          </a:lnRef>
+          <a:fillRef idx="1">
+            <a:schemeClr val="lt1"/>
+          </a:fillRef>
+          <a:effectRef idx="0">
+            <a:schemeClr val="dk1"/>
+          </a:effectRef>
+          <a:fontRef idx="minor">
+            <a:schemeClr val="dk1"/>
+          </a:fontRef>
+        </p:style>
+        <p:txBody>
+          <a:bodyPr rtlCol="0" anchor="ctr"/>
+          <a:lstStyle/>
+          <a:p>
+            <a:pPr algn="ctr"/>
+            <a:endParaRPr kumimoji="1" lang="ja-JP" altLang="en-US"/>
+          </a:p>
+        </p:txBody>
+      </p:sp>
+      <p:grpSp>
+        <p:nvGrpSpPr>
+          <p:cNvPr id="30" name="グループ化 29"/>
+          <p:cNvGrpSpPr/>
+          <p:nvPr/>
+        </p:nvGrpSpPr>
+        <p:grpSpPr>
+          <a:xfrm>
+            <a:off x="516217" y="2450903"/>
+            <a:ext cx="786916" cy="1059960"/>
+            <a:chOff x="561593" y="2161308"/>
+            <a:chExt cx="1048661" cy="1412525"/>
+          </a:xfrm>
+        </p:grpSpPr>
+        <p:pic>
+          <p:nvPicPr>
+            <p:cNvPr id="20" name="図 19"/>
+            <p:cNvPicPr>
+              <a:picLocks noChangeAspect="1"/>
+            </p:cNvPicPr>
+            <p:nvPr/>
+          </p:nvPicPr>
+          <p:blipFill>
+            <a:blip r:embed="rId4">
+              <a:grayscl/>
+            </a:blip>
+            <a:stretch>
+              <a:fillRect/>
+            </a:stretch>
+          </p:blipFill>
+          <p:spPr>
+            <a:xfrm>
+              <a:off x="561593" y="2161308"/>
+              <a:ext cx="1048661" cy="1412525"/>
+            </a:xfrm>
+            <a:prstGeom prst="rect">
+              <a:avLst/>
+            </a:prstGeom>
+          </p:spPr>
+        </p:pic>
+        <p:sp>
+          <p:nvSpPr>
+            <p:cNvPr id="29" name="テキスト ボックス 28"/>
+            <p:cNvSpPr txBox="1"/>
+            <p:nvPr/>
+          </p:nvSpPr>
+          <p:spPr>
+            <a:xfrm>
+              <a:off x="728905" y="2699588"/>
+              <a:ext cx="724598" cy="410150"/>
+            </a:xfrm>
+            <a:prstGeom prst="rect">
+              <a:avLst/>
+            </a:prstGeom>
+            <a:noFill/>
+          </p:spPr>
+          <p:txBody>
+            <a:bodyPr wrap="none" rtlCol="0">
+              <a:spAutoFit/>
+            </a:bodyPr>
+            <a:lstStyle/>
+            <a:p>
+              <a:r>
+                <a:rPr kumimoji="1" lang="ja-JP" altLang="en-US" sz="1400" dirty="0" smtClean="0"/>
+                <a:t>書類</a:t>
+              </a:r>
+              <a:endParaRPr kumimoji="1" lang="ja-JP" altLang="en-US" sz="1400" dirty="0"/>
+            </a:p>
+          </p:txBody>
+        </p:sp>
+      </p:grpSp>
+      <p:sp>
+        <p:nvSpPr>
+          <p:cNvPr id="33" name="楕円 32"/>
           <p:cNvSpPr/>
           <p:nvPr/>
         </p:nvSpPr>
         <p:spPr>
           <a:xfrm>
-            <a:off x="7499926" y="3538957"/>
-            <a:ext cx="3029529" cy="661482"/>
+            <a:off x="4479636" y="3483155"/>
+            <a:ext cx="2267861" cy="1024192"/>
           </a:xfrm>
-          <a:prstGeom prst="rect">
+          <a:prstGeom prst="ellipse">
             <a:avLst/>
           </a:prstGeom>
         </p:spPr>
         <p:style>
           <a:lnRef idx="2">
-            <a:schemeClr val="accent3">
-              <a:shade val="50000"/>
-            </a:schemeClr>
+            <a:schemeClr val="dk1"/>
           </a:lnRef>
           <a:fillRef idx="1">
-            <a:schemeClr val="accent3"/>
+            <a:schemeClr val="lt1"/>
           </a:fillRef>
           <a:effectRef idx="0">
-            <a:schemeClr val="accent3"/>
+            <a:schemeClr val="dk1"/>
           </a:effectRef>
           <a:fontRef idx="minor">
-            <a:schemeClr val="lt1"/>
+            <a:schemeClr val="dk1"/>
           </a:fontRef>
         </p:style>
         <p:txBody>
@@ -4605,20 +11196,693 @@
           <a:lstStyle/>
           <a:p>
             <a:pPr algn="ctr"/>
-            <a:endParaRPr kumimoji="1" lang="ja-JP" altLang="en-US"/>
+            <a:r>
+              <a:rPr kumimoji="1" lang="ja-JP" altLang="en-US" dirty="0" smtClean="0"/>
+              <a:t>データ化</a:t>
+            </a:r>
+            <a:endParaRPr kumimoji="1" lang="ja-JP" altLang="en-US" dirty="0"/>
           </a:p>
         </p:txBody>
       </p:sp>
+      <p:grpSp>
+        <p:nvGrpSpPr>
+          <p:cNvPr id="36" name="グループ化 35"/>
+          <p:cNvGrpSpPr/>
+          <p:nvPr/>
+        </p:nvGrpSpPr>
+        <p:grpSpPr>
+          <a:xfrm>
+            <a:off x="175490" y="1690688"/>
+            <a:ext cx="7102049" cy="4900641"/>
+            <a:chOff x="175490" y="1690688"/>
+            <a:chExt cx="7102049" cy="4900641"/>
+          </a:xfrm>
+        </p:grpSpPr>
+        <p:sp>
+          <p:nvSpPr>
+            <p:cNvPr id="34" name="正方形/長方形 33"/>
+            <p:cNvSpPr/>
+            <p:nvPr/>
+          </p:nvSpPr>
+          <p:spPr>
+            <a:xfrm>
+              <a:off x="175490" y="1690688"/>
+              <a:ext cx="7102049" cy="4900641"/>
+            </a:xfrm>
+            <a:prstGeom prst="rect">
+              <a:avLst/>
+            </a:prstGeom>
+            <a:noFill/>
+            <a:ln/>
+          </p:spPr>
+          <p:style>
+            <a:lnRef idx="2">
+              <a:schemeClr val="accent3"/>
+            </a:lnRef>
+            <a:fillRef idx="1">
+              <a:schemeClr val="lt1"/>
+            </a:fillRef>
+            <a:effectRef idx="0">
+              <a:schemeClr val="accent3"/>
+            </a:effectRef>
+            <a:fontRef idx="minor">
+              <a:schemeClr val="dk1"/>
+            </a:fontRef>
+          </p:style>
+          <p:txBody>
+            <a:bodyPr rtlCol="0" anchor="ctr"/>
+            <a:lstStyle/>
+            <a:p>
+              <a:pPr algn="ctr"/>
+              <a:endParaRPr kumimoji="1" lang="ja-JP" altLang="en-US"/>
+            </a:p>
+          </p:txBody>
+        </p:sp>
+        <p:sp>
+          <p:nvSpPr>
+            <p:cNvPr id="35" name="テキスト ボックス 34"/>
+            <p:cNvSpPr txBox="1"/>
+            <p:nvPr/>
+          </p:nvSpPr>
+          <p:spPr>
+            <a:xfrm>
+              <a:off x="175491" y="1715822"/>
+              <a:ext cx="646331" cy="369332"/>
+            </a:xfrm>
+            <a:prstGeom prst="rect">
+              <a:avLst/>
+            </a:prstGeom>
+            <a:noFill/>
+          </p:spPr>
+          <p:txBody>
+            <a:bodyPr wrap="none" rtlCol="0">
+              <a:spAutoFit/>
+            </a:bodyPr>
+            <a:lstStyle/>
+            <a:p>
+              <a:r>
+                <a:rPr lang="ja-JP" altLang="en-US" dirty="0">
+                  <a:solidFill>
+                    <a:schemeClr val="bg1">
+                      <a:lumMod val="50000"/>
+                    </a:schemeClr>
+                  </a:solidFill>
+                </a:rPr>
+                <a:t>前提</a:t>
+              </a:r>
+              <a:endParaRPr kumimoji="1" lang="ja-JP" altLang="en-US" dirty="0">
+                <a:solidFill>
+                  <a:schemeClr val="bg1">
+                    <a:lumMod val="50000"/>
+                  </a:schemeClr>
+                </a:solidFill>
+              </a:endParaRPr>
+            </a:p>
+          </p:txBody>
+        </p:sp>
+      </p:grpSp>
+      <p:grpSp>
+        <p:nvGrpSpPr>
+          <p:cNvPr id="39" name="グループ化 38"/>
+          <p:cNvGrpSpPr/>
+          <p:nvPr/>
+        </p:nvGrpSpPr>
+        <p:grpSpPr>
+          <a:xfrm>
+            <a:off x="7367588" y="1690688"/>
+            <a:ext cx="4751259" cy="4900641"/>
+            <a:chOff x="7367588" y="1690688"/>
+            <a:chExt cx="4751259" cy="4900641"/>
+          </a:xfrm>
+        </p:grpSpPr>
+        <p:sp>
+          <p:nvSpPr>
+            <p:cNvPr id="37" name="正方形/長方形 36"/>
+            <p:cNvSpPr/>
+            <p:nvPr/>
+          </p:nvSpPr>
+          <p:spPr>
+            <a:xfrm>
+              <a:off x="7367588" y="1690688"/>
+              <a:ext cx="4751259" cy="4900641"/>
+            </a:xfrm>
+            <a:prstGeom prst="rect">
+              <a:avLst/>
+            </a:prstGeom>
+            <a:noFill/>
+            <a:ln>
+              <a:solidFill>
+                <a:srgbClr val="FF0000"/>
+              </a:solidFill>
+            </a:ln>
+          </p:spPr>
+          <p:style>
+            <a:lnRef idx="2">
+              <a:schemeClr val="accent3"/>
+            </a:lnRef>
+            <a:fillRef idx="1">
+              <a:schemeClr val="lt1"/>
+            </a:fillRef>
+            <a:effectRef idx="0">
+              <a:schemeClr val="accent3"/>
+            </a:effectRef>
+            <a:fontRef idx="minor">
+              <a:schemeClr val="dk1"/>
+            </a:fontRef>
+          </p:style>
+          <p:txBody>
+            <a:bodyPr rtlCol="0" anchor="ctr"/>
+            <a:lstStyle/>
+            <a:p>
+              <a:pPr algn="ctr"/>
+              <a:endParaRPr kumimoji="1" lang="ja-JP" altLang="en-US"/>
+            </a:p>
+          </p:txBody>
+        </p:sp>
+        <p:sp>
+          <p:nvSpPr>
+            <p:cNvPr id="38" name="テキスト ボックス 37"/>
+            <p:cNvSpPr txBox="1"/>
+            <p:nvPr/>
+          </p:nvSpPr>
+          <p:spPr>
+            <a:xfrm>
+              <a:off x="7410370" y="1715822"/>
+              <a:ext cx="1107996" cy="369332"/>
+            </a:xfrm>
+            <a:prstGeom prst="rect">
+              <a:avLst/>
+            </a:prstGeom>
+            <a:noFill/>
+          </p:spPr>
+          <p:txBody>
+            <a:bodyPr wrap="none" rtlCol="0">
+              <a:spAutoFit/>
+            </a:bodyPr>
+            <a:lstStyle/>
+            <a:p>
+              <a:r>
+                <a:rPr lang="ja-JP" altLang="en-US" dirty="0" smtClean="0">
+                  <a:solidFill>
+                    <a:schemeClr val="bg1">
+                      <a:lumMod val="50000"/>
+                    </a:schemeClr>
+                  </a:solidFill>
+                </a:rPr>
+                <a:t>実装対象</a:t>
+              </a:r>
+              <a:endParaRPr kumimoji="1" lang="ja-JP" altLang="en-US" dirty="0">
+                <a:solidFill>
+                  <a:schemeClr val="bg1">
+                    <a:lumMod val="50000"/>
+                  </a:schemeClr>
+                </a:solidFill>
+              </a:endParaRPr>
+            </a:p>
+          </p:txBody>
+        </p:sp>
+      </p:grpSp>
     </p:spTree>
     <p:extLst>
       <p:ext uri="{BB962C8B-B14F-4D97-AF65-F5344CB8AC3E}">
-        <p14:creationId xmlns:p14="http://schemas.microsoft.com/office/powerpoint/2010/main" val="429074834"/>
+        <p14:creationId xmlns:p14="http://schemas.microsoft.com/office/powerpoint/2010/main" val="1350726543"/>
       </p:ext>
     </p:extLst>
   </p:cSld>
   <p:clrMapOvr>
     <a:masterClrMapping/>
   </p:clrMapOvr>
+  <mc:AlternateContent xmlns:mc="http://schemas.openxmlformats.org/markup-compatibility/2006">
+    <mc:Choice xmlns:p14="http://schemas.microsoft.com/office/powerpoint/2010/main" Requires="p14">
+      <p:transition spd="med" p14:dur="700">
+        <p:fade/>
+      </p:transition>
+    </mc:Choice>
+    <mc:Fallback>
+      <p:transition spd="med">
+        <p:fade/>
+      </p:transition>
+    </mc:Fallback>
+  </mc:AlternateContent>
+  <p:timing>
+    <p:tnLst>
+      <p:par>
+        <p:cTn id="1" dur="indefinite" restart="never" nodeType="tmRoot">
+          <p:childTnLst>
+            <p:seq concurrent="1" nextAc="seek">
+              <p:cTn id="2" dur="indefinite" nodeType="mainSeq">
+                <p:childTnLst>
+                  <p:par>
+                    <p:cTn id="3" fill="hold">
+                      <p:stCondLst>
+                        <p:cond delay="indefinite"/>
+                        <p:cond evt="onBegin" delay="0">
+                          <p:tn val="2"/>
+                        </p:cond>
+                      </p:stCondLst>
+                      <p:childTnLst>
+                        <p:par>
+                          <p:cTn id="4" fill="hold">
+                            <p:stCondLst>
+                              <p:cond delay="0"/>
+                            </p:stCondLst>
+                            <p:childTnLst>
+                              <p:par>
+                                <p:cTn id="5" presetID="42" presetClass="path" presetSubtype="0" accel="50000" decel="50000" fill="hold" nodeType="afterEffect">
+                                  <p:stCondLst>
+                                    <p:cond delay="0"/>
+                                  </p:stCondLst>
+                                  <p:childTnLst>
+                                    <p:animMotion origin="layout" path="M 6.25E-7 -2.22222E-6 L 0.0974 0.22662 " pathEditMode="fixed" rAng="0" ptsTypes="AA">
+                                      <p:cBhvr>
+                                        <p:cTn id="6" dur="1000" fill="hold"/>
+                                        <p:tgtEl>
+                                          <p:spTgt spid="30"/>
+                                        </p:tgtEl>
+                                        <p:attrNameLst>
+                                          <p:attrName>ppt_x</p:attrName>
+                                          <p:attrName>ppt_y</p:attrName>
+                                        </p:attrNameLst>
+                                      </p:cBhvr>
+                                      <p:rCtr x="4870" y="11319"/>
+                                    </p:animMotion>
+                                  </p:childTnLst>
+                                </p:cTn>
+                              </p:par>
+                              <p:par>
+                                <p:cTn id="7" presetID="10" presetClass="exit" presetSubtype="0" fill="hold" grpId="0" nodeType="withEffect">
+                                  <p:stCondLst>
+                                    <p:cond delay="0"/>
+                                  </p:stCondLst>
+                                  <p:childTnLst>
+                                    <p:animEffect transition="out" filter="fade">
+                                      <p:cBhvr>
+                                        <p:cTn id="8" dur="500"/>
+                                        <p:tgtEl>
+                                          <p:spTgt spid="32"/>
+                                        </p:tgtEl>
+                                      </p:cBhvr>
+                                    </p:animEffect>
+                                    <p:set>
+                                      <p:cBhvr>
+                                        <p:cTn id="9" dur="1" fill="hold">
+                                          <p:stCondLst>
+                                            <p:cond delay="499"/>
+                                          </p:stCondLst>
+                                        </p:cTn>
+                                        <p:tgtEl>
+                                          <p:spTgt spid="32"/>
+                                        </p:tgtEl>
+                                        <p:attrNameLst>
+                                          <p:attrName>style.visibility</p:attrName>
+                                        </p:attrNameLst>
+                                      </p:cBhvr>
+                                      <p:to>
+                                        <p:strVal val="hidden"/>
+                                      </p:to>
+                                    </p:set>
+                                  </p:childTnLst>
+                                </p:cTn>
+                              </p:par>
+                            </p:childTnLst>
+                          </p:cTn>
+                        </p:par>
+                        <p:par>
+                          <p:cTn id="10" fill="hold">
+                            <p:stCondLst>
+                              <p:cond delay="1000"/>
+                            </p:stCondLst>
+                            <p:childTnLst>
+                              <p:par>
+                                <p:cTn id="11" presetID="10" presetClass="exit" presetSubtype="0" fill="hold" nodeType="afterEffect">
+                                  <p:stCondLst>
+                                    <p:cond delay="0"/>
+                                  </p:stCondLst>
+                                  <p:childTnLst>
+                                    <p:animEffect transition="out" filter="fade">
+                                      <p:cBhvr>
+                                        <p:cTn id="12" dur="500"/>
+                                        <p:tgtEl>
+                                          <p:spTgt spid="30"/>
+                                        </p:tgtEl>
+                                      </p:cBhvr>
+                                    </p:animEffect>
+                                    <p:set>
+                                      <p:cBhvr>
+                                        <p:cTn id="13" dur="1" fill="hold">
+                                          <p:stCondLst>
+                                            <p:cond delay="499"/>
+                                          </p:stCondLst>
+                                        </p:cTn>
+                                        <p:tgtEl>
+                                          <p:spTgt spid="30"/>
+                                        </p:tgtEl>
+                                        <p:attrNameLst>
+                                          <p:attrName>style.visibility</p:attrName>
+                                        </p:attrNameLst>
+                                      </p:cBhvr>
+                                      <p:to>
+                                        <p:strVal val="hidden"/>
+                                      </p:to>
+                                    </p:set>
+                                  </p:childTnLst>
+                                </p:cTn>
+                              </p:par>
+                            </p:childTnLst>
+                          </p:cTn>
+                        </p:par>
+                        <p:par>
+                          <p:cTn id="14" fill="hold">
+                            <p:stCondLst>
+                              <p:cond delay="1500"/>
+                            </p:stCondLst>
+                            <p:childTnLst>
+                              <p:par>
+                                <p:cTn id="15" presetID="12" presetClass="entr" presetSubtype="8" fill="hold" grpId="0" nodeType="afterEffect">
+                                  <p:stCondLst>
+                                    <p:cond delay="0"/>
+                                  </p:stCondLst>
+                                  <p:childTnLst>
+                                    <p:set>
+                                      <p:cBhvr>
+                                        <p:cTn id="16" dur="1" fill="hold">
+                                          <p:stCondLst>
+                                            <p:cond delay="0"/>
+                                          </p:stCondLst>
+                                        </p:cTn>
+                                        <p:tgtEl>
+                                          <p:spTgt spid="14"/>
+                                        </p:tgtEl>
+                                        <p:attrNameLst>
+                                          <p:attrName>style.visibility</p:attrName>
+                                        </p:attrNameLst>
+                                      </p:cBhvr>
+                                      <p:to>
+                                        <p:strVal val="visible"/>
+                                      </p:to>
+                                    </p:set>
+                                    <p:anim calcmode="lin" valueType="num">
+                                      <p:cBhvr additive="base">
+                                        <p:cTn id="17" dur="500"/>
+                                        <p:tgtEl>
+                                          <p:spTgt spid="14"/>
+                                        </p:tgtEl>
+                                        <p:attrNameLst>
+                                          <p:attrName>ppt_x</p:attrName>
+                                        </p:attrNameLst>
+                                      </p:cBhvr>
+                                      <p:tavLst>
+                                        <p:tav tm="0">
+                                          <p:val>
+                                            <p:strVal val="#ppt_x-#ppt_w*1.125000"/>
+                                          </p:val>
+                                        </p:tav>
+                                        <p:tav tm="100000">
+                                          <p:val>
+                                            <p:strVal val="#ppt_x"/>
+                                          </p:val>
+                                        </p:tav>
+                                      </p:tavLst>
+                                    </p:anim>
+                                    <p:animEffect transition="in" filter="wipe(right)">
+                                      <p:cBhvr>
+                                        <p:cTn id="18" dur="500"/>
+                                        <p:tgtEl>
+                                          <p:spTgt spid="14"/>
+                                        </p:tgtEl>
+                                      </p:cBhvr>
+                                    </p:animEffect>
+                                  </p:childTnLst>
+                                </p:cTn>
+                              </p:par>
+                            </p:childTnLst>
+                          </p:cTn>
+                        </p:par>
+                        <p:par>
+                          <p:cTn id="19" fill="hold">
+                            <p:stCondLst>
+                              <p:cond delay="2000"/>
+                            </p:stCondLst>
+                            <p:childTnLst>
+                              <p:par>
+                                <p:cTn id="20" presetID="10" presetClass="entr" presetSubtype="0" fill="hold" grpId="0" nodeType="afterEffect">
+                                  <p:stCondLst>
+                                    <p:cond delay="0"/>
+                                  </p:stCondLst>
+                                  <p:childTnLst>
+                                    <p:set>
+                                      <p:cBhvr>
+                                        <p:cTn id="21" dur="1" fill="hold">
+                                          <p:stCondLst>
+                                            <p:cond delay="0"/>
+                                          </p:stCondLst>
+                                        </p:cTn>
+                                        <p:tgtEl>
+                                          <p:spTgt spid="33"/>
+                                        </p:tgtEl>
+                                        <p:attrNameLst>
+                                          <p:attrName>style.visibility</p:attrName>
+                                        </p:attrNameLst>
+                                      </p:cBhvr>
+                                      <p:to>
+                                        <p:strVal val="visible"/>
+                                      </p:to>
+                                    </p:set>
+                                    <p:animEffect transition="in" filter="fade">
+                                      <p:cBhvr>
+                                        <p:cTn id="22" dur="500"/>
+                                        <p:tgtEl>
+                                          <p:spTgt spid="33"/>
+                                        </p:tgtEl>
+                                      </p:cBhvr>
+                                    </p:animEffect>
+                                  </p:childTnLst>
+                                </p:cTn>
+                              </p:par>
+                            </p:childTnLst>
+                          </p:cTn>
+                        </p:par>
+                        <p:par>
+                          <p:cTn id="23" fill="hold">
+                            <p:stCondLst>
+                              <p:cond delay="2500"/>
+                            </p:stCondLst>
+                            <p:childTnLst>
+                              <p:par>
+                                <p:cTn id="24" presetID="12" presetClass="entr" presetSubtype="8" fill="hold" grpId="0" nodeType="afterEffect">
+                                  <p:stCondLst>
+                                    <p:cond delay="0"/>
+                                  </p:stCondLst>
+                                  <p:childTnLst>
+                                    <p:set>
+                                      <p:cBhvr>
+                                        <p:cTn id="25" dur="1" fill="hold">
+                                          <p:stCondLst>
+                                            <p:cond delay="0"/>
+                                          </p:stCondLst>
+                                        </p:cTn>
+                                        <p:tgtEl>
+                                          <p:spTgt spid="21"/>
+                                        </p:tgtEl>
+                                        <p:attrNameLst>
+                                          <p:attrName>style.visibility</p:attrName>
+                                        </p:attrNameLst>
+                                      </p:cBhvr>
+                                      <p:to>
+                                        <p:strVal val="visible"/>
+                                      </p:to>
+                                    </p:set>
+                                    <p:anim calcmode="lin" valueType="num">
+                                      <p:cBhvr additive="base">
+                                        <p:cTn id="26" dur="500"/>
+                                        <p:tgtEl>
+                                          <p:spTgt spid="21"/>
+                                        </p:tgtEl>
+                                        <p:attrNameLst>
+                                          <p:attrName>ppt_x</p:attrName>
+                                        </p:attrNameLst>
+                                      </p:cBhvr>
+                                      <p:tavLst>
+                                        <p:tav tm="0">
+                                          <p:val>
+                                            <p:strVal val="#ppt_x-#ppt_w*1.125000"/>
+                                          </p:val>
+                                        </p:tav>
+                                        <p:tav tm="100000">
+                                          <p:val>
+                                            <p:strVal val="#ppt_x"/>
+                                          </p:val>
+                                        </p:tav>
+                                      </p:tavLst>
+                                    </p:anim>
+                                    <p:animEffect transition="in" filter="wipe(right)">
+                                      <p:cBhvr>
+                                        <p:cTn id="27" dur="500"/>
+                                        <p:tgtEl>
+                                          <p:spTgt spid="21"/>
+                                        </p:tgtEl>
+                                      </p:cBhvr>
+                                    </p:animEffect>
+                                  </p:childTnLst>
+                                </p:cTn>
+                              </p:par>
+                            </p:childTnLst>
+                          </p:cTn>
+                        </p:par>
+                        <p:par>
+                          <p:cTn id="28" fill="hold">
+                            <p:stCondLst>
+                              <p:cond delay="3000"/>
+                            </p:stCondLst>
+                            <p:childTnLst>
+                              <p:par>
+                                <p:cTn id="29" presetID="10" presetClass="entr" presetSubtype="0" fill="hold" nodeType="afterEffect">
+                                  <p:stCondLst>
+                                    <p:cond delay="0"/>
+                                  </p:stCondLst>
+                                  <p:childTnLst>
+                                    <p:set>
+                                      <p:cBhvr>
+                                        <p:cTn id="30" dur="1" fill="hold">
+                                          <p:stCondLst>
+                                            <p:cond delay="0"/>
+                                          </p:stCondLst>
+                                        </p:cTn>
+                                        <p:tgtEl>
+                                          <p:spTgt spid="26"/>
+                                        </p:tgtEl>
+                                        <p:attrNameLst>
+                                          <p:attrName>style.visibility</p:attrName>
+                                        </p:attrNameLst>
+                                      </p:cBhvr>
+                                      <p:to>
+                                        <p:strVal val="visible"/>
+                                      </p:to>
+                                    </p:set>
+                                    <p:animEffect transition="in" filter="fade">
+                                      <p:cBhvr>
+                                        <p:cTn id="31" dur="500"/>
+                                        <p:tgtEl>
+                                          <p:spTgt spid="26"/>
+                                        </p:tgtEl>
+                                      </p:cBhvr>
+                                    </p:animEffect>
+                                  </p:childTnLst>
+                                </p:cTn>
+                              </p:par>
+                            </p:childTnLst>
+                          </p:cTn>
+                        </p:par>
+                        <p:par>
+                          <p:cTn id="32" fill="hold">
+                            <p:stCondLst>
+                              <p:cond delay="3500"/>
+                            </p:stCondLst>
+                            <p:childTnLst>
+                              <p:par>
+                                <p:cTn id="33" presetID="22" presetClass="entr" presetSubtype="1" fill="hold" nodeType="afterEffect">
+                                  <p:stCondLst>
+                                    <p:cond delay="0"/>
+                                  </p:stCondLst>
+                                  <p:childTnLst>
+                                    <p:set>
+                                      <p:cBhvr>
+                                        <p:cTn id="34" dur="1" fill="hold">
+                                          <p:stCondLst>
+                                            <p:cond delay="0"/>
+                                          </p:stCondLst>
+                                        </p:cTn>
+                                        <p:tgtEl>
+                                          <p:spTgt spid="36"/>
+                                        </p:tgtEl>
+                                        <p:attrNameLst>
+                                          <p:attrName>style.visibility</p:attrName>
+                                        </p:attrNameLst>
+                                      </p:cBhvr>
+                                      <p:to>
+                                        <p:strVal val="visible"/>
+                                      </p:to>
+                                    </p:set>
+                                    <p:animEffect transition="in" filter="wipe(up)">
+                                      <p:cBhvr>
+                                        <p:cTn id="35" dur="500"/>
+                                        <p:tgtEl>
+                                          <p:spTgt spid="36"/>
+                                        </p:tgtEl>
+                                      </p:cBhvr>
+                                    </p:animEffect>
+                                  </p:childTnLst>
+                                </p:cTn>
+                              </p:par>
+                              <p:par>
+                                <p:cTn id="36" presetID="22" presetClass="entr" presetSubtype="1" fill="hold" nodeType="withEffect">
+                                  <p:stCondLst>
+                                    <p:cond delay="0"/>
+                                  </p:stCondLst>
+                                  <p:childTnLst>
+                                    <p:set>
+                                      <p:cBhvr>
+                                        <p:cTn id="37" dur="1" fill="hold">
+                                          <p:stCondLst>
+                                            <p:cond delay="0"/>
+                                          </p:stCondLst>
+                                        </p:cTn>
+                                        <p:tgtEl>
+                                          <p:spTgt spid="39"/>
+                                        </p:tgtEl>
+                                        <p:attrNameLst>
+                                          <p:attrName>style.visibility</p:attrName>
+                                        </p:attrNameLst>
+                                      </p:cBhvr>
+                                      <p:to>
+                                        <p:strVal val="visible"/>
+                                      </p:to>
+                                    </p:set>
+                                    <p:animEffect transition="in" filter="wipe(up)">
+                                      <p:cBhvr>
+                                        <p:cTn id="38" dur="500"/>
+                                        <p:tgtEl>
+                                          <p:spTgt spid="39"/>
+                                        </p:tgtEl>
+                                      </p:cBhvr>
+                                    </p:animEffect>
+                                  </p:childTnLst>
+                                </p:cTn>
+                              </p:par>
+                            </p:childTnLst>
+                          </p:cTn>
+                        </p:par>
+                      </p:childTnLst>
+                    </p:cTn>
+                  </p:par>
+                </p:childTnLst>
+              </p:cTn>
+              <p:prevCondLst>
+                <p:cond evt="onPrev" delay="0">
+                  <p:tgtEl>
+                    <p:sldTgt/>
+                  </p:tgtEl>
+                </p:cond>
+              </p:prevCondLst>
+              <p:nextCondLst>
+                <p:cond evt="onNext" delay="0">
+                  <p:tgtEl>
+                    <p:sldTgt/>
+                  </p:tgtEl>
+                </p:cond>
+              </p:nextCondLst>
+            </p:seq>
+          </p:childTnLst>
+        </p:cTn>
+      </p:par>
+    </p:tnLst>
+    <p:bldLst>
+      <p:bldP spid="14" grpId="0" animBg="1"/>
+      <p:bldP spid="21" grpId="0" animBg="1"/>
+      <p:bldP spid="32" grpId="0" animBg="1"/>
+      <p:bldP spid="33" grpId="0" animBg="1"/>
+    </p:bldLst>
+  </p:timing>
 </p:sld>
 </file>
 

--- a/Presentation/要件定義.pptx
+++ b/Presentation/要件定義.pptx
@@ -4,6 +4,9 @@
   <p:sldMasterIdLst>
     <p:sldMasterId id="2147483648" r:id="rId1"/>
   </p:sldMasterIdLst>
+  <p:notesMasterIdLst>
+    <p:notesMasterId r:id="rId18"/>
+  </p:notesMasterIdLst>
   <p:sldIdLst>
     <p:sldId id="256" r:id="rId2"/>
     <p:sldId id="258" r:id="rId3"/>
@@ -13,13 +16,14 @@
     <p:sldId id="263" r:id="rId7"/>
     <p:sldId id="262" r:id="rId8"/>
     <p:sldId id="264" r:id="rId9"/>
-    <p:sldId id="271" r:id="rId10"/>
-    <p:sldId id="257" r:id="rId11"/>
-    <p:sldId id="269" r:id="rId12"/>
-    <p:sldId id="266" r:id="rId13"/>
-    <p:sldId id="265" r:id="rId14"/>
-    <p:sldId id="267" r:id="rId15"/>
-    <p:sldId id="268" r:id="rId16"/>
+    <p:sldId id="272" r:id="rId10"/>
+    <p:sldId id="271" r:id="rId11"/>
+    <p:sldId id="257" r:id="rId12"/>
+    <p:sldId id="269" r:id="rId13"/>
+    <p:sldId id="266" r:id="rId14"/>
+    <p:sldId id="265" r:id="rId15"/>
+    <p:sldId id="267" r:id="rId16"/>
+    <p:sldId id="268" r:id="rId17"/>
   </p:sldIdLst>
   <p:sldSz cx="12192000" cy="6858000"/>
   <p:notesSz cx="6858000" cy="9144000"/>
@@ -307,7 +311,6 @@
           </c:extLst>
         </c:ser>
         <c:dLbls>
-          <c:dLblPos val="t"/>
           <c:showLegendKey val="0"/>
           <c:showVal val="0"/>
           <c:showCatName val="0"/>
@@ -430,7 +433,7 @@
                 <c:order val="2"/>
                 <c:tx>
                   <c:strRef>
-                    <c:extLst>
+                    <c:extLst xmlns:c15="http://schemas.microsoft.com/office/drawing/2012/chart">
                       <c:ext xmlns:c15="http://schemas.microsoft.com/office/drawing/2012/chart" uri="{02D57815-91ED-43cb-92C2-25804820EDAC}">
                         <c15:formulaRef>
                           <c15:sqref>Sheet1!$D$1</c15:sqref>
@@ -471,7 +474,7 @@
                 </c:marker>
                 <c:cat>
                   <c:strRef>
-                    <c:extLst>
+                    <c:extLst xmlns:c15="http://schemas.microsoft.com/office/drawing/2012/chart">
                       <c:ext xmlns:c15="http://schemas.microsoft.com/office/drawing/2012/chart" uri="{02D57815-91ED-43cb-92C2-25804820EDAC}">
                         <c15:formulaRef>
                           <c15:sqref>Sheet1!$A$2:$A$8</c15:sqref>
@@ -506,7 +509,7 @@
                 </c:cat>
                 <c:val>
                   <c:numRef>
-                    <c:extLst>
+                    <c:extLst xmlns:c15="http://schemas.microsoft.com/office/drawing/2012/chart">
                       <c:ext xmlns:c15="http://schemas.microsoft.com/office/drawing/2012/chart" uri="{02D57815-91ED-43cb-92C2-25804820EDAC}">
                         <c15:formulaRef>
                           <c15:sqref>Sheet1!$D$2:$D$8</c15:sqref>
@@ -520,7 +523,7 @@
                   </c:numRef>
                 </c:val>
                 <c:smooth val="0"/>
-                <c:extLst>
+                <c:extLst xmlns:c15="http://schemas.microsoft.com/office/drawing/2012/chart">
                   <c:ext xmlns:c16="http://schemas.microsoft.com/office/drawing/2014/chart" uri="{C3380CC4-5D6E-409C-BE32-E72D297353CC}">
                     <c16:uniqueId val="{00000002-D086-46AE-BFD1-D0D4B2FC0DD0}"/>
                   </c:ext>
@@ -1215,6 +1218,476 @@
 </cs:chartStyle>
 </file>
 
+<file path=ppt/notesMasters/notesMaster1.xml><?xml version="1.0" encoding="utf-8"?>
+<p:notesMaster xmlns:a="http://schemas.openxmlformats.org/drawingml/2006/main" xmlns:r="http://schemas.openxmlformats.org/officeDocument/2006/relationships" xmlns:p="http://schemas.openxmlformats.org/presentationml/2006/main">
+  <p:cSld>
+    <p:bg>
+      <p:bgRef idx="1001">
+        <a:schemeClr val="bg1"/>
+      </p:bgRef>
+    </p:bg>
+    <p:spTree>
+      <p:nvGrpSpPr>
+        <p:cNvPr id="1" name=""/>
+        <p:cNvGrpSpPr/>
+        <p:nvPr/>
+      </p:nvGrpSpPr>
+      <p:grpSpPr>
+        <a:xfrm>
+          <a:off x="0" y="0"/>
+          <a:ext cx="0" cy="0"/>
+          <a:chOff x="0" y="0"/>
+          <a:chExt cx="0" cy="0"/>
+        </a:xfrm>
+      </p:grpSpPr>
+      <p:sp>
+        <p:nvSpPr>
+          <p:cNvPr id="2" name="ヘッダー プレースホルダー 1"/>
+          <p:cNvSpPr>
+            <a:spLocks noGrp="1"/>
+          </p:cNvSpPr>
+          <p:nvPr>
+            <p:ph type="hdr" sz="quarter"/>
+          </p:nvPr>
+        </p:nvSpPr>
+        <p:spPr>
+          <a:xfrm>
+            <a:off x="0" y="0"/>
+            <a:ext cx="2971800" cy="458788"/>
+          </a:xfrm>
+          <a:prstGeom prst="rect">
+            <a:avLst/>
+          </a:prstGeom>
+        </p:spPr>
+        <p:txBody>
+          <a:bodyPr vert="horz" lIns="91440" tIns="45720" rIns="91440" bIns="45720" rtlCol="0"/>
+          <a:lstStyle>
+            <a:lvl1pPr algn="l">
+              <a:defRPr sz="1200"/>
+            </a:lvl1pPr>
+          </a:lstStyle>
+          <a:p>
+            <a:endParaRPr kumimoji="1" lang="ja-JP" altLang="en-US"/>
+          </a:p>
+        </p:txBody>
+      </p:sp>
+      <p:sp>
+        <p:nvSpPr>
+          <p:cNvPr id="3" name="日付プレースホルダー 2"/>
+          <p:cNvSpPr>
+            <a:spLocks noGrp="1"/>
+          </p:cNvSpPr>
+          <p:nvPr>
+            <p:ph type="dt" idx="1"/>
+          </p:nvPr>
+        </p:nvSpPr>
+        <p:spPr>
+          <a:xfrm>
+            <a:off x="3884613" y="0"/>
+            <a:ext cx="2971800" cy="458788"/>
+          </a:xfrm>
+          <a:prstGeom prst="rect">
+            <a:avLst/>
+          </a:prstGeom>
+        </p:spPr>
+        <p:txBody>
+          <a:bodyPr vert="horz" lIns="91440" tIns="45720" rIns="91440" bIns="45720" rtlCol="0"/>
+          <a:lstStyle>
+            <a:lvl1pPr algn="r">
+              <a:defRPr sz="1200"/>
+            </a:lvl1pPr>
+          </a:lstStyle>
+          <a:p>
+            <a:fld id="{B129BE19-EE0B-4ECE-A8EB-C1F5F7CF3C36}" type="datetimeFigureOut">
+              <a:rPr kumimoji="1" lang="ja-JP" altLang="en-US" smtClean="0"/>
+              <a:t>2018/6/29</a:t>
+            </a:fld>
+            <a:endParaRPr kumimoji="1" lang="ja-JP" altLang="en-US"/>
+          </a:p>
+        </p:txBody>
+      </p:sp>
+      <p:sp>
+        <p:nvSpPr>
+          <p:cNvPr id="4" name="スライド イメージ プレースホルダー 3"/>
+          <p:cNvSpPr>
+            <a:spLocks noGrp="1" noRot="1" noChangeAspect="1"/>
+          </p:cNvSpPr>
+          <p:nvPr>
+            <p:ph type="sldImg" idx="2"/>
+          </p:nvPr>
+        </p:nvSpPr>
+        <p:spPr>
+          <a:xfrm>
+            <a:off x="685800" y="1143000"/>
+            <a:ext cx="5486400" cy="3086100"/>
+          </a:xfrm>
+          <a:prstGeom prst="rect">
+            <a:avLst/>
+          </a:prstGeom>
+          <a:noFill/>
+          <a:ln w="12700">
+            <a:solidFill>
+              <a:prstClr val="black"/>
+            </a:solidFill>
+          </a:ln>
+        </p:spPr>
+        <p:txBody>
+          <a:bodyPr vert="horz" lIns="91440" tIns="45720" rIns="91440" bIns="45720" rtlCol="0" anchor="ctr"/>
+          <a:lstStyle/>
+          <a:p>
+            <a:endParaRPr lang="ja-JP" altLang="en-US"/>
+          </a:p>
+        </p:txBody>
+      </p:sp>
+      <p:sp>
+        <p:nvSpPr>
+          <p:cNvPr id="5" name="ノート プレースホルダー 4"/>
+          <p:cNvSpPr>
+            <a:spLocks noGrp="1"/>
+          </p:cNvSpPr>
+          <p:nvPr>
+            <p:ph type="body" sz="quarter" idx="3"/>
+          </p:nvPr>
+        </p:nvSpPr>
+        <p:spPr>
+          <a:xfrm>
+            <a:off x="685800" y="4400550"/>
+            <a:ext cx="5486400" cy="3600450"/>
+          </a:xfrm>
+          <a:prstGeom prst="rect">
+            <a:avLst/>
+          </a:prstGeom>
+        </p:spPr>
+        <p:txBody>
+          <a:bodyPr vert="horz" lIns="91440" tIns="45720" rIns="91440" bIns="45720" rtlCol="0"/>
+          <a:lstStyle/>
+          <a:p>
+            <a:pPr lvl="0"/>
+            <a:r>
+              <a:rPr kumimoji="1" lang="ja-JP" altLang="en-US" smtClean="0"/>
+              <a:t>マスター テキストの書式設定</a:t>
+            </a:r>
+          </a:p>
+          <a:p>
+            <a:pPr lvl="1"/>
+            <a:r>
+              <a:rPr kumimoji="1" lang="ja-JP" altLang="en-US" smtClean="0"/>
+              <a:t>第 </a:t>
+            </a:r>
+            <a:r>
+              <a:rPr kumimoji="1" lang="en-US" altLang="ja-JP" smtClean="0"/>
+              <a:t>2 </a:t>
+            </a:r>
+            <a:r>
+              <a:rPr kumimoji="1" lang="ja-JP" altLang="en-US" smtClean="0"/>
+              <a:t>レベル</a:t>
+            </a:r>
+          </a:p>
+          <a:p>
+            <a:pPr lvl="2"/>
+            <a:r>
+              <a:rPr kumimoji="1" lang="ja-JP" altLang="en-US" smtClean="0"/>
+              <a:t>第 </a:t>
+            </a:r>
+            <a:r>
+              <a:rPr kumimoji="1" lang="en-US" altLang="ja-JP" smtClean="0"/>
+              <a:t>3 </a:t>
+            </a:r>
+            <a:r>
+              <a:rPr kumimoji="1" lang="ja-JP" altLang="en-US" smtClean="0"/>
+              <a:t>レベル</a:t>
+            </a:r>
+          </a:p>
+          <a:p>
+            <a:pPr lvl="3"/>
+            <a:r>
+              <a:rPr kumimoji="1" lang="ja-JP" altLang="en-US" smtClean="0"/>
+              <a:t>第 </a:t>
+            </a:r>
+            <a:r>
+              <a:rPr kumimoji="1" lang="en-US" altLang="ja-JP" smtClean="0"/>
+              <a:t>4 </a:t>
+            </a:r>
+            <a:r>
+              <a:rPr kumimoji="1" lang="ja-JP" altLang="en-US" smtClean="0"/>
+              <a:t>レベル</a:t>
+            </a:r>
+          </a:p>
+          <a:p>
+            <a:pPr lvl="4"/>
+            <a:r>
+              <a:rPr kumimoji="1" lang="ja-JP" altLang="en-US" smtClean="0"/>
+              <a:t>第 </a:t>
+            </a:r>
+            <a:r>
+              <a:rPr kumimoji="1" lang="en-US" altLang="ja-JP" smtClean="0"/>
+              <a:t>5 </a:t>
+            </a:r>
+            <a:r>
+              <a:rPr kumimoji="1" lang="ja-JP" altLang="en-US" smtClean="0"/>
+              <a:t>レベル</a:t>
+            </a:r>
+            <a:endParaRPr kumimoji="1" lang="ja-JP" altLang="en-US"/>
+          </a:p>
+        </p:txBody>
+      </p:sp>
+      <p:sp>
+        <p:nvSpPr>
+          <p:cNvPr id="6" name="フッター プレースホルダー 5"/>
+          <p:cNvSpPr>
+            <a:spLocks noGrp="1"/>
+          </p:cNvSpPr>
+          <p:nvPr>
+            <p:ph type="ftr" sz="quarter" idx="4"/>
+          </p:nvPr>
+        </p:nvSpPr>
+        <p:spPr>
+          <a:xfrm>
+            <a:off x="0" y="8685213"/>
+            <a:ext cx="2971800" cy="458787"/>
+          </a:xfrm>
+          <a:prstGeom prst="rect">
+            <a:avLst/>
+          </a:prstGeom>
+        </p:spPr>
+        <p:txBody>
+          <a:bodyPr vert="horz" lIns="91440" tIns="45720" rIns="91440" bIns="45720" rtlCol="0" anchor="b"/>
+          <a:lstStyle>
+            <a:lvl1pPr algn="l">
+              <a:defRPr sz="1200"/>
+            </a:lvl1pPr>
+          </a:lstStyle>
+          <a:p>
+            <a:endParaRPr kumimoji="1" lang="ja-JP" altLang="en-US"/>
+          </a:p>
+        </p:txBody>
+      </p:sp>
+      <p:sp>
+        <p:nvSpPr>
+          <p:cNvPr id="7" name="スライド番号プレースホルダー 6"/>
+          <p:cNvSpPr>
+            <a:spLocks noGrp="1"/>
+          </p:cNvSpPr>
+          <p:nvPr>
+            <p:ph type="sldNum" sz="quarter" idx="5"/>
+          </p:nvPr>
+        </p:nvSpPr>
+        <p:spPr>
+          <a:xfrm>
+            <a:off x="3884613" y="8685213"/>
+            <a:ext cx="2971800" cy="458787"/>
+          </a:xfrm>
+          <a:prstGeom prst="rect">
+            <a:avLst/>
+          </a:prstGeom>
+        </p:spPr>
+        <p:txBody>
+          <a:bodyPr vert="horz" lIns="91440" tIns="45720" rIns="91440" bIns="45720" rtlCol="0" anchor="b"/>
+          <a:lstStyle>
+            <a:lvl1pPr algn="r">
+              <a:defRPr sz="1200"/>
+            </a:lvl1pPr>
+          </a:lstStyle>
+          <a:p>
+            <a:fld id="{D095581C-3F27-4A64-B7E8-A2278E3C6894}" type="slidenum">
+              <a:rPr kumimoji="1" lang="ja-JP" altLang="en-US" smtClean="0"/>
+              <a:t>‹#›</a:t>
+            </a:fld>
+            <a:endParaRPr kumimoji="1" lang="ja-JP" altLang="en-US"/>
+          </a:p>
+        </p:txBody>
+      </p:sp>
+    </p:spTree>
+    <p:extLst>
+      <p:ext uri="{BB962C8B-B14F-4D97-AF65-F5344CB8AC3E}">
+        <p14:creationId xmlns:p14="http://schemas.microsoft.com/office/powerpoint/2010/main" val="238252694"/>
+      </p:ext>
+    </p:extLst>
+  </p:cSld>
+  <p:clrMap bg1="lt1" tx1="dk1" bg2="lt2" tx2="dk2" accent1="accent1" accent2="accent2" accent3="accent3" accent4="accent4" accent5="accent5" accent6="accent6" hlink="hlink" folHlink="folHlink"/>
+  <p:notesStyle>
+    <a:lvl1pPr marL="0" algn="l" defTabSz="914400" rtl="0" eaLnBrk="1" latinLnBrk="0" hangingPunct="1">
+      <a:defRPr kumimoji="1" sz="1200" kern="1200">
+        <a:solidFill>
+          <a:schemeClr val="tx1"/>
+        </a:solidFill>
+        <a:latin typeface="+mn-lt"/>
+        <a:ea typeface="+mn-ea"/>
+        <a:cs typeface="+mn-cs"/>
+      </a:defRPr>
+    </a:lvl1pPr>
+    <a:lvl2pPr marL="457200" algn="l" defTabSz="914400" rtl="0" eaLnBrk="1" latinLnBrk="0" hangingPunct="1">
+      <a:defRPr kumimoji="1" sz="1200" kern="1200">
+        <a:solidFill>
+          <a:schemeClr val="tx1"/>
+        </a:solidFill>
+        <a:latin typeface="+mn-lt"/>
+        <a:ea typeface="+mn-ea"/>
+        <a:cs typeface="+mn-cs"/>
+      </a:defRPr>
+    </a:lvl2pPr>
+    <a:lvl3pPr marL="914400" algn="l" defTabSz="914400" rtl="0" eaLnBrk="1" latinLnBrk="0" hangingPunct="1">
+      <a:defRPr kumimoji="1" sz="1200" kern="1200">
+        <a:solidFill>
+          <a:schemeClr val="tx1"/>
+        </a:solidFill>
+        <a:latin typeface="+mn-lt"/>
+        <a:ea typeface="+mn-ea"/>
+        <a:cs typeface="+mn-cs"/>
+      </a:defRPr>
+    </a:lvl3pPr>
+    <a:lvl4pPr marL="1371600" algn="l" defTabSz="914400" rtl="0" eaLnBrk="1" latinLnBrk="0" hangingPunct="1">
+      <a:defRPr kumimoji="1" sz="1200" kern="1200">
+        <a:solidFill>
+          <a:schemeClr val="tx1"/>
+        </a:solidFill>
+        <a:latin typeface="+mn-lt"/>
+        <a:ea typeface="+mn-ea"/>
+        <a:cs typeface="+mn-cs"/>
+      </a:defRPr>
+    </a:lvl4pPr>
+    <a:lvl5pPr marL="1828800" algn="l" defTabSz="914400" rtl="0" eaLnBrk="1" latinLnBrk="0" hangingPunct="1">
+      <a:defRPr kumimoji="1" sz="1200" kern="1200">
+        <a:solidFill>
+          <a:schemeClr val="tx1"/>
+        </a:solidFill>
+        <a:latin typeface="+mn-lt"/>
+        <a:ea typeface="+mn-ea"/>
+        <a:cs typeface="+mn-cs"/>
+      </a:defRPr>
+    </a:lvl5pPr>
+    <a:lvl6pPr marL="2286000" algn="l" defTabSz="914400" rtl="0" eaLnBrk="1" latinLnBrk="0" hangingPunct="1">
+      <a:defRPr kumimoji="1" sz="1200" kern="1200">
+        <a:solidFill>
+          <a:schemeClr val="tx1"/>
+        </a:solidFill>
+        <a:latin typeface="+mn-lt"/>
+        <a:ea typeface="+mn-ea"/>
+        <a:cs typeface="+mn-cs"/>
+      </a:defRPr>
+    </a:lvl6pPr>
+    <a:lvl7pPr marL="2743200" algn="l" defTabSz="914400" rtl="0" eaLnBrk="1" latinLnBrk="0" hangingPunct="1">
+      <a:defRPr kumimoji="1" sz="1200" kern="1200">
+        <a:solidFill>
+          <a:schemeClr val="tx1"/>
+        </a:solidFill>
+        <a:latin typeface="+mn-lt"/>
+        <a:ea typeface="+mn-ea"/>
+        <a:cs typeface="+mn-cs"/>
+      </a:defRPr>
+    </a:lvl7pPr>
+    <a:lvl8pPr marL="3200400" algn="l" defTabSz="914400" rtl="0" eaLnBrk="1" latinLnBrk="0" hangingPunct="1">
+      <a:defRPr kumimoji="1" sz="1200" kern="1200">
+        <a:solidFill>
+          <a:schemeClr val="tx1"/>
+        </a:solidFill>
+        <a:latin typeface="+mn-lt"/>
+        <a:ea typeface="+mn-ea"/>
+        <a:cs typeface="+mn-cs"/>
+      </a:defRPr>
+    </a:lvl8pPr>
+    <a:lvl9pPr marL="3657600" algn="l" defTabSz="914400" rtl="0" eaLnBrk="1" latinLnBrk="0" hangingPunct="1">
+      <a:defRPr kumimoji="1" sz="1200" kern="1200">
+        <a:solidFill>
+          <a:schemeClr val="tx1"/>
+        </a:solidFill>
+        <a:latin typeface="+mn-lt"/>
+        <a:ea typeface="+mn-ea"/>
+        <a:cs typeface="+mn-cs"/>
+      </a:defRPr>
+    </a:lvl9pPr>
+  </p:notesStyle>
+</p:notesMaster>
+</file>
+
+<file path=ppt/notesSlides/notesSlide1.xml><?xml version="1.0" encoding="utf-8"?>
+<p:notes xmlns:a="http://schemas.openxmlformats.org/drawingml/2006/main" xmlns:r="http://schemas.openxmlformats.org/officeDocument/2006/relationships" xmlns:p="http://schemas.openxmlformats.org/presentationml/2006/main">
+  <p:cSld>
+    <p:spTree>
+      <p:nvGrpSpPr>
+        <p:cNvPr id="1" name=""/>
+        <p:cNvGrpSpPr/>
+        <p:nvPr/>
+      </p:nvGrpSpPr>
+      <p:grpSpPr>
+        <a:xfrm>
+          <a:off x="0" y="0"/>
+          <a:ext cx="0" cy="0"/>
+          <a:chOff x="0" y="0"/>
+          <a:chExt cx="0" cy="0"/>
+        </a:xfrm>
+      </p:grpSpPr>
+      <p:sp>
+        <p:nvSpPr>
+          <p:cNvPr id="2" name="スライド イメージ プレースホルダー 1"/>
+          <p:cNvSpPr>
+            <a:spLocks noGrp="1" noRot="1" noChangeAspect="1"/>
+          </p:cNvSpPr>
+          <p:nvPr>
+            <p:ph type="sldImg"/>
+          </p:nvPr>
+        </p:nvSpPr>
+        <p:spPr/>
+      </p:sp>
+      <p:sp>
+        <p:nvSpPr>
+          <p:cNvPr id="3" name="ノート プレースホルダー 2"/>
+          <p:cNvSpPr>
+            <a:spLocks noGrp="1"/>
+          </p:cNvSpPr>
+          <p:nvPr>
+            <p:ph type="body" idx="1"/>
+          </p:nvPr>
+        </p:nvSpPr>
+        <p:spPr/>
+        <p:txBody>
+          <a:bodyPr/>
+          <a:lstStyle/>
+          <a:p>
+            <a:r>
+              <a:rPr kumimoji="1" lang="ja-JP" altLang="en-US" dirty="0" smtClean="0"/>
+              <a:t>開発要求の条と同一</a:t>
+            </a:r>
+            <a:endParaRPr kumimoji="1" lang="ja-JP" altLang="en-US" dirty="0"/>
+          </a:p>
+        </p:txBody>
+      </p:sp>
+      <p:sp>
+        <p:nvSpPr>
+          <p:cNvPr id="4" name="スライド番号プレースホルダー 3"/>
+          <p:cNvSpPr>
+            <a:spLocks noGrp="1"/>
+          </p:cNvSpPr>
+          <p:nvPr>
+            <p:ph type="sldNum" sz="quarter" idx="10"/>
+          </p:nvPr>
+        </p:nvSpPr>
+        <p:spPr/>
+        <p:txBody>
+          <a:bodyPr/>
+          <a:lstStyle/>
+          <a:p>
+            <a:fld id="{D095581C-3F27-4A64-B7E8-A2278E3C6894}" type="slidenum">
+              <a:rPr kumimoji="1" lang="ja-JP" altLang="en-US" smtClean="0"/>
+              <a:t>2</a:t>
+            </a:fld>
+            <a:endParaRPr kumimoji="1" lang="ja-JP" altLang="en-US"/>
+          </a:p>
+        </p:txBody>
+      </p:sp>
+    </p:spTree>
+    <p:extLst>
+      <p:ext uri="{BB962C8B-B14F-4D97-AF65-F5344CB8AC3E}">
+        <p14:creationId xmlns:p14="http://schemas.microsoft.com/office/powerpoint/2010/main" val="946324379"/>
+      </p:ext>
+    </p:extLst>
+  </p:cSld>
+  <p:clrMapOvr>
+    <a:masterClrMapping/>
+  </p:clrMapOvr>
+</p:notes>
+</file>
+
 <file path=ppt/slideLayouts/slideLayout1.xml><?xml version="1.0" encoding="utf-8"?>
 <p:sldLayout xmlns:a="http://schemas.openxmlformats.org/drawingml/2006/main" xmlns:r="http://schemas.openxmlformats.org/officeDocument/2006/relationships" xmlns:p="http://schemas.openxmlformats.org/presentationml/2006/main" type="title" preserve="1">
   <p:cSld name="タイトル スライド">
@@ -1404,6 +1877,13 @@
   <p:clrMapOvr>
     <a:masterClrMapping/>
   </p:clrMapOvr>
+  <p:timing>
+    <p:tnLst>
+      <p:par>
+        <p:cTn id="1" dur="indefinite" restart="never" nodeType="tmRoot"/>
+      </p:par>
+    </p:tnLst>
+  </p:timing>
 </p:sldLayout>
 </file>
 
@@ -2020,6 +2500,13 @@
   <p:clrMapOvr>
     <a:masterClrMapping/>
   </p:clrMapOvr>
+  <p:timing>
+    <p:tnLst>
+      <p:par>
+        <p:cTn id="1" dur="indefinite" restart="never" nodeType="tmRoot"/>
+      </p:par>
+    </p:tnLst>
+  </p:timing>
 </p:sldLayout>
 </file>
 
@@ -2266,6 +2753,13 @@
   <p:clrMapOvr>
     <a:masterClrMapping/>
   </p:clrMapOvr>
+  <p:timing>
+    <p:tnLst>
+      <p:par>
+        <p:cTn id="1" dur="indefinite" restart="never" nodeType="tmRoot"/>
+      </p:par>
+    </p:tnLst>
+  </p:timing>
 </p:sldLayout>
 </file>
 
@@ -2562,6 +3056,13 @@
   <p:clrMapOvr>
     <a:masterClrMapping/>
   </p:clrMapOvr>
+  <p:timing>
+    <p:tnLst>
+      <p:par>
+        <p:cTn id="1" dur="indefinite" restart="never" nodeType="tmRoot"/>
+      </p:par>
+    </p:tnLst>
+  </p:timing>
 </p:sldLayout>
 </file>
 
@@ -3973,8 +4474,8 @@
         </p:nvSpPr>
         <p:spPr>
           <a:xfrm>
-            <a:off x="4038600" y="6356350"/>
-            <a:ext cx="4114800" cy="365125"/>
+            <a:off x="9618617" y="6356350"/>
+            <a:ext cx="1735183" cy="365125"/>
           </a:xfrm>
           <a:prstGeom prst="rect">
             <a:avLst/>
@@ -3994,7 +4495,27 @@
             </a:lvl1pPr>
           </a:lstStyle>
           <a:p>
-            <a:endParaRPr kumimoji="1" lang="ja-JP" altLang="en-US"/>
+            <a:r>
+              <a:rPr kumimoji="1" lang="en-US" altLang="ja-JP" dirty="0" err="1" smtClean="0"/>
+              <a:t>IH</a:t>
+            </a:r>
+            <a:r>
+              <a:rPr kumimoji="1" lang="en-US" altLang="ja-JP" dirty="0" smtClean="0"/>
+              <a:t>-</a:t>
+            </a:r>
+            <a:r>
+              <a:rPr kumimoji="1" lang="en-US" altLang="ja-JP" dirty="0" err="1" smtClean="0"/>
+              <a:t>13A</a:t>
+            </a:r>
+            <a:r>
+              <a:rPr kumimoji="1" lang="en-US" altLang="ja-JP" dirty="0" smtClean="0"/>
+              <a:t>-805 4</a:t>
+            </a:r>
+            <a:r>
+              <a:rPr kumimoji="1" lang="ja-JP" altLang="en-US" dirty="0" smtClean="0"/>
+              <a:t>班</a:t>
+            </a:r>
+            <a:endParaRPr kumimoji="1" lang="ja-JP" altLang="en-US" dirty="0"/>
           </a:p>
         </p:txBody>
       </p:sp>
@@ -4010,7 +4531,7 @@
         </p:nvSpPr>
         <p:spPr>
           <a:xfrm>
-            <a:off x="8610600" y="6356350"/>
+            <a:off x="6720840" y="6356350"/>
             <a:ext cx="2743200" cy="365125"/>
           </a:xfrm>
           <a:prstGeom prst="rect">
@@ -4060,6 +4581,13 @@
     <p:sldLayoutId id="2147483658" r:id="rId10"/>
     <p:sldLayoutId id="2147483659" r:id="rId11"/>
   </p:sldLayoutIdLst>
+  <p:timing>
+    <p:tnLst>
+      <p:par>
+        <p:cTn id="1" dur="indefinite" restart="never" nodeType="tmRoot"/>
+      </p:par>
+    </p:tnLst>
+  </p:timing>
   <p:txStyles>
     <p:titleStyle>
       <a:lvl1pPr algn="l" defTabSz="914400" rtl="0" eaLnBrk="1" latinLnBrk="0" hangingPunct="1">
@@ -4372,10 +4900,35 @@
         </p:nvSpPr>
         <p:spPr/>
         <p:txBody>
-          <a:bodyPr/>
+          <a:bodyPr>
+            <a:normAutofit/>
+          </a:bodyPr>
           <a:lstStyle/>
           <a:p>
-            <a:endParaRPr kumimoji="1" lang="ja-JP" altLang="en-US"/>
+            <a:r>
+              <a:rPr lang="ja-JP" altLang="ja-JP" dirty="0" smtClean="0"/>
+              <a:t>スグクル社</a:t>
+            </a:r>
+            <a:r>
+              <a:rPr lang="en-US" altLang="ja-JP" dirty="0" smtClean="0"/>
+              <a:t/>
+            </a:r>
+            <a:br>
+              <a:rPr lang="en-US" altLang="ja-JP" dirty="0" smtClean="0"/>
+            </a:br>
+            <a:r>
+              <a:rPr lang="ja-JP" altLang="ja-JP" dirty="0" smtClean="0"/>
+              <a:t>車両</a:t>
+            </a:r>
+            <a:r>
+              <a:rPr lang="ja-JP" altLang="ja-JP" dirty="0"/>
+              <a:t>販売管理</a:t>
+            </a:r>
+            <a:r>
+              <a:rPr lang="ja-JP" altLang="ja-JP" dirty="0" smtClean="0"/>
+              <a:t>システム</a:t>
+            </a:r>
+            <a:endParaRPr kumimoji="1" lang="ja-JP" altLang="en-US" dirty="0"/>
           </a:p>
         </p:txBody>
       </p:sp>
@@ -4394,7 +4947,27 @@
           <a:bodyPr/>
           <a:lstStyle/>
           <a:p>
-            <a:endParaRPr kumimoji="1" lang="ja-JP" altLang="en-US"/>
+            <a:r>
+              <a:rPr lang="en-US" altLang="ja-JP" dirty="0" err="1"/>
+              <a:t>IH</a:t>
+            </a:r>
+            <a:r>
+              <a:rPr lang="en-US" altLang="ja-JP" dirty="0"/>
+              <a:t>-</a:t>
+            </a:r>
+            <a:r>
+              <a:rPr lang="en-US" altLang="ja-JP" dirty="0" err="1"/>
+              <a:t>13A</a:t>
+            </a:r>
+            <a:r>
+              <a:rPr lang="en-US" altLang="ja-JP" dirty="0"/>
+              <a:t>-805 4</a:t>
+            </a:r>
+            <a:r>
+              <a:rPr lang="ja-JP" altLang="en-US" dirty="0"/>
+              <a:t>班</a:t>
+            </a:r>
+            <a:endParaRPr kumimoji="1" lang="ja-JP" altLang="en-US" dirty="0"/>
           </a:p>
         </p:txBody>
       </p:sp>
@@ -4419,6 +4992,1134 @@
 </file>
 
 <file path=ppt/slides/slide10.xml><?xml version="1.0" encoding="utf-8"?>
+<p:sld xmlns:a="http://schemas.openxmlformats.org/drawingml/2006/main" xmlns:r="http://schemas.openxmlformats.org/officeDocument/2006/relationships" xmlns:p="http://schemas.openxmlformats.org/presentationml/2006/main">
+  <p:cSld>
+    <p:spTree>
+      <p:nvGrpSpPr>
+        <p:cNvPr id="1" name=""/>
+        <p:cNvGrpSpPr/>
+        <p:nvPr/>
+      </p:nvGrpSpPr>
+      <p:grpSpPr>
+        <a:xfrm>
+          <a:off x="0" y="0"/>
+          <a:ext cx="0" cy="0"/>
+          <a:chOff x="0" y="0"/>
+          <a:chExt cx="0" cy="0"/>
+        </a:xfrm>
+      </p:grpSpPr>
+      <p:sp>
+        <p:nvSpPr>
+          <p:cNvPr id="14" name="右矢印 13"/>
+          <p:cNvSpPr/>
+          <p:nvPr/>
+        </p:nvSpPr>
+        <p:spPr>
+          <a:xfrm>
+            <a:off x="3582430" y="3694621"/>
+            <a:ext cx="669326" cy="566928"/>
+          </a:xfrm>
+          <a:prstGeom prst="rightArrow">
+            <a:avLst/>
+          </a:prstGeom>
+        </p:spPr>
+        <p:style>
+          <a:lnRef idx="2">
+            <a:schemeClr val="dk1"/>
+          </a:lnRef>
+          <a:fillRef idx="1">
+            <a:schemeClr val="lt1"/>
+          </a:fillRef>
+          <a:effectRef idx="0">
+            <a:schemeClr val="dk1"/>
+          </a:effectRef>
+          <a:fontRef idx="minor">
+            <a:schemeClr val="dk1"/>
+          </a:fontRef>
+        </p:style>
+        <p:txBody>
+          <a:bodyPr rtlCol="0" anchor="ctr"/>
+          <a:lstStyle/>
+          <a:p>
+            <a:pPr algn="ctr"/>
+            <a:endParaRPr kumimoji="1" lang="ja-JP" altLang="en-US"/>
+          </a:p>
+        </p:txBody>
+      </p:sp>
+      <p:sp>
+        <p:nvSpPr>
+          <p:cNvPr id="21" name="右矢印 20"/>
+          <p:cNvSpPr/>
+          <p:nvPr/>
+        </p:nvSpPr>
+        <p:spPr>
+          <a:xfrm>
+            <a:off x="6975377" y="3694621"/>
+            <a:ext cx="1324994" cy="566928"/>
+          </a:xfrm>
+          <a:prstGeom prst="rightArrow">
+            <a:avLst>
+              <a:gd name="adj1" fmla="val 50000"/>
+              <a:gd name="adj2" fmla="val 54888"/>
+            </a:avLst>
+          </a:prstGeom>
+        </p:spPr>
+        <p:style>
+          <a:lnRef idx="2">
+            <a:schemeClr val="dk1"/>
+          </a:lnRef>
+          <a:fillRef idx="1">
+            <a:schemeClr val="lt1"/>
+          </a:fillRef>
+          <a:effectRef idx="0">
+            <a:schemeClr val="dk1"/>
+          </a:effectRef>
+          <a:fontRef idx="minor">
+            <a:schemeClr val="dk1"/>
+          </a:fontRef>
+        </p:style>
+        <p:txBody>
+          <a:bodyPr rtlCol="0" anchor="ctr"/>
+          <a:lstStyle/>
+          <a:p>
+            <a:pPr algn="ctr"/>
+            <a:endParaRPr kumimoji="1" lang="ja-JP" altLang="en-US"/>
+          </a:p>
+        </p:txBody>
+      </p:sp>
+      <p:grpSp>
+        <p:nvGrpSpPr>
+          <p:cNvPr id="26" name="グループ化 25"/>
+          <p:cNvGrpSpPr/>
+          <p:nvPr/>
+        </p:nvGrpSpPr>
+        <p:grpSpPr>
+          <a:xfrm>
+            <a:off x="8561147" y="1786245"/>
+            <a:ext cx="3355510" cy="4676171"/>
+            <a:chOff x="8763338" y="1292469"/>
+            <a:chExt cx="3355510" cy="4676171"/>
+          </a:xfrm>
+        </p:grpSpPr>
+        <p:sp>
+          <p:nvSpPr>
+            <p:cNvPr id="22" name="正方形/長方形 21"/>
+            <p:cNvSpPr/>
+            <p:nvPr/>
+          </p:nvSpPr>
+          <p:spPr>
+            <a:xfrm>
+              <a:off x="8763338" y="1292469"/>
+              <a:ext cx="3355510" cy="4676171"/>
+            </a:xfrm>
+            <a:prstGeom prst="rect">
+              <a:avLst/>
+            </a:prstGeom>
+          </p:spPr>
+          <p:style>
+            <a:lnRef idx="2">
+              <a:schemeClr val="dk1"/>
+            </a:lnRef>
+            <a:fillRef idx="1">
+              <a:schemeClr val="lt1"/>
+            </a:fillRef>
+            <a:effectRef idx="0">
+              <a:schemeClr val="dk1"/>
+            </a:effectRef>
+            <a:fontRef idx="minor">
+              <a:schemeClr val="dk1"/>
+            </a:fontRef>
+          </p:style>
+          <p:txBody>
+            <a:bodyPr rtlCol="0" anchor="ctr"/>
+            <a:lstStyle/>
+            <a:p>
+              <a:pPr algn="ctr"/>
+              <a:r>
+                <a:rPr kumimoji="1" lang="ja-JP" altLang="en-US" dirty="0" smtClean="0"/>
+                <a:t>ここにスキャンされた情報</a:t>
+              </a:r>
+              <a:endParaRPr kumimoji="1" lang="ja-JP" altLang="en-US" dirty="0"/>
+            </a:p>
+          </p:txBody>
+        </p:sp>
+        <p:sp>
+          <p:nvSpPr>
+            <p:cNvPr id="23" name="テキスト ボックス 22"/>
+            <p:cNvSpPr txBox="1"/>
+            <p:nvPr/>
+          </p:nvSpPr>
+          <p:spPr>
+            <a:xfrm>
+              <a:off x="8906508" y="1394468"/>
+              <a:ext cx="1107996" cy="369332"/>
+            </a:xfrm>
+            <a:prstGeom prst="rect">
+              <a:avLst/>
+            </a:prstGeom>
+            <a:noFill/>
+          </p:spPr>
+          <p:txBody>
+            <a:bodyPr wrap="none" rtlCol="0">
+              <a:spAutoFit/>
+            </a:bodyPr>
+            <a:lstStyle/>
+            <a:p>
+              <a:r>
+                <a:rPr lang="ja-JP" altLang="en-US" dirty="0" smtClean="0"/>
+                <a:t>納期管理</a:t>
+              </a:r>
+              <a:endParaRPr lang="ja-JP" altLang="en-US" dirty="0"/>
+            </a:p>
+          </p:txBody>
+        </p:sp>
+      </p:grpSp>
+      <p:sp>
+        <p:nvSpPr>
+          <p:cNvPr id="27" name="テキスト ボックス 26"/>
+          <p:cNvSpPr txBox="1"/>
+          <p:nvPr/>
+        </p:nvSpPr>
+        <p:spPr>
+          <a:xfrm>
+            <a:off x="10917965" y="6591330"/>
+            <a:ext cx="889987" cy="261610"/>
+          </a:xfrm>
+          <a:prstGeom prst="rect">
+            <a:avLst/>
+          </a:prstGeom>
+          <a:noFill/>
+        </p:spPr>
+        <p:txBody>
+          <a:bodyPr wrap="none" rtlCol="0">
+            <a:spAutoFit/>
+          </a:bodyPr>
+          <a:lstStyle/>
+          <a:p>
+            <a:r>
+              <a:rPr kumimoji="1" lang="en-US" altLang="ja-JP" sz="1100" dirty="0" smtClean="0"/>
+              <a:t>※</a:t>
+            </a:r>
+            <a:r>
+              <a:rPr kumimoji="1" lang="ja-JP" altLang="en-US" sz="1100" dirty="0" smtClean="0"/>
+              <a:t>イメージ</a:t>
+            </a:r>
+            <a:endParaRPr kumimoji="1" lang="ja-JP" altLang="en-US" sz="1100" dirty="0"/>
+          </a:p>
+        </p:txBody>
+      </p:sp>
+      <p:sp>
+        <p:nvSpPr>
+          <p:cNvPr id="28" name="タイトル 1"/>
+          <p:cNvSpPr>
+            <a:spLocks noGrp="1"/>
+          </p:cNvSpPr>
+          <p:nvPr>
+            <p:ph type="title"/>
+          </p:nvPr>
+        </p:nvSpPr>
+        <p:spPr>
+          <a:xfrm>
+            <a:off x="838200" y="365125"/>
+            <a:ext cx="10515600" cy="1325563"/>
+          </a:xfrm>
+        </p:spPr>
+        <p:txBody>
+          <a:bodyPr/>
+          <a:lstStyle/>
+          <a:p>
+            <a:r>
+              <a:rPr lang="ja-JP" altLang="en-US" dirty="0" smtClean="0"/>
+              <a:t>機能「</a:t>
+            </a:r>
+            <a:r>
+              <a:rPr lang="ja-JP" altLang="en-US" dirty="0"/>
+              <a:t>納期管理</a:t>
+            </a:r>
+            <a:r>
+              <a:rPr lang="ja-JP" altLang="en-US" dirty="0" smtClean="0"/>
+              <a:t>ページ」</a:t>
+            </a:r>
+            <a:endParaRPr kumimoji="1" lang="ja-JP" altLang="en-US" dirty="0"/>
+          </a:p>
+        </p:txBody>
+      </p:sp>
+      <p:pic>
+        <p:nvPicPr>
+          <p:cNvPr id="2" name="図 1"/>
+          <p:cNvPicPr>
+            <a:picLocks noChangeAspect="1"/>
+          </p:cNvPicPr>
+          <p:nvPr/>
+        </p:nvPicPr>
+        <p:blipFill>
+          <a:blip r:embed="rId2">
+            <a:extLst>
+              <a:ext uri="{BEBA8EAE-BF5A-486C-A8C5-ECC9F3942E4B}">
+                <a14:imgProps xmlns:a14="http://schemas.microsoft.com/office/drawing/2010/main">
+                  <a14:imgLayer r:embed="rId3">
+                    <a14:imgEffect>
+                      <a14:saturation sat="0"/>
+                    </a14:imgEffect>
+                  </a14:imgLayer>
+                </a14:imgProps>
+              </a:ext>
+              <a:ext uri="{28A0092B-C50C-407E-A947-70E740481C1C}">
+                <a14:useLocalDpi xmlns:a14="http://schemas.microsoft.com/office/drawing/2010/main" val="0"/>
+              </a:ext>
+            </a:extLst>
+          </a:blip>
+          <a:stretch>
+            <a:fillRect/>
+          </a:stretch>
+        </p:blipFill>
+        <p:spPr>
+          <a:xfrm>
+            <a:off x="1052945" y="3694621"/>
+            <a:ext cx="2266029" cy="1649745"/>
+          </a:xfrm>
+          <a:prstGeom prst="rect">
+            <a:avLst/>
+          </a:prstGeom>
+        </p:spPr>
+      </p:pic>
+      <p:sp>
+        <p:nvSpPr>
+          <p:cNvPr id="32" name="右矢印 31"/>
+          <p:cNvSpPr/>
+          <p:nvPr/>
+        </p:nvSpPr>
+        <p:spPr>
+          <a:xfrm rot="3223262">
+            <a:off x="1015384" y="3622909"/>
+            <a:ext cx="1036419" cy="381267"/>
+          </a:xfrm>
+          <a:prstGeom prst="rightArrow">
+            <a:avLst>
+              <a:gd name="adj1" fmla="val 27756"/>
+              <a:gd name="adj2" fmla="val 75421"/>
+            </a:avLst>
+          </a:prstGeom>
+        </p:spPr>
+        <p:style>
+          <a:lnRef idx="2">
+            <a:schemeClr val="dk1"/>
+          </a:lnRef>
+          <a:fillRef idx="1">
+            <a:schemeClr val="lt1"/>
+          </a:fillRef>
+          <a:effectRef idx="0">
+            <a:schemeClr val="dk1"/>
+          </a:effectRef>
+          <a:fontRef idx="minor">
+            <a:schemeClr val="dk1"/>
+          </a:fontRef>
+        </p:style>
+        <p:txBody>
+          <a:bodyPr rtlCol="0" anchor="ctr"/>
+          <a:lstStyle/>
+          <a:p>
+            <a:pPr algn="ctr"/>
+            <a:endParaRPr kumimoji="1" lang="ja-JP" altLang="en-US"/>
+          </a:p>
+        </p:txBody>
+      </p:sp>
+      <p:grpSp>
+        <p:nvGrpSpPr>
+          <p:cNvPr id="30" name="グループ化 29"/>
+          <p:cNvGrpSpPr/>
+          <p:nvPr/>
+        </p:nvGrpSpPr>
+        <p:grpSpPr>
+          <a:xfrm>
+            <a:off x="516217" y="2450903"/>
+            <a:ext cx="786916" cy="1059960"/>
+            <a:chOff x="561593" y="2161308"/>
+            <a:chExt cx="1048661" cy="1412525"/>
+          </a:xfrm>
+        </p:grpSpPr>
+        <p:pic>
+          <p:nvPicPr>
+            <p:cNvPr id="20" name="図 19"/>
+            <p:cNvPicPr>
+              <a:picLocks noChangeAspect="1"/>
+            </p:cNvPicPr>
+            <p:nvPr/>
+          </p:nvPicPr>
+          <p:blipFill>
+            <a:blip r:embed="rId4">
+              <a:grayscl/>
+            </a:blip>
+            <a:stretch>
+              <a:fillRect/>
+            </a:stretch>
+          </p:blipFill>
+          <p:spPr>
+            <a:xfrm>
+              <a:off x="561593" y="2161308"/>
+              <a:ext cx="1048661" cy="1412525"/>
+            </a:xfrm>
+            <a:prstGeom prst="rect">
+              <a:avLst/>
+            </a:prstGeom>
+          </p:spPr>
+        </p:pic>
+        <p:sp>
+          <p:nvSpPr>
+            <p:cNvPr id="29" name="テキスト ボックス 28"/>
+            <p:cNvSpPr txBox="1"/>
+            <p:nvPr/>
+          </p:nvSpPr>
+          <p:spPr>
+            <a:xfrm>
+              <a:off x="728905" y="2699588"/>
+              <a:ext cx="724598" cy="410150"/>
+            </a:xfrm>
+            <a:prstGeom prst="rect">
+              <a:avLst/>
+            </a:prstGeom>
+            <a:noFill/>
+          </p:spPr>
+          <p:txBody>
+            <a:bodyPr wrap="none" rtlCol="0">
+              <a:spAutoFit/>
+            </a:bodyPr>
+            <a:lstStyle/>
+            <a:p>
+              <a:r>
+                <a:rPr kumimoji="1" lang="ja-JP" altLang="en-US" sz="1400" dirty="0" smtClean="0"/>
+                <a:t>書類</a:t>
+              </a:r>
+              <a:endParaRPr kumimoji="1" lang="ja-JP" altLang="en-US" sz="1400" dirty="0"/>
+            </a:p>
+          </p:txBody>
+        </p:sp>
+      </p:grpSp>
+      <p:sp>
+        <p:nvSpPr>
+          <p:cNvPr id="33" name="楕円 32"/>
+          <p:cNvSpPr/>
+          <p:nvPr/>
+        </p:nvSpPr>
+        <p:spPr>
+          <a:xfrm>
+            <a:off x="4479636" y="3483155"/>
+            <a:ext cx="2267861" cy="1024192"/>
+          </a:xfrm>
+          <a:prstGeom prst="ellipse">
+            <a:avLst/>
+          </a:prstGeom>
+        </p:spPr>
+        <p:style>
+          <a:lnRef idx="2">
+            <a:schemeClr val="dk1"/>
+          </a:lnRef>
+          <a:fillRef idx="1">
+            <a:schemeClr val="lt1"/>
+          </a:fillRef>
+          <a:effectRef idx="0">
+            <a:schemeClr val="dk1"/>
+          </a:effectRef>
+          <a:fontRef idx="minor">
+            <a:schemeClr val="dk1"/>
+          </a:fontRef>
+        </p:style>
+        <p:txBody>
+          <a:bodyPr rtlCol="0" anchor="ctr"/>
+          <a:lstStyle/>
+          <a:p>
+            <a:pPr algn="ctr"/>
+            <a:r>
+              <a:rPr kumimoji="1" lang="ja-JP" altLang="en-US" dirty="0" smtClean="0"/>
+              <a:t>データ化</a:t>
+            </a:r>
+            <a:endParaRPr kumimoji="1" lang="ja-JP" altLang="en-US" dirty="0"/>
+          </a:p>
+        </p:txBody>
+      </p:sp>
+      <p:grpSp>
+        <p:nvGrpSpPr>
+          <p:cNvPr id="36" name="グループ化 35"/>
+          <p:cNvGrpSpPr/>
+          <p:nvPr/>
+        </p:nvGrpSpPr>
+        <p:grpSpPr>
+          <a:xfrm>
+            <a:off x="175490" y="1690688"/>
+            <a:ext cx="7102049" cy="4900641"/>
+            <a:chOff x="175490" y="1690688"/>
+            <a:chExt cx="7102049" cy="4900641"/>
+          </a:xfrm>
+        </p:grpSpPr>
+        <p:sp>
+          <p:nvSpPr>
+            <p:cNvPr id="34" name="正方形/長方形 33"/>
+            <p:cNvSpPr/>
+            <p:nvPr/>
+          </p:nvSpPr>
+          <p:spPr>
+            <a:xfrm>
+              <a:off x="175490" y="1690688"/>
+              <a:ext cx="7102049" cy="4900641"/>
+            </a:xfrm>
+            <a:prstGeom prst="rect">
+              <a:avLst/>
+            </a:prstGeom>
+            <a:noFill/>
+            <a:ln/>
+          </p:spPr>
+          <p:style>
+            <a:lnRef idx="2">
+              <a:schemeClr val="accent3"/>
+            </a:lnRef>
+            <a:fillRef idx="1">
+              <a:schemeClr val="lt1"/>
+            </a:fillRef>
+            <a:effectRef idx="0">
+              <a:schemeClr val="accent3"/>
+            </a:effectRef>
+            <a:fontRef idx="minor">
+              <a:schemeClr val="dk1"/>
+            </a:fontRef>
+          </p:style>
+          <p:txBody>
+            <a:bodyPr rtlCol="0" anchor="ctr"/>
+            <a:lstStyle/>
+            <a:p>
+              <a:pPr algn="ctr"/>
+              <a:endParaRPr kumimoji="1" lang="ja-JP" altLang="en-US"/>
+            </a:p>
+          </p:txBody>
+        </p:sp>
+        <p:sp>
+          <p:nvSpPr>
+            <p:cNvPr id="35" name="テキスト ボックス 34"/>
+            <p:cNvSpPr txBox="1"/>
+            <p:nvPr/>
+          </p:nvSpPr>
+          <p:spPr>
+            <a:xfrm>
+              <a:off x="175491" y="1715822"/>
+              <a:ext cx="646331" cy="369332"/>
+            </a:xfrm>
+            <a:prstGeom prst="rect">
+              <a:avLst/>
+            </a:prstGeom>
+            <a:noFill/>
+          </p:spPr>
+          <p:txBody>
+            <a:bodyPr wrap="none" rtlCol="0">
+              <a:spAutoFit/>
+            </a:bodyPr>
+            <a:lstStyle/>
+            <a:p>
+              <a:r>
+                <a:rPr lang="ja-JP" altLang="en-US" dirty="0">
+                  <a:solidFill>
+                    <a:schemeClr val="bg1">
+                      <a:lumMod val="50000"/>
+                    </a:schemeClr>
+                  </a:solidFill>
+                </a:rPr>
+                <a:t>前提</a:t>
+              </a:r>
+              <a:endParaRPr kumimoji="1" lang="ja-JP" altLang="en-US" dirty="0">
+                <a:solidFill>
+                  <a:schemeClr val="bg1">
+                    <a:lumMod val="50000"/>
+                  </a:schemeClr>
+                </a:solidFill>
+              </a:endParaRPr>
+            </a:p>
+          </p:txBody>
+        </p:sp>
+      </p:grpSp>
+      <p:grpSp>
+        <p:nvGrpSpPr>
+          <p:cNvPr id="39" name="グループ化 38"/>
+          <p:cNvGrpSpPr/>
+          <p:nvPr/>
+        </p:nvGrpSpPr>
+        <p:grpSpPr>
+          <a:xfrm>
+            <a:off x="7367588" y="1690688"/>
+            <a:ext cx="4751259" cy="4900641"/>
+            <a:chOff x="7367588" y="1690688"/>
+            <a:chExt cx="4751259" cy="4900641"/>
+          </a:xfrm>
+        </p:grpSpPr>
+        <p:sp>
+          <p:nvSpPr>
+            <p:cNvPr id="37" name="正方形/長方形 36"/>
+            <p:cNvSpPr/>
+            <p:nvPr/>
+          </p:nvSpPr>
+          <p:spPr>
+            <a:xfrm>
+              <a:off x="7367588" y="1690688"/>
+              <a:ext cx="4751259" cy="4900641"/>
+            </a:xfrm>
+            <a:prstGeom prst="rect">
+              <a:avLst/>
+            </a:prstGeom>
+            <a:noFill/>
+            <a:ln>
+              <a:solidFill>
+                <a:srgbClr val="FF0000"/>
+              </a:solidFill>
+            </a:ln>
+          </p:spPr>
+          <p:style>
+            <a:lnRef idx="2">
+              <a:schemeClr val="accent3"/>
+            </a:lnRef>
+            <a:fillRef idx="1">
+              <a:schemeClr val="lt1"/>
+            </a:fillRef>
+            <a:effectRef idx="0">
+              <a:schemeClr val="accent3"/>
+            </a:effectRef>
+            <a:fontRef idx="minor">
+              <a:schemeClr val="dk1"/>
+            </a:fontRef>
+          </p:style>
+          <p:txBody>
+            <a:bodyPr rtlCol="0" anchor="ctr"/>
+            <a:lstStyle/>
+            <a:p>
+              <a:pPr algn="ctr"/>
+              <a:endParaRPr kumimoji="1" lang="ja-JP" altLang="en-US"/>
+            </a:p>
+          </p:txBody>
+        </p:sp>
+        <p:sp>
+          <p:nvSpPr>
+            <p:cNvPr id="38" name="テキスト ボックス 37"/>
+            <p:cNvSpPr txBox="1"/>
+            <p:nvPr/>
+          </p:nvSpPr>
+          <p:spPr>
+            <a:xfrm>
+              <a:off x="7410370" y="1715822"/>
+              <a:ext cx="1107996" cy="369332"/>
+            </a:xfrm>
+            <a:prstGeom prst="rect">
+              <a:avLst/>
+            </a:prstGeom>
+            <a:noFill/>
+          </p:spPr>
+          <p:txBody>
+            <a:bodyPr wrap="none" rtlCol="0">
+              <a:spAutoFit/>
+            </a:bodyPr>
+            <a:lstStyle/>
+            <a:p>
+              <a:r>
+                <a:rPr lang="ja-JP" altLang="en-US" dirty="0" smtClean="0">
+                  <a:solidFill>
+                    <a:schemeClr val="bg1">
+                      <a:lumMod val="50000"/>
+                    </a:schemeClr>
+                  </a:solidFill>
+                </a:rPr>
+                <a:t>実装対象</a:t>
+              </a:r>
+              <a:endParaRPr kumimoji="1" lang="ja-JP" altLang="en-US" dirty="0">
+                <a:solidFill>
+                  <a:schemeClr val="bg1">
+                    <a:lumMod val="50000"/>
+                  </a:schemeClr>
+                </a:solidFill>
+              </a:endParaRPr>
+            </a:p>
+          </p:txBody>
+        </p:sp>
+      </p:grpSp>
+    </p:spTree>
+    <p:extLst>
+      <p:ext uri="{BB962C8B-B14F-4D97-AF65-F5344CB8AC3E}">
+        <p14:creationId xmlns:p14="http://schemas.microsoft.com/office/powerpoint/2010/main" val="1350726543"/>
+      </p:ext>
+    </p:extLst>
+  </p:cSld>
+  <p:clrMapOvr>
+    <a:masterClrMapping/>
+  </p:clrMapOvr>
+  <mc:AlternateContent xmlns:mc="http://schemas.openxmlformats.org/markup-compatibility/2006" xmlns:p14="http://schemas.microsoft.com/office/powerpoint/2010/main">
+    <mc:Choice Requires="p14">
+      <p:transition spd="med" p14:dur="700">
+        <p:fade/>
+      </p:transition>
+    </mc:Choice>
+    <mc:Fallback xmlns="">
+      <p:transition spd="med">
+        <p:fade/>
+      </p:transition>
+    </mc:Fallback>
+  </mc:AlternateContent>
+  <p:timing>
+    <p:tnLst>
+      <p:par>
+        <p:cTn id="1" dur="indefinite" restart="never" nodeType="tmRoot">
+          <p:childTnLst>
+            <p:seq concurrent="1" nextAc="seek">
+              <p:cTn id="2" dur="indefinite" nodeType="mainSeq">
+                <p:childTnLst>
+                  <p:par>
+                    <p:cTn id="3" fill="hold">
+                      <p:stCondLst>
+                        <p:cond delay="indefinite"/>
+                        <p:cond evt="onBegin" delay="0">
+                          <p:tn val="2"/>
+                        </p:cond>
+                      </p:stCondLst>
+                      <p:childTnLst>
+                        <p:par>
+                          <p:cTn id="4" fill="hold">
+                            <p:stCondLst>
+                              <p:cond delay="0"/>
+                            </p:stCondLst>
+                            <p:childTnLst>
+                              <p:par>
+                                <p:cTn id="5" presetID="42" presetClass="path" presetSubtype="0" accel="50000" decel="50000" fill="hold" nodeType="afterEffect">
+                                  <p:stCondLst>
+                                    <p:cond delay="0"/>
+                                  </p:stCondLst>
+                                  <p:childTnLst>
+                                    <p:animMotion origin="layout" path="M 6.25E-7 -2.22222E-6 L 0.0974 0.22662 " pathEditMode="fixed" rAng="0" ptsTypes="AA">
+                                      <p:cBhvr>
+                                        <p:cTn id="6" dur="1000" fill="hold"/>
+                                        <p:tgtEl>
+                                          <p:spTgt spid="30"/>
+                                        </p:tgtEl>
+                                        <p:attrNameLst>
+                                          <p:attrName>ppt_x</p:attrName>
+                                          <p:attrName>ppt_y</p:attrName>
+                                        </p:attrNameLst>
+                                      </p:cBhvr>
+                                      <p:rCtr x="4870" y="11319"/>
+                                    </p:animMotion>
+                                  </p:childTnLst>
+                                </p:cTn>
+                              </p:par>
+                              <p:par>
+                                <p:cTn id="7" presetID="10" presetClass="exit" presetSubtype="0" fill="hold" grpId="0" nodeType="withEffect">
+                                  <p:stCondLst>
+                                    <p:cond delay="0"/>
+                                  </p:stCondLst>
+                                  <p:childTnLst>
+                                    <p:animEffect transition="out" filter="fade">
+                                      <p:cBhvr>
+                                        <p:cTn id="8" dur="500"/>
+                                        <p:tgtEl>
+                                          <p:spTgt spid="32"/>
+                                        </p:tgtEl>
+                                      </p:cBhvr>
+                                    </p:animEffect>
+                                    <p:set>
+                                      <p:cBhvr>
+                                        <p:cTn id="9" dur="1" fill="hold">
+                                          <p:stCondLst>
+                                            <p:cond delay="499"/>
+                                          </p:stCondLst>
+                                        </p:cTn>
+                                        <p:tgtEl>
+                                          <p:spTgt spid="32"/>
+                                        </p:tgtEl>
+                                        <p:attrNameLst>
+                                          <p:attrName>style.visibility</p:attrName>
+                                        </p:attrNameLst>
+                                      </p:cBhvr>
+                                      <p:to>
+                                        <p:strVal val="hidden"/>
+                                      </p:to>
+                                    </p:set>
+                                  </p:childTnLst>
+                                </p:cTn>
+                              </p:par>
+                            </p:childTnLst>
+                          </p:cTn>
+                        </p:par>
+                        <p:par>
+                          <p:cTn id="10" fill="hold">
+                            <p:stCondLst>
+                              <p:cond delay="1000"/>
+                            </p:stCondLst>
+                            <p:childTnLst>
+                              <p:par>
+                                <p:cTn id="11" presetID="10" presetClass="exit" presetSubtype="0" fill="hold" nodeType="afterEffect">
+                                  <p:stCondLst>
+                                    <p:cond delay="0"/>
+                                  </p:stCondLst>
+                                  <p:childTnLst>
+                                    <p:animEffect transition="out" filter="fade">
+                                      <p:cBhvr>
+                                        <p:cTn id="12" dur="500"/>
+                                        <p:tgtEl>
+                                          <p:spTgt spid="30"/>
+                                        </p:tgtEl>
+                                      </p:cBhvr>
+                                    </p:animEffect>
+                                    <p:set>
+                                      <p:cBhvr>
+                                        <p:cTn id="13" dur="1" fill="hold">
+                                          <p:stCondLst>
+                                            <p:cond delay="499"/>
+                                          </p:stCondLst>
+                                        </p:cTn>
+                                        <p:tgtEl>
+                                          <p:spTgt spid="30"/>
+                                        </p:tgtEl>
+                                        <p:attrNameLst>
+                                          <p:attrName>style.visibility</p:attrName>
+                                        </p:attrNameLst>
+                                      </p:cBhvr>
+                                      <p:to>
+                                        <p:strVal val="hidden"/>
+                                      </p:to>
+                                    </p:set>
+                                  </p:childTnLst>
+                                </p:cTn>
+                              </p:par>
+                            </p:childTnLst>
+                          </p:cTn>
+                        </p:par>
+                        <p:par>
+                          <p:cTn id="14" fill="hold">
+                            <p:stCondLst>
+                              <p:cond delay="1500"/>
+                            </p:stCondLst>
+                            <p:childTnLst>
+                              <p:par>
+                                <p:cTn id="15" presetID="12" presetClass="entr" presetSubtype="8" fill="hold" grpId="0" nodeType="afterEffect">
+                                  <p:stCondLst>
+                                    <p:cond delay="0"/>
+                                  </p:stCondLst>
+                                  <p:childTnLst>
+                                    <p:set>
+                                      <p:cBhvr>
+                                        <p:cTn id="16" dur="1" fill="hold">
+                                          <p:stCondLst>
+                                            <p:cond delay="0"/>
+                                          </p:stCondLst>
+                                        </p:cTn>
+                                        <p:tgtEl>
+                                          <p:spTgt spid="14"/>
+                                        </p:tgtEl>
+                                        <p:attrNameLst>
+                                          <p:attrName>style.visibility</p:attrName>
+                                        </p:attrNameLst>
+                                      </p:cBhvr>
+                                      <p:to>
+                                        <p:strVal val="visible"/>
+                                      </p:to>
+                                    </p:set>
+                                    <p:anim calcmode="lin" valueType="num">
+                                      <p:cBhvr additive="base">
+                                        <p:cTn id="17" dur="500"/>
+                                        <p:tgtEl>
+                                          <p:spTgt spid="14"/>
+                                        </p:tgtEl>
+                                        <p:attrNameLst>
+                                          <p:attrName>ppt_x</p:attrName>
+                                        </p:attrNameLst>
+                                      </p:cBhvr>
+                                      <p:tavLst>
+                                        <p:tav tm="0">
+                                          <p:val>
+                                            <p:strVal val="#ppt_x-#ppt_w*1.125000"/>
+                                          </p:val>
+                                        </p:tav>
+                                        <p:tav tm="100000">
+                                          <p:val>
+                                            <p:strVal val="#ppt_x"/>
+                                          </p:val>
+                                        </p:tav>
+                                      </p:tavLst>
+                                    </p:anim>
+                                    <p:animEffect transition="in" filter="wipe(right)">
+                                      <p:cBhvr>
+                                        <p:cTn id="18" dur="500"/>
+                                        <p:tgtEl>
+                                          <p:spTgt spid="14"/>
+                                        </p:tgtEl>
+                                      </p:cBhvr>
+                                    </p:animEffect>
+                                  </p:childTnLst>
+                                </p:cTn>
+                              </p:par>
+                            </p:childTnLst>
+                          </p:cTn>
+                        </p:par>
+                        <p:par>
+                          <p:cTn id="19" fill="hold">
+                            <p:stCondLst>
+                              <p:cond delay="2000"/>
+                            </p:stCondLst>
+                            <p:childTnLst>
+                              <p:par>
+                                <p:cTn id="20" presetID="10" presetClass="entr" presetSubtype="0" fill="hold" grpId="0" nodeType="afterEffect">
+                                  <p:stCondLst>
+                                    <p:cond delay="0"/>
+                                  </p:stCondLst>
+                                  <p:childTnLst>
+                                    <p:set>
+                                      <p:cBhvr>
+                                        <p:cTn id="21" dur="1" fill="hold">
+                                          <p:stCondLst>
+                                            <p:cond delay="0"/>
+                                          </p:stCondLst>
+                                        </p:cTn>
+                                        <p:tgtEl>
+                                          <p:spTgt spid="33"/>
+                                        </p:tgtEl>
+                                        <p:attrNameLst>
+                                          <p:attrName>style.visibility</p:attrName>
+                                        </p:attrNameLst>
+                                      </p:cBhvr>
+                                      <p:to>
+                                        <p:strVal val="visible"/>
+                                      </p:to>
+                                    </p:set>
+                                    <p:animEffect transition="in" filter="fade">
+                                      <p:cBhvr>
+                                        <p:cTn id="22" dur="500"/>
+                                        <p:tgtEl>
+                                          <p:spTgt spid="33"/>
+                                        </p:tgtEl>
+                                      </p:cBhvr>
+                                    </p:animEffect>
+                                  </p:childTnLst>
+                                </p:cTn>
+                              </p:par>
+                            </p:childTnLst>
+                          </p:cTn>
+                        </p:par>
+                        <p:par>
+                          <p:cTn id="23" fill="hold">
+                            <p:stCondLst>
+                              <p:cond delay="2500"/>
+                            </p:stCondLst>
+                            <p:childTnLst>
+                              <p:par>
+                                <p:cTn id="24" presetID="12" presetClass="entr" presetSubtype="8" fill="hold" grpId="0" nodeType="afterEffect">
+                                  <p:stCondLst>
+                                    <p:cond delay="0"/>
+                                  </p:stCondLst>
+                                  <p:childTnLst>
+                                    <p:set>
+                                      <p:cBhvr>
+                                        <p:cTn id="25" dur="1" fill="hold">
+                                          <p:stCondLst>
+                                            <p:cond delay="0"/>
+                                          </p:stCondLst>
+                                        </p:cTn>
+                                        <p:tgtEl>
+                                          <p:spTgt spid="21"/>
+                                        </p:tgtEl>
+                                        <p:attrNameLst>
+                                          <p:attrName>style.visibility</p:attrName>
+                                        </p:attrNameLst>
+                                      </p:cBhvr>
+                                      <p:to>
+                                        <p:strVal val="visible"/>
+                                      </p:to>
+                                    </p:set>
+                                    <p:anim calcmode="lin" valueType="num">
+                                      <p:cBhvr additive="base">
+                                        <p:cTn id="26" dur="500"/>
+                                        <p:tgtEl>
+                                          <p:spTgt spid="21"/>
+                                        </p:tgtEl>
+                                        <p:attrNameLst>
+                                          <p:attrName>ppt_x</p:attrName>
+                                        </p:attrNameLst>
+                                      </p:cBhvr>
+                                      <p:tavLst>
+                                        <p:tav tm="0">
+                                          <p:val>
+                                            <p:strVal val="#ppt_x-#ppt_w*1.125000"/>
+                                          </p:val>
+                                        </p:tav>
+                                        <p:tav tm="100000">
+                                          <p:val>
+                                            <p:strVal val="#ppt_x"/>
+                                          </p:val>
+                                        </p:tav>
+                                      </p:tavLst>
+                                    </p:anim>
+                                    <p:animEffect transition="in" filter="wipe(right)">
+                                      <p:cBhvr>
+                                        <p:cTn id="27" dur="500"/>
+                                        <p:tgtEl>
+                                          <p:spTgt spid="21"/>
+                                        </p:tgtEl>
+                                      </p:cBhvr>
+                                    </p:animEffect>
+                                  </p:childTnLst>
+                                </p:cTn>
+                              </p:par>
+                            </p:childTnLst>
+                          </p:cTn>
+                        </p:par>
+                        <p:par>
+                          <p:cTn id="28" fill="hold">
+                            <p:stCondLst>
+                              <p:cond delay="3000"/>
+                            </p:stCondLst>
+                            <p:childTnLst>
+                              <p:par>
+                                <p:cTn id="29" presetID="10" presetClass="entr" presetSubtype="0" fill="hold" nodeType="afterEffect">
+                                  <p:stCondLst>
+                                    <p:cond delay="0"/>
+                                  </p:stCondLst>
+                                  <p:childTnLst>
+                                    <p:set>
+                                      <p:cBhvr>
+                                        <p:cTn id="30" dur="1" fill="hold">
+                                          <p:stCondLst>
+                                            <p:cond delay="0"/>
+                                          </p:stCondLst>
+                                        </p:cTn>
+                                        <p:tgtEl>
+                                          <p:spTgt spid="26"/>
+                                        </p:tgtEl>
+                                        <p:attrNameLst>
+                                          <p:attrName>style.visibility</p:attrName>
+                                        </p:attrNameLst>
+                                      </p:cBhvr>
+                                      <p:to>
+                                        <p:strVal val="visible"/>
+                                      </p:to>
+                                    </p:set>
+                                    <p:animEffect transition="in" filter="fade">
+                                      <p:cBhvr>
+                                        <p:cTn id="31" dur="500"/>
+                                        <p:tgtEl>
+                                          <p:spTgt spid="26"/>
+                                        </p:tgtEl>
+                                      </p:cBhvr>
+                                    </p:animEffect>
+                                  </p:childTnLst>
+                                </p:cTn>
+                              </p:par>
+                            </p:childTnLst>
+                          </p:cTn>
+                        </p:par>
+                        <p:par>
+                          <p:cTn id="32" fill="hold">
+                            <p:stCondLst>
+                              <p:cond delay="3500"/>
+                            </p:stCondLst>
+                            <p:childTnLst>
+                              <p:par>
+                                <p:cTn id="33" presetID="22" presetClass="entr" presetSubtype="1" fill="hold" nodeType="afterEffect">
+                                  <p:stCondLst>
+                                    <p:cond delay="0"/>
+                                  </p:stCondLst>
+                                  <p:childTnLst>
+                                    <p:set>
+                                      <p:cBhvr>
+                                        <p:cTn id="34" dur="1" fill="hold">
+                                          <p:stCondLst>
+                                            <p:cond delay="0"/>
+                                          </p:stCondLst>
+                                        </p:cTn>
+                                        <p:tgtEl>
+                                          <p:spTgt spid="36"/>
+                                        </p:tgtEl>
+                                        <p:attrNameLst>
+                                          <p:attrName>style.visibility</p:attrName>
+                                        </p:attrNameLst>
+                                      </p:cBhvr>
+                                      <p:to>
+                                        <p:strVal val="visible"/>
+                                      </p:to>
+                                    </p:set>
+                                    <p:animEffect transition="in" filter="wipe(up)">
+                                      <p:cBhvr>
+                                        <p:cTn id="35" dur="500"/>
+                                        <p:tgtEl>
+                                          <p:spTgt spid="36"/>
+                                        </p:tgtEl>
+                                      </p:cBhvr>
+                                    </p:animEffect>
+                                  </p:childTnLst>
+                                </p:cTn>
+                              </p:par>
+                              <p:par>
+                                <p:cTn id="36" presetID="22" presetClass="entr" presetSubtype="1" fill="hold" nodeType="withEffect">
+                                  <p:stCondLst>
+                                    <p:cond delay="0"/>
+                                  </p:stCondLst>
+                                  <p:childTnLst>
+                                    <p:set>
+                                      <p:cBhvr>
+                                        <p:cTn id="37" dur="1" fill="hold">
+                                          <p:stCondLst>
+                                            <p:cond delay="0"/>
+                                          </p:stCondLst>
+                                        </p:cTn>
+                                        <p:tgtEl>
+                                          <p:spTgt spid="39"/>
+                                        </p:tgtEl>
+                                        <p:attrNameLst>
+                                          <p:attrName>style.visibility</p:attrName>
+                                        </p:attrNameLst>
+                                      </p:cBhvr>
+                                      <p:to>
+                                        <p:strVal val="visible"/>
+                                      </p:to>
+                                    </p:set>
+                                    <p:animEffect transition="in" filter="wipe(up)">
+                                      <p:cBhvr>
+                                        <p:cTn id="38" dur="500"/>
+                                        <p:tgtEl>
+                                          <p:spTgt spid="39"/>
+                                        </p:tgtEl>
+                                      </p:cBhvr>
+                                    </p:animEffect>
+                                  </p:childTnLst>
+                                </p:cTn>
+                              </p:par>
+                            </p:childTnLst>
+                          </p:cTn>
+                        </p:par>
+                      </p:childTnLst>
+                    </p:cTn>
+                  </p:par>
+                </p:childTnLst>
+              </p:cTn>
+              <p:prevCondLst>
+                <p:cond evt="onPrev" delay="0">
+                  <p:tgtEl>
+                    <p:sldTgt/>
+                  </p:tgtEl>
+                </p:cond>
+              </p:prevCondLst>
+              <p:nextCondLst>
+                <p:cond evt="onNext" delay="0">
+                  <p:tgtEl>
+                    <p:sldTgt/>
+                  </p:tgtEl>
+                </p:cond>
+              </p:nextCondLst>
+            </p:seq>
+          </p:childTnLst>
+        </p:cTn>
+      </p:par>
+    </p:tnLst>
+    <p:bldLst>
+      <p:bldP spid="14" grpId="0" animBg="1"/>
+      <p:bldP spid="21" grpId="0" animBg="1"/>
+      <p:bldP spid="32" grpId="0" animBg="1"/>
+      <p:bldP spid="33" grpId="0" animBg="1"/>
+    </p:bldLst>
+  </p:timing>
+</p:sld>
+</file>
+
+<file path=ppt/slides/slide11.xml><?xml version="1.0" encoding="utf-8"?>
 <p:sld xmlns:a="http://schemas.openxmlformats.org/drawingml/2006/main" xmlns:r="http://schemas.openxmlformats.org/officeDocument/2006/relationships" xmlns:p="http://schemas.openxmlformats.org/presentationml/2006/main">
   <p:cSld>
     <p:spTree>
@@ -5222,13 +6923,13 @@
   <p:clrMapOvr>
     <a:masterClrMapping/>
   </p:clrMapOvr>
-  <mc:AlternateContent xmlns:mc="http://schemas.openxmlformats.org/markup-compatibility/2006">
-    <mc:Choice xmlns:p14="http://schemas.microsoft.com/office/powerpoint/2010/main" Requires="p14">
+  <mc:AlternateContent xmlns:mc="http://schemas.openxmlformats.org/markup-compatibility/2006" xmlns:p14="http://schemas.microsoft.com/office/powerpoint/2010/main">
+    <mc:Choice Requires="p14">
       <p:transition spd="med" p14:dur="700">
         <p:fade/>
       </p:transition>
     </mc:Choice>
-    <mc:Fallback>
+    <mc:Fallback xmlns="">
       <p:transition spd="med">
         <p:fade/>
       </p:transition>
@@ -6227,7 +7928,7 @@
 </p:sld>
 </file>
 
-<file path=ppt/slides/slide11.xml><?xml version="1.0" encoding="utf-8"?>
+<file path=ppt/slides/slide12.xml><?xml version="1.0" encoding="utf-8"?>
 <p:sld xmlns:a="http://schemas.openxmlformats.org/drawingml/2006/main" xmlns:r="http://schemas.openxmlformats.org/officeDocument/2006/relationships" xmlns:p="http://schemas.openxmlformats.org/presentationml/2006/main">
   <p:cSld>
     <p:spTree>
@@ -6454,13 +8155,13 @@
   <p:clrMapOvr>
     <a:masterClrMapping/>
   </p:clrMapOvr>
-  <mc:AlternateContent xmlns:mc="http://schemas.openxmlformats.org/markup-compatibility/2006">
-    <mc:Choice xmlns:p14="http://schemas.microsoft.com/office/powerpoint/2010/main" Requires="p14">
+  <mc:AlternateContent xmlns:mc="http://schemas.openxmlformats.org/markup-compatibility/2006" xmlns:p14="http://schemas.microsoft.com/office/powerpoint/2010/main">
+    <mc:Choice Requires="p14">
       <p:transition spd="med" p14:dur="700">
         <p:fade/>
       </p:transition>
     </mc:Choice>
-    <mc:Fallback>
+    <mc:Fallback xmlns="">
       <p:transition spd="med">
         <p:fade/>
       </p:transition>
@@ -6476,8 +8177,8 @@
 </p:sld>
 </file>
 
-<file path=ppt/slides/slide12.xml><?xml version="1.0" encoding="utf-8"?>
-<p:sld xmlns:a="http://schemas.openxmlformats.org/drawingml/2006/main" xmlns:r="http://schemas.openxmlformats.org/officeDocument/2006/relationships" xmlns:p="http://schemas.openxmlformats.org/presentationml/2006/main">
+<file path=ppt/slides/slide13.xml><?xml version="1.0" encoding="utf-8"?>
+<p:sld xmlns:a="http://schemas.openxmlformats.org/drawingml/2006/main" xmlns:r="http://schemas.openxmlformats.org/officeDocument/2006/relationships" xmlns:p="http://schemas.openxmlformats.org/presentationml/2006/main" show="0">
   <p:cSld>
     <p:spTree>
       <p:nvGrpSpPr>
@@ -6567,8 +8268,8 @@
 </p:sld>
 </file>
 
-<file path=ppt/slides/slide13.xml><?xml version="1.0" encoding="utf-8"?>
-<p:sld xmlns:a="http://schemas.openxmlformats.org/drawingml/2006/main" xmlns:r="http://schemas.openxmlformats.org/officeDocument/2006/relationships" xmlns:p="http://schemas.openxmlformats.org/presentationml/2006/main">
+<file path=ppt/slides/slide14.xml><?xml version="1.0" encoding="utf-8"?>
+<p:sld xmlns:a="http://schemas.openxmlformats.org/drawingml/2006/main" xmlns:r="http://schemas.openxmlformats.org/officeDocument/2006/relationships" xmlns:p="http://schemas.openxmlformats.org/presentationml/2006/main" show="0">
   <p:cSld>
     <p:spTree>
       <p:nvGrpSpPr>
@@ -6658,7 +8359,7 @@
 </p:sld>
 </file>
 
-<file path=ppt/slides/slide14.xml><?xml version="1.0" encoding="utf-8"?>
+<file path=ppt/slides/slide15.xml><?xml version="1.0" encoding="utf-8"?>
 <p:sld xmlns:a="http://schemas.openxmlformats.org/drawingml/2006/main" xmlns:r="http://schemas.openxmlformats.org/officeDocument/2006/relationships" xmlns:p="http://schemas.openxmlformats.org/presentationml/2006/main">
   <p:cSld>
     <p:spTree>
@@ -6713,7 +8414,84 @@
           <a:bodyPr/>
           <a:lstStyle/>
           <a:p>
-            <a:endParaRPr kumimoji="1" lang="ja-JP" altLang="en-US"/>
+            <a:pPr marL="0" indent="0" algn="ctr">
+              <a:buNone/>
+            </a:pPr>
+            <a:endParaRPr kumimoji="1" lang="en-US" altLang="ja-JP" dirty="0" smtClean="0"/>
+          </a:p>
+          <a:p>
+            <a:pPr marL="0" indent="0" algn="ctr">
+              <a:buNone/>
+            </a:pPr>
+            <a:endParaRPr lang="en-US" altLang="ja-JP" dirty="0"/>
+          </a:p>
+          <a:p>
+            <a:pPr marL="0" indent="0" algn="ctr">
+              <a:buNone/>
+            </a:pPr>
+            <a:r>
+              <a:rPr kumimoji="1" lang="en-US" altLang="ja-JP" dirty="0" smtClean="0"/>
+              <a:t>50</a:t>
+            </a:r>
+            <a:r>
+              <a:rPr kumimoji="1" lang="ja-JP" altLang="en-US" dirty="0" smtClean="0"/>
+              <a:t>万円</a:t>
+            </a:r>
+            <a:r>
+              <a:rPr lang="en-US" altLang="ja-JP" dirty="0" smtClean="0"/>
+              <a:t>×4</a:t>
+            </a:r>
+            <a:r>
+              <a:rPr lang="ja-JP" altLang="en-US" dirty="0" smtClean="0"/>
+              <a:t>人</a:t>
+            </a:r>
+            <a:r>
+              <a:rPr lang="en-US" altLang="ja-JP" dirty="0" smtClean="0"/>
+              <a:t>×7</a:t>
+            </a:r>
+            <a:r>
+              <a:rPr lang="ja-JP" altLang="en-US" dirty="0" smtClean="0"/>
+              <a:t>箇月</a:t>
+            </a:r>
+            <a:r>
+              <a:rPr lang="en-US" altLang="ja-JP" dirty="0" smtClean="0"/>
+              <a:t>	</a:t>
+            </a:r>
+            <a:r>
+              <a:rPr lang="ja-JP" altLang="en-US" dirty="0" smtClean="0"/>
+              <a:t>＝</a:t>
+            </a:r>
+            <a:r>
+              <a:rPr lang="en-US" altLang="ja-JP" dirty="0" smtClean="0"/>
+              <a:t>1400</a:t>
+            </a:r>
+            <a:r>
+              <a:rPr lang="ja-JP" altLang="en-US" dirty="0" smtClean="0"/>
+              <a:t>万円（税抜）</a:t>
+            </a:r>
+            <a:endParaRPr lang="en-US" altLang="ja-JP" dirty="0" smtClean="0"/>
+          </a:p>
+          <a:p>
+            <a:pPr marL="0" indent="0" algn="ctr">
+              <a:buNone/>
+            </a:pPr>
+            <a:r>
+              <a:rPr lang="en-US" altLang="ja-JP" dirty="0" smtClean="0"/>
+              <a:t>				</a:t>
+            </a:r>
+            <a:r>
+              <a:rPr lang="ja-JP" altLang="en-US" dirty="0" smtClean="0"/>
+              <a:t>＝</a:t>
+            </a:r>
+            <a:r>
+              <a:rPr lang="en-US" altLang="ja-JP" dirty="0" smtClean="0"/>
+              <a:t>1512</a:t>
+            </a:r>
+            <a:r>
+              <a:rPr lang="ja-JP" altLang="en-US" dirty="0" smtClean="0"/>
+              <a:t>万円（税込）</a:t>
+            </a:r>
+            <a:endParaRPr kumimoji="1" lang="ja-JP" altLang="en-US" dirty="0"/>
           </a:p>
         </p:txBody>
       </p:sp>
@@ -6727,23 +8505,30 @@
   <p:clrMapOvr>
     <a:masterClrMapping/>
   </p:clrMapOvr>
-  <mc:AlternateContent xmlns:mc="http://schemas.openxmlformats.org/markup-compatibility/2006">
-    <mc:Choice xmlns:p14="http://schemas.microsoft.com/office/powerpoint/2010/main" Requires="p14">
+  <mc:AlternateContent xmlns:mc="http://schemas.openxmlformats.org/markup-compatibility/2006" xmlns:p14="http://schemas.microsoft.com/office/powerpoint/2010/main">
+    <mc:Choice Requires="p14">
       <p:transition spd="med" p14:dur="700">
         <p:fade/>
       </p:transition>
     </mc:Choice>
-    <mc:Fallback>
+    <mc:Fallback xmlns="">
       <p:transition spd="med">
         <p:fade/>
       </p:transition>
     </mc:Fallback>
   </mc:AlternateContent>
+  <p:timing>
+    <p:tnLst>
+      <p:par>
+        <p:cTn id="1" dur="indefinite" restart="never" nodeType="tmRoot"/>
+      </p:par>
+    </p:tnLst>
+  </p:timing>
 </p:sld>
 </file>
 
-<file path=ppt/slides/slide15.xml><?xml version="1.0" encoding="utf-8"?>
-<p:sld xmlns:a="http://schemas.openxmlformats.org/drawingml/2006/main" xmlns:r="http://schemas.openxmlformats.org/officeDocument/2006/relationships" xmlns:p="http://schemas.openxmlformats.org/presentationml/2006/main">
+<file path=ppt/slides/slide16.xml><?xml version="1.0" encoding="utf-8"?>
+<p:sld xmlns:a="http://schemas.openxmlformats.org/drawingml/2006/main" xmlns:r="http://schemas.openxmlformats.org/officeDocument/2006/relationships" xmlns:p="http://schemas.openxmlformats.org/presentationml/2006/main" show="0">
   <p:cSld>
     <p:spTree>
       <p:nvGrpSpPr>
@@ -7045,13 +8830,13 @@
   <p:clrMapOvr>
     <a:masterClrMapping/>
   </p:clrMapOvr>
-  <mc:AlternateContent xmlns:mc="http://schemas.openxmlformats.org/markup-compatibility/2006">
-    <mc:Choice xmlns:p14="http://schemas.microsoft.com/office/powerpoint/2010/main" Requires="p14">
+  <mc:AlternateContent xmlns:mc="http://schemas.openxmlformats.org/markup-compatibility/2006" xmlns:p14="http://schemas.microsoft.com/office/powerpoint/2010/main">
+    <mc:Choice Requires="p14">
       <p:transition spd="med" p14:dur="700">
         <p:fade/>
       </p:transition>
     </mc:Choice>
-    <mc:Fallback>
+    <mc:Fallback xmlns="">
       <p:transition spd="med">
         <p:fade/>
       </p:transition>
@@ -7294,131 +9079,131 @@
           </a:lstStyle>
           <a:p>
             <a:r>
-              <a:rPr lang="ja-JP" altLang="en-US" sz="1400" smtClean="0"/>
+              <a:rPr lang="ja-JP" altLang="en-US" sz="1400" dirty="0" smtClean="0"/>
               <a:t>全ての業務は、手作業と社員の記憶・経験。</a:t>
             </a:r>
-            <a:endParaRPr lang="en-US" altLang="ja-JP" sz="1400" smtClean="0"/>
-          </a:p>
-          <a:p>
-            <a:endParaRPr lang="en-US" altLang="ja-JP" sz="1400" smtClean="0"/>
-          </a:p>
-          <a:p>
-            <a:r>
-              <a:rPr lang="ja-JP" altLang="ja-JP" sz="1400" smtClean="0"/>
+            <a:endParaRPr lang="en-US" altLang="ja-JP" sz="1400" dirty="0" smtClean="0"/>
+          </a:p>
+          <a:p>
+            <a:endParaRPr lang="en-US" altLang="ja-JP" sz="1400" dirty="0" smtClean="0"/>
+          </a:p>
+          <a:p>
+            <a:r>
+              <a:rPr lang="ja-JP" altLang="ja-JP" sz="1400" dirty="0" smtClean="0"/>
               <a:t>台帳を基に</a:t>
             </a:r>
             <a:r>
-              <a:rPr lang="ja-JP" altLang="en-US" sz="1400" smtClean="0"/>
+              <a:rPr lang="ja-JP" altLang="en-US" sz="1400" dirty="0" smtClean="0"/>
               <a:t>した</a:t>
             </a:r>
             <a:r>
-              <a:rPr lang="ja-JP" altLang="ja-JP" sz="1400" smtClean="0"/>
+              <a:rPr lang="ja-JP" altLang="ja-JP" sz="1400" dirty="0" smtClean="0"/>
               <a:t>手計算</a:t>
             </a:r>
             <a:r>
-              <a:rPr lang="ja-JP" altLang="en-US" sz="1400" smtClean="0"/>
+              <a:rPr lang="ja-JP" altLang="en-US" sz="1400" dirty="0" smtClean="0"/>
               <a:t>で給与を計算</a:t>
             </a:r>
             <a:r>
-              <a:rPr lang="ja-JP" altLang="ja-JP" sz="1400" smtClean="0"/>
+              <a:rPr lang="ja-JP" altLang="ja-JP" sz="1400" dirty="0" smtClean="0"/>
               <a:t>。</a:t>
             </a:r>
-            <a:endParaRPr lang="en-US" altLang="ja-JP" sz="1400" smtClean="0"/>
-          </a:p>
-          <a:p>
-            <a:endParaRPr lang="en-US" altLang="ja-JP" sz="1400" smtClean="0"/>
-          </a:p>
-          <a:p>
-            <a:r>
-              <a:rPr lang="ja-JP" altLang="ja-JP" sz="1400" smtClean="0"/>
+            <a:endParaRPr lang="en-US" altLang="ja-JP" sz="1400" dirty="0" smtClean="0"/>
+          </a:p>
+          <a:p>
+            <a:endParaRPr lang="en-US" altLang="ja-JP" sz="1400" dirty="0" smtClean="0"/>
+          </a:p>
+          <a:p>
+            <a:r>
+              <a:rPr lang="ja-JP" altLang="ja-JP" sz="1400" dirty="0" smtClean="0"/>
               <a:t>車両関係書類が多く、また納期管理が煩雑</a:t>
             </a:r>
             <a:r>
-              <a:rPr lang="ja-JP" altLang="en-US" sz="1400" smtClean="0"/>
+              <a:rPr lang="ja-JP" altLang="en-US" sz="1400" dirty="0" smtClean="0"/>
               <a:t>。</a:t>
             </a:r>
-            <a:endParaRPr lang="en-US" altLang="ja-JP" sz="1400" smtClean="0"/>
-          </a:p>
-          <a:p>
-            <a:endParaRPr lang="en-US" altLang="ja-JP" sz="1400" smtClean="0"/>
-          </a:p>
-          <a:p>
-            <a:r>
-              <a:rPr lang="ja-JP" altLang="ja-JP" sz="1400" smtClean="0"/>
+            <a:endParaRPr lang="en-US" altLang="ja-JP" sz="1400" dirty="0" smtClean="0"/>
+          </a:p>
+          <a:p>
+            <a:endParaRPr lang="en-US" altLang="ja-JP" sz="1400" dirty="0" smtClean="0"/>
+          </a:p>
+          <a:p>
+            <a:r>
+              <a:rPr lang="ja-JP" altLang="ja-JP" sz="1400" dirty="0" smtClean="0"/>
               <a:t>業者</a:t>
             </a:r>
             <a:r>
-              <a:rPr lang="ja-JP" altLang="en-US" sz="1400" smtClean="0"/>
+              <a:rPr lang="ja-JP" altLang="en-US" sz="1400" dirty="0" smtClean="0"/>
               <a:t>の</a:t>
             </a:r>
             <a:r>
-              <a:rPr lang="ja-JP" altLang="ja-JP" sz="1400" smtClean="0"/>
+              <a:rPr lang="ja-JP" altLang="ja-JP" sz="1400" dirty="0" smtClean="0"/>
               <a:t>情報</a:t>
             </a:r>
             <a:r>
-              <a:rPr lang="ja-JP" altLang="en-US" sz="1400" smtClean="0"/>
+              <a:rPr lang="ja-JP" altLang="en-US" sz="1400" dirty="0" smtClean="0"/>
               <a:t>も</a:t>
             </a:r>
             <a:r>
-              <a:rPr lang="ja-JP" altLang="ja-JP" sz="1400" smtClean="0"/>
+              <a:rPr lang="ja-JP" altLang="ja-JP" sz="1400" dirty="0" smtClean="0"/>
               <a:t>一元管理</a:t>
             </a:r>
             <a:r>
-              <a:rPr lang="ja-JP" altLang="en-US" sz="1400" smtClean="0"/>
+              <a:rPr lang="ja-JP" altLang="en-US" sz="1400" dirty="0" smtClean="0"/>
               <a:t>されていない。</a:t>
             </a:r>
-            <a:endParaRPr lang="en-US" altLang="ja-JP" sz="1400" smtClean="0"/>
-          </a:p>
-          <a:p>
-            <a:endParaRPr lang="en-US" altLang="ja-JP" sz="1400" smtClean="0"/>
-          </a:p>
-          <a:p>
-            <a:r>
-              <a:rPr lang="ja-JP" altLang="ja-JP" sz="1400" smtClean="0"/>
+            <a:endParaRPr lang="en-US" altLang="ja-JP" sz="1400" dirty="0" smtClean="0"/>
+          </a:p>
+          <a:p>
+            <a:endParaRPr lang="en-US" altLang="ja-JP" sz="1400" dirty="0" smtClean="0"/>
+          </a:p>
+          <a:p>
+            <a:r>
+              <a:rPr lang="ja-JP" altLang="ja-JP" sz="1400" dirty="0" smtClean="0"/>
               <a:t>業者からの問い合わせ</a:t>
             </a:r>
             <a:r>
-              <a:rPr lang="ja-JP" altLang="en-US" sz="1400" smtClean="0"/>
+              <a:rPr lang="ja-JP" altLang="en-US" sz="1400" dirty="0" smtClean="0"/>
               <a:t>には、</a:t>
             </a:r>
             <a:r>
-              <a:rPr lang="ja-JP" altLang="ja-JP" sz="1400" smtClean="0"/>
+              <a:rPr lang="ja-JP" altLang="ja-JP" sz="1400" dirty="0" smtClean="0"/>
               <a:t>即答</a:t>
             </a:r>
             <a:r>
-              <a:rPr lang="ja-JP" altLang="en-US" sz="1400" smtClean="0"/>
+              <a:rPr lang="ja-JP" altLang="en-US" sz="1400" dirty="0" smtClean="0"/>
               <a:t>が不可能。</a:t>
             </a:r>
-            <a:endParaRPr lang="en-US" altLang="ja-JP" sz="1400" smtClean="0"/>
-          </a:p>
-          <a:p>
-            <a:endParaRPr lang="en-US" altLang="ja-JP" sz="1400" smtClean="0"/>
-          </a:p>
-          <a:p>
-            <a:r>
-              <a:rPr lang="ja-JP" altLang="ja-JP" sz="1400" smtClean="0"/>
+            <a:endParaRPr lang="en-US" altLang="ja-JP" sz="1400" dirty="0" smtClean="0"/>
+          </a:p>
+          <a:p>
+            <a:endParaRPr lang="en-US" altLang="ja-JP" sz="1400" dirty="0" smtClean="0"/>
+          </a:p>
+          <a:p>
+            <a:r>
+              <a:rPr lang="ja-JP" altLang="ja-JP" sz="1400" dirty="0" smtClean="0"/>
               <a:t>業者に対して一括請求（売掛管理）ができていない。</a:t>
             </a:r>
-            <a:endParaRPr lang="en-US" altLang="ja-JP" sz="1400" smtClean="0"/>
-          </a:p>
-          <a:p>
-            <a:endParaRPr lang="en-US" altLang="ja-JP" sz="1400" smtClean="0"/>
-          </a:p>
-          <a:p>
-            <a:r>
-              <a:rPr lang="ja-JP" altLang="ja-JP" sz="1400" smtClean="0"/>
+            <a:endParaRPr lang="en-US" altLang="ja-JP" sz="1400" dirty="0" smtClean="0"/>
+          </a:p>
+          <a:p>
+            <a:endParaRPr lang="en-US" altLang="ja-JP" sz="1400" dirty="0" smtClean="0"/>
+          </a:p>
+          <a:p>
+            <a:r>
+              <a:rPr lang="ja-JP" altLang="ja-JP" sz="1400" dirty="0" smtClean="0"/>
               <a:t>業者</a:t>
             </a:r>
             <a:r>
-              <a:rPr lang="ja-JP" altLang="en-US" sz="1400" smtClean="0"/>
+              <a:rPr lang="ja-JP" altLang="en-US" sz="1400" dirty="0" smtClean="0"/>
               <a:t>への請求額が高額となった際、</a:t>
             </a:r>
             <a:r>
-              <a:rPr lang="ja-JP" altLang="ja-JP" sz="1400" smtClean="0"/>
+              <a:rPr lang="ja-JP" altLang="ja-JP" sz="1400" dirty="0" smtClean="0"/>
               <a:t>翌月に繰り越す</a:t>
             </a:r>
             <a:r>
-              <a:rPr lang="ja-JP" altLang="en-US" sz="1400" smtClean="0"/>
+              <a:rPr lang="ja-JP" altLang="en-US" sz="1400" dirty="0" smtClean="0"/>
               <a:t>場合がある。</a:t>
             </a:r>
             <a:endParaRPr lang="ja-JP" altLang="en-US" sz="1400" dirty="0"/>
@@ -7435,13 +9220,13 @@
   <p:clrMapOvr>
     <a:masterClrMapping/>
   </p:clrMapOvr>
-  <mc:AlternateContent xmlns:mc="http://schemas.openxmlformats.org/markup-compatibility/2006">
-    <mc:Choice xmlns:p14="http://schemas.microsoft.com/office/powerpoint/2010/main" Requires="p14">
+  <mc:AlternateContent xmlns:mc="http://schemas.openxmlformats.org/markup-compatibility/2006" xmlns:p14="http://schemas.microsoft.com/office/powerpoint/2010/main">
+    <mc:Choice Requires="p14">
       <p:transition spd="med" p14:dur="700">
         <p:fade/>
       </p:transition>
     </mc:Choice>
-    <mc:Fallback>
+    <mc:Fallback xmlns="">
       <p:transition spd="med">
         <p:fade/>
       </p:transition>
@@ -7883,7 +9668,7 @@
           <a:p>
             <a:r>
               <a:rPr lang="ja-JP" altLang="en-US" sz="1400" dirty="0" smtClean="0"/>
-              <a:t>施策。</a:t>
+              <a:t>本システムによって解消。</a:t>
             </a:r>
             <a:endParaRPr lang="ja-JP" altLang="en-US" sz="1400" dirty="0"/>
           </a:p>
@@ -8343,7 +10128,7 @@
           <a:p>
             <a:r>
               <a:rPr lang="ja-JP" altLang="en-US" sz="1400" dirty="0" smtClean="0"/>
-              <a:t>施策。</a:t>
+              <a:t>給与計算機能を実装し、解消。</a:t>
             </a:r>
             <a:endParaRPr lang="ja-JP" altLang="en-US" sz="1400" dirty="0"/>
           </a:p>
@@ -8537,7 +10322,18 @@
           <a:p>
             <a:r>
               <a:rPr lang="ja-JP" altLang="en-US" sz="1400" dirty="0" smtClean="0"/>
-              <a:t>施策。</a:t>
+              <a:t>書類管理を各書類毎にデータ化し、システムにて管理。</a:t>
+            </a:r>
+            <a:r>
+              <a:rPr lang="en-US" altLang="ja-JP" sz="1400" dirty="0" smtClean="0"/>
+              <a:t/>
+            </a:r>
+            <a:br>
+              <a:rPr lang="en-US" altLang="ja-JP" sz="1400" dirty="0" smtClean="0"/>
+            </a:br>
+            <a:r>
+              <a:rPr lang="ja-JP" altLang="en-US" sz="1400" dirty="0" smtClean="0"/>
+              <a:t>締日間近で警告を行う。</a:t>
             </a:r>
             <a:endParaRPr lang="ja-JP" altLang="en-US" sz="1400" dirty="0"/>
           </a:p>
@@ -8731,7 +10527,7 @@
           <a:p>
             <a:r>
               <a:rPr lang="ja-JP" altLang="en-US" sz="1400" dirty="0" smtClean="0"/>
-              <a:t>施策。</a:t>
+              <a:t>業者毎にリストアップを行い、各々の管理を行う。</a:t>
             </a:r>
             <a:endParaRPr lang="ja-JP" altLang="en-US" sz="1400" dirty="0"/>
           </a:p>
@@ -8925,7 +10721,7 @@
           <a:p>
             <a:r>
               <a:rPr lang="ja-JP" altLang="en-US" sz="1400" dirty="0" smtClean="0"/>
-              <a:t>施策。</a:t>
+              <a:t>問い合わせページを作成し、いつでも返答が可能な状態にする。</a:t>
             </a:r>
             <a:endParaRPr lang="ja-JP" altLang="en-US" sz="1400" dirty="0"/>
           </a:p>
@@ -9119,7 +10915,7 @@
           <a:p>
             <a:r>
               <a:rPr lang="ja-JP" altLang="en-US" sz="1400" dirty="0" smtClean="0"/>
-              <a:t>施策。</a:t>
+              <a:t>上記のリストアップに伴って、一括請求が可能。</a:t>
             </a:r>
             <a:endParaRPr lang="ja-JP" altLang="en-US" sz="1400" dirty="0"/>
           </a:p>
@@ -9313,7 +11109,7 @@
           <a:p>
             <a:r>
               <a:rPr lang="ja-JP" altLang="en-US" sz="1400" dirty="0" smtClean="0"/>
-              <a:t>施策。</a:t>
+              <a:t>請求日時の設定・変更を可能にする。</a:t>
             </a:r>
             <a:endParaRPr lang="ja-JP" altLang="en-US" sz="1400" dirty="0"/>
           </a:p>
@@ -10180,7 +11976,7 @@
 </file>
 
 <file path=ppt/slides/slide5.xml><?xml version="1.0" encoding="utf-8"?>
-<p:sld xmlns:a="http://schemas.openxmlformats.org/drawingml/2006/main" xmlns:r="http://schemas.openxmlformats.org/officeDocument/2006/relationships" xmlns:p="http://schemas.openxmlformats.org/presentationml/2006/main">
+<p:sld xmlns:a="http://schemas.openxmlformats.org/drawingml/2006/main" xmlns:r="http://schemas.openxmlformats.org/officeDocument/2006/relationships" xmlns:p="http://schemas.openxmlformats.org/presentationml/2006/main" show="0">
   <p:cSld>
     <p:spTree>
       <p:nvGrpSpPr>
@@ -10271,7 +12067,7 @@
 </file>
 
 <file path=ppt/slides/slide6.xml><?xml version="1.0" encoding="utf-8"?>
-<p:sld xmlns:a="http://schemas.openxmlformats.org/drawingml/2006/main" xmlns:r="http://schemas.openxmlformats.org/officeDocument/2006/relationships" xmlns:p="http://schemas.openxmlformats.org/presentationml/2006/main">
+<p:sld xmlns:a="http://schemas.openxmlformats.org/drawingml/2006/main" xmlns:r="http://schemas.openxmlformats.org/officeDocument/2006/relationships" xmlns:p="http://schemas.openxmlformats.org/presentationml/2006/main" show="0">
   <p:cSld>
     <p:spTree>
       <p:nvGrpSpPr>
@@ -10424,11 +12220,7 @@
           <a:p>
             <a:r>
               <a:rPr lang="ja-JP" altLang="en-US" dirty="0" smtClean="0"/>
-              <a:t>給与</a:t>
-            </a:r>
-            <a:r>
-              <a:rPr lang="ja-JP" altLang="en-US" dirty="0"/>
-              <a:t>計算</a:t>
+              <a:t>給与計算</a:t>
             </a:r>
           </a:p>
           <a:p>
@@ -10437,80 +12229,44 @@
               <a:t>Excel</a:t>
             </a:r>
             <a:r>
-              <a:rPr lang="ja-JP" altLang="en-US" dirty="0"/>
+              <a:rPr lang="ja-JP" altLang="en-US" dirty="0" smtClean="0"/>
               <a:t>とやり取り</a:t>
             </a:r>
           </a:p>
           <a:p>
             <a:r>
               <a:rPr lang="ja-JP" altLang="en-US" dirty="0" smtClean="0"/>
-              <a:t>問い合わせ</a:t>
-            </a:r>
-            <a:r>
-              <a:rPr lang="ja-JP" altLang="en-US" dirty="0"/>
-              <a:t>ページ</a:t>
+              <a:t>問い合わせページ</a:t>
             </a:r>
           </a:p>
           <a:p>
             <a:r>
               <a:rPr lang="ja-JP" altLang="en-US" dirty="0" smtClean="0"/>
-              <a:t>翌月</a:t>
-            </a:r>
-            <a:r>
-              <a:rPr lang="ja-JP" altLang="en-US" dirty="0"/>
-              <a:t>繰越し</a:t>
+              <a:t>翌月繰越し</a:t>
             </a:r>
           </a:p>
           <a:p>
             <a:r>
               <a:rPr lang="ja-JP" altLang="en-US" dirty="0" smtClean="0"/>
-              <a:t>請求書</a:t>
-            </a:r>
-            <a:r>
-              <a:rPr lang="ja-JP" altLang="en-US" dirty="0"/>
-              <a:t>発行</a:t>
+              <a:t>請求書発行</a:t>
             </a:r>
           </a:p>
           <a:p>
             <a:r>
               <a:rPr lang="ja-JP" altLang="en-US" dirty="0" smtClean="0"/>
-              <a:t>各書類</a:t>
-            </a:r>
-            <a:r>
-              <a:rPr lang="ja-JP" altLang="en-US" dirty="0"/>
-              <a:t>／台帳ページ</a:t>
+              <a:t>各書類／台帳ページ</a:t>
             </a:r>
           </a:p>
           <a:p>
             <a:r>
               <a:rPr lang="ja-JP" altLang="en-US" dirty="0" smtClean="0"/>
-              <a:t>納期</a:t>
-            </a:r>
-            <a:r>
-              <a:rPr lang="ja-JP" altLang="en-US" dirty="0"/>
-              <a:t>管理</a:t>
-            </a:r>
+              <a:t>納期管理ページ </a:t>
+            </a:r>
+          </a:p>
+          <a:p>
             <a:r>
               <a:rPr lang="ja-JP" altLang="en-US" dirty="0" smtClean="0"/>
-              <a:t>ページ →</a:t>
-            </a:r>
-            <a:r>
-              <a:rPr lang="ja-JP" altLang="en-US" dirty="0"/>
-              <a:t>スキャンしたデータを管理する。</a:t>
-            </a:r>
-          </a:p>
-          <a:p>
-            <a:r>
-              <a:rPr lang="ja-JP" altLang="en-US" dirty="0" smtClean="0"/>
-              <a:t>業者</a:t>
-            </a:r>
-            <a:r>
-              <a:rPr lang="ja-JP" altLang="en-US" dirty="0"/>
-              <a:t>毎に</a:t>
-            </a:r>
-            <a:r>
-              <a:rPr lang="ja-JP" altLang="en-US" dirty="0" smtClean="0"/>
-              <a:t>リストアップ</a:t>
+              <a:t>業者毎にリストアップ</a:t>
             </a:r>
             <a:endParaRPr lang="en-US" altLang="ja-JP" dirty="0" smtClean="0"/>
           </a:p>
@@ -10523,111 +12279,67 @@
           <a:p>
             <a:r>
               <a:rPr lang="ja-JP" altLang="en-US" dirty="0" smtClean="0"/>
-              <a:t>販売</a:t>
-            </a:r>
-            <a:r>
-              <a:rPr lang="ja-JP" altLang="en-US" dirty="0"/>
-              <a:t>状況のリアルタイム</a:t>
+              <a:t>販売状況のリアルタイム表示 →</a:t>
+            </a:r>
+            <a:r>
+              <a:rPr lang="en-US" altLang="ja-JP" dirty="0" smtClean="0"/>
+              <a:t>API</a:t>
             </a:r>
             <a:r>
               <a:rPr lang="ja-JP" altLang="en-US" dirty="0" smtClean="0"/>
-              <a:t>表示 →</a:t>
-            </a:r>
-            <a:r>
-              <a:rPr lang="en-US" altLang="ja-JP" dirty="0"/>
-              <a:t>API</a:t>
-            </a:r>
-            <a:r>
-              <a:rPr lang="ja-JP" altLang="en-US" dirty="0"/>
               <a:t>を利用。</a:t>
             </a:r>
           </a:p>
           <a:p>
             <a:r>
               <a:rPr lang="ja-JP" altLang="en-US" dirty="0" smtClean="0"/>
-              <a:t>各種</a:t>
-            </a:r>
-            <a:r>
-              <a:rPr lang="ja-JP" altLang="en-US" dirty="0"/>
-              <a:t>発行ボタン</a:t>
+              <a:t>各種発行ボタン</a:t>
             </a:r>
           </a:p>
           <a:p>
             <a:r>
               <a:rPr lang="ja-JP" altLang="en-US" dirty="0" smtClean="0"/>
-              <a:t>アクセス権</a:t>
-            </a:r>
-            <a:r>
-              <a:rPr lang="ja-JP" altLang="en-US" dirty="0"/>
-              <a:t>の設置</a:t>
+              <a:t>アクセス権の設置</a:t>
             </a:r>
           </a:p>
           <a:p>
             <a:r>
               <a:rPr lang="ja-JP" altLang="en-US" dirty="0" smtClean="0"/>
-              <a:t>オークション</a:t>
-            </a:r>
-            <a:r>
-              <a:rPr lang="ja-JP" altLang="en-US" dirty="0"/>
-              <a:t>検索／売注文内から検索</a:t>
+              <a:t>オークション検索／売注文内から検索</a:t>
             </a:r>
           </a:p>
           <a:p>
             <a:r>
               <a:rPr lang="ja-JP" altLang="en-US" dirty="0" smtClean="0"/>
-              <a:t>売上</a:t>
-            </a:r>
-            <a:r>
-              <a:rPr lang="ja-JP" altLang="en-US" dirty="0"/>
-              <a:t>履歴の表示</a:t>
+              <a:t>売上履歴の表示</a:t>
             </a:r>
           </a:p>
           <a:p>
             <a:r>
               <a:rPr lang="ja-JP" altLang="en-US" dirty="0" smtClean="0"/>
-              <a:t>締切り</a:t>
-            </a:r>
-            <a:r>
-              <a:rPr lang="ja-JP" altLang="en-US" dirty="0"/>
-              <a:t>間近になると利用者に警告</a:t>
+              <a:t>締切り間近になると利用者に警告</a:t>
             </a:r>
           </a:p>
           <a:p>
             <a:r>
               <a:rPr lang="ja-JP" altLang="en-US" dirty="0" smtClean="0"/>
-              <a:t>ブラウザ</a:t>
-            </a:r>
-            <a:r>
-              <a:rPr lang="ja-JP" altLang="en-US" dirty="0"/>
-              <a:t>から確認</a:t>
-            </a:r>
-          </a:p>
-          <a:p>
+              <a:t>モバイル連携 →</a:t>
+            </a:r>
             <a:r>
               <a:rPr lang="ja-JP" altLang="en-US" dirty="0" smtClean="0"/>
-              <a:t>業者</a:t>
-            </a:r>
-            <a:r>
-              <a:rPr lang="ja-JP" altLang="en-US" dirty="0"/>
-              <a:t>と情報共有するための</a:t>
-            </a:r>
+              <a:t>ブラウザから確認。</a:t>
+            </a:r>
+          </a:p>
+          <a:p>
             <a:r>
               <a:rPr lang="ja-JP" altLang="en-US" dirty="0" smtClean="0"/>
-              <a:t>メール   →情報</a:t>
-            </a:r>
-            <a:r>
-              <a:rPr lang="ja-JP" altLang="en-US" dirty="0"/>
-              <a:t>や書類の添付が可能</a:t>
+              <a:t>業者と情報共有するためのメール   →情報や書類の添付が可能</a:t>
             </a:r>
           </a:p>
           <a:p>
             <a:r>
               <a:rPr lang="ja-JP" altLang="en-US" dirty="0" smtClean="0"/>
-              <a:t>他</a:t>
-            </a:r>
-            <a:r>
-              <a:rPr lang="ja-JP" altLang="en-US" dirty="0"/>
-              <a:t>利用者が存在している場合、該当ページで表示以外の機能は利用できない</a:t>
+              <a:t>他利用者が存在している場合、該当ページで表示以外の機能は利用できない</a:t>
             </a:r>
           </a:p>
           <a:p>
@@ -10645,13 +12357,13 @@
   <p:clrMapOvr>
     <a:masterClrMapping/>
   </p:clrMapOvr>
-  <mc:AlternateContent xmlns:mc="http://schemas.openxmlformats.org/markup-compatibility/2006">
-    <mc:Choice xmlns:p14="http://schemas.microsoft.com/office/powerpoint/2010/main" Requires="p14">
+  <mc:AlternateContent xmlns:mc="http://schemas.openxmlformats.org/markup-compatibility/2006" xmlns:p14="http://schemas.microsoft.com/office/powerpoint/2010/main">
+    <mc:Choice Requires="p14">
       <p:transition spd="med" p14:dur="700">
         <p:fade/>
       </p:transition>
     </mc:Choice>
-    <mc:Fallback>
+    <mc:Fallback xmlns="">
       <p:transition spd="med">
         <p:fade/>
       </p:transition>
@@ -10736,13 +12448,13 @@
   <p:clrMapOvr>
     <a:masterClrMapping/>
   </p:clrMapOvr>
-  <mc:AlternateContent xmlns:mc="http://schemas.openxmlformats.org/markup-compatibility/2006">
-    <mc:Choice xmlns:p14="http://schemas.microsoft.com/office/powerpoint/2010/main" Requires="p14">
+  <mc:AlternateContent xmlns:mc="http://schemas.openxmlformats.org/markup-compatibility/2006" xmlns:p14="http://schemas.microsoft.com/office/powerpoint/2010/main">
+    <mc:Choice Requires="p14">
       <p:transition spd="med" p14:dur="700">
         <p:fade/>
       </p:transition>
     </mc:Choice>
-    <mc:Fallback>
+    <mc:Fallback xmlns="">
       <p:transition spd="med">
         <p:fade/>
       </p:transition>
@@ -10759,7 +12471,7 @@
 </file>
 
 <file path=ppt/slides/slide9.xml><?xml version="1.0" encoding="utf-8"?>
-<p:sld xmlns:a="http://schemas.openxmlformats.org/drawingml/2006/main" xmlns:r="http://schemas.openxmlformats.org/officeDocument/2006/relationships" xmlns:p="http://schemas.openxmlformats.org/presentationml/2006/main">
+<p:sld xmlns:a="http://schemas.openxmlformats.org/drawingml/2006/main" xmlns:r="http://schemas.openxmlformats.org/officeDocument/2006/relationships" xmlns:p="http://schemas.openxmlformats.org/presentationml/2006/main" show="0">
   <p:cSld>
     <p:spTree>
       <p:nvGrpSpPr>
@@ -10777,207 +12489,7 @@
       </p:grpSpPr>
       <p:sp>
         <p:nvSpPr>
-          <p:cNvPr id="14" name="右矢印 13"/>
-          <p:cNvSpPr/>
-          <p:nvPr/>
-        </p:nvSpPr>
-        <p:spPr>
-          <a:xfrm>
-            <a:off x="3582430" y="3694621"/>
-            <a:ext cx="669326" cy="566928"/>
-          </a:xfrm>
-          <a:prstGeom prst="rightArrow">
-            <a:avLst/>
-          </a:prstGeom>
-        </p:spPr>
-        <p:style>
-          <a:lnRef idx="2">
-            <a:schemeClr val="dk1"/>
-          </a:lnRef>
-          <a:fillRef idx="1">
-            <a:schemeClr val="lt1"/>
-          </a:fillRef>
-          <a:effectRef idx="0">
-            <a:schemeClr val="dk1"/>
-          </a:effectRef>
-          <a:fontRef idx="minor">
-            <a:schemeClr val="dk1"/>
-          </a:fontRef>
-        </p:style>
-        <p:txBody>
-          <a:bodyPr rtlCol="0" anchor="ctr"/>
-          <a:lstStyle/>
-          <a:p>
-            <a:pPr algn="ctr"/>
-            <a:endParaRPr kumimoji="1" lang="ja-JP" altLang="en-US"/>
-          </a:p>
-        </p:txBody>
-      </p:sp>
-      <p:sp>
-        <p:nvSpPr>
-          <p:cNvPr id="21" name="右矢印 20"/>
-          <p:cNvSpPr/>
-          <p:nvPr/>
-        </p:nvSpPr>
-        <p:spPr>
-          <a:xfrm>
-            <a:off x="6975377" y="3694621"/>
-            <a:ext cx="1324994" cy="566928"/>
-          </a:xfrm>
-          <a:prstGeom prst="rightArrow">
-            <a:avLst>
-              <a:gd name="adj1" fmla="val 50000"/>
-              <a:gd name="adj2" fmla="val 54888"/>
-            </a:avLst>
-          </a:prstGeom>
-        </p:spPr>
-        <p:style>
-          <a:lnRef idx="2">
-            <a:schemeClr val="dk1"/>
-          </a:lnRef>
-          <a:fillRef idx="1">
-            <a:schemeClr val="lt1"/>
-          </a:fillRef>
-          <a:effectRef idx="0">
-            <a:schemeClr val="dk1"/>
-          </a:effectRef>
-          <a:fontRef idx="minor">
-            <a:schemeClr val="dk1"/>
-          </a:fontRef>
-        </p:style>
-        <p:txBody>
-          <a:bodyPr rtlCol="0" anchor="ctr"/>
-          <a:lstStyle/>
-          <a:p>
-            <a:pPr algn="ctr"/>
-            <a:endParaRPr kumimoji="1" lang="ja-JP" altLang="en-US"/>
-          </a:p>
-        </p:txBody>
-      </p:sp>
-      <p:grpSp>
-        <p:nvGrpSpPr>
-          <p:cNvPr id="26" name="グループ化 25"/>
-          <p:cNvGrpSpPr/>
-          <p:nvPr/>
-        </p:nvGrpSpPr>
-        <p:grpSpPr>
-          <a:xfrm>
-            <a:off x="8561147" y="1786245"/>
-            <a:ext cx="3355510" cy="4676171"/>
-            <a:chOff x="8763338" y="1292469"/>
-            <a:chExt cx="3355510" cy="4676171"/>
-          </a:xfrm>
-        </p:grpSpPr>
-        <p:sp>
-          <p:nvSpPr>
-            <p:cNvPr id="22" name="正方形/長方形 21"/>
-            <p:cNvSpPr/>
-            <p:nvPr/>
-          </p:nvSpPr>
-          <p:spPr>
-            <a:xfrm>
-              <a:off x="8763338" y="1292469"/>
-              <a:ext cx="3355510" cy="4676171"/>
-            </a:xfrm>
-            <a:prstGeom prst="rect">
-              <a:avLst/>
-            </a:prstGeom>
-          </p:spPr>
-          <p:style>
-            <a:lnRef idx="2">
-              <a:schemeClr val="dk1"/>
-            </a:lnRef>
-            <a:fillRef idx="1">
-              <a:schemeClr val="lt1"/>
-            </a:fillRef>
-            <a:effectRef idx="0">
-              <a:schemeClr val="dk1"/>
-            </a:effectRef>
-            <a:fontRef idx="minor">
-              <a:schemeClr val="dk1"/>
-            </a:fontRef>
-          </p:style>
-          <p:txBody>
-            <a:bodyPr rtlCol="0" anchor="ctr"/>
-            <a:lstStyle/>
-            <a:p>
-              <a:pPr algn="ctr"/>
-              <a:r>
-                <a:rPr kumimoji="1" lang="ja-JP" altLang="en-US" dirty="0" smtClean="0"/>
-                <a:t>ここにスキャンされた情報</a:t>
-              </a:r>
-              <a:endParaRPr kumimoji="1" lang="ja-JP" altLang="en-US" dirty="0"/>
-            </a:p>
-          </p:txBody>
-        </p:sp>
-        <p:sp>
-          <p:nvSpPr>
-            <p:cNvPr id="23" name="テキスト ボックス 22"/>
-            <p:cNvSpPr txBox="1"/>
-            <p:nvPr/>
-          </p:nvSpPr>
-          <p:spPr>
-            <a:xfrm>
-              <a:off x="8906508" y="1394468"/>
-              <a:ext cx="1107996" cy="369332"/>
-            </a:xfrm>
-            <a:prstGeom prst="rect">
-              <a:avLst/>
-            </a:prstGeom>
-            <a:noFill/>
-          </p:spPr>
-          <p:txBody>
-            <a:bodyPr wrap="none" rtlCol="0">
-              <a:spAutoFit/>
-            </a:bodyPr>
-            <a:lstStyle/>
-            <a:p>
-              <a:r>
-                <a:rPr lang="ja-JP" altLang="en-US" dirty="0" smtClean="0"/>
-                <a:t>納期管理</a:t>
-              </a:r>
-              <a:endParaRPr lang="ja-JP" altLang="en-US" dirty="0"/>
-            </a:p>
-          </p:txBody>
-        </p:sp>
-      </p:grpSp>
-      <p:sp>
-        <p:nvSpPr>
-          <p:cNvPr id="27" name="テキスト ボックス 26"/>
-          <p:cNvSpPr txBox="1"/>
-          <p:nvPr/>
-        </p:nvSpPr>
-        <p:spPr>
-          <a:xfrm>
-            <a:off x="10917965" y="6591330"/>
-            <a:ext cx="889987" cy="261610"/>
-          </a:xfrm>
-          <a:prstGeom prst="rect">
-            <a:avLst/>
-          </a:prstGeom>
-          <a:noFill/>
-        </p:spPr>
-        <p:txBody>
-          <a:bodyPr wrap="none" rtlCol="0">
-            <a:spAutoFit/>
-          </a:bodyPr>
-          <a:lstStyle/>
-          <a:p>
-            <a:r>
-              <a:rPr kumimoji="1" lang="en-US" altLang="ja-JP" sz="1100" dirty="0" smtClean="0"/>
-              <a:t>※</a:t>
-            </a:r>
-            <a:r>
-              <a:rPr kumimoji="1" lang="ja-JP" altLang="en-US" sz="1100" dirty="0" smtClean="0"/>
-              <a:t>イメージ</a:t>
-            </a:r>
-            <a:endParaRPr kumimoji="1" lang="ja-JP" altLang="en-US" sz="1100" dirty="0"/>
-          </a:p>
-        </p:txBody>
-      </p:sp>
-      <p:sp>
-        <p:nvSpPr>
-          <p:cNvPr id="28" name="タイトル 1"/>
+          <p:cNvPr id="2" name="タイトル 1"/>
           <p:cNvSpPr>
             <a:spLocks noGrp="1"/>
           </p:cNvSpPr>
@@ -10985,427 +12497,38 @@
             <p:ph type="title"/>
           </p:nvPr>
         </p:nvSpPr>
-        <p:spPr>
-          <a:xfrm>
-            <a:off x="838200" y="365125"/>
-            <a:ext cx="10515600" cy="1325563"/>
-          </a:xfrm>
-        </p:spPr>
+        <p:spPr/>
         <p:txBody>
           <a:bodyPr/>
           <a:lstStyle/>
           <a:p>
-            <a:r>
-              <a:rPr lang="ja-JP" altLang="en-US" dirty="0" smtClean="0"/>
-              <a:t>機能「</a:t>
-            </a:r>
-            <a:r>
-              <a:rPr lang="ja-JP" altLang="en-US" dirty="0"/>
-              <a:t>納期管理</a:t>
-            </a:r>
-            <a:r>
-              <a:rPr lang="ja-JP" altLang="en-US" dirty="0" smtClean="0"/>
-              <a:t>ページ」</a:t>
-            </a:r>
-            <a:endParaRPr kumimoji="1" lang="ja-JP" altLang="en-US" dirty="0"/>
+            <a:endParaRPr kumimoji="1" lang="ja-JP" altLang="en-US"/>
           </a:p>
         </p:txBody>
       </p:sp>
-      <p:pic>
-        <p:nvPicPr>
-          <p:cNvPr id="2" name="図 1"/>
-          <p:cNvPicPr>
-            <a:picLocks noChangeAspect="1"/>
-          </p:cNvPicPr>
-          <p:nvPr/>
-        </p:nvPicPr>
-        <p:blipFill>
-          <a:blip r:embed="rId2">
-            <a:extLst>
-              <a:ext uri="{BEBA8EAE-BF5A-486C-A8C5-ECC9F3942E4B}">
-                <a14:imgProps xmlns:a14="http://schemas.microsoft.com/office/drawing/2010/main">
-                  <a14:imgLayer r:embed="rId3">
-                    <a14:imgEffect>
-                      <a14:saturation sat="0"/>
-                    </a14:imgEffect>
-                  </a14:imgLayer>
-                </a14:imgProps>
-              </a:ext>
-              <a:ext uri="{28A0092B-C50C-407E-A947-70E740481C1C}">
-                <a14:useLocalDpi xmlns:a14="http://schemas.microsoft.com/office/drawing/2010/main" val="0"/>
-              </a:ext>
-            </a:extLst>
-          </a:blip>
-          <a:stretch>
-            <a:fillRect/>
-          </a:stretch>
-        </p:blipFill>
-        <p:spPr>
-          <a:xfrm>
-            <a:off x="1052945" y="3694621"/>
-            <a:ext cx="2266029" cy="1649745"/>
-          </a:xfrm>
-          <a:prstGeom prst="rect">
-            <a:avLst/>
-          </a:prstGeom>
-        </p:spPr>
-      </p:pic>
       <p:sp>
         <p:nvSpPr>
-          <p:cNvPr id="32" name="右矢印 31"/>
-          <p:cNvSpPr/>
-          <p:nvPr/>
+          <p:cNvPr id="3" name="コンテンツ プレースホルダー 2"/>
+          <p:cNvSpPr>
+            <a:spLocks noGrp="1"/>
+          </p:cNvSpPr>
+          <p:nvPr>
+            <p:ph idx="1"/>
+          </p:nvPr>
         </p:nvSpPr>
-        <p:spPr>
-          <a:xfrm rot="3223262">
-            <a:off x="1015384" y="3622909"/>
-            <a:ext cx="1036419" cy="381267"/>
-          </a:xfrm>
-          <a:prstGeom prst="rightArrow">
-            <a:avLst>
-              <a:gd name="adj1" fmla="val 27756"/>
-              <a:gd name="adj2" fmla="val 75421"/>
-            </a:avLst>
-          </a:prstGeom>
-        </p:spPr>
-        <p:style>
-          <a:lnRef idx="2">
-            <a:schemeClr val="dk1"/>
-          </a:lnRef>
-          <a:fillRef idx="1">
-            <a:schemeClr val="lt1"/>
-          </a:fillRef>
-          <a:effectRef idx="0">
-            <a:schemeClr val="dk1"/>
-          </a:effectRef>
-          <a:fontRef idx="minor">
-            <a:schemeClr val="dk1"/>
-          </a:fontRef>
-        </p:style>
+        <p:spPr/>
         <p:txBody>
-          <a:bodyPr rtlCol="0" anchor="ctr"/>
+          <a:bodyPr/>
           <a:lstStyle/>
           <a:p>
-            <a:pPr algn="ctr"/>
             <a:endParaRPr kumimoji="1" lang="ja-JP" altLang="en-US"/>
           </a:p>
         </p:txBody>
       </p:sp>
-      <p:grpSp>
-        <p:nvGrpSpPr>
-          <p:cNvPr id="30" name="グループ化 29"/>
-          <p:cNvGrpSpPr/>
-          <p:nvPr/>
-        </p:nvGrpSpPr>
-        <p:grpSpPr>
-          <a:xfrm>
-            <a:off x="516217" y="2450903"/>
-            <a:ext cx="786916" cy="1059960"/>
-            <a:chOff x="561593" y="2161308"/>
-            <a:chExt cx="1048661" cy="1412525"/>
-          </a:xfrm>
-        </p:grpSpPr>
-        <p:pic>
-          <p:nvPicPr>
-            <p:cNvPr id="20" name="図 19"/>
-            <p:cNvPicPr>
-              <a:picLocks noChangeAspect="1"/>
-            </p:cNvPicPr>
-            <p:nvPr/>
-          </p:nvPicPr>
-          <p:blipFill>
-            <a:blip r:embed="rId4">
-              <a:grayscl/>
-            </a:blip>
-            <a:stretch>
-              <a:fillRect/>
-            </a:stretch>
-          </p:blipFill>
-          <p:spPr>
-            <a:xfrm>
-              <a:off x="561593" y="2161308"/>
-              <a:ext cx="1048661" cy="1412525"/>
-            </a:xfrm>
-            <a:prstGeom prst="rect">
-              <a:avLst/>
-            </a:prstGeom>
-          </p:spPr>
-        </p:pic>
-        <p:sp>
-          <p:nvSpPr>
-            <p:cNvPr id="29" name="テキスト ボックス 28"/>
-            <p:cNvSpPr txBox="1"/>
-            <p:nvPr/>
-          </p:nvSpPr>
-          <p:spPr>
-            <a:xfrm>
-              <a:off x="728905" y="2699588"/>
-              <a:ext cx="724598" cy="410150"/>
-            </a:xfrm>
-            <a:prstGeom prst="rect">
-              <a:avLst/>
-            </a:prstGeom>
-            <a:noFill/>
-          </p:spPr>
-          <p:txBody>
-            <a:bodyPr wrap="none" rtlCol="0">
-              <a:spAutoFit/>
-            </a:bodyPr>
-            <a:lstStyle/>
-            <a:p>
-              <a:r>
-                <a:rPr kumimoji="1" lang="ja-JP" altLang="en-US" sz="1400" dirty="0" smtClean="0"/>
-                <a:t>書類</a:t>
-              </a:r>
-              <a:endParaRPr kumimoji="1" lang="ja-JP" altLang="en-US" sz="1400" dirty="0"/>
-            </a:p>
-          </p:txBody>
-        </p:sp>
-      </p:grpSp>
-      <p:sp>
-        <p:nvSpPr>
-          <p:cNvPr id="33" name="楕円 32"/>
-          <p:cNvSpPr/>
-          <p:nvPr/>
-        </p:nvSpPr>
-        <p:spPr>
-          <a:xfrm>
-            <a:off x="4479636" y="3483155"/>
-            <a:ext cx="2267861" cy="1024192"/>
-          </a:xfrm>
-          <a:prstGeom prst="ellipse">
-            <a:avLst/>
-          </a:prstGeom>
-        </p:spPr>
-        <p:style>
-          <a:lnRef idx="2">
-            <a:schemeClr val="dk1"/>
-          </a:lnRef>
-          <a:fillRef idx="1">
-            <a:schemeClr val="lt1"/>
-          </a:fillRef>
-          <a:effectRef idx="0">
-            <a:schemeClr val="dk1"/>
-          </a:effectRef>
-          <a:fontRef idx="minor">
-            <a:schemeClr val="dk1"/>
-          </a:fontRef>
-        </p:style>
-        <p:txBody>
-          <a:bodyPr rtlCol="0" anchor="ctr"/>
-          <a:lstStyle/>
-          <a:p>
-            <a:pPr algn="ctr"/>
-            <a:r>
-              <a:rPr kumimoji="1" lang="ja-JP" altLang="en-US" dirty="0" smtClean="0"/>
-              <a:t>データ化</a:t>
-            </a:r>
-            <a:endParaRPr kumimoji="1" lang="ja-JP" altLang="en-US" dirty="0"/>
-          </a:p>
-        </p:txBody>
-      </p:sp>
-      <p:grpSp>
-        <p:nvGrpSpPr>
-          <p:cNvPr id="36" name="グループ化 35"/>
-          <p:cNvGrpSpPr/>
-          <p:nvPr/>
-        </p:nvGrpSpPr>
-        <p:grpSpPr>
-          <a:xfrm>
-            <a:off x="175490" y="1690688"/>
-            <a:ext cx="7102049" cy="4900641"/>
-            <a:chOff x="175490" y="1690688"/>
-            <a:chExt cx="7102049" cy="4900641"/>
-          </a:xfrm>
-        </p:grpSpPr>
-        <p:sp>
-          <p:nvSpPr>
-            <p:cNvPr id="34" name="正方形/長方形 33"/>
-            <p:cNvSpPr/>
-            <p:nvPr/>
-          </p:nvSpPr>
-          <p:spPr>
-            <a:xfrm>
-              <a:off x="175490" y="1690688"/>
-              <a:ext cx="7102049" cy="4900641"/>
-            </a:xfrm>
-            <a:prstGeom prst="rect">
-              <a:avLst/>
-            </a:prstGeom>
-            <a:noFill/>
-            <a:ln/>
-          </p:spPr>
-          <p:style>
-            <a:lnRef idx="2">
-              <a:schemeClr val="accent3"/>
-            </a:lnRef>
-            <a:fillRef idx="1">
-              <a:schemeClr val="lt1"/>
-            </a:fillRef>
-            <a:effectRef idx="0">
-              <a:schemeClr val="accent3"/>
-            </a:effectRef>
-            <a:fontRef idx="minor">
-              <a:schemeClr val="dk1"/>
-            </a:fontRef>
-          </p:style>
-          <p:txBody>
-            <a:bodyPr rtlCol="0" anchor="ctr"/>
-            <a:lstStyle/>
-            <a:p>
-              <a:pPr algn="ctr"/>
-              <a:endParaRPr kumimoji="1" lang="ja-JP" altLang="en-US"/>
-            </a:p>
-          </p:txBody>
-        </p:sp>
-        <p:sp>
-          <p:nvSpPr>
-            <p:cNvPr id="35" name="テキスト ボックス 34"/>
-            <p:cNvSpPr txBox="1"/>
-            <p:nvPr/>
-          </p:nvSpPr>
-          <p:spPr>
-            <a:xfrm>
-              <a:off x="175491" y="1715822"/>
-              <a:ext cx="646331" cy="369332"/>
-            </a:xfrm>
-            <a:prstGeom prst="rect">
-              <a:avLst/>
-            </a:prstGeom>
-            <a:noFill/>
-          </p:spPr>
-          <p:txBody>
-            <a:bodyPr wrap="none" rtlCol="0">
-              <a:spAutoFit/>
-            </a:bodyPr>
-            <a:lstStyle/>
-            <a:p>
-              <a:r>
-                <a:rPr lang="ja-JP" altLang="en-US" dirty="0">
-                  <a:solidFill>
-                    <a:schemeClr val="bg1">
-                      <a:lumMod val="50000"/>
-                    </a:schemeClr>
-                  </a:solidFill>
-                </a:rPr>
-                <a:t>前提</a:t>
-              </a:r>
-              <a:endParaRPr kumimoji="1" lang="ja-JP" altLang="en-US" dirty="0">
-                <a:solidFill>
-                  <a:schemeClr val="bg1">
-                    <a:lumMod val="50000"/>
-                  </a:schemeClr>
-                </a:solidFill>
-              </a:endParaRPr>
-            </a:p>
-          </p:txBody>
-        </p:sp>
-      </p:grpSp>
-      <p:grpSp>
-        <p:nvGrpSpPr>
-          <p:cNvPr id="39" name="グループ化 38"/>
-          <p:cNvGrpSpPr/>
-          <p:nvPr/>
-        </p:nvGrpSpPr>
-        <p:grpSpPr>
-          <a:xfrm>
-            <a:off x="7367588" y="1690688"/>
-            <a:ext cx="4751259" cy="4900641"/>
-            <a:chOff x="7367588" y="1690688"/>
-            <a:chExt cx="4751259" cy="4900641"/>
-          </a:xfrm>
-        </p:grpSpPr>
-        <p:sp>
-          <p:nvSpPr>
-            <p:cNvPr id="37" name="正方形/長方形 36"/>
-            <p:cNvSpPr/>
-            <p:nvPr/>
-          </p:nvSpPr>
-          <p:spPr>
-            <a:xfrm>
-              <a:off x="7367588" y="1690688"/>
-              <a:ext cx="4751259" cy="4900641"/>
-            </a:xfrm>
-            <a:prstGeom prst="rect">
-              <a:avLst/>
-            </a:prstGeom>
-            <a:noFill/>
-            <a:ln>
-              <a:solidFill>
-                <a:srgbClr val="FF0000"/>
-              </a:solidFill>
-            </a:ln>
-          </p:spPr>
-          <p:style>
-            <a:lnRef idx="2">
-              <a:schemeClr val="accent3"/>
-            </a:lnRef>
-            <a:fillRef idx="1">
-              <a:schemeClr val="lt1"/>
-            </a:fillRef>
-            <a:effectRef idx="0">
-              <a:schemeClr val="accent3"/>
-            </a:effectRef>
-            <a:fontRef idx="minor">
-              <a:schemeClr val="dk1"/>
-            </a:fontRef>
-          </p:style>
-          <p:txBody>
-            <a:bodyPr rtlCol="0" anchor="ctr"/>
-            <a:lstStyle/>
-            <a:p>
-              <a:pPr algn="ctr"/>
-              <a:endParaRPr kumimoji="1" lang="ja-JP" altLang="en-US"/>
-            </a:p>
-          </p:txBody>
-        </p:sp>
-        <p:sp>
-          <p:nvSpPr>
-            <p:cNvPr id="38" name="テキスト ボックス 37"/>
-            <p:cNvSpPr txBox="1"/>
-            <p:nvPr/>
-          </p:nvSpPr>
-          <p:spPr>
-            <a:xfrm>
-              <a:off x="7410370" y="1715822"/>
-              <a:ext cx="1107996" cy="369332"/>
-            </a:xfrm>
-            <a:prstGeom prst="rect">
-              <a:avLst/>
-            </a:prstGeom>
-            <a:noFill/>
-          </p:spPr>
-          <p:txBody>
-            <a:bodyPr wrap="none" rtlCol="0">
-              <a:spAutoFit/>
-            </a:bodyPr>
-            <a:lstStyle/>
-            <a:p>
-              <a:r>
-                <a:rPr lang="ja-JP" altLang="en-US" dirty="0" smtClean="0">
-                  <a:solidFill>
-                    <a:schemeClr val="bg1">
-                      <a:lumMod val="50000"/>
-                    </a:schemeClr>
-                  </a:solidFill>
-                </a:rPr>
-                <a:t>実装対象</a:t>
-              </a:r>
-              <a:endParaRPr kumimoji="1" lang="ja-JP" altLang="en-US" dirty="0">
-                <a:solidFill>
-                  <a:schemeClr val="bg1">
-                    <a:lumMod val="50000"/>
-                  </a:schemeClr>
-                </a:solidFill>
-              </a:endParaRPr>
-            </a:p>
-          </p:txBody>
-        </p:sp>
-      </p:grpSp>
     </p:spTree>
     <p:extLst>
       <p:ext uri="{BB962C8B-B14F-4D97-AF65-F5344CB8AC3E}">
-        <p14:creationId xmlns:p14="http://schemas.microsoft.com/office/powerpoint/2010/main" val="1350726543"/>
+        <p14:creationId xmlns:p14="http://schemas.microsoft.com/office/powerpoint/2010/main" val="1561573279"/>
       </p:ext>
     </p:extLst>
   </p:cSld>
@@ -11414,474 +12537,18 @@
   </p:clrMapOvr>
   <mc:AlternateContent xmlns:mc="http://schemas.openxmlformats.org/markup-compatibility/2006">
     <mc:Choice xmlns:p14="http://schemas.microsoft.com/office/powerpoint/2010/main" Requires="p14">
-      <p:transition spd="med" p14:dur="700">
-        <p:fade/>
-      </p:transition>
+      <p:transition spd="slow" p14:dur="2000"/>
     </mc:Choice>
     <mc:Fallback>
-      <p:transition spd="med">
-        <p:fade/>
-      </p:transition>
+      <p:transition spd="slow"/>
     </mc:Fallback>
   </mc:AlternateContent>
   <p:timing>
     <p:tnLst>
       <p:par>
-        <p:cTn id="1" dur="indefinite" restart="never" nodeType="tmRoot">
-          <p:childTnLst>
-            <p:seq concurrent="1" nextAc="seek">
-              <p:cTn id="2" dur="indefinite" nodeType="mainSeq">
-                <p:childTnLst>
-                  <p:par>
-                    <p:cTn id="3" fill="hold">
-                      <p:stCondLst>
-                        <p:cond delay="indefinite"/>
-                        <p:cond evt="onBegin" delay="0">
-                          <p:tn val="2"/>
-                        </p:cond>
-                      </p:stCondLst>
-                      <p:childTnLst>
-                        <p:par>
-                          <p:cTn id="4" fill="hold">
-                            <p:stCondLst>
-                              <p:cond delay="0"/>
-                            </p:stCondLst>
-                            <p:childTnLst>
-                              <p:par>
-                                <p:cTn id="5" presetID="42" presetClass="path" presetSubtype="0" accel="50000" decel="50000" fill="hold" nodeType="afterEffect">
-                                  <p:stCondLst>
-                                    <p:cond delay="0"/>
-                                  </p:stCondLst>
-                                  <p:childTnLst>
-                                    <p:animMotion origin="layout" path="M 6.25E-7 -2.22222E-6 L 0.0974 0.22662 " pathEditMode="fixed" rAng="0" ptsTypes="AA">
-                                      <p:cBhvr>
-                                        <p:cTn id="6" dur="1000" fill="hold"/>
-                                        <p:tgtEl>
-                                          <p:spTgt spid="30"/>
-                                        </p:tgtEl>
-                                        <p:attrNameLst>
-                                          <p:attrName>ppt_x</p:attrName>
-                                          <p:attrName>ppt_y</p:attrName>
-                                        </p:attrNameLst>
-                                      </p:cBhvr>
-                                      <p:rCtr x="4870" y="11319"/>
-                                    </p:animMotion>
-                                  </p:childTnLst>
-                                </p:cTn>
-                              </p:par>
-                              <p:par>
-                                <p:cTn id="7" presetID="10" presetClass="exit" presetSubtype="0" fill="hold" grpId="0" nodeType="withEffect">
-                                  <p:stCondLst>
-                                    <p:cond delay="0"/>
-                                  </p:stCondLst>
-                                  <p:childTnLst>
-                                    <p:animEffect transition="out" filter="fade">
-                                      <p:cBhvr>
-                                        <p:cTn id="8" dur="500"/>
-                                        <p:tgtEl>
-                                          <p:spTgt spid="32"/>
-                                        </p:tgtEl>
-                                      </p:cBhvr>
-                                    </p:animEffect>
-                                    <p:set>
-                                      <p:cBhvr>
-                                        <p:cTn id="9" dur="1" fill="hold">
-                                          <p:stCondLst>
-                                            <p:cond delay="499"/>
-                                          </p:stCondLst>
-                                        </p:cTn>
-                                        <p:tgtEl>
-                                          <p:spTgt spid="32"/>
-                                        </p:tgtEl>
-                                        <p:attrNameLst>
-                                          <p:attrName>style.visibility</p:attrName>
-                                        </p:attrNameLst>
-                                      </p:cBhvr>
-                                      <p:to>
-                                        <p:strVal val="hidden"/>
-                                      </p:to>
-                                    </p:set>
-                                  </p:childTnLst>
-                                </p:cTn>
-                              </p:par>
-                            </p:childTnLst>
-                          </p:cTn>
-                        </p:par>
-                        <p:par>
-                          <p:cTn id="10" fill="hold">
-                            <p:stCondLst>
-                              <p:cond delay="1000"/>
-                            </p:stCondLst>
-                            <p:childTnLst>
-                              <p:par>
-                                <p:cTn id="11" presetID="10" presetClass="exit" presetSubtype="0" fill="hold" nodeType="afterEffect">
-                                  <p:stCondLst>
-                                    <p:cond delay="0"/>
-                                  </p:stCondLst>
-                                  <p:childTnLst>
-                                    <p:animEffect transition="out" filter="fade">
-                                      <p:cBhvr>
-                                        <p:cTn id="12" dur="500"/>
-                                        <p:tgtEl>
-                                          <p:spTgt spid="30"/>
-                                        </p:tgtEl>
-                                      </p:cBhvr>
-                                    </p:animEffect>
-                                    <p:set>
-                                      <p:cBhvr>
-                                        <p:cTn id="13" dur="1" fill="hold">
-                                          <p:stCondLst>
-                                            <p:cond delay="499"/>
-                                          </p:stCondLst>
-                                        </p:cTn>
-                                        <p:tgtEl>
-                                          <p:spTgt spid="30"/>
-                                        </p:tgtEl>
-                                        <p:attrNameLst>
-                                          <p:attrName>style.visibility</p:attrName>
-                                        </p:attrNameLst>
-                                      </p:cBhvr>
-                                      <p:to>
-                                        <p:strVal val="hidden"/>
-                                      </p:to>
-                                    </p:set>
-                                  </p:childTnLst>
-                                </p:cTn>
-                              </p:par>
-                            </p:childTnLst>
-                          </p:cTn>
-                        </p:par>
-                        <p:par>
-                          <p:cTn id="14" fill="hold">
-                            <p:stCondLst>
-                              <p:cond delay="1500"/>
-                            </p:stCondLst>
-                            <p:childTnLst>
-                              <p:par>
-                                <p:cTn id="15" presetID="12" presetClass="entr" presetSubtype="8" fill="hold" grpId="0" nodeType="afterEffect">
-                                  <p:stCondLst>
-                                    <p:cond delay="0"/>
-                                  </p:stCondLst>
-                                  <p:childTnLst>
-                                    <p:set>
-                                      <p:cBhvr>
-                                        <p:cTn id="16" dur="1" fill="hold">
-                                          <p:stCondLst>
-                                            <p:cond delay="0"/>
-                                          </p:stCondLst>
-                                        </p:cTn>
-                                        <p:tgtEl>
-                                          <p:spTgt spid="14"/>
-                                        </p:tgtEl>
-                                        <p:attrNameLst>
-                                          <p:attrName>style.visibility</p:attrName>
-                                        </p:attrNameLst>
-                                      </p:cBhvr>
-                                      <p:to>
-                                        <p:strVal val="visible"/>
-                                      </p:to>
-                                    </p:set>
-                                    <p:anim calcmode="lin" valueType="num">
-                                      <p:cBhvr additive="base">
-                                        <p:cTn id="17" dur="500"/>
-                                        <p:tgtEl>
-                                          <p:spTgt spid="14"/>
-                                        </p:tgtEl>
-                                        <p:attrNameLst>
-                                          <p:attrName>ppt_x</p:attrName>
-                                        </p:attrNameLst>
-                                      </p:cBhvr>
-                                      <p:tavLst>
-                                        <p:tav tm="0">
-                                          <p:val>
-                                            <p:strVal val="#ppt_x-#ppt_w*1.125000"/>
-                                          </p:val>
-                                        </p:tav>
-                                        <p:tav tm="100000">
-                                          <p:val>
-                                            <p:strVal val="#ppt_x"/>
-                                          </p:val>
-                                        </p:tav>
-                                      </p:tavLst>
-                                    </p:anim>
-                                    <p:animEffect transition="in" filter="wipe(right)">
-                                      <p:cBhvr>
-                                        <p:cTn id="18" dur="500"/>
-                                        <p:tgtEl>
-                                          <p:spTgt spid="14"/>
-                                        </p:tgtEl>
-                                      </p:cBhvr>
-                                    </p:animEffect>
-                                  </p:childTnLst>
-                                </p:cTn>
-                              </p:par>
-                            </p:childTnLst>
-                          </p:cTn>
-                        </p:par>
-                        <p:par>
-                          <p:cTn id="19" fill="hold">
-                            <p:stCondLst>
-                              <p:cond delay="2000"/>
-                            </p:stCondLst>
-                            <p:childTnLst>
-                              <p:par>
-                                <p:cTn id="20" presetID="10" presetClass="entr" presetSubtype="0" fill="hold" grpId="0" nodeType="afterEffect">
-                                  <p:stCondLst>
-                                    <p:cond delay="0"/>
-                                  </p:stCondLst>
-                                  <p:childTnLst>
-                                    <p:set>
-                                      <p:cBhvr>
-                                        <p:cTn id="21" dur="1" fill="hold">
-                                          <p:stCondLst>
-                                            <p:cond delay="0"/>
-                                          </p:stCondLst>
-                                        </p:cTn>
-                                        <p:tgtEl>
-                                          <p:spTgt spid="33"/>
-                                        </p:tgtEl>
-                                        <p:attrNameLst>
-                                          <p:attrName>style.visibility</p:attrName>
-                                        </p:attrNameLst>
-                                      </p:cBhvr>
-                                      <p:to>
-                                        <p:strVal val="visible"/>
-                                      </p:to>
-                                    </p:set>
-                                    <p:animEffect transition="in" filter="fade">
-                                      <p:cBhvr>
-                                        <p:cTn id="22" dur="500"/>
-                                        <p:tgtEl>
-                                          <p:spTgt spid="33"/>
-                                        </p:tgtEl>
-                                      </p:cBhvr>
-                                    </p:animEffect>
-                                  </p:childTnLst>
-                                </p:cTn>
-                              </p:par>
-                            </p:childTnLst>
-                          </p:cTn>
-                        </p:par>
-                        <p:par>
-                          <p:cTn id="23" fill="hold">
-                            <p:stCondLst>
-                              <p:cond delay="2500"/>
-                            </p:stCondLst>
-                            <p:childTnLst>
-                              <p:par>
-                                <p:cTn id="24" presetID="12" presetClass="entr" presetSubtype="8" fill="hold" grpId="0" nodeType="afterEffect">
-                                  <p:stCondLst>
-                                    <p:cond delay="0"/>
-                                  </p:stCondLst>
-                                  <p:childTnLst>
-                                    <p:set>
-                                      <p:cBhvr>
-                                        <p:cTn id="25" dur="1" fill="hold">
-                                          <p:stCondLst>
-                                            <p:cond delay="0"/>
-                                          </p:stCondLst>
-                                        </p:cTn>
-                                        <p:tgtEl>
-                                          <p:spTgt spid="21"/>
-                                        </p:tgtEl>
-                                        <p:attrNameLst>
-                                          <p:attrName>style.visibility</p:attrName>
-                                        </p:attrNameLst>
-                                      </p:cBhvr>
-                                      <p:to>
-                                        <p:strVal val="visible"/>
-                                      </p:to>
-                                    </p:set>
-                                    <p:anim calcmode="lin" valueType="num">
-                                      <p:cBhvr additive="base">
-                                        <p:cTn id="26" dur="500"/>
-                                        <p:tgtEl>
-                                          <p:spTgt spid="21"/>
-                                        </p:tgtEl>
-                                        <p:attrNameLst>
-                                          <p:attrName>ppt_x</p:attrName>
-                                        </p:attrNameLst>
-                                      </p:cBhvr>
-                                      <p:tavLst>
-                                        <p:tav tm="0">
-                                          <p:val>
-                                            <p:strVal val="#ppt_x-#ppt_w*1.125000"/>
-                                          </p:val>
-                                        </p:tav>
-                                        <p:tav tm="100000">
-                                          <p:val>
-                                            <p:strVal val="#ppt_x"/>
-                                          </p:val>
-                                        </p:tav>
-                                      </p:tavLst>
-                                    </p:anim>
-                                    <p:animEffect transition="in" filter="wipe(right)">
-                                      <p:cBhvr>
-                                        <p:cTn id="27" dur="500"/>
-                                        <p:tgtEl>
-                                          <p:spTgt spid="21"/>
-                                        </p:tgtEl>
-                                      </p:cBhvr>
-                                    </p:animEffect>
-                                  </p:childTnLst>
-                                </p:cTn>
-                              </p:par>
-                            </p:childTnLst>
-                          </p:cTn>
-                        </p:par>
-                        <p:par>
-                          <p:cTn id="28" fill="hold">
-                            <p:stCondLst>
-                              <p:cond delay="3000"/>
-                            </p:stCondLst>
-                            <p:childTnLst>
-                              <p:par>
-                                <p:cTn id="29" presetID="10" presetClass="entr" presetSubtype="0" fill="hold" nodeType="afterEffect">
-                                  <p:stCondLst>
-                                    <p:cond delay="0"/>
-                                  </p:stCondLst>
-                                  <p:childTnLst>
-                                    <p:set>
-                                      <p:cBhvr>
-                                        <p:cTn id="30" dur="1" fill="hold">
-                                          <p:stCondLst>
-                                            <p:cond delay="0"/>
-                                          </p:stCondLst>
-                                        </p:cTn>
-                                        <p:tgtEl>
-                                          <p:spTgt spid="26"/>
-                                        </p:tgtEl>
-                                        <p:attrNameLst>
-                                          <p:attrName>style.visibility</p:attrName>
-                                        </p:attrNameLst>
-                                      </p:cBhvr>
-                                      <p:to>
-                                        <p:strVal val="visible"/>
-                                      </p:to>
-                                    </p:set>
-                                    <p:animEffect transition="in" filter="fade">
-                                      <p:cBhvr>
-                                        <p:cTn id="31" dur="500"/>
-                                        <p:tgtEl>
-                                          <p:spTgt spid="26"/>
-                                        </p:tgtEl>
-                                      </p:cBhvr>
-                                    </p:animEffect>
-                                  </p:childTnLst>
-                                </p:cTn>
-                              </p:par>
-                            </p:childTnLst>
-                          </p:cTn>
-                        </p:par>
-                        <p:par>
-                          <p:cTn id="32" fill="hold">
-                            <p:stCondLst>
-                              <p:cond delay="3500"/>
-                            </p:stCondLst>
-                            <p:childTnLst>
-                              <p:par>
-                                <p:cTn id="33" presetID="22" presetClass="entr" presetSubtype="1" fill="hold" nodeType="afterEffect">
-                                  <p:stCondLst>
-                                    <p:cond delay="0"/>
-                                  </p:stCondLst>
-                                  <p:childTnLst>
-                                    <p:set>
-                                      <p:cBhvr>
-                                        <p:cTn id="34" dur="1" fill="hold">
-                                          <p:stCondLst>
-                                            <p:cond delay="0"/>
-                                          </p:stCondLst>
-                                        </p:cTn>
-                                        <p:tgtEl>
-                                          <p:spTgt spid="36"/>
-                                        </p:tgtEl>
-                                        <p:attrNameLst>
-                                          <p:attrName>style.visibility</p:attrName>
-                                        </p:attrNameLst>
-                                      </p:cBhvr>
-                                      <p:to>
-                                        <p:strVal val="visible"/>
-                                      </p:to>
-                                    </p:set>
-                                    <p:animEffect transition="in" filter="wipe(up)">
-                                      <p:cBhvr>
-                                        <p:cTn id="35" dur="500"/>
-                                        <p:tgtEl>
-                                          <p:spTgt spid="36"/>
-                                        </p:tgtEl>
-                                      </p:cBhvr>
-                                    </p:animEffect>
-                                  </p:childTnLst>
-                                </p:cTn>
-                              </p:par>
-                              <p:par>
-                                <p:cTn id="36" presetID="22" presetClass="entr" presetSubtype="1" fill="hold" nodeType="withEffect">
-                                  <p:stCondLst>
-                                    <p:cond delay="0"/>
-                                  </p:stCondLst>
-                                  <p:childTnLst>
-                                    <p:set>
-                                      <p:cBhvr>
-                                        <p:cTn id="37" dur="1" fill="hold">
-                                          <p:stCondLst>
-                                            <p:cond delay="0"/>
-                                          </p:stCondLst>
-                                        </p:cTn>
-                                        <p:tgtEl>
-                                          <p:spTgt spid="39"/>
-                                        </p:tgtEl>
-                                        <p:attrNameLst>
-                                          <p:attrName>style.visibility</p:attrName>
-                                        </p:attrNameLst>
-                                      </p:cBhvr>
-                                      <p:to>
-                                        <p:strVal val="visible"/>
-                                      </p:to>
-                                    </p:set>
-                                    <p:animEffect transition="in" filter="wipe(up)">
-                                      <p:cBhvr>
-                                        <p:cTn id="38" dur="500"/>
-                                        <p:tgtEl>
-                                          <p:spTgt spid="39"/>
-                                        </p:tgtEl>
-                                      </p:cBhvr>
-                                    </p:animEffect>
-                                  </p:childTnLst>
-                                </p:cTn>
-                              </p:par>
-                            </p:childTnLst>
-                          </p:cTn>
-                        </p:par>
-                      </p:childTnLst>
-                    </p:cTn>
-                  </p:par>
-                </p:childTnLst>
-              </p:cTn>
-              <p:prevCondLst>
-                <p:cond evt="onPrev" delay="0">
-                  <p:tgtEl>
-                    <p:sldTgt/>
-                  </p:tgtEl>
-                </p:cond>
-              </p:prevCondLst>
-              <p:nextCondLst>
-                <p:cond evt="onNext" delay="0">
-                  <p:tgtEl>
-                    <p:sldTgt/>
-                  </p:tgtEl>
-                </p:cond>
-              </p:nextCondLst>
-            </p:seq>
-          </p:childTnLst>
-        </p:cTn>
+        <p:cTn id="1" dur="indefinite" restart="never" nodeType="tmRoot"/>
       </p:par>
     </p:tnLst>
-    <p:bldLst>
-      <p:bldP spid="14" grpId="0" animBg="1"/>
-      <p:bldP spid="21" grpId="0" animBg="1"/>
-      <p:bldP spid="32" grpId="0" animBg="1"/>
-      <p:bldP spid="33" grpId="0" animBg="1"/>
-    </p:bldLst>
   </p:timing>
 </p:sld>
 </file>
@@ -12145,4 +12812,265 @@
     </a:ext>
   </a:extLst>
 </a:theme>
+</file>
+
+<file path=ppt/theme/theme2.xml><?xml version="1.0" encoding="utf-8"?>
+<a:theme xmlns:a="http://schemas.openxmlformats.org/drawingml/2006/main" name="Office テーマ">
+  <a:themeElements>
+    <a:clrScheme name="Office">
+      <a:dk1>
+        <a:sysClr val="windowText" lastClr="000000"/>
+      </a:dk1>
+      <a:lt1>
+        <a:sysClr val="window" lastClr="FFFFFF"/>
+      </a:lt1>
+      <a:dk2>
+        <a:srgbClr val="44546A"/>
+      </a:dk2>
+      <a:lt2>
+        <a:srgbClr val="E7E6E6"/>
+      </a:lt2>
+      <a:accent1>
+        <a:srgbClr val="5B9BD5"/>
+      </a:accent1>
+      <a:accent2>
+        <a:srgbClr val="ED7D31"/>
+      </a:accent2>
+      <a:accent3>
+        <a:srgbClr val="A5A5A5"/>
+      </a:accent3>
+      <a:accent4>
+        <a:srgbClr val="FFC000"/>
+      </a:accent4>
+      <a:accent5>
+        <a:srgbClr val="4472C4"/>
+      </a:accent5>
+      <a:accent6>
+        <a:srgbClr val="70AD47"/>
+      </a:accent6>
+      <a:hlink>
+        <a:srgbClr val="0563C1"/>
+      </a:hlink>
+      <a:folHlink>
+        <a:srgbClr val="954F72"/>
+      </a:folHlink>
+    </a:clrScheme>
+    <a:fontScheme name="Office">
+      <a:majorFont>
+        <a:latin typeface="游ゴシック Light" panose="020F0302020204030204"/>
+        <a:ea typeface=""/>
+        <a:cs typeface=""/>
+        <a:font script="Jpan" typeface="游ゴシック Light"/>
+        <a:font script="Hang" typeface="맑은 고딕"/>
+        <a:font script="Hans" typeface="等线 Light"/>
+        <a:font script="Hant" typeface="新細明體"/>
+        <a:font script="Arab" typeface="Times New Roman"/>
+        <a:font script="Hebr" typeface="Times New Roman"/>
+        <a:font script="Thai" typeface="Angsana New"/>
+        <a:font script="Ethi" typeface="Nyala"/>
+        <a:font script="Beng" typeface="Vrinda"/>
+        <a:font script="Gujr" typeface="Shruti"/>
+        <a:font script="Khmr" typeface="MoolBoran"/>
+        <a:font script="Knda" typeface="Tunga"/>
+        <a:font script="Guru" typeface="Raavi"/>
+        <a:font script="Cans" typeface="Euphemia"/>
+        <a:font script="Cher" typeface="Plantagenet Cherokee"/>
+        <a:font script="Yiii" typeface="Microsoft Yi Baiti"/>
+        <a:font script="Tibt" typeface="Microsoft Himalaya"/>
+        <a:font script="Thaa" typeface="MV Boli"/>
+        <a:font script="Deva" typeface="Mangal"/>
+        <a:font script="Telu" typeface="Gautami"/>
+        <a:font script="Taml" typeface="Latha"/>
+        <a:font script="Syrc" typeface="Estrangelo Edessa"/>
+        <a:font script="Orya" typeface="Kalinga"/>
+        <a:font script="Mlym" typeface="Kartika"/>
+        <a:font script="Laoo" typeface="DokChampa"/>
+        <a:font script="Sinh" typeface="Iskoola Pota"/>
+        <a:font script="Mong" typeface="Mongolian Baiti"/>
+        <a:font script="Viet" typeface="Times New Roman"/>
+        <a:font script="Uigh" typeface="Microsoft Uighur"/>
+        <a:font script="Geor" typeface="Sylfaen"/>
+      </a:majorFont>
+      <a:minorFont>
+        <a:latin typeface="游ゴシック" panose="020F0502020204030204"/>
+        <a:ea typeface=""/>
+        <a:cs typeface=""/>
+        <a:font script="Jpan" typeface="游ゴシック"/>
+        <a:font script="Hang" typeface="맑은 고딕"/>
+        <a:font script="Hans" typeface="等线"/>
+        <a:font script="Hant" typeface="新細明體"/>
+        <a:font script="Arab" typeface="Arial"/>
+        <a:font script="Hebr" typeface="Arial"/>
+        <a:font script="Thai" typeface="Cordia New"/>
+        <a:font script="Ethi" typeface="Nyala"/>
+        <a:font script="Beng" typeface="Vrinda"/>
+        <a:font script="Gujr" typeface="Shruti"/>
+        <a:font script="Khmr" typeface="DaunPenh"/>
+        <a:font script="Knda" typeface="Tunga"/>
+        <a:font script="Guru" typeface="Raavi"/>
+        <a:font script="Cans" typeface="Euphemia"/>
+        <a:font script="Cher" typeface="Plantagenet Cherokee"/>
+        <a:font script="Yiii" typeface="Microsoft Yi Baiti"/>
+        <a:font script="Tibt" typeface="Microsoft Himalaya"/>
+        <a:font script="Thaa" typeface="MV Boli"/>
+        <a:font script="Deva" typeface="Mangal"/>
+        <a:font script="Telu" typeface="Gautami"/>
+        <a:font script="Taml" typeface="Latha"/>
+        <a:font script="Syrc" typeface="Estrangelo Edessa"/>
+        <a:font script="Orya" typeface="Kalinga"/>
+        <a:font script="Mlym" typeface="Kartika"/>
+        <a:font script="Laoo" typeface="DokChampa"/>
+        <a:font script="Sinh" typeface="Iskoola Pota"/>
+        <a:font script="Mong" typeface="Mongolian Baiti"/>
+        <a:font script="Viet" typeface="Arial"/>
+        <a:font script="Uigh" typeface="Microsoft Uighur"/>
+        <a:font script="Geor" typeface="Sylfaen"/>
+      </a:minorFont>
+    </a:fontScheme>
+    <a:fmtScheme name="Office">
+      <a:fillStyleLst>
+        <a:solidFill>
+          <a:schemeClr val="phClr"/>
+        </a:solidFill>
+        <a:gradFill rotWithShape="1">
+          <a:gsLst>
+            <a:gs pos="0">
+              <a:schemeClr val="phClr">
+                <a:lumMod val="110000"/>
+                <a:satMod val="105000"/>
+                <a:tint val="67000"/>
+              </a:schemeClr>
+            </a:gs>
+            <a:gs pos="50000">
+              <a:schemeClr val="phClr">
+                <a:lumMod val="105000"/>
+                <a:satMod val="103000"/>
+                <a:tint val="73000"/>
+              </a:schemeClr>
+            </a:gs>
+            <a:gs pos="100000">
+              <a:schemeClr val="phClr">
+                <a:lumMod val="105000"/>
+                <a:satMod val="109000"/>
+                <a:tint val="81000"/>
+              </a:schemeClr>
+            </a:gs>
+          </a:gsLst>
+          <a:lin ang="5400000" scaled="0"/>
+        </a:gradFill>
+        <a:gradFill rotWithShape="1">
+          <a:gsLst>
+            <a:gs pos="0">
+              <a:schemeClr val="phClr">
+                <a:satMod val="103000"/>
+                <a:lumMod val="102000"/>
+                <a:tint val="94000"/>
+              </a:schemeClr>
+            </a:gs>
+            <a:gs pos="50000">
+              <a:schemeClr val="phClr">
+                <a:satMod val="110000"/>
+                <a:lumMod val="100000"/>
+                <a:shade val="100000"/>
+              </a:schemeClr>
+            </a:gs>
+            <a:gs pos="100000">
+              <a:schemeClr val="phClr">
+                <a:lumMod val="99000"/>
+                <a:satMod val="120000"/>
+                <a:shade val="78000"/>
+              </a:schemeClr>
+            </a:gs>
+          </a:gsLst>
+          <a:lin ang="5400000" scaled="0"/>
+        </a:gradFill>
+      </a:fillStyleLst>
+      <a:lnStyleLst>
+        <a:ln w="6350" cap="flat" cmpd="sng" algn="ctr">
+          <a:solidFill>
+            <a:schemeClr val="phClr"/>
+          </a:solidFill>
+          <a:prstDash val="solid"/>
+          <a:miter lim="800000"/>
+        </a:ln>
+        <a:ln w="12700" cap="flat" cmpd="sng" algn="ctr">
+          <a:solidFill>
+            <a:schemeClr val="phClr"/>
+          </a:solidFill>
+          <a:prstDash val="solid"/>
+          <a:miter lim="800000"/>
+        </a:ln>
+        <a:ln w="19050" cap="flat" cmpd="sng" algn="ctr">
+          <a:solidFill>
+            <a:schemeClr val="phClr"/>
+          </a:solidFill>
+          <a:prstDash val="solid"/>
+          <a:miter lim="800000"/>
+        </a:ln>
+      </a:lnStyleLst>
+      <a:effectStyleLst>
+        <a:effectStyle>
+          <a:effectLst/>
+        </a:effectStyle>
+        <a:effectStyle>
+          <a:effectLst/>
+        </a:effectStyle>
+        <a:effectStyle>
+          <a:effectLst>
+            <a:outerShdw blurRad="57150" dist="19050" dir="5400000" algn="ctr" rotWithShape="0">
+              <a:srgbClr val="000000">
+                <a:alpha val="63000"/>
+              </a:srgbClr>
+            </a:outerShdw>
+          </a:effectLst>
+        </a:effectStyle>
+      </a:effectStyleLst>
+      <a:bgFillStyleLst>
+        <a:solidFill>
+          <a:schemeClr val="phClr"/>
+        </a:solidFill>
+        <a:solidFill>
+          <a:schemeClr val="phClr">
+            <a:tint val="95000"/>
+            <a:satMod val="170000"/>
+          </a:schemeClr>
+        </a:solidFill>
+        <a:gradFill rotWithShape="1">
+          <a:gsLst>
+            <a:gs pos="0">
+              <a:schemeClr val="phClr">
+                <a:tint val="93000"/>
+                <a:satMod val="150000"/>
+                <a:shade val="98000"/>
+                <a:lumMod val="102000"/>
+              </a:schemeClr>
+            </a:gs>
+            <a:gs pos="50000">
+              <a:schemeClr val="phClr">
+                <a:tint val="98000"/>
+                <a:satMod val="130000"/>
+                <a:shade val="90000"/>
+                <a:lumMod val="103000"/>
+              </a:schemeClr>
+            </a:gs>
+            <a:gs pos="100000">
+              <a:schemeClr val="phClr">
+                <a:shade val="63000"/>
+                <a:satMod val="120000"/>
+              </a:schemeClr>
+            </a:gs>
+          </a:gsLst>
+          <a:lin ang="5400000" scaled="0"/>
+        </a:gradFill>
+      </a:bgFillStyleLst>
+    </a:fmtScheme>
+  </a:themeElements>
+  <a:objectDefaults/>
+  <a:extraClrSchemeLst/>
+  <a:extLst>
+    <a:ext uri="{05A4C25C-085E-4340-85A3-A5531E510DB2}">
+      <thm15:themeFamily xmlns:thm15="http://schemas.microsoft.com/office/thememl/2012/main" name="Office Theme" id="{62F939B6-93AF-4DB8-9C6B-D6C7DFDC589F}" vid="{4A3C46E8-61CC-4603-A589-7422A47A8E4A}"/>
+    </a:ext>
+  </a:extLst>
+</a:theme>
 </file>
--- a/Presentation/要件定義.pptx
+++ b/Presentation/要件定義.pptx
@@ -7,6 +7,9 @@
   <p:notesMasterIdLst>
     <p:notesMasterId r:id="rId18"/>
   </p:notesMasterIdLst>
+  <p:handoutMasterIdLst>
+    <p:handoutMasterId r:id="rId19"/>
+  </p:handoutMasterIdLst>
   <p:sldIdLst>
     <p:sldId id="256" r:id="rId2"/>
     <p:sldId id="258" r:id="rId3"/>
@@ -26,7 +29,7 @@
     <p:sldId id="268" r:id="rId17"/>
   </p:sldIdLst>
   <p:sldSz cx="12192000" cy="6858000"/>
-  <p:notesSz cx="6858000" cy="9144000"/>
+  <p:notesSz cx="9945688" cy="6858000"/>
   <p:defaultTextStyle>
     <a:defPPr>
       <a:defRPr lang="ja-JP"/>
@@ -1218,6 +1221,176 @@
 </cs:chartStyle>
 </file>
 
+<file path=ppt/handoutMasters/handoutMaster1.xml><?xml version="1.0" encoding="utf-8"?>
+<p:handoutMaster xmlns:a="http://schemas.openxmlformats.org/drawingml/2006/main" xmlns:r="http://schemas.openxmlformats.org/officeDocument/2006/relationships" xmlns:p="http://schemas.openxmlformats.org/presentationml/2006/main">
+  <p:cSld>
+    <p:bg>
+      <p:bgRef idx="1001">
+        <a:schemeClr val="bg1"/>
+      </p:bgRef>
+    </p:bg>
+    <p:spTree>
+      <p:nvGrpSpPr>
+        <p:cNvPr id="1" name=""/>
+        <p:cNvGrpSpPr/>
+        <p:nvPr/>
+      </p:nvGrpSpPr>
+      <p:grpSpPr>
+        <a:xfrm>
+          <a:off x="0" y="0"/>
+          <a:ext cx="0" cy="0"/>
+          <a:chOff x="0" y="0"/>
+          <a:chExt cx="0" cy="0"/>
+        </a:xfrm>
+      </p:grpSpPr>
+      <p:sp>
+        <p:nvSpPr>
+          <p:cNvPr id="2" name="ヘッダー プレースホルダー 1"/>
+          <p:cNvSpPr>
+            <a:spLocks noGrp="1"/>
+          </p:cNvSpPr>
+          <p:nvPr>
+            <p:ph type="hdr" sz="quarter"/>
+          </p:nvPr>
+        </p:nvSpPr>
+        <p:spPr>
+          <a:xfrm>
+            <a:off x="0" y="1"/>
+            <a:ext cx="4309798" cy="344091"/>
+          </a:xfrm>
+          <a:prstGeom prst="rect">
+            <a:avLst/>
+          </a:prstGeom>
+        </p:spPr>
+        <p:txBody>
+          <a:bodyPr vert="horz" lIns="91440" tIns="45720" rIns="91440" bIns="45720" rtlCol="0"/>
+          <a:lstStyle>
+            <a:lvl1pPr algn="l">
+              <a:defRPr sz="1200"/>
+            </a:lvl1pPr>
+          </a:lstStyle>
+          <a:p>
+            <a:r>
+              <a:rPr kumimoji="1" lang="ja-JP" altLang="en-US" smtClean="0"/>
+              <a:t>あ</a:t>
+            </a:r>
+            <a:endParaRPr kumimoji="1" lang="ja-JP" altLang="en-US"/>
+          </a:p>
+        </p:txBody>
+      </p:sp>
+      <p:sp>
+        <p:nvSpPr>
+          <p:cNvPr id="3" name="日付プレースホルダー 2"/>
+          <p:cNvSpPr>
+            <a:spLocks noGrp="1"/>
+          </p:cNvSpPr>
+          <p:nvPr>
+            <p:ph type="dt" sz="quarter" idx="1"/>
+          </p:nvPr>
+        </p:nvSpPr>
+        <p:spPr>
+          <a:xfrm>
+            <a:off x="5633588" y="1"/>
+            <a:ext cx="4309798" cy="344091"/>
+          </a:xfrm>
+          <a:prstGeom prst="rect">
+            <a:avLst/>
+          </a:prstGeom>
+        </p:spPr>
+        <p:txBody>
+          <a:bodyPr vert="horz" lIns="91440" tIns="45720" rIns="91440" bIns="45720" rtlCol="0"/>
+          <a:lstStyle>
+            <a:lvl1pPr algn="r">
+              <a:defRPr sz="1200"/>
+            </a:lvl1pPr>
+          </a:lstStyle>
+          <a:p>
+            <a:fld id="{68C4EBA0-BD0C-4BCD-8001-6D486E42D66F}" type="datetime1">
+              <a:rPr kumimoji="1" lang="ja-JP" altLang="en-US" smtClean="0"/>
+              <a:t>2018/6/29</a:t>
+            </a:fld>
+            <a:endParaRPr kumimoji="1" lang="ja-JP" altLang="en-US"/>
+          </a:p>
+        </p:txBody>
+      </p:sp>
+      <p:sp>
+        <p:nvSpPr>
+          <p:cNvPr id="4" name="フッター プレースホルダー 3"/>
+          <p:cNvSpPr>
+            <a:spLocks noGrp="1"/>
+          </p:cNvSpPr>
+          <p:nvPr>
+            <p:ph type="ftr" sz="quarter" idx="2"/>
+          </p:nvPr>
+        </p:nvSpPr>
+        <p:spPr>
+          <a:xfrm>
+            <a:off x="0" y="6513910"/>
+            <a:ext cx="4309798" cy="344090"/>
+          </a:xfrm>
+          <a:prstGeom prst="rect">
+            <a:avLst/>
+          </a:prstGeom>
+        </p:spPr>
+        <p:txBody>
+          <a:bodyPr vert="horz" lIns="91440" tIns="45720" rIns="91440" bIns="45720" rtlCol="0" anchor="b"/>
+          <a:lstStyle>
+            <a:lvl1pPr algn="l">
+              <a:defRPr sz="1200"/>
+            </a:lvl1pPr>
+          </a:lstStyle>
+          <a:p>
+            <a:endParaRPr kumimoji="1" lang="ja-JP" altLang="en-US"/>
+          </a:p>
+        </p:txBody>
+      </p:sp>
+      <p:sp>
+        <p:nvSpPr>
+          <p:cNvPr id="5" name="スライド番号プレースホルダー 4"/>
+          <p:cNvSpPr>
+            <a:spLocks noGrp="1"/>
+          </p:cNvSpPr>
+          <p:nvPr>
+            <p:ph type="sldNum" sz="quarter" idx="3"/>
+          </p:nvPr>
+        </p:nvSpPr>
+        <p:spPr>
+          <a:xfrm>
+            <a:off x="5633588" y="6513910"/>
+            <a:ext cx="4309798" cy="344090"/>
+          </a:xfrm>
+          <a:prstGeom prst="rect">
+            <a:avLst/>
+          </a:prstGeom>
+        </p:spPr>
+        <p:txBody>
+          <a:bodyPr vert="horz" lIns="91440" tIns="45720" rIns="91440" bIns="45720" rtlCol="0" anchor="b"/>
+          <a:lstStyle>
+            <a:lvl1pPr algn="r">
+              <a:defRPr sz="1200"/>
+            </a:lvl1pPr>
+          </a:lstStyle>
+          <a:p>
+            <a:fld id="{1E4D7EB5-8C84-4399-B2B8-C689B18A3CB8}" type="slidenum">
+              <a:rPr kumimoji="1" lang="ja-JP" altLang="en-US" smtClean="0"/>
+              <a:t>‹#›</a:t>
+            </a:fld>
+            <a:endParaRPr kumimoji="1" lang="ja-JP" altLang="en-US"/>
+          </a:p>
+        </p:txBody>
+      </p:sp>
+    </p:spTree>
+    <p:extLst>
+      <p:ext uri="{BB962C8B-B14F-4D97-AF65-F5344CB8AC3E}">
+        <p14:creationId xmlns:p14="http://schemas.microsoft.com/office/powerpoint/2010/main" val="1012827280"/>
+      </p:ext>
+    </p:extLst>
+  </p:cSld>
+  <p:clrMap bg1="lt1" tx1="dk1" bg2="lt2" tx2="dk2" accent1="accent1" accent2="accent2" accent3="accent3" accent4="accent4" accent5="accent5" accent6="accent6" hlink="hlink" folHlink="folHlink"/>
+  <p:hf sldNum="0" hdr="0" ftr="0" dt="0"/>
+</p:handoutMaster>
+</file>
+
 <file path=ppt/notesMasters/notesMaster1.xml><?xml version="1.0" encoding="utf-8"?>
 <p:notesMaster xmlns:a="http://schemas.openxmlformats.org/drawingml/2006/main" xmlns:r="http://schemas.openxmlformats.org/officeDocument/2006/relationships" xmlns:p="http://schemas.openxmlformats.org/presentationml/2006/main">
   <p:cSld>
@@ -1252,8 +1425,8 @@
         </p:nvSpPr>
         <p:spPr>
           <a:xfrm>
-            <a:off x="0" y="0"/>
-            <a:ext cx="2971800" cy="458788"/>
+            <a:off x="0" y="1"/>
+            <a:ext cx="4309798" cy="344091"/>
           </a:xfrm>
           <a:prstGeom prst="rect">
             <a:avLst/>
@@ -1267,6 +1440,10 @@
             </a:lvl1pPr>
           </a:lstStyle>
           <a:p>
+            <a:r>
+              <a:rPr kumimoji="1" lang="ja-JP" altLang="en-US" smtClean="0"/>
+              <a:t>あ</a:t>
+            </a:r>
             <a:endParaRPr kumimoji="1" lang="ja-JP" altLang="en-US"/>
           </a:p>
         </p:txBody>
@@ -1283,8 +1460,8 @@
         </p:nvSpPr>
         <p:spPr>
           <a:xfrm>
-            <a:off x="3884613" y="0"/>
-            <a:ext cx="2971800" cy="458788"/>
+            <a:off x="5633588" y="1"/>
+            <a:ext cx="4309798" cy="344091"/>
           </a:xfrm>
           <a:prstGeom prst="rect">
             <a:avLst/>
@@ -1298,7 +1475,7 @@
             </a:lvl1pPr>
           </a:lstStyle>
           <a:p>
-            <a:fld id="{B129BE19-EE0B-4ECE-A8EB-C1F5F7CF3C36}" type="datetimeFigureOut">
+            <a:fld id="{711A0742-B07C-42AE-B0D1-9839BC62FAAE}" type="datetime1">
               <a:rPr kumimoji="1" lang="ja-JP" altLang="en-US" smtClean="0"/>
               <a:t>2018/6/29</a:t>
             </a:fld>
@@ -1318,8 +1495,8 @@
         </p:nvSpPr>
         <p:spPr>
           <a:xfrm>
-            <a:off x="685800" y="1143000"/>
-            <a:ext cx="5486400" cy="3086100"/>
+            <a:off x="2914650" y="857250"/>
+            <a:ext cx="4116388" cy="2314575"/>
           </a:xfrm>
           <a:prstGeom prst="rect">
             <a:avLst/>
@@ -1351,8 +1528,8 @@
         </p:nvSpPr>
         <p:spPr>
           <a:xfrm>
-            <a:off x="685800" y="4400550"/>
-            <a:ext cx="5486400" cy="3600450"/>
+            <a:off x="994569" y="3300412"/>
+            <a:ext cx="7956550" cy="2700338"/>
           </a:xfrm>
           <a:prstGeom prst="rect">
             <a:avLst/>
@@ -1443,8 +1620,8 @@
         </p:nvSpPr>
         <p:spPr>
           <a:xfrm>
-            <a:off x="0" y="8685213"/>
-            <a:ext cx="2971800" cy="458787"/>
+            <a:off x="0" y="6513910"/>
+            <a:ext cx="4309798" cy="344090"/>
           </a:xfrm>
           <a:prstGeom prst="rect">
             <a:avLst/>
@@ -1474,8 +1651,8 @@
         </p:nvSpPr>
         <p:spPr>
           <a:xfrm>
-            <a:off x="3884613" y="8685213"/>
-            <a:ext cx="2971800" cy="458787"/>
+            <a:off x="5633588" y="6513910"/>
+            <a:ext cx="4309798" cy="344090"/>
           </a:xfrm>
           <a:prstGeom prst="rect">
             <a:avLst/>
@@ -1505,6 +1682,7 @@
     </p:extLst>
   </p:cSld>
   <p:clrMap bg1="lt1" tx1="dk1" bg2="lt2" tx2="dk2" accent1="accent1" accent2="accent2" accent3="accent3" accent4="accent4" accent5="accent5" accent6="accent6" hlink="hlink" folHlink="folHlink"/>
+  <p:hf sldNum="0" hdr="0" ftr="0" dt="0"/>
   <p:notesStyle>
     <a:lvl1pPr marL="0" algn="l" defTabSz="914400" rtl="0" eaLnBrk="1" latinLnBrk="0" hangingPunct="1">
       <a:defRPr kumimoji="1" sz="1200" kern="1200">
@@ -1649,29 +1827,6 @@
               <a:t>開発要求の条と同一</a:t>
             </a:r>
             <a:endParaRPr kumimoji="1" lang="ja-JP" altLang="en-US" dirty="0"/>
-          </a:p>
-        </p:txBody>
-      </p:sp>
-      <p:sp>
-        <p:nvSpPr>
-          <p:cNvPr id="4" name="スライド番号プレースホルダー 3"/>
-          <p:cNvSpPr>
-            <a:spLocks noGrp="1"/>
-          </p:cNvSpPr>
-          <p:nvPr>
-            <p:ph type="sldNum" sz="quarter" idx="10"/>
-          </p:nvPr>
-        </p:nvSpPr>
-        <p:spPr/>
-        <p:txBody>
-          <a:bodyPr/>
-          <a:lstStyle/>
-          <a:p>
-            <a:fld id="{D095581C-3F27-4A64-B7E8-A2278E3C6894}" type="slidenum">
-              <a:rPr kumimoji="1" lang="ja-JP" altLang="en-US" smtClean="0"/>
-              <a:t>2</a:t>
-            </a:fld>
-            <a:endParaRPr kumimoji="1" lang="ja-JP" altLang="en-US"/>
           </a:p>
         </p:txBody>
       </p:sp>
@@ -8246,13 +8401,13 @@
   <p:clrMapOvr>
     <a:masterClrMapping/>
   </p:clrMapOvr>
-  <mc:AlternateContent xmlns:mc="http://schemas.openxmlformats.org/markup-compatibility/2006">
-    <mc:Choice xmlns:p14="http://schemas.microsoft.com/office/powerpoint/2010/main" Requires="p14">
+  <mc:AlternateContent xmlns:mc="http://schemas.openxmlformats.org/markup-compatibility/2006" xmlns:p14="http://schemas.microsoft.com/office/powerpoint/2010/main">
+    <mc:Choice Requires="p14">
       <p:transition spd="med" p14:dur="700">
         <p:fade/>
       </p:transition>
     </mc:Choice>
-    <mc:Fallback>
+    <mc:Fallback xmlns="">
       <p:transition spd="med">
         <p:fade/>
       </p:transition>
@@ -8337,13 +8492,13 @@
   <p:clrMapOvr>
     <a:masterClrMapping/>
   </p:clrMapOvr>
-  <mc:AlternateContent xmlns:mc="http://schemas.openxmlformats.org/markup-compatibility/2006">
-    <mc:Choice xmlns:p14="http://schemas.microsoft.com/office/powerpoint/2010/main" Requires="p14">
+  <mc:AlternateContent xmlns:mc="http://schemas.openxmlformats.org/markup-compatibility/2006" xmlns:p14="http://schemas.microsoft.com/office/powerpoint/2010/main">
+    <mc:Choice Requires="p14">
       <p:transition spd="med" p14:dur="700">
         <p:fade/>
       </p:transition>
     </mc:Choice>
-    <mc:Fallback>
+    <mc:Fallback xmlns="">
       <p:transition spd="med">
         <p:fade/>
       </p:transition>
@@ -8596,13 +8751,13 @@
   <p:clrMapOvr>
     <a:masterClrMapping/>
   </p:clrMapOvr>
-  <mc:AlternateContent xmlns:mc="http://schemas.openxmlformats.org/markup-compatibility/2006">
-    <mc:Choice xmlns:p14="http://schemas.microsoft.com/office/powerpoint/2010/main" Requires="p14">
+  <mc:AlternateContent xmlns:mc="http://schemas.openxmlformats.org/markup-compatibility/2006" xmlns:p14="http://schemas.microsoft.com/office/powerpoint/2010/main">
+    <mc:Choice Requires="p14">
       <p:transition spd="med" p14:dur="700">
         <p:fade/>
       </p:transition>
     </mc:Choice>
-    <mc:Fallback>
+    <mc:Fallback xmlns="">
       <p:transition spd="med">
         <p:fade/>
       </p:transition>
@@ -11125,13 +11280,13 @@
   <p:clrMapOvr>
     <a:masterClrMapping/>
   </p:clrMapOvr>
-  <mc:AlternateContent xmlns:mc="http://schemas.openxmlformats.org/markup-compatibility/2006">
-    <mc:Choice xmlns:p14="http://schemas.microsoft.com/office/powerpoint/2010/main" Requires="p14">
+  <mc:AlternateContent xmlns:mc="http://schemas.openxmlformats.org/markup-compatibility/2006" xmlns:p14="http://schemas.microsoft.com/office/powerpoint/2010/main">
+    <mc:Choice Requires="p14">
       <p:transition spd="med" p14:dur="700">
         <p:fade/>
       </p:transition>
     </mc:Choice>
-    <mc:Fallback>
+    <mc:Fallback xmlns="">
       <p:transition spd="med">
         <p:fade/>
       </p:transition>
@@ -12044,13 +12199,13 @@
   <p:clrMapOvr>
     <a:masterClrMapping/>
   </p:clrMapOvr>
-  <mc:AlternateContent xmlns:mc="http://schemas.openxmlformats.org/markup-compatibility/2006">
-    <mc:Choice xmlns:p14="http://schemas.microsoft.com/office/powerpoint/2010/main" Requires="p14">
+  <mc:AlternateContent xmlns:mc="http://schemas.openxmlformats.org/markup-compatibility/2006" xmlns:p14="http://schemas.microsoft.com/office/powerpoint/2010/main">
+    <mc:Choice Requires="p14">
       <p:transition spd="med" p14:dur="700">
         <p:fade/>
       </p:transition>
     </mc:Choice>
-    <mc:Fallback>
+    <mc:Fallback xmlns="">
       <p:transition spd="med">
         <p:fade/>
       </p:transition>
@@ -12135,13 +12290,13 @@
   <p:clrMapOvr>
     <a:masterClrMapping/>
   </p:clrMapOvr>
-  <mc:AlternateContent xmlns:mc="http://schemas.openxmlformats.org/markup-compatibility/2006">
-    <mc:Choice xmlns:p14="http://schemas.microsoft.com/office/powerpoint/2010/main" Requires="p14">
+  <mc:AlternateContent xmlns:mc="http://schemas.openxmlformats.org/markup-compatibility/2006" xmlns:p14="http://schemas.microsoft.com/office/powerpoint/2010/main">
+    <mc:Choice Requires="p14">
       <p:transition spd="med" p14:dur="700">
         <p:fade/>
       </p:transition>
     </mc:Choice>
-    <mc:Fallback>
+    <mc:Fallback xmlns="">
       <p:transition spd="med">
         <p:fade/>
       </p:transition>
@@ -12323,11 +12478,7 @@
           <a:p>
             <a:r>
               <a:rPr lang="ja-JP" altLang="en-US" dirty="0" smtClean="0"/>
-              <a:t>モバイル連携 →</a:t>
-            </a:r>
-            <a:r>
-              <a:rPr lang="ja-JP" altLang="en-US" dirty="0" smtClean="0"/>
-              <a:t>ブラウザから確認。</a:t>
+              <a:t>モバイル連携 →ブラウザから確認。</a:t>
             </a:r>
           </a:p>
           <a:p>
@@ -12535,11 +12686,11 @@
   <p:clrMapOvr>
     <a:masterClrMapping/>
   </p:clrMapOvr>
-  <mc:AlternateContent xmlns:mc="http://schemas.openxmlformats.org/markup-compatibility/2006">
-    <mc:Choice xmlns:p14="http://schemas.microsoft.com/office/powerpoint/2010/main" Requires="p14">
+  <mc:AlternateContent xmlns:mc="http://schemas.openxmlformats.org/markup-compatibility/2006" xmlns:p14="http://schemas.microsoft.com/office/powerpoint/2010/main">
+    <mc:Choice Requires="p14">
       <p:transition spd="slow" p14:dur="2000"/>
     </mc:Choice>
-    <mc:Fallback>
+    <mc:Fallback xmlns="">
       <p:transition spd="slow"/>
     </mc:Fallback>
   </mc:AlternateContent>
@@ -13073,4 +13224,265 @@
     </a:ext>
   </a:extLst>
 </a:theme>
+</file>
+
+<file path=ppt/theme/theme3.xml><?xml version="1.0" encoding="utf-8"?>
+<a:theme xmlns:a="http://schemas.openxmlformats.org/drawingml/2006/main" name="Office テーマ">
+  <a:themeElements>
+    <a:clrScheme name="Office">
+      <a:dk1>
+        <a:sysClr val="windowText" lastClr="000000"/>
+      </a:dk1>
+      <a:lt1>
+        <a:sysClr val="window" lastClr="FFFFFF"/>
+      </a:lt1>
+      <a:dk2>
+        <a:srgbClr val="44546A"/>
+      </a:dk2>
+      <a:lt2>
+        <a:srgbClr val="E7E6E6"/>
+      </a:lt2>
+      <a:accent1>
+        <a:srgbClr val="5B9BD5"/>
+      </a:accent1>
+      <a:accent2>
+        <a:srgbClr val="ED7D31"/>
+      </a:accent2>
+      <a:accent3>
+        <a:srgbClr val="A5A5A5"/>
+      </a:accent3>
+      <a:accent4>
+        <a:srgbClr val="FFC000"/>
+      </a:accent4>
+      <a:accent5>
+        <a:srgbClr val="4472C4"/>
+      </a:accent5>
+      <a:accent6>
+        <a:srgbClr val="70AD47"/>
+      </a:accent6>
+      <a:hlink>
+        <a:srgbClr val="0563C1"/>
+      </a:hlink>
+      <a:folHlink>
+        <a:srgbClr val="954F72"/>
+      </a:folHlink>
+    </a:clrScheme>
+    <a:fontScheme name="Office">
+      <a:majorFont>
+        <a:latin typeface="游ゴシック Light" panose="020F0302020204030204"/>
+        <a:ea typeface=""/>
+        <a:cs typeface=""/>
+        <a:font script="Jpan" typeface="游ゴシック Light"/>
+        <a:font script="Hang" typeface="맑은 고딕"/>
+        <a:font script="Hans" typeface="等线 Light"/>
+        <a:font script="Hant" typeface="新細明體"/>
+        <a:font script="Arab" typeface="Times New Roman"/>
+        <a:font script="Hebr" typeface="Times New Roman"/>
+        <a:font script="Thai" typeface="Angsana New"/>
+        <a:font script="Ethi" typeface="Nyala"/>
+        <a:font script="Beng" typeface="Vrinda"/>
+        <a:font script="Gujr" typeface="Shruti"/>
+        <a:font script="Khmr" typeface="MoolBoran"/>
+        <a:font script="Knda" typeface="Tunga"/>
+        <a:font script="Guru" typeface="Raavi"/>
+        <a:font script="Cans" typeface="Euphemia"/>
+        <a:font script="Cher" typeface="Plantagenet Cherokee"/>
+        <a:font script="Yiii" typeface="Microsoft Yi Baiti"/>
+        <a:font script="Tibt" typeface="Microsoft Himalaya"/>
+        <a:font script="Thaa" typeface="MV Boli"/>
+        <a:font script="Deva" typeface="Mangal"/>
+        <a:font script="Telu" typeface="Gautami"/>
+        <a:font script="Taml" typeface="Latha"/>
+        <a:font script="Syrc" typeface="Estrangelo Edessa"/>
+        <a:font script="Orya" typeface="Kalinga"/>
+        <a:font script="Mlym" typeface="Kartika"/>
+        <a:font script="Laoo" typeface="DokChampa"/>
+        <a:font script="Sinh" typeface="Iskoola Pota"/>
+        <a:font script="Mong" typeface="Mongolian Baiti"/>
+        <a:font script="Viet" typeface="Times New Roman"/>
+        <a:font script="Uigh" typeface="Microsoft Uighur"/>
+        <a:font script="Geor" typeface="Sylfaen"/>
+      </a:majorFont>
+      <a:minorFont>
+        <a:latin typeface="游ゴシック" panose="020F0502020204030204"/>
+        <a:ea typeface=""/>
+        <a:cs typeface=""/>
+        <a:font script="Jpan" typeface="游ゴシック"/>
+        <a:font script="Hang" typeface="맑은 고딕"/>
+        <a:font script="Hans" typeface="等线"/>
+        <a:font script="Hant" typeface="新細明體"/>
+        <a:font script="Arab" typeface="Arial"/>
+        <a:font script="Hebr" typeface="Arial"/>
+        <a:font script="Thai" typeface="Cordia New"/>
+        <a:font script="Ethi" typeface="Nyala"/>
+        <a:font script="Beng" typeface="Vrinda"/>
+        <a:font script="Gujr" typeface="Shruti"/>
+        <a:font script="Khmr" typeface="DaunPenh"/>
+        <a:font script="Knda" typeface="Tunga"/>
+        <a:font script="Guru" typeface="Raavi"/>
+        <a:font script="Cans" typeface="Euphemia"/>
+        <a:font script="Cher" typeface="Plantagenet Cherokee"/>
+        <a:font script="Yiii" typeface="Microsoft Yi Baiti"/>
+        <a:font script="Tibt" typeface="Microsoft Himalaya"/>
+        <a:font script="Thaa" typeface="MV Boli"/>
+        <a:font script="Deva" typeface="Mangal"/>
+        <a:font script="Telu" typeface="Gautami"/>
+        <a:font script="Taml" typeface="Latha"/>
+        <a:font script="Syrc" typeface="Estrangelo Edessa"/>
+        <a:font script="Orya" typeface="Kalinga"/>
+        <a:font script="Mlym" typeface="Kartika"/>
+        <a:font script="Laoo" typeface="DokChampa"/>
+        <a:font script="Sinh" typeface="Iskoola Pota"/>
+        <a:font script="Mong" typeface="Mongolian Baiti"/>
+        <a:font script="Viet" typeface="Arial"/>
+        <a:font script="Uigh" typeface="Microsoft Uighur"/>
+        <a:font script="Geor" typeface="Sylfaen"/>
+      </a:minorFont>
+    </a:fontScheme>
+    <a:fmtScheme name="Office">
+      <a:fillStyleLst>
+        <a:solidFill>
+          <a:schemeClr val="phClr"/>
+        </a:solidFill>
+        <a:gradFill rotWithShape="1">
+          <a:gsLst>
+            <a:gs pos="0">
+              <a:schemeClr val="phClr">
+                <a:lumMod val="110000"/>
+                <a:satMod val="105000"/>
+                <a:tint val="67000"/>
+              </a:schemeClr>
+            </a:gs>
+            <a:gs pos="50000">
+              <a:schemeClr val="phClr">
+                <a:lumMod val="105000"/>
+                <a:satMod val="103000"/>
+                <a:tint val="73000"/>
+              </a:schemeClr>
+            </a:gs>
+            <a:gs pos="100000">
+              <a:schemeClr val="phClr">
+                <a:lumMod val="105000"/>
+                <a:satMod val="109000"/>
+                <a:tint val="81000"/>
+              </a:schemeClr>
+            </a:gs>
+          </a:gsLst>
+          <a:lin ang="5400000" scaled="0"/>
+        </a:gradFill>
+        <a:gradFill rotWithShape="1">
+          <a:gsLst>
+            <a:gs pos="0">
+              <a:schemeClr val="phClr">
+                <a:satMod val="103000"/>
+                <a:lumMod val="102000"/>
+                <a:tint val="94000"/>
+              </a:schemeClr>
+            </a:gs>
+            <a:gs pos="50000">
+              <a:schemeClr val="phClr">
+                <a:satMod val="110000"/>
+                <a:lumMod val="100000"/>
+                <a:shade val="100000"/>
+              </a:schemeClr>
+            </a:gs>
+            <a:gs pos="100000">
+              <a:schemeClr val="phClr">
+                <a:lumMod val="99000"/>
+                <a:satMod val="120000"/>
+                <a:shade val="78000"/>
+              </a:schemeClr>
+            </a:gs>
+          </a:gsLst>
+          <a:lin ang="5400000" scaled="0"/>
+        </a:gradFill>
+      </a:fillStyleLst>
+      <a:lnStyleLst>
+        <a:ln w="6350" cap="flat" cmpd="sng" algn="ctr">
+          <a:solidFill>
+            <a:schemeClr val="phClr"/>
+          </a:solidFill>
+          <a:prstDash val="solid"/>
+          <a:miter lim="800000"/>
+        </a:ln>
+        <a:ln w="12700" cap="flat" cmpd="sng" algn="ctr">
+          <a:solidFill>
+            <a:schemeClr val="phClr"/>
+          </a:solidFill>
+          <a:prstDash val="solid"/>
+          <a:miter lim="800000"/>
+        </a:ln>
+        <a:ln w="19050" cap="flat" cmpd="sng" algn="ctr">
+          <a:solidFill>
+            <a:schemeClr val="phClr"/>
+          </a:solidFill>
+          <a:prstDash val="solid"/>
+          <a:miter lim="800000"/>
+        </a:ln>
+      </a:lnStyleLst>
+      <a:effectStyleLst>
+        <a:effectStyle>
+          <a:effectLst/>
+        </a:effectStyle>
+        <a:effectStyle>
+          <a:effectLst/>
+        </a:effectStyle>
+        <a:effectStyle>
+          <a:effectLst>
+            <a:outerShdw blurRad="57150" dist="19050" dir="5400000" algn="ctr" rotWithShape="0">
+              <a:srgbClr val="000000">
+                <a:alpha val="63000"/>
+              </a:srgbClr>
+            </a:outerShdw>
+          </a:effectLst>
+        </a:effectStyle>
+      </a:effectStyleLst>
+      <a:bgFillStyleLst>
+        <a:solidFill>
+          <a:schemeClr val="phClr"/>
+        </a:solidFill>
+        <a:solidFill>
+          <a:schemeClr val="phClr">
+            <a:tint val="95000"/>
+            <a:satMod val="170000"/>
+          </a:schemeClr>
+        </a:solidFill>
+        <a:gradFill rotWithShape="1">
+          <a:gsLst>
+            <a:gs pos="0">
+              <a:schemeClr val="phClr">
+                <a:tint val="93000"/>
+                <a:satMod val="150000"/>
+                <a:shade val="98000"/>
+                <a:lumMod val="102000"/>
+              </a:schemeClr>
+            </a:gs>
+            <a:gs pos="50000">
+              <a:schemeClr val="phClr">
+                <a:tint val="98000"/>
+                <a:satMod val="130000"/>
+                <a:shade val="90000"/>
+                <a:lumMod val="103000"/>
+              </a:schemeClr>
+            </a:gs>
+            <a:gs pos="100000">
+              <a:schemeClr val="phClr">
+                <a:shade val="63000"/>
+                <a:satMod val="120000"/>
+              </a:schemeClr>
+            </a:gs>
+          </a:gsLst>
+          <a:lin ang="5400000" scaled="0"/>
+        </a:gradFill>
+      </a:bgFillStyleLst>
+    </a:fmtScheme>
+  </a:themeElements>
+  <a:objectDefaults/>
+  <a:extraClrSchemeLst/>
+  <a:extLst>
+    <a:ext uri="{05A4C25C-085E-4340-85A3-A5531E510DB2}">
+      <thm15:themeFamily xmlns:thm15="http://schemas.microsoft.com/office/thememl/2012/main" name="Office Theme" id="{62F939B6-93AF-4DB8-9C6B-D6C7DFDC589F}" vid="{4A3C46E8-61CC-4603-A589-7422A47A8E4A}"/>
+    </a:ext>
+  </a:extLst>
+</a:theme>
 </file>